--- a/Haptics_Presentation.pptx
+++ b/Haptics_Presentation.pptx
@@ -5,30 +5,32 @@
     <p:sldMasterId id="2147483648" r:id="rId1"/>
   </p:sldMasterIdLst>
   <p:notesMasterIdLst>
-    <p:notesMasterId r:id="rId20"/>
+    <p:notesMasterId r:id="rId22"/>
   </p:notesMasterIdLst>
   <p:handoutMasterIdLst>
-    <p:handoutMasterId r:id="rId21"/>
+    <p:handoutMasterId r:id="rId23"/>
   </p:handoutMasterIdLst>
   <p:sldIdLst>
     <p:sldId id="256" r:id="rId2"/>
     <p:sldId id="257" r:id="rId3"/>
-    <p:sldId id="268" r:id="rId4"/>
-    <p:sldId id="263" r:id="rId5"/>
-    <p:sldId id="262" r:id="rId6"/>
-    <p:sldId id="264" r:id="rId7"/>
-    <p:sldId id="265" r:id="rId8"/>
-    <p:sldId id="269" r:id="rId9"/>
-    <p:sldId id="266" r:id="rId10"/>
-    <p:sldId id="270" r:id="rId11"/>
-    <p:sldId id="271" r:id="rId12"/>
-    <p:sldId id="272" r:id="rId13"/>
-    <p:sldId id="273" r:id="rId14"/>
-    <p:sldId id="267" r:id="rId15"/>
-    <p:sldId id="259" r:id="rId16"/>
-    <p:sldId id="261" r:id="rId17"/>
-    <p:sldId id="260" r:id="rId18"/>
-    <p:sldId id="258" r:id="rId19"/>
+    <p:sldId id="276" r:id="rId4"/>
+    <p:sldId id="274" r:id="rId5"/>
+    <p:sldId id="268" r:id="rId6"/>
+    <p:sldId id="263" r:id="rId7"/>
+    <p:sldId id="262" r:id="rId8"/>
+    <p:sldId id="264" r:id="rId9"/>
+    <p:sldId id="265" r:id="rId10"/>
+    <p:sldId id="269" r:id="rId11"/>
+    <p:sldId id="266" r:id="rId12"/>
+    <p:sldId id="270" r:id="rId13"/>
+    <p:sldId id="271" r:id="rId14"/>
+    <p:sldId id="272" r:id="rId15"/>
+    <p:sldId id="273" r:id="rId16"/>
+    <p:sldId id="267" r:id="rId17"/>
+    <p:sldId id="259" r:id="rId18"/>
+    <p:sldId id="261" r:id="rId19"/>
+    <p:sldId id="260" r:id="rId20"/>
+    <p:sldId id="258" r:id="rId21"/>
   </p:sldIdLst>
   <p:sldSz cx="9144000" cy="6858000" type="screen4x3"/>
   <p:notesSz cx="6858000" cy="9144000"/>
@@ -1011,6 +1013,91 @@
 </p:notes>
 </file>
 
+<file path=ppt/notesSlides/notesSlide3.xml><?xml version="1.0" encoding="utf-8"?>
+<p:notes xmlns:a="http://schemas.openxmlformats.org/drawingml/2006/main" xmlns:r="http://schemas.openxmlformats.org/officeDocument/2006/relationships" xmlns:p="http://schemas.openxmlformats.org/presentationml/2006/main">
+  <p:cSld>
+    <p:spTree>
+      <p:nvGrpSpPr>
+        <p:cNvPr id="1" name=""/>
+        <p:cNvGrpSpPr/>
+        <p:nvPr/>
+      </p:nvGrpSpPr>
+      <p:grpSpPr>
+        <a:xfrm>
+          <a:off x="0" y="0"/>
+          <a:ext cx="0" cy="0"/>
+          <a:chOff x="0" y="0"/>
+          <a:chExt cx="0" cy="0"/>
+        </a:xfrm>
+      </p:grpSpPr>
+      <p:sp>
+        <p:nvSpPr>
+          <p:cNvPr id="2" name="Folienbildplatzhalter 1"/>
+          <p:cNvSpPr>
+            <a:spLocks noGrp="1" noRot="1" noChangeAspect="1"/>
+          </p:cNvSpPr>
+          <p:nvPr>
+            <p:ph type="sldImg"/>
+          </p:nvPr>
+        </p:nvSpPr>
+        <p:spPr/>
+      </p:sp>
+      <p:sp>
+        <p:nvSpPr>
+          <p:cNvPr id="3" name="Notizenplatzhalter 2"/>
+          <p:cNvSpPr>
+            <a:spLocks noGrp="1"/>
+          </p:cNvSpPr>
+          <p:nvPr>
+            <p:ph type="body" idx="1"/>
+          </p:nvPr>
+        </p:nvSpPr>
+        <p:spPr/>
+        <p:txBody>
+          <a:bodyPr/>
+          <a:lstStyle/>
+          <a:p>
+            <a:endParaRPr lang="de-DE"/>
+          </a:p>
+        </p:txBody>
+      </p:sp>
+      <p:sp>
+        <p:nvSpPr>
+          <p:cNvPr id="4" name="Foliennummernplatzhalter 3"/>
+          <p:cNvSpPr>
+            <a:spLocks noGrp="1"/>
+          </p:cNvSpPr>
+          <p:nvPr>
+            <p:ph type="sldNum" sz="quarter" idx="10"/>
+          </p:nvPr>
+        </p:nvSpPr>
+        <p:spPr/>
+        <p:txBody>
+          <a:bodyPr/>
+          <a:lstStyle/>
+          <a:p>
+            <a:fld id="{224B126A-EBFB-3945-B395-849A2AAB6EE9}" type="slidenum">
+              <a:rPr lang="de-DE" smtClean="0"/>
+              <a:pPr/>
+              <a:t>4</a:t>
+            </a:fld>
+            <a:endParaRPr lang="de-DE"/>
+          </a:p>
+        </p:txBody>
+      </p:sp>
+    </p:spTree>
+    <p:extLst>
+      <p:ext uri="{BB962C8B-B14F-4D97-AF65-F5344CB8AC3E}">
+        <p14:creationId xmlns:p14="http://schemas.microsoft.com/office/powerpoint/2010/main" val="3416692730"/>
+      </p:ext>
+    </p:extLst>
+  </p:cSld>
+  <p:clrMapOvr>
+    <a:masterClrMapping/>
+  </p:clrMapOvr>
+</p:notes>
+</file>
+
 <file path=ppt/slideLayouts/slideLayout1.xml><?xml version="1.0" encoding="utf-8"?>
 <p:sldLayout xmlns:a="http://schemas.openxmlformats.org/drawingml/2006/main" xmlns:r="http://schemas.openxmlformats.org/officeDocument/2006/relationships" xmlns:p="http://schemas.openxmlformats.org/presentationml/2006/main" showMasterSp="0" type="title" preserve="1">
   <p:cSld name="Titelfolie">
@@ -1482,9 +1569,9 @@
             </a:lvl1pPr>
           </a:lstStyle>
           <a:p>
-            <a:fld id="{C8AFF1F9-9510-4B10-82CE-48AF128FE261}" type="datetime1">
+            <a:fld id="{8F5CB5E2-7C9C-4C5B-9DA5-0EA99E650B91}" type="datetime1">
               <a:rPr lang="de-DE" noProof="0" smtClean="0"/>
-              <a:t>05.08.2015</a:t>
+              <a:t>06.08.2015</a:t>
             </a:fld>
             <a:endParaRPr lang="en-US" noProof="0"/>
           </a:p>
@@ -1948,9 +2035,9 @@
             </a:lvl1pPr>
           </a:lstStyle>
           <a:p>
-            <a:fld id="{E9AA2F2B-5697-4072-AB8C-9EFB13B67D7C}" type="datetime1">
+            <a:fld id="{B9DDE0D6-F2D4-4DAF-806D-E2C13DCE8831}" type="datetime1">
               <a:rPr lang="de-DE" noProof="0" smtClean="0"/>
-              <a:t>05.08.2015</a:t>
+              <a:t>06.08.2015</a:t>
             </a:fld>
             <a:endParaRPr lang="en-US" noProof="0"/>
           </a:p>
@@ -2300,9 +2387,9 @@
             </a:lvl1pPr>
           </a:lstStyle>
           <a:p>
-            <a:fld id="{5672D165-0BF0-4DDA-B0E8-6B2241B2352E}" type="datetime1">
+            <a:fld id="{B328BD0B-144B-4771-A6F1-C96D674AB00F}" type="datetime1">
               <a:rPr lang="de-DE" smtClean="0"/>
-              <a:t>05.08.2015</a:t>
+              <a:t>06.08.2015</a:t>
             </a:fld>
             <a:endParaRPr lang="en-US" dirty="0"/>
           </a:p>
@@ -3440,15 +3527,15 @@
                 <a:ea typeface="ＭＳ Ｐゴシック" charset="0"/>
                 <a:cs typeface="ＭＳ Ｐゴシック" charset="0"/>
               </a:rPr>
-              <a:t>Haptic Model </a:t>
-            </a:r>
-            <a:r>
-              <a:rPr lang="en-US" dirty="0" err="1" smtClean="0">
+              <a:t>Haptic </a:t>
+            </a:r>
+            <a:r>
+              <a:rPr lang="en-US" dirty="0" smtClean="0">
                 <a:latin typeface="Arial" charset="0"/>
                 <a:ea typeface="ＭＳ Ｐゴシック" charset="0"/>
                 <a:cs typeface="ＭＳ Ｐゴシック" charset="0"/>
               </a:rPr>
-              <a:t>Quizgame</a:t>
+              <a:t>Memory</a:t>
             </a:r>
             <a:endParaRPr lang="en-US" dirty="0" smtClean="0">
               <a:latin typeface="Arial" charset="0"/>
@@ -3809,7 +3896,7 @@
           <a:p>
             <a:r>
               <a:rPr lang="de-DE" dirty="0" smtClean="0"/>
-              <a:t>Optimal Design Process</a:t>
+              <a:t>Force and Velocity: Approach 1</a:t>
             </a:r>
             <a:endParaRPr lang="de-DE" dirty="0"/>
           </a:p>
@@ -3830,9 +3917,9 @@
           <a:bodyPr/>
           <a:lstStyle/>
           <a:p>
-            <a:fld id="{C8AFF1F9-9510-4B10-82CE-48AF128FE261}" type="datetime1">
+            <a:fld id="{42685C72-62E2-47FE-949C-9E3317A801B3}" type="datetime1">
               <a:rPr lang="de-DE" noProof="0" smtClean="0"/>
-              <a:t>05.08.2015</a:t>
+              <a:t>06.08.2015</a:t>
             </a:fld>
             <a:endParaRPr lang="en-US" noProof="0"/>
           </a:p>
@@ -3880,6 +3967,2279 @@
               <a:rPr lang="en-US" noProof="0" smtClean="0"/>
               <a:pPr/>
               <a:t>10</a:t>
+            </a:fld>
+            <a:endParaRPr lang="en-US" noProof="0"/>
+          </a:p>
+        </p:txBody>
+      </p:sp>
+      <p:grpSp>
+        <p:nvGrpSpPr>
+          <p:cNvPr id="14" name="Group 13"/>
+          <p:cNvGrpSpPr/>
+          <p:nvPr/>
+        </p:nvGrpSpPr>
+        <p:grpSpPr>
+          <a:xfrm>
+            <a:off x="894211" y="3114675"/>
+            <a:ext cx="5430389" cy="2699728"/>
+            <a:chOff x="1599062" y="1719618"/>
+            <a:chExt cx="6166513" cy="3769056"/>
+          </a:xfrm>
+        </p:grpSpPr>
+        <p:cxnSp>
+          <p:nvCxnSpPr>
+            <p:cNvPr id="8" name="Straight Arrow Connector 7"/>
+            <p:cNvCxnSpPr/>
+            <p:nvPr/>
+          </p:nvCxnSpPr>
+          <p:spPr bwMode="auto">
+            <a:xfrm>
+              <a:off x="1599062" y="5488674"/>
+              <a:ext cx="6166513" cy="0"/>
+            </a:xfrm>
+            <a:prstGeom prst="straightConnector1">
+              <a:avLst/>
+            </a:prstGeom>
+            <a:solidFill>
+              <a:schemeClr val="accent1"/>
+            </a:solidFill>
+            <a:ln w="57150" cap="flat" cmpd="sng" algn="ctr">
+              <a:solidFill>
+                <a:schemeClr val="tx1"/>
+              </a:solidFill>
+              <a:prstDash val="solid"/>
+              <a:round/>
+              <a:headEnd type="none" w="med" len="med"/>
+              <a:tailEnd type="arrow"/>
+            </a:ln>
+            <a:effectLst/>
+          </p:spPr>
+        </p:cxnSp>
+        <p:cxnSp>
+          <p:nvCxnSpPr>
+            <p:cNvPr id="10" name="Straight Arrow Connector 9"/>
+            <p:cNvCxnSpPr/>
+            <p:nvPr/>
+          </p:nvCxnSpPr>
+          <p:spPr bwMode="auto">
+            <a:xfrm flipV="1">
+              <a:off x="1599062" y="1719618"/>
+              <a:ext cx="0" cy="3769056"/>
+            </a:xfrm>
+            <a:prstGeom prst="straightConnector1">
+              <a:avLst/>
+            </a:prstGeom>
+            <a:solidFill>
+              <a:schemeClr val="accent1"/>
+            </a:solidFill>
+            <a:ln w="57150" cap="flat" cmpd="sng" algn="ctr">
+              <a:solidFill>
+                <a:schemeClr val="tx1"/>
+              </a:solidFill>
+              <a:prstDash val="solid"/>
+              <a:round/>
+              <a:headEnd type="none" w="med" len="med"/>
+              <a:tailEnd type="arrow"/>
+            </a:ln>
+            <a:effectLst/>
+          </p:spPr>
+        </p:cxnSp>
+      </p:grpSp>
+      <p:sp>
+        <p:nvSpPr>
+          <p:cNvPr id="15" name="TextBox 14"/>
+          <p:cNvSpPr txBox="1"/>
+          <p:nvPr/>
+        </p:nvSpPr>
+        <p:spPr>
+          <a:xfrm>
+            <a:off x="163116" y="2714565"/>
+            <a:ext cx="1228299" cy="400110"/>
+          </a:xfrm>
+          <a:prstGeom prst="rect">
+            <a:avLst/>
+          </a:prstGeom>
+          <a:noFill/>
+        </p:spPr>
+        <p:txBody>
+          <a:bodyPr wrap="square" rtlCol="0">
+            <a:spAutoFit/>
+          </a:bodyPr>
+          <a:lstStyle/>
+          <a:p>
+            <a:pPr algn="l"/>
+            <a:r>
+              <a:rPr lang="de-DE" dirty="0" smtClean="0"/>
+              <a:t>Velocity</a:t>
+            </a:r>
+            <a:endParaRPr lang="de-DE" dirty="0"/>
+          </a:p>
+        </p:txBody>
+      </p:sp>
+      <p:sp>
+        <p:nvSpPr>
+          <p:cNvPr id="16" name="TextBox 15"/>
+          <p:cNvSpPr txBox="1"/>
+          <p:nvPr/>
+        </p:nvSpPr>
+        <p:spPr>
+          <a:xfrm>
+            <a:off x="6129778" y="5940626"/>
+            <a:ext cx="1228299" cy="400110"/>
+          </a:xfrm>
+          <a:prstGeom prst="rect">
+            <a:avLst/>
+          </a:prstGeom>
+          <a:noFill/>
+        </p:spPr>
+        <p:txBody>
+          <a:bodyPr wrap="square" rtlCol="0">
+            <a:spAutoFit/>
+          </a:bodyPr>
+          <a:lstStyle/>
+          <a:p>
+            <a:pPr algn="l"/>
+            <a:r>
+              <a:rPr lang="de-DE" dirty="0" smtClean="0"/>
+              <a:t>Force</a:t>
+            </a:r>
+            <a:endParaRPr lang="de-DE" dirty="0"/>
+          </a:p>
+        </p:txBody>
+      </p:sp>
+      <p:grpSp>
+        <p:nvGrpSpPr>
+          <p:cNvPr id="24" name="Group 23"/>
+          <p:cNvGrpSpPr/>
+          <p:nvPr/>
+        </p:nvGrpSpPr>
+        <p:grpSpPr>
+          <a:xfrm>
+            <a:off x="916436" y="3586160"/>
+            <a:ext cx="4694583" cy="2188495"/>
+            <a:chOff x="1632399" y="482643"/>
+            <a:chExt cx="5827596" cy="4406856"/>
+          </a:xfrm>
+        </p:grpSpPr>
+        <p:sp>
+          <p:nvSpPr>
+            <p:cNvPr id="17" name="Rectangle 16"/>
+            <p:cNvSpPr/>
+            <p:nvPr/>
+          </p:nvSpPr>
+          <p:spPr bwMode="auto">
+            <a:xfrm>
+              <a:off x="1632399" y="482643"/>
+              <a:ext cx="5827596" cy="881371"/>
+            </a:xfrm>
+            <a:prstGeom prst="rect">
+              <a:avLst/>
+            </a:prstGeom>
+            <a:solidFill>
+              <a:schemeClr val="tx1">
+                <a:lumMod val="75000"/>
+                <a:lumOff val="25000"/>
+              </a:schemeClr>
+            </a:solidFill>
+            <a:ln w="9525" cap="flat" cmpd="sng" algn="ctr">
+              <a:solidFill>
+                <a:schemeClr val="tx1">
+                  <a:lumMod val="65000"/>
+                  <a:lumOff val="35000"/>
+                </a:schemeClr>
+              </a:solidFill>
+              <a:prstDash val="solid"/>
+              <a:round/>
+              <a:headEnd type="none" w="med" len="med"/>
+              <a:tailEnd type="none" w="med" len="med"/>
+            </a:ln>
+            <a:effectLst/>
+          </p:spPr>
+          <p:txBody>
+            <a:bodyPr vert="horz" wrap="square" lIns="91440" tIns="45720" rIns="91440" bIns="45720" numCol="1" rtlCol="0" anchor="t" anchorCtr="0" compatLnSpc="1">
+              <a:prstTxWarp prst="textNoShape">
+                <a:avLst/>
+              </a:prstTxWarp>
+            </a:bodyPr>
+            <a:lstStyle/>
+            <a:p>
+              <a:pPr marL="0" marR="0" indent="0" algn="r" defTabSz="914400" rtl="0" eaLnBrk="0" fontAlgn="base" latinLnBrk="0" hangingPunct="0">
+                <a:lnSpc>
+                  <a:spcPct val="100000"/>
+                </a:lnSpc>
+                <a:spcBef>
+                  <a:spcPct val="0"/>
+                </a:spcBef>
+                <a:spcAft>
+                  <a:spcPct val="0"/>
+                </a:spcAft>
+                <a:buClrTx/>
+                <a:buSzTx/>
+                <a:buFontTx/>
+                <a:buNone/>
+                <a:tabLst/>
+              </a:pPr>
+              <a:endParaRPr kumimoji="0" lang="de-DE" sz="2000" b="0" i="0" u="none" strike="noStrike" cap="none" normalizeH="0" baseline="0" smtClean="0">
+                <a:ln>
+                  <a:noFill/>
+                </a:ln>
+                <a:solidFill>
+                  <a:schemeClr val="tx1"/>
+                </a:solidFill>
+                <a:effectLst/>
+                <a:latin typeface="Arial" pitchFamily="34" charset="0"/>
+              </a:endParaRPr>
+            </a:p>
+          </p:txBody>
+        </p:sp>
+        <p:sp>
+          <p:nvSpPr>
+            <p:cNvPr id="20" name="Rectangle 19"/>
+            <p:cNvSpPr/>
+            <p:nvPr/>
+          </p:nvSpPr>
+          <p:spPr bwMode="auto">
+            <a:xfrm>
+              <a:off x="1632399" y="4008128"/>
+              <a:ext cx="5827596" cy="881371"/>
+            </a:xfrm>
+            <a:prstGeom prst="rect">
+              <a:avLst/>
+            </a:prstGeom>
+            <a:solidFill>
+              <a:schemeClr val="bg1">
+                <a:lumMod val="95000"/>
+              </a:schemeClr>
+            </a:solidFill>
+            <a:ln w="9525" cap="flat" cmpd="sng" algn="ctr">
+              <a:solidFill>
+                <a:schemeClr val="bg1">
+                  <a:lumMod val="95000"/>
+                </a:schemeClr>
+              </a:solidFill>
+              <a:prstDash val="solid"/>
+              <a:round/>
+              <a:headEnd type="none" w="med" len="med"/>
+              <a:tailEnd type="none" w="med" len="med"/>
+            </a:ln>
+            <a:effectLst/>
+          </p:spPr>
+          <p:txBody>
+            <a:bodyPr vert="horz" wrap="square" lIns="91440" tIns="45720" rIns="91440" bIns="45720" numCol="1" rtlCol="0" anchor="t" anchorCtr="0" compatLnSpc="1">
+              <a:prstTxWarp prst="textNoShape">
+                <a:avLst/>
+              </a:prstTxWarp>
+            </a:bodyPr>
+            <a:lstStyle/>
+            <a:p>
+              <a:pPr marL="0" marR="0" indent="0" algn="r" defTabSz="914400" rtl="0" eaLnBrk="0" fontAlgn="base" latinLnBrk="0" hangingPunct="0">
+                <a:lnSpc>
+                  <a:spcPct val="100000"/>
+                </a:lnSpc>
+                <a:spcBef>
+                  <a:spcPct val="0"/>
+                </a:spcBef>
+                <a:spcAft>
+                  <a:spcPct val="0"/>
+                </a:spcAft>
+                <a:buClrTx/>
+                <a:buSzTx/>
+                <a:buFontTx/>
+                <a:buNone/>
+                <a:tabLst/>
+              </a:pPr>
+              <a:endParaRPr kumimoji="0" lang="de-DE" sz="2000" b="0" i="0" u="none" strike="noStrike" cap="none" normalizeH="0" baseline="0" smtClean="0">
+                <a:ln>
+                  <a:noFill/>
+                </a:ln>
+                <a:solidFill>
+                  <a:schemeClr val="tx1"/>
+                </a:solidFill>
+                <a:effectLst/>
+                <a:latin typeface="Arial" pitchFamily="34" charset="0"/>
+              </a:endParaRPr>
+            </a:p>
+          </p:txBody>
+        </p:sp>
+        <p:sp>
+          <p:nvSpPr>
+            <p:cNvPr id="21" name="Rectangle 20"/>
+            <p:cNvSpPr/>
+            <p:nvPr/>
+          </p:nvSpPr>
+          <p:spPr bwMode="auto">
+            <a:xfrm>
+              <a:off x="1632399" y="3126757"/>
+              <a:ext cx="5827596" cy="881371"/>
+            </a:xfrm>
+            <a:prstGeom prst="rect">
+              <a:avLst/>
+            </a:prstGeom>
+            <a:solidFill>
+              <a:schemeClr val="bg1">
+                <a:lumMod val="85000"/>
+              </a:schemeClr>
+            </a:solidFill>
+            <a:ln w="9525" cap="flat" cmpd="sng" algn="ctr">
+              <a:solidFill>
+                <a:schemeClr val="bg1">
+                  <a:lumMod val="85000"/>
+                </a:schemeClr>
+              </a:solidFill>
+              <a:prstDash val="solid"/>
+              <a:round/>
+              <a:headEnd type="none" w="med" len="med"/>
+              <a:tailEnd type="none" w="med" len="med"/>
+            </a:ln>
+            <a:effectLst/>
+          </p:spPr>
+          <p:txBody>
+            <a:bodyPr vert="horz" wrap="square" lIns="91440" tIns="45720" rIns="91440" bIns="45720" numCol="1" rtlCol="0" anchor="t" anchorCtr="0" compatLnSpc="1">
+              <a:prstTxWarp prst="textNoShape">
+                <a:avLst/>
+              </a:prstTxWarp>
+            </a:bodyPr>
+            <a:lstStyle/>
+            <a:p>
+              <a:pPr marL="0" marR="0" indent="0" algn="r" defTabSz="914400" rtl="0" eaLnBrk="0" fontAlgn="base" latinLnBrk="0" hangingPunct="0">
+                <a:lnSpc>
+                  <a:spcPct val="100000"/>
+                </a:lnSpc>
+                <a:spcBef>
+                  <a:spcPct val="0"/>
+                </a:spcBef>
+                <a:spcAft>
+                  <a:spcPct val="0"/>
+                </a:spcAft>
+                <a:buClrTx/>
+                <a:buSzTx/>
+                <a:buFontTx/>
+                <a:buNone/>
+                <a:tabLst/>
+              </a:pPr>
+              <a:endParaRPr kumimoji="0" lang="de-DE" sz="2000" b="0" i="0" u="none" strike="noStrike" cap="none" normalizeH="0" baseline="0" smtClean="0">
+                <a:ln>
+                  <a:noFill/>
+                </a:ln>
+                <a:solidFill>
+                  <a:schemeClr val="tx1"/>
+                </a:solidFill>
+                <a:effectLst/>
+                <a:latin typeface="Arial" pitchFamily="34" charset="0"/>
+              </a:endParaRPr>
+            </a:p>
+          </p:txBody>
+        </p:sp>
+        <p:sp>
+          <p:nvSpPr>
+            <p:cNvPr id="22" name="Rectangle 21"/>
+            <p:cNvSpPr/>
+            <p:nvPr/>
+          </p:nvSpPr>
+          <p:spPr bwMode="auto">
+            <a:xfrm>
+              <a:off x="1632399" y="2245385"/>
+              <a:ext cx="5827596" cy="881371"/>
+            </a:xfrm>
+            <a:prstGeom prst="rect">
+              <a:avLst/>
+            </a:prstGeom>
+            <a:solidFill>
+              <a:schemeClr val="bg1">
+                <a:lumMod val="65000"/>
+              </a:schemeClr>
+            </a:solidFill>
+            <a:ln w="9525" cap="flat" cmpd="sng" algn="ctr">
+              <a:solidFill>
+                <a:schemeClr val="bg1">
+                  <a:lumMod val="65000"/>
+                </a:schemeClr>
+              </a:solidFill>
+              <a:prstDash val="solid"/>
+              <a:round/>
+              <a:headEnd type="none" w="med" len="med"/>
+              <a:tailEnd type="none" w="med" len="med"/>
+            </a:ln>
+            <a:effectLst/>
+          </p:spPr>
+          <p:txBody>
+            <a:bodyPr vert="horz" wrap="square" lIns="91440" tIns="45720" rIns="91440" bIns="45720" numCol="1" rtlCol="0" anchor="t" anchorCtr="0" compatLnSpc="1">
+              <a:prstTxWarp prst="textNoShape">
+                <a:avLst/>
+              </a:prstTxWarp>
+            </a:bodyPr>
+            <a:lstStyle/>
+            <a:p>
+              <a:pPr marL="0" marR="0" indent="0" algn="r" defTabSz="914400" rtl="0" eaLnBrk="0" fontAlgn="base" latinLnBrk="0" hangingPunct="0">
+                <a:lnSpc>
+                  <a:spcPct val="100000"/>
+                </a:lnSpc>
+                <a:spcBef>
+                  <a:spcPct val="0"/>
+                </a:spcBef>
+                <a:spcAft>
+                  <a:spcPct val="0"/>
+                </a:spcAft>
+                <a:buClrTx/>
+                <a:buSzTx/>
+                <a:buFontTx/>
+                <a:buNone/>
+                <a:tabLst/>
+              </a:pPr>
+              <a:endParaRPr kumimoji="0" lang="de-DE" sz="2000" b="0" i="0" u="none" strike="noStrike" cap="none" normalizeH="0" baseline="0" smtClean="0">
+                <a:ln>
+                  <a:noFill/>
+                </a:ln>
+                <a:solidFill>
+                  <a:schemeClr val="tx1"/>
+                </a:solidFill>
+                <a:effectLst/>
+                <a:latin typeface="Arial" pitchFamily="34" charset="0"/>
+              </a:endParaRPr>
+            </a:p>
+          </p:txBody>
+        </p:sp>
+        <p:sp>
+          <p:nvSpPr>
+            <p:cNvPr id="23" name="Rectangle 22"/>
+            <p:cNvSpPr/>
+            <p:nvPr/>
+          </p:nvSpPr>
+          <p:spPr bwMode="auto">
+            <a:xfrm>
+              <a:off x="1632399" y="1364014"/>
+              <a:ext cx="5827596" cy="881371"/>
+            </a:xfrm>
+            <a:prstGeom prst="rect">
+              <a:avLst/>
+            </a:prstGeom>
+            <a:solidFill>
+              <a:schemeClr val="tx1">
+                <a:lumMod val="50000"/>
+                <a:lumOff val="50000"/>
+              </a:schemeClr>
+            </a:solidFill>
+            <a:ln w="9525" cap="flat" cmpd="sng" algn="ctr">
+              <a:solidFill>
+                <a:schemeClr val="tx1">
+                  <a:lumMod val="50000"/>
+                  <a:lumOff val="50000"/>
+                </a:schemeClr>
+              </a:solidFill>
+              <a:prstDash val="solid"/>
+              <a:round/>
+              <a:headEnd type="none" w="med" len="med"/>
+              <a:tailEnd type="none" w="med" len="med"/>
+            </a:ln>
+            <a:effectLst/>
+          </p:spPr>
+          <p:txBody>
+            <a:bodyPr vert="horz" wrap="square" lIns="91440" tIns="45720" rIns="91440" bIns="45720" numCol="1" rtlCol="0" anchor="t" anchorCtr="0" compatLnSpc="1">
+              <a:prstTxWarp prst="textNoShape">
+                <a:avLst/>
+              </a:prstTxWarp>
+            </a:bodyPr>
+            <a:lstStyle/>
+            <a:p>
+              <a:pPr marL="0" marR="0" indent="0" algn="r" defTabSz="914400" rtl="0" eaLnBrk="0" fontAlgn="base" latinLnBrk="0" hangingPunct="0">
+                <a:lnSpc>
+                  <a:spcPct val="100000"/>
+                </a:lnSpc>
+                <a:spcBef>
+                  <a:spcPct val="0"/>
+                </a:spcBef>
+                <a:spcAft>
+                  <a:spcPct val="0"/>
+                </a:spcAft>
+                <a:buClrTx/>
+                <a:buSzTx/>
+                <a:buFontTx/>
+                <a:buNone/>
+                <a:tabLst/>
+              </a:pPr>
+              <a:endParaRPr kumimoji="0" lang="de-DE" sz="2000" b="0" i="0" u="none" strike="noStrike" cap="none" normalizeH="0" baseline="0" smtClean="0">
+                <a:ln>
+                  <a:noFill/>
+                </a:ln>
+                <a:solidFill>
+                  <a:schemeClr val="tx1"/>
+                </a:solidFill>
+                <a:effectLst/>
+                <a:latin typeface="Arial" pitchFamily="34" charset="0"/>
+              </a:endParaRPr>
+            </a:p>
+          </p:txBody>
+        </p:sp>
+      </p:grpSp>
+      <p:sp>
+        <p:nvSpPr>
+          <p:cNvPr id="25" name="TextBox 24"/>
+          <p:cNvSpPr txBox="1"/>
+          <p:nvPr/>
+        </p:nvSpPr>
+        <p:spPr>
+          <a:xfrm rot="16200000">
+            <a:off x="-613280" y="4374114"/>
+            <a:ext cx="2491475" cy="400110"/>
+          </a:xfrm>
+          <a:prstGeom prst="rect">
+            <a:avLst/>
+          </a:prstGeom>
+          <a:noFill/>
+        </p:spPr>
+        <p:txBody>
+          <a:bodyPr wrap="square" rtlCol="0">
+            <a:spAutoFit/>
+          </a:bodyPr>
+          <a:lstStyle/>
+          <a:p>
+            <a:pPr algn="ctr"/>
+            <a:r>
+              <a:rPr lang="de-DE" dirty="0" smtClean="0"/>
+              <a:t>Five discrete values</a:t>
+            </a:r>
+            <a:endParaRPr lang="de-DE" dirty="0"/>
+          </a:p>
+        </p:txBody>
+      </p:sp>
+      <p:sp>
+        <p:nvSpPr>
+          <p:cNvPr id="27" name="TextBox 26"/>
+          <p:cNvSpPr txBox="1"/>
+          <p:nvPr/>
+        </p:nvSpPr>
+        <p:spPr>
+          <a:xfrm>
+            <a:off x="1593102" y="5947803"/>
+            <a:ext cx="2491475" cy="400110"/>
+          </a:xfrm>
+          <a:prstGeom prst="rect">
+            <a:avLst/>
+          </a:prstGeom>
+          <a:noFill/>
+        </p:spPr>
+        <p:txBody>
+          <a:bodyPr wrap="square" rtlCol="0">
+            <a:spAutoFit/>
+          </a:bodyPr>
+          <a:lstStyle/>
+          <a:p>
+            <a:pPr algn="ctr"/>
+            <a:r>
+              <a:rPr lang="de-DE" dirty="0" smtClean="0"/>
+              <a:t>Constant  </a:t>
+            </a:r>
+            <a:endParaRPr lang="de-DE" dirty="0"/>
+          </a:p>
+        </p:txBody>
+      </p:sp>
+      <p:sp>
+        <p:nvSpPr>
+          <p:cNvPr id="19" name="TextBox 18"/>
+          <p:cNvSpPr txBox="1"/>
+          <p:nvPr/>
+        </p:nvSpPr>
+        <p:spPr>
+          <a:xfrm>
+            <a:off x="4179264" y="1972653"/>
+            <a:ext cx="4290671" cy="1323439"/>
+          </a:xfrm>
+          <a:prstGeom prst="rect">
+            <a:avLst/>
+          </a:prstGeom>
+          <a:noFill/>
+        </p:spPr>
+        <p:txBody>
+          <a:bodyPr wrap="square" rtlCol="0">
+            <a:spAutoFit/>
+          </a:bodyPr>
+          <a:lstStyle/>
+          <a:p>
+            <a:pPr marL="342900" indent="-342900" algn="l">
+              <a:buFont typeface="Arial" panose="020B0604020202020204" pitchFamily="34" charset="0"/>
+              <a:buChar char="•"/>
+            </a:pPr>
+            <a:r>
+              <a:rPr lang="de-DE" dirty="0" smtClean="0"/>
+              <a:t>Five soundfiles for different velocities</a:t>
+            </a:r>
+          </a:p>
+          <a:p>
+            <a:pPr marL="342900" indent="-342900" algn="l">
+              <a:buFont typeface="Arial" panose="020B0604020202020204" pitchFamily="34" charset="0"/>
+              <a:buChar char="•"/>
+            </a:pPr>
+            <a:r>
+              <a:rPr lang="de-DE" dirty="0" smtClean="0"/>
+              <a:t>Amplitude </a:t>
+            </a:r>
+            <a:r>
+              <a:rPr lang="de-DE" dirty="0" smtClean="0"/>
+              <a:t>constant (independet of penetration depth /force)</a:t>
+            </a:r>
+            <a:endParaRPr lang="de-DE" dirty="0"/>
+          </a:p>
+        </p:txBody>
+      </p:sp>
+      <p:grpSp>
+        <p:nvGrpSpPr>
+          <p:cNvPr id="33" name="Group 32"/>
+          <p:cNvGrpSpPr/>
+          <p:nvPr/>
+        </p:nvGrpSpPr>
+        <p:grpSpPr>
+          <a:xfrm>
+            <a:off x="894211" y="3114675"/>
+            <a:ext cx="5430389" cy="2699727"/>
+            <a:chOff x="1599061" y="2033517"/>
+            <a:chExt cx="6166513" cy="3769056"/>
+          </a:xfrm>
+        </p:grpSpPr>
+        <p:sp>
+          <p:nvSpPr>
+            <p:cNvPr id="34" name="Rectangle 33"/>
+            <p:cNvSpPr/>
+            <p:nvPr/>
+          </p:nvSpPr>
+          <p:spPr bwMode="auto">
+            <a:xfrm>
+              <a:off x="4241800" y="2287897"/>
+              <a:ext cx="88900" cy="3505578"/>
+            </a:xfrm>
+            <a:prstGeom prst="rect">
+              <a:avLst/>
+            </a:prstGeom>
+            <a:solidFill>
+              <a:srgbClr val="7030A0"/>
+            </a:solidFill>
+            <a:ln>
+              <a:headEnd type="none" w="med" len="med"/>
+              <a:tailEnd type="none" w="med" len="med"/>
+            </a:ln>
+          </p:spPr>
+          <p:style>
+            <a:lnRef idx="1">
+              <a:schemeClr val="dk1"/>
+            </a:lnRef>
+            <a:fillRef idx="2">
+              <a:schemeClr val="dk1"/>
+            </a:fillRef>
+            <a:effectRef idx="1">
+              <a:schemeClr val="dk1"/>
+            </a:effectRef>
+            <a:fontRef idx="minor">
+              <a:schemeClr val="dk1"/>
+            </a:fontRef>
+          </p:style>
+          <p:txBody>
+            <a:bodyPr vert="horz" wrap="square" lIns="91440" tIns="45720" rIns="91440" bIns="45720" numCol="1" rtlCol="0" anchor="t" anchorCtr="0" compatLnSpc="1">
+              <a:prstTxWarp prst="textNoShape">
+                <a:avLst/>
+              </a:prstTxWarp>
+            </a:bodyPr>
+            <a:lstStyle/>
+            <a:p>
+              <a:pPr marL="0" marR="0" indent="0" algn="r" defTabSz="914400" rtl="0" eaLnBrk="0" fontAlgn="base" latinLnBrk="0" hangingPunct="0">
+                <a:lnSpc>
+                  <a:spcPct val="100000"/>
+                </a:lnSpc>
+                <a:spcBef>
+                  <a:spcPct val="0"/>
+                </a:spcBef>
+                <a:spcAft>
+                  <a:spcPct val="0"/>
+                </a:spcAft>
+                <a:buClrTx/>
+                <a:buSzTx/>
+                <a:buFontTx/>
+                <a:buNone/>
+                <a:tabLst/>
+              </a:pPr>
+              <a:endParaRPr kumimoji="0" lang="de-DE" sz="2000" b="0" i="0" u="none" strike="noStrike" cap="none" normalizeH="0" baseline="0" smtClean="0">
+                <a:ln>
+                  <a:noFill/>
+                </a:ln>
+                <a:solidFill>
+                  <a:schemeClr val="tx1"/>
+                </a:solidFill>
+                <a:effectLst/>
+                <a:latin typeface="Arial" pitchFamily="34" charset="0"/>
+              </a:endParaRPr>
+            </a:p>
+          </p:txBody>
+        </p:sp>
+        <p:grpSp>
+          <p:nvGrpSpPr>
+            <p:cNvPr id="35" name="Group 34"/>
+            <p:cNvGrpSpPr/>
+            <p:nvPr/>
+          </p:nvGrpSpPr>
+          <p:grpSpPr>
+            <a:xfrm>
+              <a:off x="1599061" y="2033517"/>
+              <a:ext cx="6166513" cy="3769056"/>
+              <a:chOff x="1599062" y="1719618"/>
+              <a:chExt cx="6166513" cy="3769056"/>
+            </a:xfrm>
+          </p:grpSpPr>
+          <p:cxnSp>
+            <p:nvCxnSpPr>
+              <p:cNvPr id="36" name="Straight Arrow Connector 35"/>
+              <p:cNvCxnSpPr/>
+              <p:nvPr/>
+            </p:nvCxnSpPr>
+            <p:spPr bwMode="auto">
+              <a:xfrm>
+                <a:off x="1599062" y="5488674"/>
+                <a:ext cx="6166513" cy="0"/>
+              </a:xfrm>
+              <a:prstGeom prst="straightConnector1">
+                <a:avLst/>
+              </a:prstGeom>
+              <a:solidFill>
+                <a:schemeClr val="accent1"/>
+              </a:solidFill>
+              <a:ln w="57150" cap="flat" cmpd="sng" algn="ctr">
+                <a:solidFill>
+                  <a:schemeClr val="tx1"/>
+                </a:solidFill>
+                <a:prstDash val="solid"/>
+                <a:round/>
+                <a:headEnd type="none" w="med" len="med"/>
+                <a:tailEnd type="arrow"/>
+              </a:ln>
+              <a:effectLst/>
+            </p:spPr>
+          </p:cxnSp>
+          <p:cxnSp>
+            <p:nvCxnSpPr>
+              <p:cNvPr id="37" name="Straight Arrow Connector 36"/>
+              <p:cNvCxnSpPr/>
+              <p:nvPr/>
+            </p:nvCxnSpPr>
+            <p:spPr bwMode="auto">
+              <a:xfrm flipV="1">
+                <a:off x="1599062" y="1719618"/>
+                <a:ext cx="0" cy="3769056"/>
+              </a:xfrm>
+              <a:prstGeom prst="straightConnector1">
+                <a:avLst/>
+              </a:prstGeom>
+              <a:solidFill>
+                <a:schemeClr val="accent1"/>
+              </a:solidFill>
+              <a:ln w="57150" cap="flat" cmpd="sng" algn="ctr">
+                <a:solidFill>
+                  <a:schemeClr val="tx1"/>
+                </a:solidFill>
+                <a:prstDash val="solid"/>
+                <a:round/>
+                <a:headEnd type="none" w="med" len="med"/>
+                <a:tailEnd type="arrow"/>
+              </a:ln>
+              <a:effectLst/>
+            </p:spPr>
+          </p:cxnSp>
+        </p:grpSp>
+      </p:grpSp>
+      <p:grpSp>
+        <p:nvGrpSpPr>
+          <p:cNvPr id="3" name="Group 2"/>
+          <p:cNvGrpSpPr/>
+          <p:nvPr/>
+        </p:nvGrpSpPr>
+        <p:grpSpPr>
+          <a:xfrm>
+            <a:off x="3063769" y="3586160"/>
+            <a:ext cx="396808" cy="2182596"/>
+            <a:chOff x="3063769" y="3586160"/>
+            <a:chExt cx="396808" cy="2182596"/>
+          </a:xfrm>
+        </p:grpSpPr>
+        <p:sp>
+          <p:nvSpPr>
+            <p:cNvPr id="38" name="Multiply 37"/>
+            <p:cNvSpPr/>
+            <p:nvPr/>
+          </p:nvSpPr>
+          <p:spPr bwMode="auto">
+            <a:xfrm>
+              <a:off x="3063769" y="3586160"/>
+              <a:ext cx="393700" cy="431800"/>
+            </a:xfrm>
+            <a:prstGeom prst="mathMultiply">
+              <a:avLst/>
+            </a:prstGeom>
+            <a:solidFill>
+              <a:srgbClr val="00B050"/>
+            </a:solidFill>
+            <a:ln>
+              <a:headEnd type="none" w="med" len="med"/>
+              <a:tailEnd type="none" w="med" len="med"/>
+            </a:ln>
+          </p:spPr>
+          <p:style>
+            <a:lnRef idx="1">
+              <a:schemeClr val="dk1"/>
+            </a:lnRef>
+            <a:fillRef idx="2">
+              <a:schemeClr val="dk1"/>
+            </a:fillRef>
+            <a:effectRef idx="1">
+              <a:schemeClr val="dk1"/>
+            </a:effectRef>
+            <a:fontRef idx="minor">
+              <a:schemeClr val="dk1"/>
+            </a:fontRef>
+          </p:style>
+          <p:txBody>
+            <a:bodyPr vert="horz" wrap="square" lIns="91440" tIns="45720" rIns="91440" bIns="45720" numCol="1" rtlCol="0" anchor="t" anchorCtr="0" compatLnSpc="1">
+              <a:prstTxWarp prst="textNoShape">
+                <a:avLst/>
+              </a:prstTxWarp>
+            </a:bodyPr>
+            <a:lstStyle/>
+            <a:p>
+              <a:pPr marL="0" marR="0" indent="0" algn="r" defTabSz="914400" rtl="0" eaLnBrk="0" fontAlgn="base" latinLnBrk="0" hangingPunct="0">
+                <a:lnSpc>
+                  <a:spcPct val="100000"/>
+                </a:lnSpc>
+                <a:spcBef>
+                  <a:spcPct val="0"/>
+                </a:spcBef>
+                <a:spcAft>
+                  <a:spcPct val="0"/>
+                </a:spcAft>
+                <a:buClrTx/>
+                <a:buSzTx/>
+                <a:buFontTx/>
+                <a:buNone/>
+                <a:tabLst/>
+              </a:pPr>
+              <a:endParaRPr kumimoji="0" lang="de-DE" sz="2000" b="0" i="0" u="none" strike="noStrike" cap="none" normalizeH="0" baseline="0" smtClean="0">
+                <a:ln>
+                  <a:noFill/>
+                </a:ln>
+                <a:solidFill>
+                  <a:schemeClr val="tx1"/>
+                </a:solidFill>
+                <a:effectLst/>
+                <a:latin typeface="Arial" pitchFamily="34" charset="0"/>
+              </a:endParaRPr>
+            </a:p>
+          </p:txBody>
+        </p:sp>
+        <p:sp>
+          <p:nvSpPr>
+            <p:cNvPr id="39" name="Multiply 38"/>
+            <p:cNvSpPr/>
+            <p:nvPr/>
+          </p:nvSpPr>
+          <p:spPr bwMode="auto">
+            <a:xfrm>
+              <a:off x="3063769" y="4023859"/>
+              <a:ext cx="393700" cy="431800"/>
+            </a:xfrm>
+            <a:prstGeom prst="mathMultiply">
+              <a:avLst/>
+            </a:prstGeom>
+            <a:solidFill>
+              <a:srgbClr val="00B050"/>
+            </a:solidFill>
+            <a:ln>
+              <a:headEnd type="none" w="med" len="med"/>
+              <a:tailEnd type="none" w="med" len="med"/>
+            </a:ln>
+          </p:spPr>
+          <p:style>
+            <a:lnRef idx="1">
+              <a:schemeClr val="dk1"/>
+            </a:lnRef>
+            <a:fillRef idx="2">
+              <a:schemeClr val="dk1"/>
+            </a:fillRef>
+            <a:effectRef idx="1">
+              <a:schemeClr val="dk1"/>
+            </a:effectRef>
+            <a:fontRef idx="minor">
+              <a:schemeClr val="dk1"/>
+            </a:fontRef>
+          </p:style>
+          <p:txBody>
+            <a:bodyPr vert="horz" wrap="square" lIns="91440" tIns="45720" rIns="91440" bIns="45720" numCol="1" rtlCol="0" anchor="t" anchorCtr="0" compatLnSpc="1">
+              <a:prstTxWarp prst="textNoShape">
+                <a:avLst/>
+              </a:prstTxWarp>
+            </a:bodyPr>
+            <a:lstStyle/>
+            <a:p>
+              <a:pPr marL="0" marR="0" indent="0" algn="r" defTabSz="914400" rtl="0" eaLnBrk="0" fontAlgn="base" latinLnBrk="0" hangingPunct="0">
+                <a:lnSpc>
+                  <a:spcPct val="100000"/>
+                </a:lnSpc>
+                <a:spcBef>
+                  <a:spcPct val="0"/>
+                </a:spcBef>
+                <a:spcAft>
+                  <a:spcPct val="0"/>
+                </a:spcAft>
+                <a:buClrTx/>
+                <a:buSzTx/>
+                <a:buFontTx/>
+                <a:buNone/>
+                <a:tabLst/>
+              </a:pPr>
+              <a:endParaRPr kumimoji="0" lang="de-DE" sz="2000" b="0" i="0" u="none" strike="noStrike" cap="none" normalizeH="0" baseline="0" smtClean="0">
+                <a:ln>
+                  <a:noFill/>
+                </a:ln>
+                <a:solidFill>
+                  <a:schemeClr val="tx1"/>
+                </a:solidFill>
+                <a:effectLst/>
+                <a:latin typeface="Arial" pitchFamily="34" charset="0"/>
+              </a:endParaRPr>
+            </a:p>
+          </p:txBody>
+        </p:sp>
+        <p:sp>
+          <p:nvSpPr>
+            <p:cNvPr id="40" name="Multiply 39"/>
+            <p:cNvSpPr/>
+            <p:nvPr/>
+          </p:nvSpPr>
+          <p:spPr bwMode="auto">
+            <a:xfrm>
+              <a:off x="3066877" y="4449536"/>
+              <a:ext cx="393700" cy="431800"/>
+            </a:xfrm>
+            <a:prstGeom prst="mathMultiply">
+              <a:avLst/>
+            </a:prstGeom>
+            <a:solidFill>
+              <a:srgbClr val="00B050"/>
+            </a:solidFill>
+            <a:ln>
+              <a:headEnd type="none" w="med" len="med"/>
+              <a:tailEnd type="none" w="med" len="med"/>
+            </a:ln>
+          </p:spPr>
+          <p:style>
+            <a:lnRef idx="1">
+              <a:schemeClr val="dk1"/>
+            </a:lnRef>
+            <a:fillRef idx="2">
+              <a:schemeClr val="dk1"/>
+            </a:fillRef>
+            <a:effectRef idx="1">
+              <a:schemeClr val="dk1"/>
+            </a:effectRef>
+            <a:fontRef idx="minor">
+              <a:schemeClr val="dk1"/>
+            </a:fontRef>
+          </p:style>
+          <p:txBody>
+            <a:bodyPr vert="horz" wrap="square" lIns="91440" tIns="45720" rIns="91440" bIns="45720" numCol="1" rtlCol="0" anchor="t" anchorCtr="0" compatLnSpc="1">
+              <a:prstTxWarp prst="textNoShape">
+                <a:avLst/>
+              </a:prstTxWarp>
+            </a:bodyPr>
+            <a:lstStyle/>
+            <a:p>
+              <a:pPr marL="0" marR="0" indent="0" algn="r" defTabSz="914400" rtl="0" eaLnBrk="0" fontAlgn="base" latinLnBrk="0" hangingPunct="0">
+                <a:lnSpc>
+                  <a:spcPct val="100000"/>
+                </a:lnSpc>
+                <a:spcBef>
+                  <a:spcPct val="0"/>
+                </a:spcBef>
+                <a:spcAft>
+                  <a:spcPct val="0"/>
+                </a:spcAft>
+                <a:buClrTx/>
+                <a:buSzTx/>
+                <a:buFontTx/>
+                <a:buNone/>
+                <a:tabLst/>
+              </a:pPr>
+              <a:endParaRPr kumimoji="0" lang="de-DE" sz="2000" b="0" i="0" u="none" strike="noStrike" cap="none" normalizeH="0" baseline="0" smtClean="0">
+                <a:ln>
+                  <a:noFill/>
+                </a:ln>
+                <a:solidFill>
+                  <a:schemeClr val="tx1"/>
+                </a:solidFill>
+                <a:effectLst/>
+                <a:latin typeface="Arial" pitchFamily="34" charset="0"/>
+              </a:endParaRPr>
+            </a:p>
+          </p:txBody>
+        </p:sp>
+        <p:sp>
+          <p:nvSpPr>
+            <p:cNvPr id="41" name="Multiply 40"/>
+            <p:cNvSpPr/>
+            <p:nvPr/>
+          </p:nvSpPr>
+          <p:spPr bwMode="auto">
+            <a:xfrm>
+              <a:off x="3063769" y="5336956"/>
+              <a:ext cx="393700" cy="431800"/>
+            </a:xfrm>
+            <a:prstGeom prst="mathMultiply">
+              <a:avLst/>
+            </a:prstGeom>
+            <a:solidFill>
+              <a:srgbClr val="00B050"/>
+            </a:solidFill>
+            <a:ln>
+              <a:headEnd type="none" w="med" len="med"/>
+              <a:tailEnd type="none" w="med" len="med"/>
+            </a:ln>
+          </p:spPr>
+          <p:style>
+            <a:lnRef idx="1">
+              <a:schemeClr val="dk1"/>
+            </a:lnRef>
+            <a:fillRef idx="2">
+              <a:schemeClr val="dk1"/>
+            </a:fillRef>
+            <a:effectRef idx="1">
+              <a:schemeClr val="dk1"/>
+            </a:effectRef>
+            <a:fontRef idx="minor">
+              <a:schemeClr val="dk1"/>
+            </a:fontRef>
+          </p:style>
+          <p:txBody>
+            <a:bodyPr vert="horz" wrap="square" lIns="91440" tIns="45720" rIns="91440" bIns="45720" numCol="1" rtlCol="0" anchor="t" anchorCtr="0" compatLnSpc="1">
+              <a:prstTxWarp prst="textNoShape">
+                <a:avLst/>
+              </a:prstTxWarp>
+            </a:bodyPr>
+            <a:lstStyle/>
+            <a:p>
+              <a:pPr marL="0" marR="0" indent="0" algn="r" defTabSz="914400" rtl="0" eaLnBrk="0" fontAlgn="base" latinLnBrk="0" hangingPunct="0">
+                <a:lnSpc>
+                  <a:spcPct val="100000"/>
+                </a:lnSpc>
+                <a:spcBef>
+                  <a:spcPct val="0"/>
+                </a:spcBef>
+                <a:spcAft>
+                  <a:spcPct val="0"/>
+                </a:spcAft>
+                <a:buClrTx/>
+                <a:buSzTx/>
+                <a:buFontTx/>
+                <a:buNone/>
+                <a:tabLst/>
+              </a:pPr>
+              <a:endParaRPr kumimoji="0" lang="de-DE" sz="2000" b="0" i="0" u="none" strike="noStrike" cap="none" normalizeH="0" baseline="0" smtClean="0">
+                <a:ln>
+                  <a:noFill/>
+                </a:ln>
+                <a:solidFill>
+                  <a:schemeClr val="tx1"/>
+                </a:solidFill>
+                <a:effectLst/>
+                <a:latin typeface="Arial" pitchFamily="34" charset="0"/>
+              </a:endParaRPr>
+            </a:p>
+          </p:txBody>
+        </p:sp>
+        <p:sp>
+          <p:nvSpPr>
+            <p:cNvPr id="42" name="Multiply 41"/>
+            <p:cNvSpPr/>
+            <p:nvPr/>
+          </p:nvSpPr>
+          <p:spPr bwMode="auto">
+            <a:xfrm>
+              <a:off x="3063769" y="4905156"/>
+              <a:ext cx="393700" cy="431800"/>
+            </a:xfrm>
+            <a:prstGeom prst="mathMultiply">
+              <a:avLst/>
+            </a:prstGeom>
+            <a:solidFill>
+              <a:srgbClr val="00B050"/>
+            </a:solidFill>
+            <a:ln>
+              <a:headEnd type="none" w="med" len="med"/>
+              <a:tailEnd type="none" w="med" len="med"/>
+            </a:ln>
+          </p:spPr>
+          <p:style>
+            <a:lnRef idx="1">
+              <a:schemeClr val="dk1"/>
+            </a:lnRef>
+            <a:fillRef idx="2">
+              <a:schemeClr val="dk1"/>
+            </a:fillRef>
+            <a:effectRef idx="1">
+              <a:schemeClr val="dk1"/>
+            </a:effectRef>
+            <a:fontRef idx="minor">
+              <a:schemeClr val="dk1"/>
+            </a:fontRef>
+          </p:style>
+          <p:txBody>
+            <a:bodyPr vert="horz" wrap="square" lIns="91440" tIns="45720" rIns="91440" bIns="45720" numCol="1" rtlCol="0" anchor="t" anchorCtr="0" compatLnSpc="1">
+              <a:prstTxWarp prst="textNoShape">
+                <a:avLst/>
+              </a:prstTxWarp>
+            </a:bodyPr>
+            <a:lstStyle/>
+            <a:p>
+              <a:pPr marL="0" marR="0" indent="0" algn="r" defTabSz="914400" rtl="0" eaLnBrk="0" fontAlgn="base" latinLnBrk="0" hangingPunct="0">
+                <a:lnSpc>
+                  <a:spcPct val="100000"/>
+                </a:lnSpc>
+                <a:spcBef>
+                  <a:spcPct val="0"/>
+                </a:spcBef>
+                <a:spcAft>
+                  <a:spcPct val="0"/>
+                </a:spcAft>
+                <a:buClrTx/>
+                <a:buSzTx/>
+                <a:buFontTx/>
+                <a:buNone/>
+                <a:tabLst/>
+              </a:pPr>
+              <a:endParaRPr kumimoji="0" lang="de-DE" sz="2000" b="0" i="0" u="none" strike="noStrike" cap="none" normalizeH="0" baseline="0" smtClean="0">
+                <a:ln>
+                  <a:noFill/>
+                </a:ln>
+                <a:solidFill>
+                  <a:schemeClr val="tx1"/>
+                </a:solidFill>
+                <a:effectLst/>
+                <a:latin typeface="Arial" pitchFamily="34" charset="0"/>
+              </a:endParaRPr>
+            </a:p>
+          </p:txBody>
+        </p:sp>
+      </p:grpSp>
+    </p:spTree>
+    <p:custDataLst>
+      <p:tags r:id="rId1"/>
+    </p:custDataLst>
+    <p:extLst>
+      <p:ext uri="{BB962C8B-B14F-4D97-AF65-F5344CB8AC3E}">
+        <p14:creationId xmlns:p14="http://schemas.microsoft.com/office/powerpoint/2010/main" val="3725999079"/>
+      </p:ext>
+    </p:extLst>
+  </p:cSld>
+  <p:clrMapOvr>
+    <a:masterClrMapping/>
+  </p:clrMapOvr>
+  <mc:AlternateContent xmlns:mc="http://schemas.openxmlformats.org/markup-compatibility/2006">
+    <mc:Choice xmlns:p14="http://schemas.microsoft.com/office/powerpoint/2010/main" Requires="p14">
+      <p:transition spd="slow" p14:dur="2000" advTm="56287"/>
+    </mc:Choice>
+    <mc:Fallback>
+      <p:transition spd="slow" advTm="56287"/>
+    </mc:Fallback>
+  </mc:AlternateContent>
+  <p:timing>
+    <p:tnLst>
+      <p:par>
+        <p:cTn id="1" dur="indefinite" restart="never" nodeType="tmRoot">
+          <p:childTnLst>
+            <p:seq concurrent="1" nextAc="seek">
+              <p:cTn id="2" dur="indefinite" nodeType="mainSeq">
+                <p:childTnLst>
+                  <p:par>
+                    <p:cTn id="3" fill="hold">
+                      <p:stCondLst>
+                        <p:cond delay="indefinite"/>
+                      </p:stCondLst>
+                      <p:childTnLst>
+                        <p:par>
+                          <p:cTn id="4" fill="hold">
+                            <p:stCondLst>
+                              <p:cond delay="0"/>
+                            </p:stCondLst>
+                            <p:childTnLst>
+                              <p:par>
+                                <p:cTn id="5" presetID="1" presetClass="entr" presetSubtype="0" fill="hold" nodeType="clickEffect">
+                                  <p:stCondLst>
+                                    <p:cond delay="0"/>
+                                  </p:stCondLst>
+                                  <p:childTnLst>
+                                    <p:set>
+                                      <p:cBhvr>
+                                        <p:cTn id="6" dur="1" fill="hold">
+                                          <p:stCondLst>
+                                            <p:cond delay="0"/>
+                                          </p:stCondLst>
+                                        </p:cTn>
+                                        <p:tgtEl>
+                                          <p:spTgt spid="24"/>
+                                        </p:tgtEl>
+                                        <p:attrNameLst>
+                                          <p:attrName>style.visibility</p:attrName>
+                                        </p:attrNameLst>
+                                      </p:cBhvr>
+                                      <p:to>
+                                        <p:strVal val="visible"/>
+                                      </p:to>
+                                    </p:set>
+                                  </p:childTnLst>
+                                </p:cTn>
+                              </p:par>
+                              <p:par>
+                                <p:cTn id="7" presetID="1" presetClass="entr" presetSubtype="0" fill="hold" grpId="0" nodeType="withEffect">
+                                  <p:stCondLst>
+                                    <p:cond delay="0"/>
+                                  </p:stCondLst>
+                                  <p:childTnLst>
+                                    <p:set>
+                                      <p:cBhvr>
+                                        <p:cTn id="8" dur="1" fill="hold">
+                                          <p:stCondLst>
+                                            <p:cond delay="0"/>
+                                          </p:stCondLst>
+                                        </p:cTn>
+                                        <p:tgtEl>
+                                          <p:spTgt spid="19"/>
+                                        </p:tgtEl>
+                                        <p:attrNameLst>
+                                          <p:attrName>style.visibility</p:attrName>
+                                        </p:attrNameLst>
+                                      </p:cBhvr>
+                                      <p:to>
+                                        <p:strVal val="visible"/>
+                                      </p:to>
+                                    </p:set>
+                                  </p:childTnLst>
+                                </p:cTn>
+                              </p:par>
+                            </p:childTnLst>
+                          </p:cTn>
+                        </p:par>
+                      </p:childTnLst>
+                    </p:cTn>
+                  </p:par>
+                </p:childTnLst>
+              </p:cTn>
+              <p:prevCondLst>
+                <p:cond evt="onPrev" delay="0">
+                  <p:tgtEl>
+                    <p:sldTgt/>
+                  </p:tgtEl>
+                </p:cond>
+              </p:prevCondLst>
+              <p:nextCondLst>
+                <p:cond evt="onNext" delay="0">
+                  <p:tgtEl>
+                    <p:sldTgt/>
+                  </p:tgtEl>
+                </p:cond>
+              </p:nextCondLst>
+            </p:seq>
+          </p:childTnLst>
+        </p:cTn>
+      </p:par>
+    </p:tnLst>
+    <p:bldLst>
+      <p:bldP spid="19" grpId="0"/>
+    </p:bldLst>
+  </p:timing>
+</p:sld>
+</file>
+
+<file path=ppt/slides/slide11.xml><?xml version="1.0" encoding="utf-8"?>
+<p:sld xmlns:a="http://schemas.openxmlformats.org/drawingml/2006/main" xmlns:r="http://schemas.openxmlformats.org/officeDocument/2006/relationships" xmlns:p="http://schemas.openxmlformats.org/presentationml/2006/main">
+  <p:cSld>
+    <p:spTree>
+      <p:nvGrpSpPr>
+        <p:cNvPr id="1" name=""/>
+        <p:cNvGrpSpPr/>
+        <p:nvPr/>
+      </p:nvGrpSpPr>
+      <p:grpSpPr>
+        <a:xfrm>
+          <a:off x="0" y="0"/>
+          <a:ext cx="0" cy="0"/>
+          <a:chOff x="0" y="0"/>
+          <a:chExt cx="0" cy="0"/>
+        </a:xfrm>
+      </p:grpSpPr>
+      <p:sp>
+        <p:nvSpPr>
+          <p:cNvPr id="2" name="Title 1"/>
+          <p:cNvSpPr>
+            <a:spLocks noGrp="1"/>
+          </p:cNvSpPr>
+          <p:nvPr>
+            <p:ph type="title"/>
+          </p:nvPr>
+        </p:nvSpPr>
+        <p:spPr/>
+        <p:txBody>
+          <a:bodyPr/>
+          <a:lstStyle/>
+          <a:p>
+            <a:r>
+              <a:rPr lang="de-DE" dirty="0" smtClean="0"/>
+              <a:t>Force and Velocity: Approach 2</a:t>
+            </a:r>
+            <a:endParaRPr lang="de-DE" dirty="0"/>
+          </a:p>
+        </p:txBody>
+      </p:sp>
+      <p:sp>
+        <p:nvSpPr>
+          <p:cNvPr id="4" name="Date Placeholder 3"/>
+          <p:cNvSpPr>
+            <a:spLocks noGrp="1"/>
+          </p:cNvSpPr>
+          <p:nvPr>
+            <p:ph type="dt" sz="half" idx="10"/>
+          </p:nvPr>
+        </p:nvSpPr>
+        <p:spPr/>
+        <p:txBody>
+          <a:bodyPr/>
+          <a:lstStyle/>
+          <a:p>
+            <a:fld id="{7B606F6F-8BBA-47EE-8CE1-A9CB789DF332}" type="datetime1">
+              <a:rPr lang="de-DE" noProof="0" smtClean="0"/>
+              <a:t>06.08.2015</a:t>
+            </a:fld>
+            <a:endParaRPr lang="en-US" noProof="0"/>
+          </a:p>
+        </p:txBody>
+      </p:sp>
+      <p:sp>
+        <p:nvSpPr>
+          <p:cNvPr id="5" name="Footer Placeholder 4"/>
+          <p:cNvSpPr>
+            <a:spLocks noGrp="1"/>
+          </p:cNvSpPr>
+          <p:nvPr>
+            <p:ph type="ftr" sz="quarter" idx="11"/>
+          </p:nvPr>
+        </p:nvSpPr>
+        <p:spPr/>
+        <p:txBody>
+          <a:bodyPr/>
+          <a:lstStyle/>
+          <a:p>
+            <a:r>
+              <a:rPr lang="en-US" noProof="0" smtClean="0"/>
+              <a:t>Computational Haptics Laboratory -  Final Presentation</a:t>
+            </a:r>
+            <a:endParaRPr lang="en-US" noProof="0" dirty="0"/>
+          </a:p>
+        </p:txBody>
+      </p:sp>
+      <p:sp>
+        <p:nvSpPr>
+          <p:cNvPr id="6" name="Slide Number Placeholder 5"/>
+          <p:cNvSpPr>
+            <a:spLocks noGrp="1"/>
+          </p:cNvSpPr>
+          <p:nvPr>
+            <p:ph type="sldNum" sz="quarter" idx="12"/>
+          </p:nvPr>
+        </p:nvSpPr>
+        <p:spPr/>
+        <p:txBody>
+          <a:bodyPr/>
+          <a:lstStyle/>
+          <a:p>
+            <a:fld id="{17CC94CD-1FE7-0C44-80F4-2964C2C99554}" type="slidenum">
+              <a:rPr lang="en-US" noProof="0" smtClean="0"/>
+              <a:pPr/>
+              <a:t>11</a:t>
+            </a:fld>
+            <a:endParaRPr lang="en-US" noProof="0"/>
+          </a:p>
+        </p:txBody>
+      </p:sp>
+      <p:sp>
+        <p:nvSpPr>
+          <p:cNvPr id="15" name="TextBox 14"/>
+          <p:cNvSpPr txBox="1"/>
+          <p:nvPr/>
+        </p:nvSpPr>
+        <p:spPr>
+          <a:xfrm>
+            <a:off x="218363" y="5538868"/>
+            <a:ext cx="1228299" cy="400110"/>
+          </a:xfrm>
+          <a:prstGeom prst="rect">
+            <a:avLst/>
+          </a:prstGeom>
+          <a:noFill/>
+        </p:spPr>
+        <p:txBody>
+          <a:bodyPr wrap="square" rtlCol="0">
+            <a:spAutoFit/>
+          </a:bodyPr>
+          <a:lstStyle/>
+          <a:p>
+            <a:r>
+              <a:rPr lang="de-DE" dirty="0" smtClean="0"/>
+              <a:t>Velocity</a:t>
+            </a:r>
+            <a:endParaRPr lang="de-DE" dirty="0"/>
+          </a:p>
+        </p:txBody>
+      </p:sp>
+      <p:sp>
+        <p:nvSpPr>
+          <p:cNvPr id="16" name="TextBox 15"/>
+          <p:cNvSpPr txBox="1"/>
+          <p:nvPr/>
+        </p:nvSpPr>
+        <p:spPr>
+          <a:xfrm>
+            <a:off x="5877181" y="4516652"/>
+            <a:ext cx="1228299" cy="400110"/>
+          </a:xfrm>
+          <a:prstGeom prst="rect">
+            <a:avLst/>
+          </a:prstGeom>
+          <a:noFill/>
+        </p:spPr>
+        <p:txBody>
+          <a:bodyPr wrap="square" rtlCol="0">
+            <a:spAutoFit/>
+          </a:bodyPr>
+          <a:lstStyle/>
+          <a:p>
+            <a:r>
+              <a:rPr lang="de-DE" dirty="0" smtClean="0"/>
+              <a:t>Force</a:t>
+            </a:r>
+            <a:endParaRPr lang="de-DE" dirty="0"/>
+          </a:p>
+        </p:txBody>
+      </p:sp>
+      <p:grpSp>
+        <p:nvGrpSpPr>
+          <p:cNvPr id="12" name="Group 11"/>
+          <p:cNvGrpSpPr/>
+          <p:nvPr/>
+        </p:nvGrpSpPr>
+        <p:grpSpPr>
+          <a:xfrm>
+            <a:off x="1228219" y="1674094"/>
+            <a:ext cx="5500241" cy="4519491"/>
+            <a:chOff x="750326" y="1600122"/>
+            <a:chExt cx="6034376" cy="5342321"/>
+          </a:xfrm>
+        </p:grpSpPr>
+        <p:grpSp>
+          <p:nvGrpSpPr>
+            <p:cNvPr id="14" name="Group 13"/>
+            <p:cNvGrpSpPr/>
+            <p:nvPr/>
+          </p:nvGrpSpPr>
+          <p:grpSpPr>
+            <a:xfrm>
+              <a:off x="2838355" y="1600122"/>
+              <a:ext cx="3946347" cy="3149523"/>
+              <a:chOff x="1599062" y="1719618"/>
+              <a:chExt cx="4944826" cy="3769056"/>
+            </a:xfrm>
+          </p:grpSpPr>
+          <p:cxnSp>
+            <p:nvCxnSpPr>
+              <p:cNvPr id="8" name="Straight Arrow Connector 7"/>
+              <p:cNvCxnSpPr/>
+              <p:nvPr/>
+            </p:nvCxnSpPr>
+            <p:spPr bwMode="auto">
+              <a:xfrm>
+                <a:off x="1599062" y="5488674"/>
+                <a:ext cx="4944826" cy="0"/>
+              </a:xfrm>
+              <a:prstGeom prst="straightConnector1">
+                <a:avLst/>
+              </a:prstGeom>
+              <a:solidFill>
+                <a:schemeClr val="accent1"/>
+              </a:solidFill>
+              <a:ln w="57150" cap="flat" cmpd="sng" algn="ctr">
+                <a:solidFill>
+                  <a:schemeClr val="tx1"/>
+                </a:solidFill>
+                <a:prstDash val="solid"/>
+                <a:round/>
+                <a:headEnd type="none" w="med" len="med"/>
+                <a:tailEnd type="arrow"/>
+              </a:ln>
+              <a:effectLst/>
+            </p:spPr>
+          </p:cxnSp>
+          <p:cxnSp>
+            <p:nvCxnSpPr>
+              <p:cNvPr id="10" name="Straight Arrow Connector 9"/>
+              <p:cNvCxnSpPr/>
+              <p:nvPr/>
+            </p:nvCxnSpPr>
+            <p:spPr bwMode="auto">
+              <a:xfrm flipV="1">
+                <a:off x="1599062" y="1719618"/>
+                <a:ext cx="0" cy="3769056"/>
+              </a:xfrm>
+              <a:prstGeom prst="straightConnector1">
+                <a:avLst/>
+              </a:prstGeom>
+              <a:solidFill>
+                <a:schemeClr val="accent1"/>
+              </a:solidFill>
+              <a:ln w="57150" cap="flat" cmpd="sng" algn="ctr">
+                <a:solidFill>
+                  <a:schemeClr val="tx1"/>
+                </a:solidFill>
+                <a:prstDash val="solid"/>
+                <a:round/>
+                <a:headEnd type="none" w="med" len="med"/>
+                <a:tailEnd type="arrow"/>
+              </a:ln>
+              <a:effectLst/>
+            </p:spPr>
+          </p:cxnSp>
+        </p:grpSp>
+        <p:cxnSp>
+          <p:nvCxnSpPr>
+            <p:cNvPr id="26" name="Straight Arrow Connector 25"/>
+            <p:cNvCxnSpPr/>
+            <p:nvPr/>
+          </p:nvCxnSpPr>
+          <p:spPr bwMode="auto">
+            <a:xfrm flipH="1">
+              <a:off x="750326" y="4711508"/>
+              <a:ext cx="2106418" cy="2230935"/>
+            </a:xfrm>
+            <a:prstGeom prst="straightConnector1">
+              <a:avLst/>
+            </a:prstGeom>
+            <a:solidFill>
+              <a:schemeClr val="accent1"/>
+            </a:solidFill>
+            <a:ln w="57150" cap="flat" cmpd="sng" algn="ctr">
+              <a:solidFill>
+                <a:schemeClr val="tx1"/>
+              </a:solidFill>
+              <a:prstDash val="solid"/>
+              <a:round/>
+              <a:headEnd type="none" w="med" len="med"/>
+              <a:tailEnd type="arrow"/>
+            </a:ln>
+            <a:effectLst/>
+          </p:spPr>
+        </p:cxnSp>
+      </p:grpSp>
+      <p:grpSp>
+        <p:nvGrpSpPr>
+          <p:cNvPr id="19" name="Group 18"/>
+          <p:cNvGrpSpPr/>
+          <p:nvPr/>
+        </p:nvGrpSpPr>
+        <p:grpSpPr>
+          <a:xfrm>
+            <a:off x="1334314" y="4032724"/>
+            <a:ext cx="4922646" cy="1654785"/>
+            <a:chOff x="1334314" y="4032724"/>
+            <a:chExt cx="4922646" cy="1654785"/>
+          </a:xfrm>
+        </p:grpSpPr>
+        <p:sp>
+          <p:nvSpPr>
+            <p:cNvPr id="18" name="Parallelogram 17"/>
+            <p:cNvSpPr/>
+            <p:nvPr/>
+          </p:nvSpPr>
+          <p:spPr bwMode="auto">
+            <a:xfrm rot="20852591">
+              <a:off x="2743031" y="4032724"/>
+              <a:ext cx="3513929" cy="270618"/>
+            </a:xfrm>
+            <a:prstGeom prst="parallelogram">
+              <a:avLst>
+                <a:gd name="adj" fmla="val 160111"/>
+              </a:avLst>
+            </a:prstGeom>
+            <a:solidFill>
+              <a:schemeClr val="tx1">
+                <a:lumMod val="65000"/>
+                <a:lumOff val="35000"/>
+              </a:schemeClr>
+            </a:solidFill>
+            <a:ln w="9525" cap="flat" cmpd="sng" algn="ctr">
+              <a:solidFill>
+                <a:schemeClr val="tx1">
+                  <a:lumMod val="65000"/>
+                  <a:lumOff val="35000"/>
+                </a:schemeClr>
+              </a:solidFill>
+              <a:prstDash val="solid"/>
+              <a:round/>
+              <a:headEnd type="none" w="med" len="med"/>
+              <a:tailEnd type="none" w="med" len="med"/>
+            </a:ln>
+            <a:effectLst/>
+          </p:spPr>
+          <p:txBody>
+            <a:bodyPr vert="horz" wrap="square" lIns="91440" tIns="45720" rIns="91440" bIns="45720" numCol="1" rtlCol="0" anchor="t" anchorCtr="0" compatLnSpc="1">
+              <a:prstTxWarp prst="textNoShape">
+                <a:avLst/>
+              </a:prstTxWarp>
+            </a:bodyPr>
+            <a:lstStyle/>
+            <a:p>
+              <a:pPr marL="0" marR="0" indent="0" algn="r" defTabSz="914400" rtl="0" eaLnBrk="0" fontAlgn="base" latinLnBrk="0" hangingPunct="0">
+                <a:lnSpc>
+                  <a:spcPct val="100000"/>
+                </a:lnSpc>
+                <a:spcBef>
+                  <a:spcPct val="0"/>
+                </a:spcBef>
+                <a:spcAft>
+                  <a:spcPct val="0"/>
+                </a:spcAft>
+                <a:buClrTx/>
+                <a:buSzTx/>
+                <a:buFontTx/>
+                <a:buNone/>
+                <a:tabLst/>
+              </a:pPr>
+              <a:endParaRPr kumimoji="0" lang="de-DE" sz="2000" b="0" i="0" u="none" strike="noStrike" cap="none" normalizeH="0" baseline="0" smtClean="0">
+                <a:ln>
+                  <a:noFill/>
+                </a:ln>
+                <a:solidFill>
+                  <a:schemeClr val="tx1"/>
+                </a:solidFill>
+                <a:effectLst/>
+                <a:latin typeface="Arial" pitchFamily="34" charset="0"/>
+              </a:endParaRPr>
+            </a:p>
+          </p:txBody>
+        </p:sp>
+        <p:sp>
+          <p:nvSpPr>
+            <p:cNvPr id="30" name="Parallelogram 29"/>
+            <p:cNvSpPr/>
+            <p:nvPr/>
+          </p:nvSpPr>
+          <p:spPr bwMode="auto">
+            <a:xfrm rot="20852591">
+              <a:off x="2375426" y="4394676"/>
+              <a:ext cx="3513929" cy="270618"/>
+            </a:xfrm>
+            <a:prstGeom prst="parallelogram">
+              <a:avLst>
+                <a:gd name="adj" fmla="val 160111"/>
+              </a:avLst>
+            </a:prstGeom>
+            <a:solidFill>
+              <a:schemeClr val="tx1">
+                <a:lumMod val="50000"/>
+                <a:lumOff val="50000"/>
+              </a:schemeClr>
+            </a:solidFill>
+            <a:ln w="9525" cap="flat" cmpd="sng" algn="ctr">
+              <a:solidFill>
+                <a:schemeClr val="tx1">
+                  <a:lumMod val="50000"/>
+                  <a:lumOff val="50000"/>
+                </a:schemeClr>
+              </a:solidFill>
+              <a:prstDash val="solid"/>
+              <a:round/>
+              <a:headEnd type="none" w="med" len="med"/>
+              <a:tailEnd type="none" w="med" len="med"/>
+            </a:ln>
+            <a:effectLst/>
+          </p:spPr>
+          <p:txBody>
+            <a:bodyPr vert="horz" wrap="square" lIns="91440" tIns="45720" rIns="91440" bIns="45720" numCol="1" rtlCol="0" anchor="t" anchorCtr="0" compatLnSpc="1">
+              <a:prstTxWarp prst="textNoShape">
+                <a:avLst/>
+              </a:prstTxWarp>
+            </a:bodyPr>
+            <a:lstStyle/>
+            <a:p>
+              <a:pPr marL="0" marR="0" indent="0" algn="r" defTabSz="914400" rtl="0" eaLnBrk="0" fontAlgn="base" latinLnBrk="0" hangingPunct="0">
+                <a:lnSpc>
+                  <a:spcPct val="100000"/>
+                </a:lnSpc>
+                <a:spcBef>
+                  <a:spcPct val="0"/>
+                </a:spcBef>
+                <a:spcAft>
+                  <a:spcPct val="0"/>
+                </a:spcAft>
+                <a:buClrTx/>
+                <a:buSzTx/>
+                <a:buFontTx/>
+                <a:buNone/>
+                <a:tabLst/>
+              </a:pPr>
+              <a:endParaRPr kumimoji="0" lang="de-DE" sz="2000" b="0" i="0" u="none" strike="noStrike" cap="none" normalizeH="0" baseline="0" smtClean="0">
+                <a:ln>
+                  <a:noFill/>
+                </a:ln>
+                <a:solidFill>
+                  <a:schemeClr val="tx1"/>
+                </a:solidFill>
+                <a:effectLst/>
+                <a:latin typeface="Arial" pitchFamily="34" charset="0"/>
+              </a:endParaRPr>
+            </a:p>
+          </p:txBody>
+        </p:sp>
+        <p:sp>
+          <p:nvSpPr>
+            <p:cNvPr id="31" name="Parallelogram 30"/>
+            <p:cNvSpPr/>
+            <p:nvPr/>
+          </p:nvSpPr>
+          <p:spPr bwMode="auto">
+            <a:xfrm rot="20852591">
+              <a:off x="2019033" y="4743926"/>
+              <a:ext cx="3513929" cy="270618"/>
+            </a:xfrm>
+            <a:prstGeom prst="parallelogram">
+              <a:avLst>
+                <a:gd name="adj" fmla="val 160111"/>
+              </a:avLst>
+            </a:prstGeom>
+            <a:solidFill>
+              <a:schemeClr val="bg1">
+                <a:lumMod val="65000"/>
+              </a:schemeClr>
+            </a:solidFill>
+            <a:ln w="9525" cap="flat" cmpd="sng" algn="ctr">
+              <a:solidFill>
+                <a:schemeClr val="bg1">
+                  <a:lumMod val="65000"/>
+                </a:schemeClr>
+              </a:solidFill>
+              <a:prstDash val="solid"/>
+              <a:round/>
+              <a:headEnd type="none" w="med" len="med"/>
+              <a:tailEnd type="none" w="med" len="med"/>
+            </a:ln>
+            <a:effectLst/>
+          </p:spPr>
+          <p:txBody>
+            <a:bodyPr vert="horz" wrap="square" lIns="91440" tIns="45720" rIns="91440" bIns="45720" numCol="1" rtlCol="0" anchor="t" anchorCtr="0" compatLnSpc="1">
+              <a:prstTxWarp prst="textNoShape">
+                <a:avLst/>
+              </a:prstTxWarp>
+            </a:bodyPr>
+            <a:lstStyle/>
+            <a:p>
+              <a:pPr marL="0" marR="0" indent="0" algn="r" defTabSz="914400" rtl="0" eaLnBrk="0" fontAlgn="base" latinLnBrk="0" hangingPunct="0">
+                <a:lnSpc>
+                  <a:spcPct val="100000"/>
+                </a:lnSpc>
+                <a:spcBef>
+                  <a:spcPct val="0"/>
+                </a:spcBef>
+                <a:spcAft>
+                  <a:spcPct val="0"/>
+                </a:spcAft>
+                <a:buClrTx/>
+                <a:buSzTx/>
+                <a:buFontTx/>
+                <a:buNone/>
+                <a:tabLst/>
+              </a:pPr>
+              <a:endParaRPr kumimoji="0" lang="de-DE" sz="2000" b="0" i="0" u="none" strike="noStrike" cap="none" normalizeH="0" baseline="0" smtClean="0">
+                <a:ln>
+                  <a:noFill/>
+                </a:ln>
+                <a:solidFill>
+                  <a:schemeClr val="tx1"/>
+                </a:solidFill>
+                <a:effectLst/>
+                <a:latin typeface="Arial" pitchFamily="34" charset="0"/>
+              </a:endParaRPr>
+            </a:p>
+          </p:txBody>
+        </p:sp>
+        <p:sp>
+          <p:nvSpPr>
+            <p:cNvPr id="32" name="Parallelogram 31"/>
+            <p:cNvSpPr/>
+            <p:nvPr/>
+          </p:nvSpPr>
+          <p:spPr bwMode="auto">
+            <a:xfrm rot="20852591">
+              <a:off x="1664514" y="5092506"/>
+              <a:ext cx="3513929" cy="270618"/>
+            </a:xfrm>
+            <a:prstGeom prst="parallelogram">
+              <a:avLst>
+                <a:gd name="adj" fmla="val 160111"/>
+              </a:avLst>
+            </a:prstGeom>
+            <a:solidFill>
+              <a:schemeClr val="bg1">
+                <a:lumMod val="75000"/>
+              </a:schemeClr>
+            </a:solidFill>
+            <a:ln w="9525" cap="flat" cmpd="sng" algn="ctr">
+              <a:solidFill>
+                <a:schemeClr val="bg1">
+                  <a:lumMod val="75000"/>
+                </a:schemeClr>
+              </a:solidFill>
+              <a:prstDash val="solid"/>
+              <a:round/>
+              <a:headEnd type="none" w="med" len="med"/>
+              <a:tailEnd type="none" w="med" len="med"/>
+            </a:ln>
+            <a:effectLst/>
+          </p:spPr>
+          <p:txBody>
+            <a:bodyPr vert="horz" wrap="square" lIns="91440" tIns="45720" rIns="91440" bIns="45720" numCol="1" rtlCol="0" anchor="t" anchorCtr="0" compatLnSpc="1">
+              <a:prstTxWarp prst="textNoShape">
+                <a:avLst/>
+              </a:prstTxWarp>
+            </a:bodyPr>
+            <a:lstStyle/>
+            <a:p>
+              <a:pPr marL="0" marR="0" indent="0" algn="r" defTabSz="914400" rtl="0" eaLnBrk="0" fontAlgn="base" latinLnBrk="0" hangingPunct="0">
+                <a:lnSpc>
+                  <a:spcPct val="100000"/>
+                </a:lnSpc>
+                <a:spcBef>
+                  <a:spcPct val="0"/>
+                </a:spcBef>
+                <a:spcAft>
+                  <a:spcPct val="0"/>
+                </a:spcAft>
+                <a:buClrTx/>
+                <a:buSzTx/>
+                <a:buFontTx/>
+                <a:buNone/>
+                <a:tabLst/>
+              </a:pPr>
+              <a:endParaRPr kumimoji="0" lang="de-DE" sz="2000" b="0" i="0" u="none" strike="noStrike" cap="none" normalizeH="0" baseline="0" smtClean="0">
+                <a:ln>
+                  <a:noFill/>
+                </a:ln>
+                <a:solidFill>
+                  <a:schemeClr val="tx1"/>
+                </a:solidFill>
+                <a:effectLst/>
+                <a:latin typeface="Arial" pitchFamily="34" charset="0"/>
+              </a:endParaRPr>
+            </a:p>
+          </p:txBody>
+        </p:sp>
+        <p:sp>
+          <p:nvSpPr>
+            <p:cNvPr id="33" name="Parallelogram 32"/>
+            <p:cNvSpPr/>
+            <p:nvPr/>
+          </p:nvSpPr>
+          <p:spPr bwMode="auto">
+            <a:xfrm rot="20852591">
+              <a:off x="1334314" y="5416891"/>
+              <a:ext cx="3513929" cy="270618"/>
+            </a:xfrm>
+            <a:prstGeom prst="parallelogram">
+              <a:avLst>
+                <a:gd name="adj" fmla="val 160111"/>
+              </a:avLst>
+            </a:prstGeom>
+            <a:solidFill>
+              <a:schemeClr val="bg1">
+                <a:lumMod val="85000"/>
+              </a:schemeClr>
+            </a:solidFill>
+            <a:ln w="9525" cap="flat" cmpd="sng" algn="ctr">
+              <a:solidFill>
+                <a:schemeClr val="bg1">
+                  <a:lumMod val="85000"/>
+                </a:schemeClr>
+              </a:solidFill>
+              <a:prstDash val="solid"/>
+              <a:round/>
+              <a:headEnd type="none" w="med" len="med"/>
+              <a:tailEnd type="none" w="med" len="med"/>
+            </a:ln>
+            <a:effectLst/>
+          </p:spPr>
+          <p:txBody>
+            <a:bodyPr vert="horz" wrap="square" lIns="91440" tIns="45720" rIns="91440" bIns="45720" numCol="1" rtlCol="0" anchor="t" anchorCtr="0" compatLnSpc="1">
+              <a:prstTxWarp prst="textNoShape">
+                <a:avLst/>
+              </a:prstTxWarp>
+            </a:bodyPr>
+            <a:lstStyle/>
+            <a:p>
+              <a:pPr marL="0" marR="0" indent="0" algn="r" defTabSz="914400" rtl="0" eaLnBrk="0" fontAlgn="base" latinLnBrk="0" hangingPunct="0">
+                <a:lnSpc>
+                  <a:spcPct val="100000"/>
+                </a:lnSpc>
+                <a:spcBef>
+                  <a:spcPct val="0"/>
+                </a:spcBef>
+                <a:spcAft>
+                  <a:spcPct val="0"/>
+                </a:spcAft>
+                <a:buClrTx/>
+                <a:buSzTx/>
+                <a:buFontTx/>
+                <a:buNone/>
+                <a:tabLst/>
+              </a:pPr>
+              <a:endParaRPr kumimoji="0" lang="de-DE" sz="2000" b="0" i="0" u="none" strike="noStrike" cap="none" normalizeH="0" baseline="0" smtClean="0">
+                <a:ln>
+                  <a:noFill/>
+                </a:ln>
+                <a:solidFill>
+                  <a:schemeClr val="tx1"/>
+                </a:solidFill>
+                <a:effectLst/>
+                <a:latin typeface="Arial" pitchFamily="34" charset="0"/>
+              </a:endParaRPr>
+            </a:p>
+          </p:txBody>
+        </p:sp>
+      </p:grpSp>
+      <p:cxnSp>
+        <p:nvCxnSpPr>
+          <p:cNvPr id="36" name="Straight Connector 35"/>
+          <p:cNvCxnSpPr/>
+          <p:nvPr/>
+        </p:nvCxnSpPr>
+        <p:spPr bwMode="auto">
+          <a:xfrm>
+            <a:off x="1399798" y="6063308"/>
+            <a:ext cx="2939762" cy="0"/>
+          </a:xfrm>
+          <a:prstGeom prst="line">
+            <a:avLst/>
+          </a:prstGeom>
+          <a:solidFill>
+            <a:schemeClr val="accent1"/>
+          </a:solidFill>
+          <a:ln w="57150" cap="flat" cmpd="sng" algn="ctr">
+            <a:solidFill>
+              <a:schemeClr val="tx2"/>
+            </a:solidFill>
+            <a:prstDash val="sysDot"/>
+            <a:round/>
+            <a:headEnd type="none" w="med" len="med"/>
+            <a:tailEnd type="none" w="med" len="med"/>
+          </a:ln>
+          <a:effectLst/>
+        </p:spPr>
+      </p:cxnSp>
+      <p:cxnSp>
+        <p:nvCxnSpPr>
+          <p:cNvPr id="37" name="Straight Connector 36"/>
+          <p:cNvCxnSpPr/>
+          <p:nvPr/>
+        </p:nvCxnSpPr>
+        <p:spPr bwMode="auto">
+          <a:xfrm flipV="1">
+            <a:off x="4427795" y="5390344"/>
+            <a:ext cx="0" cy="693750"/>
+          </a:xfrm>
+          <a:prstGeom prst="line">
+            <a:avLst/>
+          </a:prstGeom>
+          <a:solidFill>
+            <a:schemeClr val="accent1"/>
+          </a:solidFill>
+          <a:ln w="57150" cap="flat" cmpd="sng" algn="ctr">
+            <a:solidFill>
+              <a:schemeClr val="tx2"/>
+            </a:solidFill>
+            <a:prstDash val="sysDot"/>
+            <a:round/>
+            <a:headEnd type="none" w="med" len="med"/>
+            <a:tailEnd type="none" w="med" len="med"/>
+          </a:ln>
+          <a:effectLst/>
+        </p:spPr>
+      </p:cxnSp>
+      <p:sp>
+        <p:nvSpPr>
+          <p:cNvPr id="41" name="TextBox 40"/>
+          <p:cNvSpPr txBox="1"/>
+          <p:nvPr/>
+        </p:nvSpPr>
+        <p:spPr>
+          <a:xfrm>
+            <a:off x="3271696" y="1941560"/>
+            <a:ext cx="1395554" cy="400110"/>
+          </a:xfrm>
+          <a:prstGeom prst="rect">
+            <a:avLst/>
+          </a:prstGeom>
+          <a:noFill/>
+        </p:spPr>
+        <p:txBody>
+          <a:bodyPr wrap="square" rtlCol="0">
+            <a:spAutoFit/>
+          </a:bodyPr>
+          <a:lstStyle/>
+          <a:p>
+            <a:pPr algn="l"/>
+            <a:r>
+              <a:rPr lang="de-DE" dirty="0" smtClean="0"/>
+              <a:t>Amplitude</a:t>
+            </a:r>
+            <a:endParaRPr lang="de-DE" dirty="0"/>
+          </a:p>
+        </p:txBody>
+      </p:sp>
+      <p:sp>
+        <p:nvSpPr>
+          <p:cNvPr id="43" name="TextBox 42"/>
+          <p:cNvSpPr txBox="1"/>
+          <p:nvPr/>
+        </p:nvSpPr>
+        <p:spPr>
+          <a:xfrm>
+            <a:off x="4897351" y="1941560"/>
+            <a:ext cx="3775908" cy="1323439"/>
+          </a:xfrm>
+          <a:prstGeom prst="rect">
+            <a:avLst/>
+          </a:prstGeom>
+          <a:noFill/>
+        </p:spPr>
+        <p:txBody>
+          <a:bodyPr wrap="square" rtlCol="0">
+            <a:spAutoFit/>
+          </a:bodyPr>
+          <a:lstStyle/>
+          <a:p>
+            <a:pPr marL="342900" indent="-342900" algn="l">
+              <a:buFont typeface="Arial" panose="020B0604020202020204" pitchFamily="34" charset="0"/>
+              <a:buChar char="•"/>
+            </a:pPr>
+            <a:r>
+              <a:rPr lang="de-DE" dirty="0" smtClean="0"/>
+              <a:t>Five soundfiles for different velocities</a:t>
+            </a:r>
+          </a:p>
+          <a:p>
+            <a:pPr marL="342900" indent="-342900" algn="l">
+              <a:buFont typeface="Arial" panose="020B0604020202020204" pitchFamily="34" charset="0"/>
+              <a:buChar char="•"/>
+            </a:pPr>
+            <a:r>
+              <a:rPr lang="de-DE" dirty="0" smtClean="0"/>
+              <a:t>Amplitude </a:t>
+            </a:r>
+            <a:r>
+              <a:rPr lang="de-DE" dirty="0" smtClean="0"/>
+              <a:t>linear to penetration depth</a:t>
+            </a:r>
+            <a:endParaRPr lang="de-DE" dirty="0"/>
+          </a:p>
+        </p:txBody>
+      </p:sp>
+      <p:cxnSp>
+        <p:nvCxnSpPr>
+          <p:cNvPr id="23" name="Straight Connector 22"/>
+          <p:cNvCxnSpPr/>
+          <p:nvPr/>
+        </p:nvCxnSpPr>
+        <p:spPr bwMode="auto">
+          <a:xfrm flipV="1">
+            <a:off x="4499995" y="4368128"/>
+            <a:ext cx="1671540" cy="1695180"/>
+          </a:xfrm>
+          <a:prstGeom prst="line">
+            <a:avLst/>
+          </a:prstGeom>
+          <a:solidFill>
+            <a:schemeClr val="accent1"/>
+          </a:solidFill>
+          <a:ln w="57150" cap="flat" cmpd="sng" algn="ctr">
+            <a:solidFill>
+              <a:schemeClr val="tx2"/>
+            </a:solidFill>
+            <a:prstDash val="sysDot"/>
+            <a:round/>
+            <a:headEnd type="none" w="med" len="med"/>
+            <a:tailEnd type="none" w="med" len="med"/>
+          </a:ln>
+          <a:effectLst/>
+        </p:spPr>
+      </p:cxnSp>
+      <p:cxnSp>
+        <p:nvCxnSpPr>
+          <p:cNvPr id="25" name="Straight Connector 24"/>
+          <p:cNvCxnSpPr/>
+          <p:nvPr/>
+        </p:nvCxnSpPr>
+        <p:spPr bwMode="auto">
+          <a:xfrm flipV="1">
+            <a:off x="6171535" y="3674377"/>
+            <a:ext cx="0" cy="693750"/>
+          </a:xfrm>
+          <a:prstGeom prst="line">
+            <a:avLst/>
+          </a:prstGeom>
+          <a:solidFill>
+            <a:schemeClr val="accent1"/>
+          </a:solidFill>
+          <a:ln w="57150" cap="flat" cmpd="sng" algn="ctr">
+            <a:solidFill>
+              <a:schemeClr val="tx2"/>
+            </a:solidFill>
+            <a:prstDash val="sysDot"/>
+            <a:round/>
+            <a:headEnd type="none" w="med" len="med"/>
+            <a:tailEnd type="none" w="med" len="med"/>
+          </a:ln>
+          <a:effectLst/>
+        </p:spPr>
+      </p:cxnSp>
+    </p:spTree>
+    <p:extLst>
+      <p:ext uri="{BB962C8B-B14F-4D97-AF65-F5344CB8AC3E}">
+        <p14:creationId xmlns:p14="http://schemas.microsoft.com/office/powerpoint/2010/main" val="1269798419"/>
+      </p:ext>
+    </p:extLst>
+  </p:cSld>
+  <p:clrMapOvr>
+    <a:masterClrMapping/>
+  </p:clrMapOvr>
+  <mc:AlternateContent xmlns:mc="http://schemas.openxmlformats.org/markup-compatibility/2006">
+    <mc:Choice xmlns:p14="http://schemas.microsoft.com/office/powerpoint/2010/main" Requires="p14">
+      <p:transition spd="slow" p14:dur="2000" advTm="73275"/>
+    </mc:Choice>
+    <mc:Fallback>
+      <p:transition spd="slow" advTm="73275"/>
+    </mc:Fallback>
+  </mc:AlternateContent>
+  <p:timing>
+    <p:tnLst>
+      <p:par>
+        <p:cTn id="1" dur="indefinite" restart="never" nodeType="tmRoot"/>
+      </p:par>
+    </p:tnLst>
+  </p:timing>
+</p:sld>
+</file>
+
+<file path=ppt/slides/slide12.xml><?xml version="1.0" encoding="utf-8"?>
+<p:sld xmlns:a="http://schemas.openxmlformats.org/drawingml/2006/main" xmlns:r="http://schemas.openxmlformats.org/officeDocument/2006/relationships" xmlns:p="http://schemas.openxmlformats.org/presentationml/2006/main">
+  <p:cSld>
+    <p:spTree>
+      <p:nvGrpSpPr>
+        <p:cNvPr id="1" name=""/>
+        <p:cNvGrpSpPr/>
+        <p:nvPr/>
+      </p:nvGrpSpPr>
+      <p:grpSpPr>
+        <a:xfrm>
+          <a:off x="0" y="0"/>
+          <a:ext cx="0" cy="0"/>
+          <a:chOff x="0" y="0"/>
+          <a:chExt cx="0" cy="0"/>
+        </a:xfrm>
+      </p:grpSpPr>
+      <p:sp>
+        <p:nvSpPr>
+          <p:cNvPr id="2" name="Title 1"/>
+          <p:cNvSpPr>
+            <a:spLocks noGrp="1"/>
+          </p:cNvSpPr>
+          <p:nvPr>
+            <p:ph type="title"/>
+          </p:nvPr>
+        </p:nvSpPr>
+        <p:spPr/>
+        <p:txBody>
+          <a:bodyPr/>
+          <a:lstStyle/>
+          <a:p>
+            <a:r>
+              <a:rPr lang="de-DE" dirty="0" smtClean="0"/>
+              <a:t>Optimal Design Process</a:t>
+            </a:r>
+            <a:endParaRPr lang="de-DE" dirty="0"/>
+          </a:p>
+        </p:txBody>
+      </p:sp>
+      <p:sp>
+        <p:nvSpPr>
+          <p:cNvPr id="4" name="Date Placeholder 3"/>
+          <p:cNvSpPr>
+            <a:spLocks noGrp="1"/>
+          </p:cNvSpPr>
+          <p:nvPr>
+            <p:ph type="dt" sz="half" idx="10"/>
+          </p:nvPr>
+        </p:nvSpPr>
+        <p:spPr/>
+        <p:txBody>
+          <a:bodyPr/>
+          <a:lstStyle/>
+          <a:p>
+            <a:fld id="{5B7B2BA2-087B-489E-9F75-3C72911A1C8A}" type="datetime1">
+              <a:rPr lang="de-DE" noProof="0" smtClean="0"/>
+              <a:t>06.08.2015</a:t>
+            </a:fld>
+            <a:endParaRPr lang="en-US" noProof="0"/>
+          </a:p>
+        </p:txBody>
+      </p:sp>
+      <p:sp>
+        <p:nvSpPr>
+          <p:cNvPr id="5" name="Footer Placeholder 4"/>
+          <p:cNvSpPr>
+            <a:spLocks noGrp="1"/>
+          </p:cNvSpPr>
+          <p:nvPr>
+            <p:ph type="ftr" sz="quarter" idx="11"/>
+          </p:nvPr>
+        </p:nvSpPr>
+        <p:spPr/>
+        <p:txBody>
+          <a:bodyPr/>
+          <a:lstStyle/>
+          <a:p>
+            <a:r>
+              <a:rPr lang="en-US" noProof="0" smtClean="0"/>
+              <a:t>Computational Haptics Laboratory -  Final Presentation</a:t>
+            </a:r>
+            <a:endParaRPr lang="en-US" noProof="0" dirty="0"/>
+          </a:p>
+        </p:txBody>
+      </p:sp>
+      <p:sp>
+        <p:nvSpPr>
+          <p:cNvPr id="6" name="Slide Number Placeholder 5"/>
+          <p:cNvSpPr>
+            <a:spLocks noGrp="1"/>
+          </p:cNvSpPr>
+          <p:nvPr>
+            <p:ph type="sldNum" sz="quarter" idx="12"/>
+          </p:nvPr>
+        </p:nvSpPr>
+        <p:spPr/>
+        <p:txBody>
+          <a:bodyPr/>
+          <a:lstStyle/>
+          <a:p>
+            <a:fld id="{17CC94CD-1FE7-0C44-80F4-2964C2C99554}" type="slidenum">
+              <a:rPr lang="en-US" noProof="0" smtClean="0"/>
+              <a:pPr/>
+              <a:t>12</a:t>
             </a:fld>
             <a:endParaRPr lang="en-US" noProof="0"/>
           </a:p>
@@ -4938,7 +7298,7 @@
 </p:sld>
 </file>
 
-<file path=ppt/slides/slide11.xml><?xml version="1.0" encoding="utf-8"?>
+<file path=ppt/slides/slide13.xml><?xml version="1.0" encoding="utf-8"?>
 <p:sld xmlns:a="http://schemas.openxmlformats.org/drawingml/2006/main" xmlns:r="http://schemas.openxmlformats.org/officeDocument/2006/relationships" xmlns:p="http://schemas.openxmlformats.org/presentationml/2006/main">
   <p:cSld>
     <p:spTree>
@@ -4993,9 +7353,9 @@
           <a:bodyPr/>
           <a:lstStyle/>
           <a:p>
-            <a:fld id="{C8AFF1F9-9510-4B10-82CE-48AF128FE261}" type="datetime1">
+            <a:fld id="{0C452F02-315D-4CFC-A0A7-CABAD71953AD}" type="datetime1">
               <a:rPr lang="de-DE" noProof="0" smtClean="0"/>
-              <a:t>05.08.2015</a:t>
+              <a:t>06.08.2015</a:t>
             </a:fld>
             <a:endParaRPr lang="en-US" noProof="0"/>
           </a:p>
@@ -5042,7 +7402,7 @@
             <a:fld id="{17CC94CD-1FE7-0C44-80F4-2964C2C99554}" type="slidenum">
               <a:rPr lang="en-US" noProof="0" smtClean="0"/>
               <a:pPr/>
-              <a:t>11</a:t>
+              <a:t>13</a:t>
             </a:fld>
             <a:endParaRPr lang="en-US" noProof="0"/>
           </a:p>
@@ -5697,7 +8057,7 @@
             <a:pPr algn="l"/>
             <a:r>
               <a:rPr lang="de-DE" dirty="0" smtClean="0"/>
-              <a:t>Render Object and display  force and velocity accoring to object friction, stiffness and other properties of the real object</a:t>
+              <a:t>Render Object and display  force and velocity according to object friction, stiffness and other properties of the real object</a:t>
             </a:r>
             <a:endParaRPr lang="de-DE" dirty="0"/>
           </a:p>
@@ -5711,7 +8071,7 @@
         </p:nvSpPr>
         <p:spPr bwMode="auto">
           <a:xfrm>
-            <a:off x="2934072" y="4328294"/>
+            <a:off x="2973294" y="4305672"/>
             <a:ext cx="5746241" cy="1973252"/>
           </a:xfrm>
           <a:prstGeom prst="rect">
@@ -6521,7 +8881,7 @@
 </p:sld>
 </file>
 
-<file path=ppt/slides/slide12.xml><?xml version="1.0" encoding="utf-8"?>
+<file path=ppt/slides/slide14.xml><?xml version="1.0" encoding="utf-8"?>
 <p:sld xmlns:a="http://schemas.openxmlformats.org/drawingml/2006/main" xmlns:r="http://schemas.openxmlformats.org/officeDocument/2006/relationships" xmlns:p="http://schemas.openxmlformats.org/presentationml/2006/main">
   <p:cSld>
     <p:spTree>
@@ -6585,7 +8945,7 @@
             <a:pPr lvl="1"/>
             <a:r>
               <a:rPr lang="de-DE" dirty="0" smtClean="0"/>
-              <a:t>Not always availabe</a:t>
+              <a:t>Not always available</a:t>
             </a:r>
           </a:p>
           <a:p>
@@ -6660,11 +9020,11 @@
           <a:bodyPr/>
           <a:lstStyle/>
           <a:p>
-            <a:fld id="{C8AFF1F9-9510-4B10-82CE-48AF128FE261}" type="datetime1">
+            <a:fld id="{32ABA488-3585-4181-9737-2E3BC8E184B6}" type="datetime1">
               <a:rPr lang="de-DE" noProof="0" smtClean="0"/>
-              <a:t>05.08.2015</a:t>
+              <a:t>06.08.2015</a:t>
             </a:fld>
-            <a:endParaRPr lang="en-US" noProof="0"/>
+            <a:endParaRPr lang="en-US" noProof="0" dirty="0"/>
           </a:p>
         </p:txBody>
       </p:sp>
@@ -6709,7 +9069,7 @@
             <a:fld id="{17CC94CD-1FE7-0C44-80F4-2964C2C99554}" type="slidenum">
               <a:rPr lang="en-US" noProof="0" smtClean="0"/>
               <a:pPr/>
-              <a:t>12</a:t>
+              <a:t>14</a:t>
             </a:fld>
             <a:endParaRPr lang="en-US" noProof="0"/>
           </a:p>
@@ -6743,7 +9103,7 @@
 </p:sld>
 </file>
 
-<file path=ppt/slides/slide13.xml><?xml version="1.0" encoding="utf-8"?>
+<file path=ppt/slides/slide15.xml><?xml version="1.0" encoding="utf-8"?>
 <p:sld xmlns:a="http://schemas.openxmlformats.org/drawingml/2006/main" xmlns:r="http://schemas.openxmlformats.org/officeDocument/2006/relationships" xmlns:p="http://schemas.openxmlformats.org/presentationml/2006/main">
   <p:cSld>
     <p:spTree>
@@ -6812,16 +9172,14 @@
           <a:p>
             <a:r>
               <a:rPr lang="de-DE" dirty="0" smtClean="0"/>
-              <a:t>2 models for handling the penetration depth</a:t>
+              <a:t>2 modes for handling the penetration depth</a:t>
             </a:r>
           </a:p>
           <a:p>
             <a:r>
               <a:rPr lang="de-DE" dirty="0" smtClean="0"/>
-              <a:t>Created a framework for displaying acceleration files over the sound port of the computer with a voice coil acutaotor according to the physical properties of a object</a:t>
-            </a:r>
-          </a:p>
-          <a:p>
+              <a:t>Created a framework for displaying acceleration files over the sound port of the computer with a voice coil actuator</a:t>
+            </a:r>
             <a:endParaRPr lang="de-DE" dirty="0"/>
           </a:p>
         </p:txBody>
@@ -6841,9 +9199,9 @@
           <a:bodyPr/>
           <a:lstStyle/>
           <a:p>
-            <a:fld id="{C8AFF1F9-9510-4B10-82CE-48AF128FE261}" type="datetime1">
+            <a:fld id="{CE70FF04-F7D5-46B4-9528-2DD1D6C7FBFB}" type="datetime1">
               <a:rPr lang="de-DE" noProof="0" smtClean="0"/>
-              <a:t>05.08.2015</a:t>
+              <a:t>06.08.2015</a:t>
             </a:fld>
             <a:endParaRPr lang="en-US" noProof="0"/>
           </a:p>
@@ -6890,7 +9248,7 @@
             <a:fld id="{17CC94CD-1FE7-0C44-80F4-2964C2C99554}" type="slidenum">
               <a:rPr lang="en-US" noProof="0" smtClean="0"/>
               <a:pPr/>
-              <a:t>13</a:t>
+              <a:t>15</a:t>
             </a:fld>
             <a:endParaRPr lang="en-US" noProof="0"/>
           </a:p>
@@ -6916,7 +9274,7 @@
 </p:sld>
 </file>
 
-<file path=ppt/slides/slide14.xml><?xml version="1.0" encoding="utf-8"?>
+<file path=ppt/slides/slide16.xml><?xml version="1.0" encoding="utf-8"?>
 <p:sld xmlns:a="http://schemas.openxmlformats.org/drawingml/2006/main" xmlns:r="http://schemas.openxmlformats.org/officeDocument/2006/relationships" xmlns:p="http://schemas.openxmlformats.org/presentationml/2006/main" show="0">
   <p:cSld>
     <p:spTree>
@@ -6971,9 +9329,9 @@
           <a:bodyPr/>
           <a:lstStyle/>
           <a:p>
-            <a:fld id="{C8AFF1F9-9510-4B10-82CE-48AF128FE261}" type="datetime1">
+            <a:fld id="{27A2F257-F03E-44C4-AE0D-DA47908C001C}" type="datetime1">
               <a:rPr lang="de-DE" noProof="0" smtClean="0"/>
-              <a:t>05.08.2015</a:t>
+              <a:t>06.08.2015</a:t>
             </a:fld>
             <a:endParaRPr lang="en-US" noProof="0"/>
           </a:p>
@@ -7020,7 +9378,7 @@
             <a:fld id="{17CC94CD-1FE7-0C44-80F4-2964C2C99554}" type="slidenum">
               <a:rPr lang="en-US" noProof="0" smtClean="0"/>
               <a:pPr/>
-              <a:t>14</a:t>
+              <a:t>16</a:t>
             </a:fld>
             <a:endParaRPr lang="en-US" noProof="0"/>
           </a:p>
@@ -12122,7 +14480,7 @@
 </p:sld>
 </file>
 
-<file path=ppt/slides/slide15.xml><?xml version="1.0" encoding="utf-8"?>
+<file path=ppt/slides/slide17.xml><?xml version="1.0" encoding="utf-8"?>
 <p:sld xmlns:a="http://schemas.openxmlformats.org/drawingml/2006/main" xmlns:r="http://schemas.openxmlformats.org/officeDocument/2006/relationships" xmlns:p="http://schemas.openxmlformats.org/presentationml/2006/main" show="0">
   <p:cSld>
     <p:spTree>
@@ -12177,9 +14535,9 @@
           <a:bodyPr/>
           <a:lstStyle/>
           <a:p>
-            <a:fld id="{7B0B9116-C925-4871-9196-5F21FAB6AB5B}" type="datetime1">
+            <a:fld id="{201BE900-35B0-4D29-9D2F-E41B813C58B4}" type="datetime1">
               <a:rPr lang="de-DE" noProof="0" smtClean="0"/>
-              <a:t>05.08.2015</a:t>
+              <a:t>06.08.2015</a:t>
             </a:fld>
             <a:endParaRPr lang="en-US" noProof="0"/>
           </a:p>
@@ -12226,7 +14584,7 @@
             <a:fld id="{17CC94CD-1FE7-0C44-80F4-2964C2C99554}" type="slidenum">
               <a:rPr lang="en-US" noProof="0" smtClean="0"/>
               <a:pPr/>
-              <a:t>15</a:t>
+              <a:t>17</a:t>
             </a:fld>
             <a:endParaRPr lang="en-US" noProof="0"/>
           </a:p>
@@ -12301,7 +14659,7 @@
 </p:sld>
 </file>
 
-<file path=ppt/slides/slide16.xml><?xml version="1.0" encoding="utf-8"?>
+<file path=ppt/slides/slide18.xml><?xml version="1.0" encoding="utf-8"?>
 <p:sld xmlns:a="http://schemas.openxmlformats.org/drawingml/2006/main" xmlns:r="http://schemas.openxmlformats.org/officeDocument/2006/relationships" xmlns:p="http://schemas.openxmlformats.org/presentationml/2006/main" show="0">
   <p:cSld>
     <p:spTree>
@@ -12356,9 +14714,9 @@
           <a:bodyPr/>
           <a:lstStyle/>
           <a:p>
-            <a:fld id="{C8AFF1F9-9510-4B10-82CE-48AF128FE261}" type="datetime1">
+            <a:fld id="{435A9ABA-68F0-491C-807C-92146E3C2B77}" type="datetime1">
               <a:rPr lang="de-DE" noProof="0" smtClean="0"/>
-              <a:t>05.08.2015</a:t>
+              <a:t>06.08.2015</a:t>
             </a:fld>
             <a:endParaRPr lang="en-US" noProof="0"/>
           </a:p>
@@ -12405,7 +14763,7 @@
             <a:fld id="{17CC94CD-1FE7-0C44-80F4-2964C2C99554}" type="slidenum">
               <a:rPr lang="en-US" noProof="0" smtClean="0"/>
               <a:pPr/>
-              <a:t>16</a:t>
+              <a:t>18</a:t>
             </a:fld>
             <a:endParaRPr lang="en-US" noProof="0"/>
           </a:p>
@@ -13509,7 +15867,7 @@
 </p:sld>
 </file>
 
-<file path=ppt/slides/slide17.xml><?xml version="1.0" encoding="utf-8"?>
+<file path=ppt/slides/slide19.xml><?xml version="1.0" encoding="utf-8"?>
 <p:sld xmlns:a="http://schemas.openxmlformats.org/drawingml/2006/main" xmlns:r="http://schemas.openxmlformats.org/officeDocument/2006/relationships" xmlns:p="http://schemas.openxmlformats.org/presentationml/2006/main" show="0">
   <p:cSld>
     <p:spTree>
@@ -13611,9 +15969,9 @@
           <a:bodyPr/>
           <a:lstStyle/>
           <a:p>
-            <a:fld id="{120D1873-4592-4B4D-9F1D-AD3B7AB2CFD7}" type="datetime1">
+            <a:fld id="{7D948072-47AA-4D60-8E7B-174BC3D8568C}" type="datetime1">
               <a:rPr lang="de-DE" noProof="0" smtClean="0"/>
-              <a:t>05.08.2015</a:t>
+              <a:t>06.08.2015</a:t>
             </a:fld>
             <a:endParaRPr lang="en-US" noProof="0"/>
           </a:p>
@@ -13660,7 +16018,7 @@
             <a:fld id="{17CC94CD-1FE7-0C44-80F4-2964C2C99554}" type="slidenum">
               <a:rPr lang="en-US" noProof="0" smtClean="0"/>
               <a:pPr/>
-              <a:t>17</a:t>
+              <a:t>19</a:t>
             </a:fld>
             <a:endParaRPr lang="en-US" noProof="0"/>
           </a:p>
@@ -13682,187 +16040,6 @@
     </mc:Choice>
     <mc:Fallback>
       <p:transition spd="slow" advTm="32287"/>
-    </mc:Fallback>
-  </mc:AlternateContent>
-  <p:timing>
-    <p:tnLst>
-      <p:par>
-        <p:cTn id="1" dur="indefinite" restart="never" nodeType="tmRoot"/>
-      </p:par>
-    </p:tnLst>
-  </p:timing>
-</p:sld>
-</file>
-
-<file path=ppt/slides/slide18.xml><?xml version="1.0" encoding="utf-8"?>
-<p:sld xmlns:a="http://schemas.openxmlformats.org/drawingml/2006/main" xmlns:r="http://schemas.openxmlformats.org/officeDocument/2006/relationships" xmlns:p="http://schemas.openxmlformats.org/presentationml/2006/main" show="0">
-  <p:cSld>
-    <p:spTree>
-      <p:nvGrpSpPr>
-        <p:cNvPr id="1" name=""/>
-        <p:cNvGrpSpPr/>
-        <p:nvPr/>
-      </p:nvGrpSpPr>
-      <p:grpSpPr>
-        <a:xfrm>
-          <a:off x="0" y="0"/>
-          <a:ext cx="0" cy="0"/>
-          <a:chOff x="0" y="0"/>
-          <a:chExt cx="0" cy="0"/>
-        </a:xfrm>
-      </p:grpSpPr>
-      <p:sp>
-        <p:nvSpPr>
-          <p:cNvPr id="2" name="Title 1"/>
-          <p:cNvSpPr>
-            <a:spLocks noGrp="1"/>
-          </p:cNvSpPr>
-          <p:nvPr>
-            <p:ph type="title"/>
-          </p:nvPr>
-        </p:nvSpPr>
-        <p:spPr/>
-        <p:txBody>
-          <a:bodyPr/>
-          <a:lstStyle/>
-          <a:p>
-            <a:r>
-              <a:rPr lang="de-DE" dirty="0" smtClean="0"/>
-              <a:t>Our Work</a:t>
-            </a:r>
-            <a:endParaRPr lang="de-DE" dirty="0"/>
-          </a:p>
-        </p:txBody>
-      </p:sp>
-      <p:sp>
-        <p:nvSpPr>
-          <p:cNvPr id="3" name="Content Placeholder 2"/>
-          <p:cNvSpPr>
-            <a:spLocks noGrp="1"/>
-          </p:cNvSpPr>
-          <p:nvPr>
-            <p:ph idx="1"/>
-          </p:nvPr>
-        </p:nvSpPr>
-        <p:spPr/>
-        <p:txBody>
-          <a:bodyPr/>
-          <a:lstStyle/>
-          <a:p>
-            <a:r>
-              <a:rPr lang="de-DE" dirty="0" smtClean="0"/>
-              <a:t>Implement game logic</a:t>
-            </a:r>
-          </a:p>
-          <a:p>
-            <a:r>
-              <a:rPr lang="de-DE" dirty="0" smtClean="0"/>
-              <a:t>Create 3D objects</a:t>
-            </a:r>
-          </a:p>
-          <a:p>
-            <a:r>
-              <a:rPr lang="de-DE" dirty="0" smtClean="0"/>
-              <a:t>Handle user unputs</a:t>
-            </a:r>
-          </a:p>
-          <a:p>
-            <a:r>
-              <a:rPr lang="de-DE" dirty="0" smtClean="0"/>
-              <a:t>Connect voice coil actuator with CHAI 3D</a:t>
-            </a:r>
-          </a:p>
-          <a:p>
-            <a:endParaRPr lang="de-DE" dirty="0"/>
-          </a:p>
-        </p:txBody>
-      </p:sp>
-      <p:sp>
-        <p:nvSpPr>
-          <p:cNvPr id="4" name="Date Placeholder 3"/>
-          <p:cNvSpPr>
-            <a:spLocks noGrp="1"/>
-          </p:cNvSpPr>
-          <p:nvPr>
-            <p:ph type="dt" sz="half" idx="10"/>
-          </p:nvPr>
-        </p:nvSpPr>
-        <p:spPr/>
-        <p:txBody>
-          <a:bodyPr/>
-          <a:lstStyle/>
-          <a:p>
-            <a:fld id="{92A91750-87D6-4973-84FE-BCD869E821BD}" type="datetime1">
-              <a:rPr lang="de-DE" noProof="0" smtClean="0"/>
-              <a:t>05.08.2015</a:t>
-            </a:fld>
-            <a:endParaRPr lang="en-US" noProof="0"/>
-          </a:p>
-        </p:txBody>
-      </p:sp>
-      <p:sp>
-        <p:nvSpPr>
-          <p:cNvPr id="5" name="Footer Placeholder 4"/>
-          <p:cNvSpPr>
-            <a:spLocks noGrp="1"/>
-          </p:cNvSpPr>
-          <p:nvPr>
-            <p:ph type="ftr" sz="quarter" idx="11"/>
-          </p:nvPr>
-        </p:nvSpPr>
-        <p:spPr/>
-        <p:txBody>
-          <a:bodyPr/>
-          <a:lstStyle/>
-          <a:p>
-            <a:r>
-              <a:rPr lang="en-US" noProof="0" smtClean="0"/>
-              <a:t>Computational Haptics Laboratory -  Final Presentation</a:t>
-            </a:r>
-            <a:endParaRPr lang="en-US" noProof="0" dirty="0"/>
-          </a:p>
-        </p:txBody>
-      </p:sp>
-      <p:sp>
-        <p:nvSpPr>
-          <p:cNvPr id="6" name="Slide Number Placeholder 5"/>
-          <p:cNvSpPr>
-            <a:spLocks noGrp="1"/>
-          </p:cNvSpPr>
-          <p:nvPr>
-            <p:ph type="sldNum" sz="quarter" idx="12"/>
-          </p:nvPr>
-        </p:nvSpPr>
-        <p:spPr/>
-        <p:txBody>
-          <a:bodyPr/>
-          <a:lstStyle/>
-          <a:p>
-            <a:fld id="{17CC94CD-1FE7-0C44-80F4-2964C2C99554}" type="slidenum">
-              <a:rPr lang="en-US" noProof="0" smtClean="0"/>
-              <a:pPr/>
-              <a:t>18</a:t>
-            </a:fld>
-            <a:endParaRPr lang="en-US" noProof="0"/>
-          </a:p>
-        </p:txBody>
-      </p:sp>
-    </p:spTree>
-    <p:extLst>
-      <p:ext uri="{BB962C8B-B14F-4D97-AF65-F5344CB8AC3E}">
-        <p14:creationId xmlns:p14="http://schemas.microsoft.com/office/powerpoint/2010/main" val="3558693333"/>
-      </p:ext>
-    </p:extLst>
-  </p:cSld>
-  <p:clrMapOvr>
-    <a:masterClrMapping/>
-  </p:clrMapOvr>
-  <mc:AlternateContent xmlns:mc="http://schemas.openxmlformats.org/markup-compatibility/2006">
-    <mc:Choice xmlns:p14="http://schemas.microsoft.com/office/powerpoint/2010/main" Requires="p14">
-      <p:transition spd="slow" p14:dur="2000" advTm="16770"/>
-    </mc:Choice>
-    <mc:Fallback>
-      <p:transition spd="slow" advTm="16770"/>
     </mc:Fallback>
   </mc:AlternateContent>
   <p:timing>
@@ -14102,16 +16279,13 @@
                 <a:ea typeface="ＭＳ Ｐゴシック" charset="0"/>
                 <a:cs typeface="ＭＳ Ｐゴシック" charset="0"/>
               </a:rPr>
-              <a:t>Show </a:t>
-            </a:r>
-            <a:r>
-              <a:rPr lang="en-US" dirty="0" smtClean="0">
-                <a:latin typeface="Arial" charset="0"/>
-                <a:ea typeface="ＭＳ Ｐゴシック" charset="0"/>
-                <a:cs typeface="ＭＳ Ｐゴシック" charset="0"/>
-              </a:rPr>
-              <a:t>the user his performance</a:t>
-            </a:r>
+              <a:t>Display the performance</a:t>
+            </a:r>
+            <a:endParaRPr lang="en-US" dirty="0" smtClean="0">
+              <a:latin typeface="Arial" charset="0"/>
+              <a:ea typeface="ＭＳ Ｐゴシック" charset="0"/>
+              <a:cs typeface="ＭＳ Ｐゴシック" charset="0"/>
+            </a:endParaRPr>
           </a:p>
         </p:txBody>
       </p:sp>
@@ -14154,11 +16328,11 @@
           <a:bodyPr/>
           <a:lstStyle/>
           <a:p>
-            <a:fld id="{F83E2EE6-F7A5-4557-B28F-79FCD2A211C0}" type="datetime1">
+            <a:fld id="{9EFA8BEB-0BA7-4080-BC34-0CDBDD7CD24C}" type="datetime1">
               <a:rPr lang="de-DE" noProof="0" smtClean="0"/>
-              <a:t>05.08.2015</a:t>
+              <a:t>06.08.2015</a:t>
             </a:fld>
-            <a:endParaRPr lang="en-US" noProof="0"/>
+            <a:endParaRPr lang="en-US" noProof="0" dirty="0"/>
           </a:p>
         </p:txBody>
       </p:sp>
@@ -14208,7 +16382,1471 @@
 </p:sld>
 </file>
 
+<file path=ppt/slides/slide20.xml><?xml version="1.0" encoding="utf-8"?>
+<p:sld xmlns:a="http://schemas.openxmlformats.org/drawingml/2006/main" xmlns:r="http://schemas.openxmlformats.org/officeDocument/2006/relationships" xmlns:p="http://schemas.openxmlformats.org/presentationml/2006/main" show="0">
+  <p:cSld>
+    <p:spTree>
+      <p:nvGrpSpPr>
+        <p:cNvPr id="1" name=""/>
+        <p:cNvGrpSpPr/>
+        <p:nvPr/>
+      </p:nvGrpSpPr>
+      <p:grpSpPr>
+        <a:xfrm>
+          <a:off x="0" y="0"/>
+          <a:ext cx="0" cy="0"/>
+          <a:chOff x="0" y="0"/>
+          <a:chExt cx="0" cy="0"/>
+        </a:xfrm>
+      </p:grpSpPr>
+      <p:sp>
+        <p:nvSpPr>
+          <p:cNvPr id="2" name="Title 1"/>
+          <p:cNvSpPr>
+            <a:spLocks noGrp="1"/>
+          </p:cNvSpPr>
+          <p:nvPr>
+            <p:ph type="title"/>
+          </p:nvPr>
+        </p:nvSpPr>
+        <p:spPr/>
+        <p:txBody>
+          <a:bodyPr/>
+          <a:lstStyle/>
+          <a:p>
+            <a:r>
+              <a:rPr lang="de-DE" dirty="0" smtClean="0"/>
+              <a:t>Our Work</a:t>
+            </a:r>
+            <a:endParaRPr lang="de-DE" dirty="0"/>
+          </a:p>
+        </p:txBody>
+      </p:sp>
+      <p:sp>
+        <p:nvSpPr>
+          <p:cNvPr id="3" name="Content Placeholder 2"/>
+          <p:cNvSpPr>
+            <a:spLocks noGrp="1"/>
+          </p:cNvSpPr>
+          <p:nvPr>
+            <p:ph idx="1"/>
+          </p:nvPr>
+        </p:nvSpPr>
+        <p:spPr/>
+        <p:txBody>
+          <a:bodyPr/>
+          <a:lstStyle/>
+          <a:p>
+            <a:r>
+              <a:rPr lang="de-DE" dirty="0" smtClean="0"/>
+              <a:t>Implement game logic</a:t>
+            </a:r>
+          </a:p>
+          <a:p>
+            <a:r>
+              <a:rPr lang="de-DE" dirty="0" smtClean="0"/>
+              <a:t>Create 3D objects</a:t>
+            </a:r>
+          </a:p>
+          <a:p>
+            <a:r>
+              <a:rPr lang="de-DE" dirty="0" smtClean="0"/>
+              <a:t>Handle user unputs</a:t>
+            </a:r>
+          </a:p>
+          <a:p>
+            <a:r>
+              <a:rPr lang="de-DE" dirty="0" smtClean="0"/>
+              <a:t>Connect voice coil actuator with CHAI 3D</a:t>
+            </a:r>
+          </a:p>
+          <a:p>
+            <a:endParaRPr lang="de-DE" dirty="0"/>
+          </a:p>
+        </p:txBody>
+      </p:sp>
+      <p:sp>
+        <p:nvSpPr>
+          <p:cNvPr id="4" name="Date Placeholder 3"/>
+          <p:cNvSpPr>
+            <a:spLocks noGrp="1"/>
+          </p:cNvSpPr>
+          <p:nvPr>
+            <p:ph type="dt" sz="half" idx="10"/>
+          </p:nvPr>
+        </p:nvSpPr>
+        <p:spPr/>
+        <p:txBody>
+          <a:bodyPr/>
+          <a:lstStyle/>
+          <a:p>
+            <a:fld id="{97B15E55-DB7C-4CF5-962D-AD56A99ED710}" type="datetime1">
+              <a:rPr lang="de-DE" noProof="0" smtClean="0"/>
+              <a:t>06.08.2015</a:t>
+            </a:fld>
+            <a:endParaRPr lang="en-US" noProof="0"/>
+          </a:p>
+        </p:txBody>
+      </p:sp>
+      <p:sp>
+        <p:nvSpPr>
+          <p:cNvPr id="5" name="Footer Placeholder 4"/>
+          <p:cNvSpPr>
+            <a:spLocks noGrp="1"/>
+          </p:cNvSpPr>
+          <p:nvPr>
+            <p:ph type="ftr" sz="quarter" idx="11"/>
+          </p:nvPr>
+        </p:nvSpPr>
+        <p:spPr/>
+        <p:txBody>
+          <a:bodyPr/>
+          <a:lstStyle/>
+          <a:p>
+            <a:r>
+              <a:rPr lang="en-US" noProof="0" smtClean="0"/>
+              <a:t>Computational Haptics Laboratory -  Final Presentation</a:t>
+            </a:r>
+            <a:endParaRPr lang="en-US" noProof="0" dirty="0"/>
+          </a:p>
+        </p:txBody>
+      </p:sp>
+      <p:sp>
+        <p:nvSpPr>
+          <p:cNvPr id="6" name="Slide Number Placeholder 5"/>
+          <p:cNvSpPr>
+            <a:spLocks noGrp="1"/>
+          </p:cNvSpPr>
+          <p:nvPr>
+            <p:ph type="sldNum" sz="quarter" idx="12"/>
+          </p:nvPr>
+        </p:nvSpPr>
+        <p:spPr/>
+        <p:txBody>
+          <a:bodyPr/>
+          <a:lstStyle/>
+          <a:p>
+            <a:fld id="{17CC94CD-1FE7-0C44-80F4-2964C2C99554}" type="slidenum">
+              <a:rPr lang="en-US" noProof="0" smtClean="0"/>
+              <a:pPr/>
+              <a:t>20</a:t>
+            </a:fld>
+            <a:endParaRPr lang="en-US" noProof="0"/>
+          </a:p>
+        </p:txBody>
+      </p:sp>
+    </p:spTree>
+    <p:extLst>
+      <p:ext uri="{BB962C8B-B14F-4D97-AF65-F5344CB8AC3E}">
+        <p14:creationId xmlns:p14="http://schemas.microsoft.com/office/powerpoint/2010/main" val="3558693333"/>
+      </p:ext>
+    </p:extLst>
+  </p:cSld>
+  <p:clrMapOvr>
+    <a:masterClrMapping/>
+  </p:clrMapOvr>
+  <mc:AlternateContent xmlns:mc="http://schemas.openxmlformats.org/markup-compatibility/2006">
+    <mc:Choice xmlns:p14="http://schemas.microsoft.com/office/powerpoint/2010/main" Requires="p14">
+      <p:transition spd="slow" p14:dur="2000" advTm="16770"/>
+    </mc:Choice>
+    <mc:Fallback>
+      <p:transition spd="slow" advTm="16770"/>
+    </mc:Fallback>
+  </mc:AlternateContent>
+  <p:timing>
+    <p:tnLst>
+      <p:par>
+        <p:cTn id="1" dur="indefinite" restart="never" nodeType="tmRoot"/>
+      </p:par>
+    </p:tnLst>
+  </p:timing>
+</p:sld>
+</file>
+
 <file path=ppt/slides/slide3.xml><?xml version="1.0" encoding="utf-8"?>
+<p:sld xmlns:a="http://schemas.openxmlformats.org/drawingml/2006/main" xmlns:r="http://schemas.openxmlformats.org/officeDocument/2006/relationships" xmlns:p="http://schemas.openxmlformats.org/presentationml/2006/main">
+  <p:cSld>
+    <p:spTree>
+      <p:nvGrpSpPr>
+        <p:cNvPr id="1" name=""/>
+        <p:cNvGrpSpPr/>
+        <p:nvPr/>
+      </p:nvGrpSpPr>
+      <p:grpSpPr>
+        <a:xfrm>
+          <a:off x="0" y="0"/>
+          <a:ext cx="0" cy="0"/>
+          <a:chOff x="0" y="0"/>
+          <a:chExt cx="0" cy="0"/>
+        </a:xfrm>
+      </p:grpSpPr>
+      <p:pic>
+        <p:nvPicPr>
+          <p:cNvPr id="4098" name="Picture 2"/>
+          <p:cNvPicPr>
+            <a:picLocks noChangeAspect="1" noChangeArrowheads="1"/>
+          </p:cNvPicPr>
+          <p:nvPr/>
+        </p:nvPicPr>
+        <p:blipFill>
+          <a:blip r:embed="rId2" cstate="email">
+            <a:extLst>
+              <a:ext uri="{28A0092B-C50C-407E-A947-70E740481C1C}">
+                <a14:useLocalDpi xmlns:a14="http://schemas.microsoft.com/office/drawing/2010/main" val="0"/>
+              </a:ext>
+            </a:extLst>
+          </a:blip>
+          <a:srcRect/>
+          <a:stretch>
+            <a:fillRect/>
+          </a:stretch>
+        </p:blipFill>
+        <p:spPr bwMode="auto">
+          <a:xfrm>
+            <a:off x="556260" y="1509375"/>
+            <a:ext cx="7566660" cy="4729163"/>
+          </a:xfrm>
+          <a:prstGeom prst="rect">
+            <a:avLst/>
+          </a:prstGeom>
+          <a:noFill/>
+          <a:ln>
+            <a:noFill/>
+          </a:ln>
+          <a:extLst>
+            <a:ext uri="{909E8E84-426E-40DD-AFC4-6F175D3DCCD1}">
+              <a14:hiddenFill xmlns:a14="http://schemas.microsoft.com/office/drawing/2010/main">
+                <a:solidFill>
+                  <a:schemeClr val="accent1"/>
+                </a:solidFill>
+              </a14:hiddenFill>
+            </a:ext>
+            <a:ext uri="{91240B29-F687-4F45-9708-019B960494DF}">
+              <a14:hiddenLine xmlns:a14="http://schemas.microsoft.com/office/drawing/2010/main" w="9525">
+                <a:solidFill>
+                  <a:schemeClr val="tx1"/>
+                </a:solidFill>
+                <a:miter lim="800000"/>
+                <a:headEnd/>
+                <a:tailEnd/>
+              </a14:hiddenLine>
+            </a:ext>
+          </a:extLst>
+        </p:spPr>
+      </p:pic>
+      <p:sp>
+        <p:nvSpPr>
+          <p:cNvPr id="7" name="Rectangle 6"/>
+          <p:cNvSpPr/>
+          <p:nvPr/>
+        </p:nvSpPr>
+        <p:spPr bwMode="auto">
+          <a:xfrm>
+            <a:off x="4186518" y="1595128"/>
+            <a:ext cx="1048871" cy="1391911"/>
+          </a:xfrm>
+          <a:prstGeom prst="rect">
+            <a:avLst/>
+          </a:prstGeom>
+          <a:solidFill>
+            <a:schemeClr val="tx1"/>
+          </a:solidFill>
+          <a:ln>
+            <a:headEnd type="none" w="med" len="med"/>
+            <a:tailEnd type="none" w="med" len="med"/>
+          </a:ln>
+        </p:spPr>
+        <p:style>
+          <a:lnRef idx="2">
+            <a:schemeClr val="dk1"/>
+          </a:lnRef>
+          <a:fillRef idx="1">
+            <a:schemeClr val="lt1"/>
+          </a:fillRef>
+          <a:effectRef idx="0">
+            <a:schemeClr val="dk1"/>
+          </a:effectRef>
+          <a:fontRef idx="minor">
+            <a:schemeClr val="dk1"/>
+          </a:fontRef>
+        </p:style>
+        <p:txBody>
+          <a:bodyPr vert="horz" wrap="square" lIns="91440" tIns="45720" rIns="91440" bIns="45720" numCol="1" rtlCol="0" anchor="t" anchorCtr="0" compatLnSpc="1">
+            <a:prstTxWarp prst="textNoShape">
+              <a:avLst/>
+            </a:prstTxWarp>
+          </a:bodyPr>
+          <a:lstStyle/>
+          <a:p>
+            <a:pPr marL="0" marR="0" indent="0" algn="r" defTabSz="914400" rtl="0" eaLnBrk="0" fontAlgn="base" latinLnBrk="0" hangingPunct="0">
+              <a:lnSpc>
+                <a:spcPct val="100000"/>
+              </a:lnSpc>
+              <a:spcBef>
+                <a:spcPct val="0"/>
+              </a:spcBef>
+              <a:spcAft>
+                <a:spcPct val="0"/>
+              </a:spcAft>
+              <a:buClrTx/>
+              <a:buSzTx/>
+              <a:buFontTx/>
+              <a:buNone/>
+              <a:tabLst/>
+            </a:pPr>
+            <a:endParaRPr kumimoji="0" lang="de-DE" sz="2000" b="0" i="0" u="none" strike="noStrike" cap="none" normalizeH="0" baseline="0" smtClean="0">
+              <a:ln>
+                <a:noFill/>
+              </a:ln>
+              <a:solidFill>
+                <a:schemeClr val="tx1"/>
+              </a:solidFill>
+              <a:effectLst/>
+              <a:latin typeface="Arial" pitchFamily="34" charset="0"/>
+            </a:endParaRPr>
+          </a:p>
+        </p:txBody>
+      </p:sp>
+      <p:sp>
+        <p:nvSpPr>
+          <p:cNvPr id="2" name="Title 1"/>
+          <p:cNvSpPr>
+            <a:spLocks noGrp="1"/>
+          </p:cNvSpPr>
+          <p:nvPr>
+            <p:ph type="title"/>
+          </p:nvPr>
+        </p:nvSpPr>
+        <p:spPr/>
+        <p:txBody>
+          <a:bodyPr/>
+          <a:lstStyle/>
+          <a:p>
+            <a:r>
+              <a:rPr lang="de-DE" dirty="0" smtClean="0"/>
+              <a:t>Solution Phase</a:t>
+            </a:r>
+            <a:endParaRPr lang="de-DE" dirty="0"/>
+          </a:p>
+        </p:txBody>
+      </p:sp>
+      <p:sp>
+        <p:nvSpPr>
+          <p:cNvPr id="4" name="Date Placeholder 3"/>
+          <p:cNvSpPr>
+            <a:spLocks noGrp="1"/>
+          </p:cNvSpPr>
+          <p:nvPr>
+            <p:ph type="dt" sz="half" idx="10"/>
+          </p:nvPr>
+        </p:nvSpPr>
+        <p:spPr/>
+        <p:txBody>
+          <a:bodyPr/>
+          <a:lstStyle/>
+          <a:p>
+            <a:fld id="{1B0152A9-527E-4508-883E-5D4BED04EBB4}" type="datetime1">
+              <a:rPr lang="de-DE" noProof="0" smtClean="0"/>
+              <a:t>06.08.2015</a:t>
+            </a:fld>
+            <a:endParaRPr lang="en-US" noProof="0"/>
+          </a:p>
+        </p:txBody>
+      </p:sp>
+      <p:sp>
+        <p:nvSpPr>
+          <p:cNvPr id="5" name="Footer Placeholder 4"/>
+          <p:cNvSpPr>
+            <a:spLocks noGrp="1"/>
+          </p:cNvSpPr>
+          <p:nvPr>
+            <p:ph type="ftr" sz="quarter" idx="11"/>
+          </p:nvPr>
+        </p:nvSpPr>
+        <p:spPr/>
+        <p:txBody>
+          <a:bodyPr/>
+          <a:lstStyle/>
+          <a:p>
+            <a:r>
+              <a:rPr lang="en-US" noProof="0" smtClean="0"/>
+              <a:t>Computational Haptics Laboratory -  Final Presentation</a:t>
+            </a:r>
+            <a:endParaRPr lang="en-US" noProof="0" dirty="0"/>
+          </a:p>
+        </p:txBody>
+      </p:sp>
+      <p:sp>
+        <p:nvSpPr>
+          <p:cNvPr id="6" name="Slide Number Placeholder 5"/>
+          <p:cNvSpPr>
+            <a:spLocks noGrp="1"/>
+          </p:cNvSpPr>
+          <p:nvPr>
+            <p:ph type="sldNum" sz="quarter" idx="12"/>
+          </p:nvPr>
+        </p:nvSpPr>
+        <p:spPr/>
+        <p:txBody>
+          <a:bodyPr/>
+          <a:lstStyle/>
+          <a:p>
+            <a:fld id="{17CC94CD-1FE7-0C44-80F4-2964C2C99554}" type="slidenum">
+              <a:rPr lang="en-US" noProof="0" smtClean="0"/>
+              <a:pPr/>
+              <a:t>3</a:t>
+            </a:fld>
+            <a:endParaRPr lang="en-US" noProof="0"/>
+          </a:p>
+        </p:txBody>
+      </p:sp>
+      <p:pic>
+        <p:nvPicPr>
+          <p:cNvPr id="8" name="Picture 2"/>
+          <p:cNvPicPr>
+            <a:picLocks noChangeAspect="1" noChangeArrowheads="1"/>
+          </p:cNvPicPr>
+          <p:nvPr/>
+        </p:nvPicPr>
+        <p:blipFill rotWithShape="1">
+          <a:blip r:embed="rId3" cstate="email">
+            <a:extLst>
+              <a:ext uri="{28A0092B-C50C-407E-A947-70E740481C1C}">
+                <a14:useLocalDpi xmlns:a14="http://schemas.microsoft.com/office/drawing/2010/main" val="0"/>
+              </a:ext>
+            </a:extLst>
+          </a:blip>
+          <a:srcRect l="26586" t="37160" r="27593" b="35448"/>
+          <a:stretch/>
+        </p:blipFill>
+        <p:spPr bwMode="auto">
+          <a:xfrm>
+            <a:off x="1508758" y="2987039"/>
+            <a:ext cx="5547362" cy="2072641"/>
+          </a:xfrm>
+          <a:prstGeom prst="rect">
+            <a:avLst/>
+          </a:prstGeom>
+          <a:noFill/>
+          <a:ln>
+            <a:noFill/>
+          </a:ln>
+          <a:extLst>
+            <a:ext uri="{909E8E84-426E-40DD-AFC4-6F175D3DCCD1}">
+              <a14:hiddenFill xmlns:a14="http://schemas.microsoft.com/office/drawing/2010/main">
+                <a:solidFill>
+                  <a:schemeClr val="accent1"/>
+                </a:solidFill>
+              </a14:hiddenFill>
+            </a:ext>
+            <a:ext uri="{91240B29-F687-4F45-9708-019B960494DF}">
+              <a14:hiddenLine xmlns:a14="http://schemas.microsoft.com/office/drawing/2010/main" w="9525">
+                <a:solidFill>
+                  <a:schemeClr val="tx1"/>
+                </a:solidFill>
+                <a:miter lim="800000"/>
+                <a:headEnd/>
+                <a:tailEnd/>
+              </a14:hiddenLine>
+            </a:ext>
+          </a:extLst>
+        </p:spPr>
+      </p:pic>
+      <p:pic>
+        <p:nvPicPr>
+          <p:cNvPr id="10" name="Picture 2"/>
+          <p:cNvPicPr>
+            <a:picLocks noChangeAspect="1" noChangeArrowheads="1"/>
+          </p:cNvPicPr>
+          <p:nvPr/>
+        </p:nvPicPr>
+        <p:blipFill rotWithShape="1">
+          <a:blip r:embed="rId4" cstate="email">
+            <a:extLst>
+              <a:ext uri="{BEBA8EAE-BF5A-486C-A8C5-ECC9F3942E4B}">
+                <a14:imgProps xmlns:a14="http://schemas.microsoft.com/office/drawing/2010/main">
+                  <a14:imgLayer r:embed="rId5">
+                    <a14:imgEffect>
+                      <a14:backgroundRemoval t="8667" b="26857" l="48571" r="52798"/>
+                    </a14:imgEffect>
+                  </a14:imgLayer>
+                </a14:imgProps>
+              </a:ext>
+              <a:ext uri="{28A0092B-C50C-407E-A947-70E740481C1C}">
+                <a14:useLocalDpi xmlns:a14="http://schemas.microsoft.com/office/drawing/2010/main" val="0"/>
+              </a:ext>
+            </a:extLst>
+          </a:blip>
+          <a:srcRect l="47230" t="7134" r="45033" b="71976"/>
+          <a:stretch/>
+        </p:blipFill>
+        <p:spPr bwMode="auto">
+          <a:xfrm>
+            <a:off x="3998260" y="1469621"/>
+            <a:ext cx="899161" cy="1517418"/>
+          </a:xfrm>
+          <a:prstGeom prst="rect">
+            <a:avLst/>
+          </a:prstGeom>
+          <a:noFill/>
+          <a:ln>
+            <a:noFill/>
+          </a:ln>
+          <a:extLst>
+            <a:ext uri="{909E8E84-426E-40DD-AFC4-6F175D3DCCD1}">
+              <a14:hiddenFill xmlns:a14="http://schemas.microsoft.com/office/drawing/2010/main">
+                <a:solidFill>
+                  <a:schemeClr val="accent1"/>
+                </a:solidFill>
+              </a14:hiddenFill>
+            </a:ext>
+            <a:ext uri="{91240B29-F687-4F45-9708-019B960494DF}">
+              <a14:hiddenLine xmlns:a14="http://schemas.microsoft.com/office/drawing/2010/main" w="9525">
+                <a:solidFill>
+                  <a:schemeClr val="tx1"/>
+                </a:solidFill>
+                <a:miter lim="800000"/>
+                <a:headEnd/>
+                <a:tailEnd/>
+              </a14:hiddenLine>
+            </a:ext>
+          </a:extLst>
+        </p:spPr>
+      </p:pic>
+      <p:grpSp>
+        <p:nvGrpSpPr>
+          <p:cNvPr id="56" name="Group 55"/>
+          <p:cNvGrpSpPr/>
+          <p:nvPr/>
+        </p:nvGrpSpPr>
+        <p:grpSpPr>
+          <a:xfrm>
+            <a:off x="5598315" y="3242984"/>
+            <a:ext cx="1368658" cy="1442898"/>
+            <a:chOff x="5598315" y="3242984"/>
+            <a:chExt cx="1368658" cy="1442898"/>
+          </a:xfrm>
+        </p:grpSpPr>
+        <p:grpSp>
+          <p:nvGrpSpPr>
+            <p:cNvPr id="29" name="Group 28"/>
+            <p:cNvGrpSpPr/>
+            <p:nvPr/>
+          </p:nvGrpSpPr>
+          <p:grpSpPr>
+            <a:xfrm>
+              <a:off x="5598319" y="3242984"/>
+              <a:ext cx="1367257" cy="45898"/>
+              <a:chOff x="5598319" y="3242984"/>
+              <a:chExt cx="1367257" cy="45898"/>
+            </a:xfrm>
+          </p:grpSpPr>
+          <p:cxnSp>
+            <p:nvCxnSpPr>
+              <p:cNvPr id="13" name="Straight Connector 12"/>
+              <p:cNvCxnSpPr/>
+              <p:nvPr/>
+            </p:nvCxnSpPr>
+            <p:spPr bwMode="auto">
+              <a:xfrm>
+                <a:off x="5692588" y="3242984"/>
+                <a:ext cx="1272988" cy="0"/>
+              </a:xfrm>
+              <a:prstGeom prst="line">
+                <a:avLst/>
+              </a:prstGeom>
+              <a:solidFill>
+                <a:schemeClr val="accent1"/>
+              </a:solidFill>
+              <a:ln w="19050" cap="flat" cmpd="sng" algn="ctr">
+                <a:solidFill>
+                  <a:schemeClr val="tx2">
+                    <a:lumMod val="60000"/>
+                    <a:lumOff val="40000"/>
+                  </a:schemeClr>
+                </a:solidFill>
+                <a:prstDash val="solid"/>
+                <a:round/>
+                <a:headEnd type="none" w="med" len="med"/>
+                <a:tailEnd type="none" w="med" len="med"/>
+              </a:ln>
+              <a:effectLst/>
+            </p:spPr>
+          </p:cxnSp>
+          <p:cxnSp>
+            <p:nvCxnSpPr>
+              <p:cNvPr id="16" name="Straight Connector 15"/>
+              <p:cNvCxnSpPr/>
+              <p:nvPr/>
+            </p:nvCxnSpPr>
+            <p:spPr bwMode="auto">
+              <a:xfrm>
+                <a:off x="5598319" y="3288882"/>
+                <a:ext cx="1194406" cy="0"/>
+              </a:xfrm>
+              <a:prstGeom prst="line">
+                <a:avLst/>
+              </a:prstGeom>
+              <a:solidFill>
+                <a:schemeClr val="accent1"/>
+              </a:solidFill>
+              <a:ln w="19050" cap="flat" cmpd="sng" algn="ctr">
+                <a:solidFill>
+                  <a:schemeClr val="tx2">
+                    <a:lumMod val="60000"/>
+                    <a:lumOff val="40000"/>
+                  </a:schemeClr>
+                </a:solidFill>
+                <a:prstDash val="solid"/>
+                <a:round/>
+                <a:headEnd type="none" w="med" len="med"/>
+                <a:tailEnd type="none" w="med" len="med"/>
+              </a:ln>
+              <a:effectLst/>
+            </p:spPr>
+          </p:cxnSp>
+          <p:cxnSp>
+            <p:nvCxnSpPr>
+              <p:cNvPr id="18" name="Straight Connector 17"/>
+              <p:cNvCxnSpPr/>
+              <p:nvPr/>
+            </p:nvCxnSpPr>
+            <p:spPr bwMode="auto">
+              <a:xfrm flipV="1">
+                <a:off x="5598319" y="3242984"/>
+                <a:ext cx="94269" cy="45898"/>
+              </a:xfrm>
+              <a:prstGeom prst="line">
+                <a:avLst/>
+              </a:prstGeom>
+              <a:solidFill>
+                <a:schemeClr val="accent1"/>
+              </a:solidFill>
+              <a:ln w="19050" cap="flat" cmpd="sng" algn="ctr">
+                <a:solidFill>
+                  <a:schemeClr val="tx2">
+                    <a:lumMod val="60000"/>
+                    <a:lumOff val="40000"/>
+                  </a:schemeClr>
+                </a:solidFill>
+                <a:prstDash val="solid"/>
+                <a:round/>
+                <a:headEnd type="none" w="med" len="med"/>
+                <a:tailEnd type="none" w="med" len="med"/>
+              </a:ln>
+              <a:effectLst/>
+            </p:spPr>
+          </p:cxnSp>
+          <p:cxnSp>
+            <p:nvCxnSpPr>
+              <p:cNvPr id="28" name="Straight Connector 27"/>
+              <p:cNvCxnSpPr/>
+              <p:nvPr/>
+            </p:nvCxnSpPr>
+            <p:spPr bwMode="auto">
+              <a:xfrm flipV="1">
+                <a:off x="6792725" y="3242984"/>
+                <a:ext cx="172851" cy="45898"/>
+              </a:xfrm>
+              <a:prstGeom prst="line">
+                <a:avLst/>
+              </a:prstGeom>
+              <a:solidFill>
+                <a:schemeClr val="accent1"/>
+              </a:solidFill>
+              <a:ln w="19050" cap="flat" cmpd="sng" algn="ctr">
+                <a:solidFill>
+                  <a:schemeClr val="tx2">
+                    <a:lumMod val="60000"/>
+                    <a:lumOff val="40000"/>
+                  </a:schemeClr>
+                </a:solidFill>
+                <a:prstDash val="solid"/>
+                <a:round/>
+                <a:headEnd type="none" w="med" len="med"/>
+                <a:tailEnd type="none" w="med" len="med"/>
+              </a:ln>
+              <a:effectLst/>
+            </p:spPr>
+          </p:cxnSp>
+        </p:grpSp>
+        <p:grpSp>
+          <p:nvGrpSpPr>
+            <p:cNvPr id="31" name="Group 30"/>
+            <p:cNvGrpSpPr/>
+            <p:nvPr/>
+          </p:nvGrpSpPr>
+          <p:grpSpPr>
+            <a:xfrm flipH="1">
+              <a:off x="5598315" y="4640162"/>
+              <a:ext cx="1367259" cy="45720"/>
+              <a:chOff x="5598318" y="3242984"/>
+              <a:chExt cx="1341557" cy="45899"/>
+            </a:xfrm>
+          </p:grpSpPr>
+          <p:cxnSp>
+            <p:nvCxnSpPr>
+              <p:cNvPr id="32" name="Straight Connector 31"/>
+              <p:cNvCxnSpPr/>
+              <p:nvPr/>
+            </p:nvCxnSpPr>
+            <p:spPr bwMode="auto">
+              <a:xfrm>
+                <a:off x="5767921" y="3242984"/>
+                <a:ext cx="1171954" cy="0"/>
+              </a:xfrm>
+              <a:prstGeom prst="line">
+                <a:avLst/>
+              </a:prstGeom>
+              <a:solidFill>
+                <a:schemeClr val="accent1"/>
+              </a:solidFill>
+              <a:ln w="19050" cap="flat" cmpd="sng" algn="ctr">
+                <a:solidFill>
+                  <a:schemeClr val="tx2">
+                    <a:lumMod val="60000"/>
+                    <a:lumOff val="40000"/>
+                  </a:schemeClr>
+                </a:solidFill>
+                <a:prstDash val="solid"/>
+                <a:round/>
+                <a:headEnd type="none" w="med" len="med"/>
+                <a:tailEnd type="none" w="med" len="med"/>
+              </a:ln>
+              <a:effectLst/>
+            </p:spPr>
+          </p:cxnSp>
+          <p:cxnSp>
+            <p:nvCxnSpPr>
+              <p:cNvPr id="33" name="Straight Connector 32"/>
+              <p:cNvCxnSpPr/>
+              <p:nvPr/>
+            </p:nvCxnSpPr>
+            <p:spPr bwMode="auto">
+              <a:xfrm>
+                <a:off x="5598318" y="3288882"/>
+                <a:ext cx="1249056" cy="0"/>
+              </a:xfrm>
+              <a:prstGeom prst="line">
+                <a:avLst/>
+              </a:prstGeom>
+              <a:solidFill>
+                <a:schemeClr val="accent1"/>
+              </a:solidFill>
+              <a:ln w="19050" cap="flat" cmpd="sng" algn="ctr">
+                <a:solidFill>
+                  <a:schemeClr val="tx2">
+                    <a:lumMod val="60000"/>
+                    <a:lumOff val="40000"/>
+                  </a:schemeClr>
+                </a:solidFill>
+                <a:prstDash val="solid"/>
+                <a:round/>
+                <a:headEnd type="none" w="med" len="med"/>
+                <a:tailEnd type="none" w="med" len="med"/>
+              </a:ln>
+              <a:effectLst/>
+            </p:spPr>
+          </p:cxnSp>
+          <p:cxnSp>
+            <p:nvCxnSpPr>
+              <p:cNvPr id="34" name="Straight Connector 33"/>
+              <p:cNvCxnSpPr/>
+              <p:nvPr/>
+            </p:nvCxnSpPr>
+            <p:spPr bwMode="auto">
+              <a:xfrm flipV="1">
+                <a:off x="5598318" y="3242984"/>
+                <a:ext cx="169601" cy="45899"/>
+              </a:xfrm>
+              <a:prstGeom prst="line">
+                <a:avLst/>
+              </a:prstGeom>
+              <a:solidFill>
+                <a:schemeClr val="accent1"/>
+              </a:solidFill>
+              <a:ln w="19050" cap="flat" cmpd="sng" algn="ctr">
+                <a:solidFill>
+                  <a:schemeClr val="tx2">
+                    <a:lumMod val="60000"/>
+                    <a:lumOff val="40000"/>
+                  </a:schemeClr>
+                </a:solidFill>
+                <a:prstDash val="solid"/>
+                <a:round/>
+                <a:headEnd type="none" w="med" len="med"/>
+                <a:tailEnd type="none" w="med" len="med"/>
+              </a:ln>
+              <a:effectLst/>
+            </p:spPr>
+          </p:cxnSp>
+          <p:cxnSp>
+            <p:nvCxnSpPr>
+              <p:cNvPr id="35" name="Straight Connector 34"/>
+              <p:cNvCxnSpPr/>
+              <p:nvPr/>
+            </p:nvCxnSpPr>
+            <p:spPr bwMode="auto">
+              <a:xfrm flipV="1">
+                <a:off x="6847375" y="3242984"/>
+                <a:ext cx="92499" cy="45898"/>
+              </a:xfrm>
+              <a:prstGeom prst="line">
+                <a:avLst/>
+              </a:prstGeom>
+              <a:solidFill>
+                <a:schemeClr val="accent1"/>
+              </a:solidFill>
+              <a:ln w="19050" cap="flat" cmpd="sng" algn="ctr">
+                <a:solidFill>
+                  <a:schemeClr val="tx2">
+                    <a:lumMod val="60000"/>
+                    <a:lumOff val="40000"/>
+                  </a:schemeClr>
+                </a:solidFill>
+                <a:prstDash val="solid"/>
+                <a:round/>
+                <a:headEnd type="none" w="med" len="med"/>
+                <a:tailEnd type="none" w="med" len="med"/>
+              </a:ln>
+              <a:effectLst/>
+            </p:spPr>
+          </p:cxnSp>
+        </p:grpSp>
+        <p:grpSp>
+          <p:nvGrpSpPr>
+            <p:cNvPr id="55" name="Group 54"/>
+            <p:cNvGrpSpPr/>
+            <p:nvPr/>
+          </p:nvGrpSpPr>
+          <p:grpSpPr>
+            <a:xfrm>
+              <a:off x="5598315" y="3242984"/>
+              <a:ext cx="1368658" cy="1442898"/>
+              <a:chOff x="5598315" y="3242984"/>
+              <a:chExt cx="1368658" cy="1442898"/>
+            </a:xfrm>
+          </p:grpSpPr>
+          <p:cxnSp>
+            <p:nvCxnSpPr>
+              <p:cNvPr id="45" name="Straight Connector 44"/>
+              <p:cNvCxnSpPr/>
+              <p:nvPr/>
+            </p:nvCxnSpPr>
+            <p:spPr bwMode="auto">
+              <a:xfrm>
+                <a:off x="5692587" y="3242984"/>
+                <a:ext cx="0" cy="1442898"/>
+              </a:xfrm>
+              <a:prstGeom prst="line">
+                <a:avLst/>
+              </a:prstGeom>
+              <a:solidFill>
+                <a:schemeClr val="accent1"/>
+              </a:solidFill>
+              <a:ln w="19050" cap="flat" cmpd="sng" algn="ctr">
+                <a:solidFill>
+                  <a:schemeClr val="tx2">
+                    <a:lumMod val="60000"/>
+                    <a:lumOff val="40000"/>
+                  </a:schemeClr>
+                </a:solidFill>
+                <a:prstDash val="solid"/>
+                <a:round/>
+                <a:headEnd type="none" w="med" len="med"/>
+                <a:tailEnd type="none" w="med" len="med"/>
+              </a:ln>
+              <a:effectLst/>
+            </p:spPr>
+          </p:cxnSp>
+          <p:cxnSp>
+            <p:nvCxnSpPr>
+              <p:cNvPr id="48" name="Straight Connector 47"/>
+              <p:cNvCxnSpPr/>
+              <p:nvPr/>
+            </p:nvCxnSpPr>
+            <p:spPr bwMode="auto">
+              <a:xfrm>
+                <a:off x="5598315" y="3288882"/>
+                <a:ext cx="4" cy="1333124"/>
+              </a:xfrm>
+              <a:prstGeom prst="line">
+                <a:avLst/>
+              </a:prstGeom>
+              <a:solidFill>
+                <a:schemeClr val="accent1"/>
+              </a:solidFill>
+              <a:ln w="19050" cap="flat" cmpd="sng" algn="ctr">
+                <a:solidFill>
+                  <a:schemeClr val="tx2">
+                    <a:lumMod val="60000"/>
+                    <a:lumOff val="40000"/>
+                  </a:schemeClr>
+                </a:solidFill>
+                <a:prstDash val="solid"/>
+                <a:round/>
+                <a:headEnd type="none" w="med" len="med"/>
+                <a:tailEnd type="none" w="med" len="med"/>
+              </a:ln>
+              <a:effectLst/>
+            </p:spPr>
+          </p:cxnSp>
+          <p:cxnSp>
+            <p:nvCxnSpPr>
+              <p:cNvPr id="50" name="Straight Connector 49"/>
+              <p:cNvCxnSpPr/>
+              <p:nvPr/>
+            </p:nvCxnSpPr>
+            <p:spPr bwMode="auto">
+              <a:xfrm>
+                <a:off x="6792718" y="3297871"/>
+                <a:ext cx="0" cy="133510"/>
+              </a:xfrm>
+              <a:prstGeom prst="line">
+                <a:avLst/>
+              </a:prstGeom>
+              <a:solidFill>
+                <a:schemeClr val="accent1"/>
+              </a:solidFill>
+              <a:ln w="19050" cap="flat" cmpd="sng" algn="ctr">
+                <a:solidFill>
+                  <a:schemeClr val="tx2">
+                    <a:lumMod val="60000"/>
+                    <a:lumOff val="40000"/>
+                  </a:schemeClr>
+                </a:solidFill>
+                <a:prstDash val="solid"/>
+                <a:round/>
+                <a:headEnd type="none" w="med" len="med"/>
+                <a:tailEnd type="none" w="med" len="med"/>
+              </a:ln>
+              <a:effectLst/>
+            </p:spPr>
+          </p:cxnSp>
+          <p:cxnSp>
+            <p:nvCxnSpPr>
+              <p:cNvPr id="51" name="Straight Connector 50"/>
+              <p:cNvCxnSpPr/>
+              <p:nvPr/>
+            </p:nvCxnSpPr>
+            <p:spPr bwMode="auto">
+              <a:xfrm>
+                <a:off x="6966969" y="3242984"/>
+                <a:ext cx="4" cy="1442898"/>
+              </a:xfrm>
+              <a:prstGeom prst="line">
+                <a:avLst/>
+              </a:prstGeom>
+              <a:solidFill>
+                <a:schemeClr val="accent1"/>
+              </a:solidFill>
+              <a:ln w="19050" cap="flat" cmpd="sng" algn="ctr">
+                <a:solidFill>
+                  <a:schemeClr val="tx2">
+                    <a:lumMod val="60000"/>
+                    <a:lumOff val="40000"/>
+                  </a:schemeClr>
+                </a:solidFill>
+                <a:prstDash val="solid"/>
+                <a:round/>
+                <a:headEnd type="none" w="med" len="med"/>
+                <a:tailEnd type="none" w="med" len="med"/>
+              </a:ln>
+              <a:effectLst/>
+            </p:spPr>
+          </p:cxnSp>
+          <p:cxnSp>
+            <p:nvCxnSpPr>
+              <p:cNvPr id="54" name="Straight Connector 53"/>
+              <p:cNvCxnSpPr/>
+              <p:nvPr/>
+            </p:nvCxnSpPr>
+            <p:spPr bwMode="auto">
+              <a:xfrm>
+                <a:off x="6786967" y="4471988"/>
+                <a:ext cx="0" cy="168174"/>
+              </a:xfrm>
+              <a:prstGeom prst="line">
+                <a:avLst/>
+              </a:prstGeom>
+              <a:solidFill>
+                <a:schemeClr val="accent1"/>
+              </a:solidFill>
+              <a:ln w="19050" cap="flat" cmpd="sng" algn="ctr">
+                <a:solidFill>
+                  <a:schemeClr val="tx2">
+                    <a:lumMod val="60000"/>
+                    <a:lumOff val="40000"/>
+                  </a:schemeClr>
+                </a:solidFill>
+                <a:prstDash val="solid"/>
+                <a:round/>
+                <a:headEnd type="none" w="med" len="med"/>
+                <a:tailEnd type="none" w="med" len="med"/>
+              </a:ln>
+              <a:effectLst/>
+            </p:spPr>
+          </p:cxnSp>
+        </p:grpSp>
+      </p:grpSp>
+    </p:spTree>
+    <p:extLst>
+      <p:ext uri="{BB962C8B-B14F-4D97-AF65-F5344CB8AC3E}">
+        <p14:creationId xmlns:p14="http://schemas.microsoft.com/office/powerpoint/2010/main" val="4149529399"/>
+      </p:ext>
+    </p:extLst>
+  </p:cSld>
+  <p:clrMapOvr>
+    <a:masterClrMapping/>
+  </p:clrMapOvr>
+  <p:timing>
+    <p:tnLst>
+      <p:par>
+        <p:cTn id="1" dur="indefinite" restart="never" nodeType="tmRoot">
+          <p:childTnLst>
+            <p:seq concurrent="1" nextAc="seek">
+              <p:cTn id="2" dur="indefinite" nodeType="mainSeq">
+                <p:childTnLst>
+                  <p:par>
+                    <p:cTn id="3" fill="hold">
+                      <p:stCondLst>
+                        <p:cond delay="indefinite"/>
+                      </p:stCondLst>
+                      <p:childTnLst>
+                        <p:par>
+                          <p:cTn id="4" fill="hold">
+                            <p:stCondLst>
+                              <p:cond delay="0"/>
+                            </p:stCondLst>
+                            <p:childTnLst>
+                              <p:par>
+                                <p:cTn id="5" presetID="42" presetClass="path" presetSubtype="0" accel="50000" decel="50000" fill="hold" nodeType="clickEffect">
+                                  <p:stCondLst>
+                                    <p:cond delay="0"/>
+                                  </p:stCondLst>
+                                  <p:childTnLst>
+                                    <p:animMotion origin="layout" path="M 1.66667E-6 5.55112E-17 L 0.16163 0.08519 " pathEditMode="relative" rAng="0" ptsTypes="AA">
+                                      <p:cBhvr>
+                                        <p:cTn id="6" dur="2000" fill="hold"/>
+                                        <p:tgtEl>
+                                          <p:spTgt spid="10"/>
+                                        </p:tgtEl>
+                                        <p:attrNameLst>
+                                          <p:attrName>ppt_x</p:attrName>
+                                          <p:attrName>ppt_y</p:attrName>
+                                        </p:attrNameLst>
+                                      </p:cBhvr>
+                                      <p:rCtr x="8073" y="4259"/>
+                                    </p:animMotion>
+                                  </p:childTnLst>
+                                </p:cTn>
+                              </p:par>
+                            </p:childTnLst>
+                          </p:cTn>
+                        </p:par>
+                        <p:par>
+                          <p:cTn id="7" fill="hold">
+                            <p:stCondLst>
+                              <p:cond delay="2000"/>
+                            </p:stCondLst>
+                            <p:childTnLst>
+                              <p:par>
+                                <p:cTn id="8" presetID="1" presetClass="entr" presetSubtype="0" fill="hold" nodeType="afterEffect">
+                                  <p:stCondLst>
+                                    <p:cond delay="0"/>
+                                  </p:stCondLst>
+                                  <p:childTnLst>
+                                    <p:set>
+                                      <p:cBhvr>
+                                        <p:cTn id="9" dur="1" fill="hold">
+                                          <p:stCondLst>
+                                            <p:cond delay="0"/>
+                                          </p:stCondLst>
+                                        </p:cTn>
+                                        <p:tgtEl>
+                                          <p:spTgt spid="56"/>
+                                        </p:tgtEl>
+                                        <p:attrNameLst>
+                                          <p:attrName>style.visibility</p:attrName>
+                                        </p:attrNameLst>
+                                      </p:cBhvr>
+                                      <p:to>
+                                        <p:strVal val="visible"/>
+                                      </p:to>
+                                    </p:set>
+                                  </p:childTnLst>
+                                </p:cTn>
+                              </p:par>
+                            </p:childTnLst>
+                          </p:cTn>
+                        </p:par>
+                      </p:childTnLst>
+                    </p:cTn>
+                  </p:par>
+                </p:childTnLst>
+              </p:cTn>
+              <p:prevCondLst>
+                <p:cond evt="onPrev" delay="0">
+                  <p:tgtEl>
+                    <p:sldTgt/>
+                  </p:tgtEl>
+                </p:cond>
+              </p:prevCondLst>
+              <p:nextCondLst>
+                <p:cond evt="onNext" delay="0">
+                  <p:tgtEl>
+                    <p:sldTgt/>
+                  </p:tgtEl>
+                </p:cond>
+              </p:nextCondLst>
+            </p:seq>
+          </p:childTnLst>
+        </p:cTn>
+      </p:par>
+    </p:tnLst>
+  </p:timing>
+</p:sld>
+</file>
+
+<file path=ppt/slides/slide4.xml><?xml version="1.0" encoding="utf-8"?>
+<p:sld xmlns:a="http://schemas.openxmlformats.org/drawingml/2006/main" xmlns:r="http://schemas.openxmlformats.org/officeDocument/2006/relationships" xmlns:p="http://schemas.openxmlformats.org/presentationml/2006/main">
+  <p:cSld>
+    <p:spTree>
+      <p:nvGrpSpPr>
+        <p:cNvPr id="1" name=""/>
+        <p:cNvGrpSpPr/>
+        <p:nvPr/>
+      </p:nvGrpSpPr>
+      <p:grpSpPr>
+        <a:xfrm>
+          <a:off x="0" y="0"/>
+          <a:ext cx="0" cy="0"/>
+          <a:chOff x="0" y="0"/>
+          <a:chExt cx="0" cy="0"/>
+        </a:xfrm>
+      </p:grpSpPr>
+      <p:sp>
+        <p:nvSpPr>
+          <p:cNvPr id="8194" name="Rectangle 2"/>
+          <p:cNvSpPr>
+            <a:spLocks noGrp="1" noChangeArrowheads="1"/>
+          </p:cNvSpPr>
+          <p:nvPr>
+            <p:ph type="title"/>
+          </p:nvPr>
+        </p:nvSpPr>
+        <p:spPr/>
+        <p:txBody>
+          <a:bodyPr/>
+          <a:lstStyle/>
+          <a:p>
+            <a:pPr eaLnBrk="1" hangingPunct="1"/>
+            <a:r>
+              <a:rPr lang="en-US" dirty="0" smtClean="0">
+                <a:latin typeface="Arial" charset="0"/>
+                <a:ea typeface="ＭＳ Ｐゴシック" charset="0"/>
+                <a:cs typeface="ＭＳ Ｐゴシック" charset="0"/>
+              </a:rPr>
+              <a:t>Concept </a:t>
+            </a:r>
+            <a:r>
+              <a:rPr lang="en-US" dirty="0" smtClean="0">
+                <a:latin typeface="Arial" charset="0"/>
+                <a:ea typeface="ＭＳ Ｐゴシック" charset="0"/>
+                <a:cs typeface="ＭＳ Ｐゴシック" charset="0"/>
+              </a:rPr>
+              <a:t>- </a:t>
+            </a:r>
+            <a:r>
+              <a:rPr lang="en-US" dirty="0" err="1" smtClean="0">
+                <a:latin typeface="Arial" charset="0"/>
+                <a:ea typeface="ＭＳ Ｐゴシック" charset="0"/>
+                <a:cs typeface="ＭＳ Ｐゴシック" charset="0"/>
+              </a:rPr>
+              <a:t>Quizgame</a:t>
+            </a:r>
+            <a:endParaRPr lang="en-US" dirty="0">
+              <a:latin typeface="Arial" charset="0"/>
+              <a:ea typeface="ＭＳ Ｐゴシック" charset="0"/>
+              <a:cs typeface="ＭＳ Ｐゴシック" charset="0"/>
+            </a:endParaRPr>
+          </a:p>
+        </p:txBody>
+      </p:sp>
+      <p:sp>
+        <p:nvSpPr>
+          <p:cNvPr id="8195" name="Rectangle 3"/>
+          <p:cNvSpPr>
+            <a:spLocks noGrp="1" noChangeArrowheads="1"/>
+          </p:cNvSpPr>
+          <p:nvPr>
+            <p:ph type="body" idx="1"/>
+          </p:nvPr>
+        </p:nvSpPr>
+        <p:spPr/>
+        <p:txBody>
+          <a:bodyPr/>
+          <a:lstStyle/>
+          <a:p>
+            <a:pPr eaLnBrk="1" hangingPunct="1"/>
+            <a:r>
+              <a:rPr lang="en-US" dirty="0" smtClean="0">
+                <a:latin typeface="Arial" charset="0"/>
+                <a:ea typeface="ＭＳ Ｐゴシック" charset="0"/>
+                <a:cs typeface="ＭＳ Ｐゴシック" charset="0"/>
+              </a:rPr>
+              <a:t>Game </a:t>
+            </a:r>
+            <a:r>
+              <a:rPr lang="en-US" dirty="0">
+                <a:latin typeface="Arial" charset="0"/>
+                <a:ea typeface="ＭＳ Ｐゴシック" charset="0"/>
+                <a:cs typeface="ＭＳ Ｐゴシック" charset="0"/>
+              </a:rPr>
+              <a:t>Consists of 4 Phases:</a:t>
+            </a:r>
+          </a:p>
+          <a:p>
+            <a:pPr lvl="1" eaLnBrk="1" hangingPunct="1"/>
+            <a:r>
+              <a:rPr lang="en-US" b="1" u="sng" dirty="0">
+                <a:latin typeface="Arial" charset="0"/>
+                <a:ea typeface="ＭＳ Ｐゴシック" charset="0"/>
+                <a:cs typeface="ＭＳ Ｐゴシック" charset="0"/>
+              </a:rPr>
+              <a:t>Initialization:</a:t>
+            </a:r>
+            <a:r>
+              <a:rPr lang="en-US" dirty="0">
+                <a:latin typeface="Arial" charset="0"/>
+                <a:ea typeface="ＭＳ Ｐゴシック" charset="0"/>
+                <a:cs typeface="ＭＳ Ｐゴシック" charset="0"/>
+              </a:rPr>
+              <a:t> Get an overview over the </a:t>
+            </a:r>
+            <a:r>
+              <a:rPr lang="en-US" dirty="0" smtClean="0">
+                <a:latin typeface="Arial" charset="0"/>
+                <a:ea typeface="ＭＳ Ｐゴシック" charset="0"/>
+                <a:cs typeface="ＭＳ Ｐゴシック" charset="0"/>
+              </a:rPr>
+              <a:t>models (can be skipped)</a:t>
+            </a:r>
+            <a:endParaRPr lang="en-US" dirty="0">
+              <a:latin typeface="Arial" charset="0"/>
+              <a:ea typeface="ＭＳ Ｐゴシック" charset="0"/>
+              <a:cs typeface="ＭＳ Ｐゴシック" charset="0"/>
+            </a:endParaRPr>
+          </a:p>
+          <a:p>
+            <a:pPr lvl="1" eaLnBrk="1" hangingPunct="1"/>
+            <a:r>
+              <a:rPr lang="en-US" b="1" u="sng" dirty="0">
+                <a:latin typeface="Arial" charset="0"/>
+                <a:ea typeface="ＭＳ Ｐゴシック" charset="0"/>
+                <a:cs typeface="ＭＳ Ｐゴシック" charset="0"/>
+              </a:rPr>
+              <a:t>Exploration:</a:t>
+            </a:r>
+            <a:r>
+              <a:rPr lang="en-US" dirty="0">
+                <a:latin typeface="Arial" charset="0"/>
+                <a:ea typeface="ＭＳ Ｐゴシック" charset="0"/>
+                <a:cs typeface="ＭＳ Ｐゴシック" charset="0"/>
+              </a:rPr>
+              <a:t> Touch the object and try to guess the object</a:t>
+            </a:r>
+          </a:p>
+          <a:p>
+            <a:pPr lvl="1" eaLnBrk="1" hangingPunct="1"/>
+            <a:r>
+              <a:rPr lang="en-US" b="1" u="sng" dirty="0">
+                <a:latin typeface="Arial" charset="0"/>
+                <a:ea typeface="ＭＳ Ｐゴシック" charset="0"/>
+                <a:cs typeface="ＭＳ Ｐゴシック" charset="0"/>
+              </a:rPr>
+              <a:t>Solving:</a:t>
+            </a:r>
+            <a:r>
+              <a:rPr lang="en-US" dirty="0">
+                <a:latin typeface="Arial" charset="0"/>
+                <a:ea typeface="ＭＳ Ｐゴシック" charset="0"/>
+                <a:cs typeface="ＭＳ Ｐゴシック" charset="0"/>
+              </a:rPr>
+              <a:t> Three options are displayed and the user should choose one</a:t>
+            </a:r>
+          </a:p>
+          <a:p>
+            <a:pPr lvl="1" eaLnBrk="1" hangingPunct="1"/>
+            <a:r>
+              <a:rPr lang="en-US" b="1" u="sng" dirty="0">
+                <a:latin typeface="Arial" charset="0"/>
+                <a:ea typeface="ＭＳ Ｐゴシック" charset="0"/>
+                <a:cs typeface="ＭＳ Ｐゴシック" charset="0"/>
+              </a:rPr>
+              <a:t>Solution:</a:t>
+            </a:r>
+            <a:r>
+              <a:rPr lang="en-US" dirty="0">
+                <a:latin typeface="Arial" charset="0"/>
+                <a:ea typeface="ＭＳ Ｐゴシック" charset="0"/>
+                <a:cs typeface="ＭＳ Ｐゴシック" charset="0"/>
+              </a:rPr>
+              <a:t> The user is informed, if his choice was </a:t>
+            </a:r>
+            <a:r>
+              <a:rPr lang="en-US" dirty="0" smtClean="0">
+                <a:latin typeface="Arial" charset="0"/>
+                <a:ea typeface="ＭＳ Ｐゴシック" charset="0"/>
+                <a:cs typeface="ＭＳ Ｐゴシック" charset="0"/>
+              </a:rPr>
+              <a:t>correct</a:t>
+            </a:r>
+          </a:p>
+          <a:p>
+            <a:pPr eaLnBrk="1" hangingPunct="1"/>
+            <a:r>
+              <a:rPr lang="en-US" dirty="0">
+                <a:latin typeface="Arial" charset="0"/>
+                <a:ea typeface="ＭＳ Ｐゴシック" charset="0"/>
+                <a:cs typeface="ＭＳ Ｐゴシック" charset="0"/>
+              </a:rPr>
+              <a:t>Choose number of rounds to </a:t>
+            </a:r>
+            <a:r>
+              <a:rPr lang="en-US" dirty="0" smtClean="0">
+                <a:latin typeface="Arial" charset="0"/>
+                <a:ea typeface="ＭＳ Ｐゴシック" charset="0"/>
+                <a:cs typeface="ＭＳ Ｐゴシック" charset="0"/>
+              </a:rPr>
+              <a:t>play</a:t>
+            </a:r>
+            <a:endParaRPr lang="en-US" dirty="0" smtClean="0">
+              <a:latin typeface="Arial" charset="0"/>
+              <a:ea typeface="ＭＳ Ｐゴシック" charset="0"/>
+              <a:cs typeface="ＭＳ Ｐゴシック" charset="0"/>
+            </a:endParaRPr>
+          </a:p>
+          <a:p>
+            <a:pPr eaLnBrk="1" hangingPunct="1"/>
+            <a:r>
+              <a:rPr lang="en-US" dirty="0" smtClean="0">
+                <a:latin typeface="Arial" charset="0"/>
+                <a:ea typeface="ＭＳ Ｐゴシック" charset="0"/>
+                <a:cs typeface="ＭＳ Ｐゴシック" charset="0"/>
+              </a:rPr>
+              <a:t>Show </a:t>
+            </a:r>
+            <a:r>
+              <a:rPr lang="en-US" dirty="0" smtClean="0">
+                <a:latin typeface="Arial" charset="0"/>
+                <a:ea typeface="ＭＳ Ｐゴシック" charset="0"/>
+                <a:cs typeface="ＭＳ Ｐゴシック" charset="0"/>
+              </a:rPr>
+              <a:t>the user his performance</a:t>
+            </a:r>
+          </a:p>
+        </p:txBody>
+      </p:sp>
+      <p:sp>
+        <p:nvSpPr>
+          <p:cNvPr id="2" name="Foliennummernplatzhalter 1"/>
+          <p:cNvSpPr>
+            <a:spLocks noGrp="1"/>
+          </p:cNvSpPr>
+          <p:nvPr>
+            <p:ph type="sldNum" sz="quarter" idx="12"/>
+          </p:nvPr>
+        </p:nvSpPr>
+        <p:spPr/>
+        <p:txBody>
+          <a:bodyPr/>
+          <a:lstStyle/>
+          <a:p>
+            <a:fld id="{17CC94CD-1FE7-0C44-80F4-2964C2C99554}" type="slidenum">
+              <a:rPr lang="en-US" noProof="0" smtClean="0"/>
+              <a:pPr/>
+              <a:t>4</a:t>
+            </a:fld>
+            <a:endParaRPr lang="en-US" noProof="0"/>
+          </a:p>
+        </p:txBody>
+      </p:sp>
+      <p:sp>
+        <p:nvSpPr>
+          <p:cNvPr id="3" name="Date Placeholder 2"/>
+          <p:cNvSpPr>
+            <a:spLocks noGrp="1"/>
+          </p:cNvSpPr>
+          <p:nvPr>
+            <p:ph type="dt" sz="half" idx="10"/>
+          </p:nvPr>
+        </p:nvSpPr>
+        <p:spPr/>
+        <p:txBody>
+          <a:bodyPr/>
+          <a:lstStyle/>
+          <a:p>
+            <a:fld id="{D0C850D2-9762-47E2-BC97-D45A5F466E92}" type="datetime1">
+              <a:rPr lang="de-DE" noProof="0" smtClean="0"/>
+              <a:t>06.08.2015</a:t>
+            </a:fld>
+            <a:endParaRPr lang="en-US" noProof="0"/>
+          </a:p>
+        </p:txBody>
+      </p:sp>
+      <p:sp>
+        <p:nvSpPr>
+          <p:cNvPr id="4" name="Footer Placeholder 3"/>
+          <p:cNvSpPr>
+            <a:spLocks noGrp="1"/>
+          </p:cNvSpPr>
+          <p:nvPr>
+            <p:ph type="ftr" sz="quarter" idx="11"/>
+          </p:nvPr>
+        </p:nvSpPr>
+        <p:spPr/>
+        <p:txBody>
+          <a:bodyPr/>
+          <a:lstStyle/>
+          <a:p>
+            <a:r>
+              <a:rPr lang="en-US" noProof="0" smtClean="0"/>
+              <a:t>Computational Haptics Laboratory -  Final Presentation</a:t>
+            </a:r>
+            <a:endParaRPr lang="en-US" noProof="0" dirty="0"/>
+          </a:p>
+        </p:txBody>
+      </p:sp>
+    </p:spTree>
+    <p:extLst>
+      <p:ext uri="{BB962C8B-B14F-4D97-AF65-F5344CB8AC3E}">
+        <p14:creationId xmlns:p14="http://schemas.microsoft.com/office/powerpoint/2010/main" val="4119808693"/>
+      </p:ext>
+    </p:extLst>
+  </p:cSld>
+  <p:clrMapOvr>
+    <a:masterClrMapping/>
+  </p:clrMapOvr>
+  <mc:AlternateContent xmlns:mc="http://schemas.openxmlformats.org/markup-compatibility/2006">
+    <mc:Choice xmlns:p14="http://schemas.microsoft.com/office/powerpoint/2010/main" Requires="p14">
+      <p:transition spd="slow" p14:dur="2000" advTm="83419"/>
+    </mc:Choice>
+    <mc:Fallback>
+      <p:transition spd="slow" advTm="83419"/>
+    </mc:Fallback>
+  </mc:AlternateContent>
+  <p:timing>
+    <p:tnLst>
+      <p:par>
+        <p:cTn id="1" dur="indefinite" restart="never" nodeType="tmRoot"/>
+      </p:par>
+    </p:tnLst>
+  </p:timing>
+</p:sld>
+</file>
+
+<file path=ppt/slides/slide5.xml><?xml version="1.0" encoding="utf-8"?>
 <p:sld xmlns:a="http://schemas.openxmlformats.org/drawingml/2006/main" xmlns:r="http://schemas.openxmlformats.org/officeDocument/2006/relationships" xmlns:p="http://schemas.openxmlformats.org/presentationml/2006/main">
   <p:cSld>
     <p:spTree>
@@ -14263,9 +17901,9 @@
           <a:bodyPr/>
           <a:lstStyle/>
           <a:p>
-            <a:fld id="{C8AFF1F9-9510-4B10-82CE-48AF128FE261}" type="datetime1">
+            <a:fld id="{BE8E1FA6-E146-4D4E-80D0-113685DF083A}" type="datetime1">
               <a:rPr lang="de-DE" noProof="0" smtClean="0"/>
-              <a:t>05.08.2015</a:t>
+              <a:t>06.08.2015</a:t>
             </a:fld>
             <a:endParaRPr lang="en-US" noProof="0"/>
           </a:p>
@@ -14312,7 +17950,7 @@
             <a:fld id="{17CC94CD-1FE7-0C44-80F4-2964C2C99554}" type="slidenum">
               <a:rPr lang="en-US" noProof="0" smtClean="0"/>
               <a:pPr/>
-              <a:t>3</a:t>
+              <a:t>5</a:t>
             </a:fld>
             <a:endParaRPr lang="en-US" noProof="0"/>
           </a:p>
@@ -14339,8 +17977,8 @@
         </p:blipFill>
         <p:spPr bwMode="auto">
           <a:xfrm>
-            <a:off x="720724" y="1666875"/>
-            <a:ext cx="6915151" cy="3943350"/>
+            <a:off x="568324" y="1552575"/>
+            <a:ext cx="7966076" cy="4542638"/>
           </a:xfrm>
           <a:prstGeom prst="rect">
             <a:avLst/>
@@ -14385,521 +18023,6 @@
 </p:sld>
 </file>
 
-<file path=ppt/slides/slide4.xml><?xml version="1.0" encoding="utf-8"?>
-<p:sld xmlns:a="http://schemas.openxmlformats.org/drawingml/2006/main" xmlns:r="http://schemas.openxmlformats.org/officeDocument/2006/relationships" xmlns:p="http://schemas.openxmlformats.org/presentationml/2006/main">
-  <p:cSld>
-    <p:spTree>
-      <p:nvGrpSpPr>
-        <p:cNvPr id="1" name=""/>
-        <p:cNvGrpSpPr/>
-        <p:nvPr/>
-      </p:nvGrpSpPr>
-      <p:grpSpPr>
-        <a:xfrm>
-          <a:off x="0" y="0"/>
-          <a:ext cx="0" cy="0"/>
-          <a:chOff x="0" y="0"/>
-          <a:chExt cx="0" cy="0"/>
-        </a:xfrm>
-      </p:grpSpPr>
-      <p:sp>
-        <p:nvSpPr>
-          <p:cNvPr id="2" name="Title 1"/>
-          <p:cNvSpPr>
-            <a:spLocks noGrp="1"/>
-          </p:cNvSpPr>
-          <p:nvPr>
-            <p:ph type="title"/>
-          </p:nvPr>
-        </p:nvSpPr>
-        <p:spPr/>
-        <p:txBody>
-          <a:bodyPr/>
-          <a:lstStyle/>
-          <a:p>
-            <a:r>
-              <a:rPr lang="de-DE" dirty="0" smtClean="0"/>
-              <a:t>Voice Coil Actuator</a:t>
-            </a:r>
-            <a:endParaRPr lang="de-DE" dirty="0"/>
-          </a:p>
-        </p:txBody>
-      </p:sp>
-      <p:sp>
-        <p:nvSpPr>
-          <p:cNvPr id="4" name="Date Placeholder 3"/>
-          <p:cNvSpPr>
-            <a:spLocks noGrp="1"/>
-          </p:cNvSpPr>
-          <p:nvPr>
-            <p:ph type="dt" sz="half" idx="10"/>
-          </p:nvPr>
-        </p:nvSpPr>
-        <p:spPr/>
-        <p:txBody>
-          <a:bodyPr/>
-          <a:lstStyle/>
-          <a:p>
-            <a:fld id="{C8AFF1F9-9510-4B10-82CE-48AF128FE261}" type="datetime1">
-              <a:rPr lang="de-DE" noProof="0" smtClean="0"/>
-              <a:t>05.08.2015</a:t>
-            </a:fld>
-            <a:endParaRPr lang="en-US" noProof="0"/>
-          </a:p>
-        </p:txBody>
-      </p:sp>
-      <p:sp>
-        <p:nvSpPr>
-          <p:cNvPr id="5" name="Footer Placeholder 4"/>
-          <p:cNvSpPr>
-            <a:spLocks noGrp="1"/>
-          </p:cNvSpPr>
-          <p:nvPr>
-            <p:ph type="ftr" sz="quarter" idx="11"/>
-          </p:nvPr>
-        </p:nvSpPr>
-        <p:spPr/>
-        <p:txBody>
-          <a:bodyPr/>
-          <a:lstStyle/>
-          <a:p>
-            <a:r>
-              <a:rPr lang="en-US" noProof="0" smtClean="0"/>
-              <a:t>Computational Haptics Laboratory -  Final Presentation</a:t>
-            </a:r>
-            <a:endParaRPr lang="en-US" noProof="0" dirty="0"/>
-          </a:p>
-        </p:txBody>
-      </p:sp>
-      <p:sp>
-        <p:nvSpPr>
-          <p:cNvPr id="6" name="Slide Number Placeholder 5"/>
-          <p:cNvSpPr>
-            <a:spLocks noGrp="1"/>
-          </p:cNvSpPr>
-          <p:nvPr>
-            <p:ph type="sldNum" sz="quarter" idx="12"/>
-          </p:nvPr>
-        </p:nvSpPr>
-        <p:spPr/>
-        <p:txBody>
-          <a:bodyPr/>
-          <a:lstStyle/>
-          <a:p>
-            <a:fld id="{17CC94CD-1FE7-0C44-80F4-2964C2C99554}" type="slidenum">
-              <a:rPr lang="en-US" noProof="0" smtClean="0"/>
-              <a:pPr/>
-              <a:t>4</a:t>
-            </a:fld>
-            <a:endParaRPr lang="en-US" noProof="0"/>
-          </a:p>
-        </p:txBody>
-      </p:sp>
-      <p:pic>
-        <p:nvPicPr>
-          <p:cNvPr id="2050" name="Picture 2"/>
-          <p:cNvPicPr>
-            <a:picLocks noChangeAspect="1" noChangeArrowheads="1"/>
-          </p:cNvPicPr>
-          <p:nvPr/>
-        </p:nvPicPr>
-        <p:blipFill>
-          <a:blip r:embed="rId2" cstate="email">
-            <a:extLst>
-              <a:ext uri="{28A0092B-C50C-407E-A947-70E740481C1C}">
-                <a14:useLocalDpi xmlns:a14="http://schemas.microsoft.com/office/drawing/2010/main" val="0"/>
-              </a:ext>
-            </a:extLst>
-          </a:blip>
-          <a:srcRect/>
-          <a:stretch>
-            <a:fillRect/>
-          </a:stretch>
-        </p:blipFill>
-        <p:spPr bwMode="auto">
-          <a:xfrm>
-            <a:off x="552450" y="1447800"/>
-            <a:ext cx="6663689" cy="4190999"/>
-          </a:xfrm>
-          <a:prstGeom prst="rect">
-            <a:avLst/>
-          </a:prstGeom>
-          <a:noFill/>
-          <a:ln>
-            <a:noFill/>
-          </a:ln>
-          <a:extLst>
-            <a:ext uri="{909E8E84-426E-40DD-AFC4-6F175D3DCCD1}">
-              <a14:hiddenFill xmlns:a14="http://schemas.microsoft.com/office/drawing/2010/main">
-                <a:solidFill>
-                  <a:schemeClr val="accent1"/>
-                </a:solidFill>
-              </a14:hiddenFill>
-            </a:ext>
-            <a:ext uri="{91240B29-F687-4F45-9708-019B960494DF}">
-              <a14:hiddenLine xmlns:a14="http://schemas.microsoft.com/office/drawing/2010/main" w="9525">
-                <a:solidFill>
-                  <a:schemeClr val="tx1"/>
-                </a:solidFill>
-                <a:miter lim="800000"/>
-                <a:headEnd/>
-                <a:tailEnd/>
-              </a14:hiddenLine>
-            </a:ext>
-          </a:extLst>
-        </p:spPr>
-      </p:pic>
-      <p:sp>
-        <p:nvSpPr>
-          <p:cNvPr id="8" name="TextBox 7"/>
-          <p:cNvSpPr txBox="1"/>
-          <p:nvPr/>
-        </p:nvSpPr>
-        <p:spPr>
-          <a:xfrm>
-            <a:off x="512444" y="5818585"/>
-            <a:ext cx="7799982" cy="400110"/>
-          </a:xfrm>
-          <a:prstGeom prst="rect">
-            <a:avLst/>
-          </a:prstGeom>
-          <a:noFill/>
-        </p:spPr>
-        <p:txBody>
-          <a:bodyPr wrap="square" rtlCol="0">
-            <a:spAutoFit/>
-          </a:bodyPr>
-          <a:lstStyle/>
-          <a:p>
-            <a:pPr algn="l"/>
-            <a:r>
-              <a:rPr lang="en-US" sz="1000" dirty="0"/>
-              <a:t>McMahan, William, and Katherine J. Kuchenbecker. "Dynamic modeling and control of voice-coil actuators for high-fidelity display of haptic vibrations." </a:t>
-            </a:r>
-            <a:r>
-              <a:rPr lang="en-US" sz="1000" i="1" dirty="0"/>
-              <a:t>Haptics Symposium (HAPTICS), 2014 IEEE</a:t>
-            </a:r>
-            <a:r>
-              <a:rPr lang="en-US" sz="1000" dirty="0"/>
-              <a:t>. IEEE, 2014.</a:t>
-            </a:r>
-            <a:endParaRPr lang="en-US" sz="1000" b="1" dirty="0"/>
-          </a:p>
-        </p:txBody>
-      </p:sp>
-    </p:spTree>
-    <p:extLst>
-      <p:ext uri="{BB962C8B-B14F-4D97-AF65-F5344CB8AC3E}">
-        <p14:creationId xmlns:p14="http://schemas.microsoft.com/office/powerpoint/2010/main" val="4228569513"/>
-      </p:ext>
-    </p:extLst>
-  </p:cSld>
-  <p:clrMapOvr>
-    <a:masterClrMapping/>
-  </p:clrMapOvr>
-  <mc:AlternateContent xmlns:mc="http://schemas.openxmlformats.org/markup-compatibility/2006">
-    <mc:Choice xmlns:p14="http://schemas.microsoft.com/office/powerpoint/2010/main" Requires="p14">
-      <p:transition spd="slow" p14:dur="2000" advTm="7865"/>
-    </mc:Choice>
-    <mc:Fallback>
-      <p:transition spd="slow" advTm="7865"/>
-    </mc:Fallback>
-  </mc:AlternateContent>
-  <p:timing>
-    <p:tnLst>
-      <p:par>
-        <p:cTn id="1" dur="indefinite" restart="never" nodeType="tmRoot"/>
-      </p:par>
-    </p:tnLst>
-  </p:timing>
-</p:sld>
-</file>
-
-<file path=ppt/slides/slide5.xml><?xml version="1.0" encoding="utf-8"?>
-<p:sld xmlns:a="http://schemas.openxmlformats.org/drawingml/2006/main" xmlns:r="http://schemas.openxmlformats.org/officeDocument/2006/relationships" xmlns:p="http://schemas.openxmlformats.org/presentationml/2006/main">
-  <p:cSld>
-    <p:spTree>
-      <p:nvGrpSpPr>
-        <p:cNvPr id="1" name=""/>
-        <p:cNvGrpSpPr/>
-        <p:nvPr/>
-      </p:nvGrpSpPr>
-      <p:grpSpPr>
-        <a:xfrm>
-          <a:off x="0" y="0"/>
-          <a:ext cx="0" cy="0"/>
-          <a:chOff x="0" y="0"/>
-          <a:chExt cx="0" cy="0"/>
-        </a:xfrm>
-      </p:grpSpPr>
-      <p:sp>
-        <p:nvSpPr>
-          <p:cNvPr id="2" name="Title 1"/>
-          <p:cNvSpPr>
-            <a:spLocks noGrp="1"/>
-          </p:cNvSpPr>
-          <p:nvPr>
-            <p:ph type="title"/>
-          </p:nvPr>
-        </p:nvSpPr>
-        <p:spPr/>
-        <p:txBody>
-          <a:bodyPr/>
-          <a:lstStyle/>
-          <a:p>
-            <a:r>
-              <a:rPr lang="de-DE" dirty="0" smtClean="0"/>
-              <a:t>Voice Coil Actuator</a:t>
-            </a:r>
-            <a:endParaRPr lang="de-DE" dirty="0"/>
-          </a:p>
-        </p:txBody>
-      </p:sp>
-      <p:sp>
-        <p:nvSpPr>
-          <p:cNvPr id="3" name="Content Placeholder 2"/>
-          <p:cNvSpPr>
-            <a:spLocks noGrp="1"/>
-          </p:cNvSpPr>
-          <p:nvPr>
-            <p:ph idx="1"/>
-          </p:nvPr>
-        </p:nvSpPr>
-        <p:spPr/>
-        <p:txBody>
-          <a:bodyPr/>
-          <a:lstStyle/>
-          <a:p>
-            <a:r>
-              <a:rPr lang="de-DE" dirty="0" smtClean="0"/>
-              <a:t>Dynamics of intervening linkages, joints, and cables distort the output of the motors </a:t>
-            </a:r>
-            <a:r>
-              <a:rPr lang="de-DE" dirty="0" smtClean="0">
-                <a:sym typeface="Wingdings" panose="05000000000000000000" pitchFamily="2" charset="2"/>
-              </a:rPr>
-              <a:t> interferes especially with the display of high freqency vibrations </a:t>
-            </a:r>
-            <a:r>
-              <a:rPr lang="de-DE" dirty="0" smtClean="0">
-                <a:sym typeface="Wingdings" panose="05000000000000000000" pitchFamily="2" charset="2"/>
-              </a:rPr>
-              <a:t>*</a:t>
-            </a:r>
-          </a:p>
-          <a:p>
-            <a:endParaRPr lang="de-DE" dirty="0" smtClean="0">
-              <a:sym typeface="Wingdings" panose="05000000000000000000" pitchFamily="2" charset="2"/>
-            </a:endParaRPr>
-          </a:p>
-          <a:p>
-            <a:r>
-              <a:rPr lang="de-DE" dirty="0" smtClean="0">
-                <a:sym typeface="Wingdings" panose="05000000000000000000" pitchFamily="2" charset="2"/>
-              </a:rPr>
-              <a:t>“Haptography handle“ generates vibrotactile frequencies (20-1000 Hz) in real </a:t>
-            </a:r>
-            <a:r>
-              <a:rPr lang="de-DE" dirty="0" smtClean="0">
-                <a:sym typeface="Wingdings" panose="05000000000000000000" pitchFamily="2" charset="2"/>
-              </a:rPr>
-              <a:t>time</a:t>
-            </a:r>
-          </a:p>
-          <a:p>
-            <a:endParaRPr lang="de-DE" dirty="0" smtClean="0">
-              <a:sym typeface="Wingdings" panose="05000000000000000000" pitchFamily="2" charset="2"/>
-            </a:endParaRPr>
-          </a:p>
-          <a:p>
-            <a:r>
-              <a:rPr lang="de-DE" dirty="0" smtClean="0"/>
-              <a:t>Play acceleration file with the Bass library</a:t>
-            </a:r>
-          </a:p>
-          <a:p>
-            <a:pPr lvl="1"/>
-            <a:r>
-              <a:rPr lang="de-DE" dirty="0" smtClean="0"/>
-              <a:t>modify frequency</a:t>
-            </a:r>
-          </a:p>
-          <a:p>
-            <a:pPr lvl="1"/>
-            <a:r>
-              <a:rPr lang="de-DE" dirty="0" smtClean="0"/>
-              <a:t>Modify amplitude</a:t>
-            </a:r>
-            <a:endParaRPr lang="de-DE" dirty="0"/>
-          </a:p>
-          <a:p>
-            <a:endParaRPr lang="de-DE" dirty="0"/>
-          </a:p>
-        </p:txBody>
-      </p:sp>
-      <p:sp>
-        <p:nvSpPr>
-          <p:cNvPr id="4" name="Date Placeholder 3"/>
-          <p:cNvSpPr>
-            <a:spLocks noGrp="1"/>
-          </p:cNvSpPr>
-          <p:nvPr>
-            <p:ph type="dt" sz="half" idx="10"/>
-          </p:nvPr>
-        </p:nvSpPr>
-        <p:spPr/>
-        <p:txBody>
-          <a:bodyPr/>
-          <a:lstStyle/>
-          <a:p>
-            <a:fld id="{C8AFF1F9-9510-4B10-82CE-48AF128FE261}" type="datetime1">
-              <a:rPr lang="de-DE" noProof="0" smtClean="0"/>
-              <a:t>05.08.2015</a:t>
-            </a:fld>
-            <a:endParaRPr lang="en-US" noProof="0"/>
-          </a:p>
-        </p:txBody>
-      </p:sp>
-      <p:sp>
-        <p:nvSpPr>
-          <p:cNvPr id="5" name="Footer Placeholder 4"/>
-          <p:cNvSpPr>
-            <a:spLocks noGrp="1"/>
-          </p:cNvSpPr>
-          <p:nvPr>
-            <p:ph type="ftr" sz="quarter" idx="11"/>
-          </p:nvPr>
-        </p:nvSpPr>
-        <p:spPr/>
-        <p:txBody>
-          <a:bodyPr/>
-          <a:lstStyle/>
-          <a:p>
-            <a:r>
-              <a:rPr lang="en-US" noProof="0" smtClean="0"/>
-              <a:t>Computational Haptics Laboratory -  Final Presentation</a:t>
-            </a:r>
-            <a:endParaRPr lang="en-US" noProof="0" dirty="0"/>
-          </a:p>
-        </p:txBody>
-      </p:sp>
-      <p:sp>
-        <p:nvSpPr>
-          <p:cNvPr id="6" name="Slide Number Placeholder 5"/>
-          <p:cNvSpPr>
-            <a:spLocks noGrp="1"/>
-          </p:cNvSpPr>
-          <p:nvPr>
-            <p:ph type="sldNum" sz="quarter" idx="12"/>
-          </p:nvPr>
-        </p:nvSpPr>
-        <p:spPr/>
-        <p:txBody>
-          <a:bodyPr/>
-          <a:lstStyle/>
-          <a:p>
-            <a:fld id="{17CC94CD-1FE7-0C44-80F4-2964C2C99554}" type="slidenum">
-              <a:rPr lang="en-US" noProof="0" smtClean="0"/>
-              <a:pPr/>
-              <a:t>5</a:t>
-            </a:fld>
-            <a:endParaRPr lang="en-US" noProof="0"/>
-          </a:p>
-        </p:txBody>
-      </p:sp>
-      <p:sp>
-        <p:nvSpPr>
-          <p:cNvPr id="7" name="TextBox 6"/>
-          <p:cNvSpPr txBox="1"/>
-          <p:nvPr/>
-        </p:nvSpPr>
-        <p:spPr>
-          <a:xfrm>
-            <a:off x="735138" y="6858000"/>
-            <a:ext cx="6892120" cy="461665"/>
-          </a:xfrm>
-          <a:prstGeom prst="rect">
-            <a:avLst/>
-          </a:prstGeom>
-          <a:noFill/>
-        </p:spPr>
-        <p:txBody>
-          <a:bodyPr wrap="square" rtlCol="0">
-            <a:spAutoFit/>
-          </a:bodyPr>
-          <a:lstStyle/>
-          <a:p>
-            <a:r>
-              <a:rPr lang="de-DE" sz="800" dirty="0"/>
-              <a:t>https://books.google.de/books?id=MMeaI1TMvyMC&amp;pg=PA256&amp;lpg=PA256&amp;dq=phantom+omni+voice+coil&amp;source=bl&amp;ots=xb_XcUQzxx&amp;sig=kQPPNpT3BscUGyFQ3oj-Q3hHIPo&amp;hl=de&amp;sa=X&amp;ved=0CCUQ6AEwAGoVChMIn7qNgeCNxwIVxAiSCh1a-AJU#v=onepage&amp;q=phantom%20omni%20voice%20coil&amp;f=false</a:t>
-            </a:r>
-          </a:p>
-        </p:txBody>
-      </p:sp>
-      <p:sp>
-        <p:nvSpPr>
-          <p:cNvPr id="8" name="TextBox 7"/>
-          <p:cNvSpPr txBox="1"/>
-          <p:nvPr/>
-        </p:nvSpPr>
-        <p:spPr>
-          <a:xfrm>
-            <a:off x="4667536" y="5923970"/>
-            <a:ext cx="3684896" cy="246221"/>
-          </a:xfrm>
-          <a:prstGeom prst="rect">
-            <a:avLst/>
-          </a:prstGeom>
-          <a:noFill/>
-        </p:spPr>
-        <p:txBody>
-          <a:bodyPr wrap="square" rtlCol="0">
-            <a:spAutoFit/>
-          </a:bodyPr>
-          <a:lstStyle/>
-          <a:p>
-            <a:pPr algn="l"/>
-            <a:r>
-              <a:rPr lang="en-US" sz="1000" dirty="0" smtClean="0"/>
-              <a:t>* Robotics Research, The </a:t>
-            </a:r>
-            <a:r>
-              <a:rPr lang="en-US" sz="1000" dirty="0"/>
-              <a:t>14th International Symposium ISRR</a:t>
-            </a:r>
-            <a:endParaRPr lang="de-DE" sz="1000" dirty="0"/>
-          </a:p>
-        </p:txBody>
-      </p:sp>
-    </p:spTree>
-    <p:extLst>
-      <p:ext uri="{BB962C8B-B14F-4D97-AF65-F5344CB8AC3E}">
-        <p14:creationId xmlns:p14="http://schemas.microsoft.com/office/powerpoint/2010/main" val="271175688"/>
-      </p:ext>
-    </p:extLst>
-  </p:cSld>
-  <p:clrMapOvr>
-    <a:masterClrMapping/>
-  </p:clrMapOvr>
-  <mc:AlternateContent xmlns:mc="http://schemas.openxmlformats.org/markup-compatibility/2006">
-    <mc:Choice xmlns:p14="http://schemas.microsoft.com/office/powerpoint/2010/main" Requires="p14">
-      <p:transition spd="slow" p14:dur="2000" advTm="55966"/>
-    </mc:Choice>
-    <mc:Fallback>
-      <p:transition spd="slow" advTm="55966"/>
-    </mc:Fallback>
-  </mc:AlternateContent>
-  <p:timing>
-    <p:tnLst>
-      <p:par>
-        <p:cTn id="1" dur="indefinite" restart="never" nodeType="tmRoot"/>
-      </p:par>
-    </p:tnLst>
-  </p:timing>
-</p:sld>
-</file>
-
 <file path=ppt/slides/slide6.xml><?xml version="1.0" encoding="utf-8"?>
 <p:sld xmlns:a="http://schemas.openxmlformats.org/drawingml/2006/main" xmlns:r="http://schemas.openxmlformats.org/officeDocument/2006/relationships" xmlns:p="http://schemas.openxmlformats.org/presentationml/2006/main">
   <p:cSld>
@@ -14934,7 +18057,7 @@
           <a:p>
             <a:r>
               <a:rPr lang="de-DE" dirty="0" smtClean="0"/>
-              <a:t>Force and Velocity measurements</a:t>
+              <a:t>Voice Coil Actuator</a:t>
             </a:r>
             <a:endParaRPr lang="de-DE" dirty="0"/>
           </a:p>
@@ -14955,9 +18078,9 @@
           <a:bodyPr/>
           <a:lstStyle/>
           <a:p>
-            <a:fld id="{C8AFF1F9-9510-4B10-82CE-48AF128FE261}" type="datetime1">
+            <a:fld id="{09F1B0F0-E597-42DE-B5EC-F1930CB43C3D}" type="datetime1">
               <a:rPr lang="de-DE" noProof="0" smtClean="0"/>
-              <a:t>05.08.2015</a:t>
+              <a:t>06.08.2015</a:t>
             </a:fld>
             <a:endParaRPr lang="en-US" noProof="0"/>
           </a:p>
@@ -14979,7 +18102,7 @@
           <a:lstStyle/>
           <a:p>
             <a:r>
-              <a:rPr lang="en-US" noProof="0" dirty="0" smtClean="0"/>
+              <a:rPr lang="en-US" noProof="0" smtClean="0"/>
               <a:t>Computational Haptics Laboratory -  Final Presentation</a:t>
             </a:r>
             <a:endParaRPr lang="en-US" noProof="0" dirty="0"/>
@@ -15005,6 +18128,1109 @@
               <a:rPr lang="en-US" noProof="0" smtClean="0"/>
               <a:pPr/>
               <a:t>6</a:t>
+            </a:fld>
+            <a:endParaRPr lang="en-US" noProof="0"/>
+          </a:p>
+        </p:txBody>
+      </p:sp>
+      <p:pic>
+        <p:nvPicPr>
+          <p:cNvPr id="5122" name="Picture 2" descr="C:\Users\ga68yid\Desktop\20150806_132937.jpg"/>
+          <p:cNvPicPr>
+            <a:picLocks noChangeAspect="1" noChangeArrowheads="1"/>
+          </p:cNvPicPr>
+          <p:nvPr/>
+        </p:nvPicPr>
+        <p:blipFill rotWithShape="1">
+          <a:blip r:embed="rId2" cstate="email">
+            <a:extLst>
+              <a:ext uri="{28A0092B-C50C-407E-A947-70E740481C1C}">
+                <a14:useLocalDpi xmlns:a14="http://schemas.microsoft.com/office/drawing/2010/main" val="0"/>
+              </a:ext>
+            </a:extLst>
+          </a:blip>
+          <a:srcRect l="-19" t="32696" b="17097"/>
+          <a:stretch/>
+        </p:blipFill>
+        <p:spPr bwMode="auto">
+          <a:xfrm rot="16200000">
+            <a:off x="-358092" y="2956797"/>
+            <a:ext cx="4695618" cy="1767840"/>
+          </a:xfrm>
+          <a:prstGeom prst="rect">
+            <a:avLst/>
+          </a:prstGeom>
+          <a:noFill/>
+          <a:extLst>
+            <a:ext uri="{909E8E84-426E-40DD-AFC4-6F175D3DCCD1}">
+              <a14:hiddenFill xmlns:a14="http://schemas.microsoft.com/office/drawing/2010/main">
+                <a:solidFill>
+                  <a:srgbClr val="FFFFFF"/>
+                </a:solidFill>
+              </a14:hiddenFill>
+            </a:ext>
+          </a:extLst>
+        </p:spPr>
+      </p:pic>
+      <p:sp>
+        <p:nvSpPr>
+          <p:cNvPr id="9" name="Rectangle 8"/>
+          <p:cNvSpPr/>
+          <p:nvPr/>
+        </p:nvSpPr>
+        <p:spPr bwMode="auto">
+          <a:xfrm>
+            <a:off x="5066337" y="1321355"/>
+            <a:ext cx="1968500" cy="4904185"/>
+          </a:xfrm>
+          <a:prstGeom prst="rect">
+            <a:avLst/>
+          </a:prstGeom>
+          <a:solidFill>
+            <a:schemeClr val="tx1">
+              <a:lumMod val="95000"/>
+              <a:lumOff val="5000"/>
+            </a:schemeClr>
+          </a:solidFill>
+          <a:ln w="9525" cap="flat" cmpd="sng" algn="ctr">
+            <a:solidFill>
+              <a:schemeClr val="tx1"/>
+            </a:solidFill>
+            <a:prstDash val="solid"/>
+            <a:round/>
+            <a:headEnd type="none" w="med" len="med"/>
+            <a:tailEnd type="none" w="med" len="med"/>
+          </a:ln>
+          <a:effectLst/>
+        </p:spPr>
+        <p:txBody>
+          <a:bodyPr vert="horz" wrap="square" lIns="91440" tIns="45720" rIns="91440" bIns="45720" numCol="1" rtlCol="0" anchor="t" anchorCtr="0" compatLnSpc="1">
+            <a:prstTxWarp prst="textNoShape">
+              <a:avLst/>
+            </a:prstTxWarp>
+          </a:bodyPr>
+          <a:lstStyle/>
+          <a:p>
+            <a:pPr marL="0" marR="0" indent="0" algn="r" defTabSz="914400" rtl="0" eaLnBrk="0" fontAlgn="base" latinLnBrk="0" hangingPunct="0">
+              <a:lnSpc>
+                <a:spcPct val="100000"/>
+              </a:lnSpc>
+              <a:spcBef>
+                <a:spcPct val="0"/>
+              </a:spcBef>
+              <a:spcAft>
+                <a:spcPct val="0"/>
+              </a:spcAft>
+              <a:buClrTx/>
+              <a:buSzTx/>
+              <a:buFontTx/>
+              <a:buNone/>
+              <a:tabLst/>
+            </a:pPr>
+            <a:endParaRPr kumimoji="0" lang="de-DE" sz="2000" b="0" i="0" u="none" strike="noStrike" cap="none" normalizeH="0" baseline="0" smtClean="0">
+              <a:ln>
+                <a:noFill/>
+              </a:ln>
+              <a:solidFill>
+                <a:schemeClr val="tx1"/>
+              </a:solidFill>
+              <a:effectLst/>
+              <a:latin typeface="Arial" pitchFamily="34" charset="0"/>
+            </a:endParaRPr>
+          </a:p>
+        </p:txBody>
+      </p:sp>
+      <p:sp>
+        <p:nvSpPr>
+          <p:cNvPr id="10" name="Rectangle 9"/>
+          <p:cNvSpPr/>
+          <p:nvPr/>
+        </p:nvSpPr>
+        <p:spPr bwMode="auto">
+          <a:xfrm>
+            <a:off x="5294937" y="1694060"/>
+            <a:ext cx="1511300" cy="4034195"/>
+          </a:xfrm>
+          <a:prstGeom prst="rect">
+            <a:avLst/>
+          </a:prstGeom>
+          <a:solidFill>
+            <a:schemeClr val="bg1">
+              <a:lumMod val="50000"/>
+            </a:schemeClr>
+          </a:solidFill>
+          <a:ln w="9525" cap="flat" cmpd="sng" algn="ctr">
+            <a:solidFill>
+              <a:schemeClr val="tx1"/>
+            </a:solidFill>
+            <a:prstDash val="solid"/>
+            <a:round/>
+            <a:headEnd type="none" w="med" len="med"/>
+            <a:tailEnd type="none" w="med" len="med"/>
+          </a:ln>
+          <a:effectLst/>
+        </p:spPr>
+        <p:txBody>
+          <a:bodyPr vert="horz" wrap="square" lIns="91440" tIns="45720" rIns="91440" bIns="45720" numCol="1" rtlCol="0" anchor="t" anchorCtr="0" compatLnSpc="1">
+            <a:prstTxWarp prst="textNoShape">
+              <a:avLst/>
+            </a:prstTxWarp>
+          </a:bodyPr>
+          <a:lstStyle/>
+          <a:p>
+            <a:pPr marL="0" marR="0" indent="0" algn="r" defTabSz="914400" rtl="0" eaLnBrk="0" fontAlgn="base" latinLnBrk="0" hangingPunct="0">
+              <a:lnSpc>
+                <a:spcPct val="100000"/>
+              </a:lnSpc>
+              <a:spcBef>
+                <a:spcPct val="0"/>
+              </a:spcBef>
+              <a:spcAft>
+                <a:spcPct val="0"/>
+              </a:spcAft>
+              <a:buClrTx/>
+              <a:buSzTx/>
+              <a:buFontTx/>
+              <a:buNone/>
+              <a:tabLst/>
+            </a:pPr>
+            <a:endParaRPr kumimoji="0" lang="de-DE" sz="2000" b="0" i="0" u="none" strike="noStrike" cap="none" normalizeH="0" baseline="0" smtClean="0">
+              <a:ln>
+                <a:noFill/>
+              </a:ln>
+              <a:solidFill>
+                <a:schemeClr val="tx1"/>
+              </a:solidFill>
+              <a:effectLst/>
+              <a:latin typeface="Arial" pitchFamily="34" charset="0"/>
+            </a:endParaRPr>
+          </a:p>
+        </p:txBody>
+      </p:sp>
+      <p:sp>
+        <p:nvSpPr>
+          <p:cNvPr id="27" name="Rectangle 26"/>
+          <p:cNvSpPr/>
+          <p:nvPr/>
+        </p:nvSpPr>
+        <p:spPr bwMode="auto">
+          <a:xfrm>
+            <a:off x="5411538" y="1864521"/>
+            <a:ext cx="1278098" cy="3693267"/>
+          </a:xfrm>
+          <a:prstGeom prst="rect">
+            <a:avLst/>
+          </a:prstGeom>
+          <a:solidFill>
+            <a:schemeClr val="bg1">
+              <a:lumMod val="50000"/>
+            </a:schemeClr>
+          </a:solidFill>
+          <a:ln w="19050" cap="flat" cmpd="sng" algn="ctr">
+            <a:solidFill>
+              <a:schemeClr val="tx1">
+                <a:lumMod val="95000"/>
+                <a:lumOff val="5000"/>
+              </a:schemeClr>
+            </a:solidFill>
+            <a:prstDash val="solid"/>
+            <a:round/>
+            <a:headEnd type="none" w="med" len="med"/>
+            <a:tailEnd type="none" w="med" len="med"/>
+          </a:ln>
+          <a:effectLst/>
+        </p:spPr>
+        <p:txBody>
+          <a:bodyPr vert="horz" wrap="square" lIns="91440" tIns="45720" rIns="91440" bIns="45720" numCol="1" rtlCol="0" anchor="t" anchorCtr="0" compatLnSpc="1">
+            <a:prstTxWarp prst="textNoShape">
+              <a:avLst/>
+            </a:prstTxWarp>
+          </a:bodyPr>
+          <a:lstStyle/>
+          <a:p>
+            <a:pPr marL="0" marR="0" indent="0" algn="r" defTabSz="914400" rtl="0" eaLnBrk="0" fontAlgn="base" latinLnBrk="0" hangingPunct="0">
+              <a:lnSpc>
+                <a:spcPct val="100000"/>
+              </a:lnSpc>
+              <a:spcBef>
+                <a:spcPct val="0"/>
+              </a:spcBef>
+              <a:spcAft>
+                <a:spcPct val="0"/>
+              </a:spcAft>
+              <a:buClrTx/>
+              <a:buSzTx/>
+              <a:buFontTx/>
+              <a:buNone/>
+              <a:tabLst/>
+            </a:pPr>
+            <a:endParaRPr kumimoji="0" lang="de-DE" sz="2000" b="0" i="0" u="none" strike="noStrike" cap="none" normalizeH="0" baseline="0" smtClean="0">
+              <a:ln>
+                <a:noFill/>
+              </a:ln>
+              <a:solidFill>
+                <a:schemeClr val="tx1"/>
+              </a:solidFill>
+              <a:effectLst/>
+              <a:latin typeface="Arial" pitchFamily="34" charset="0"/>
+            </a:endParaRPr>
+          </a:p>
+        </p:txBody>
+      </p:sp>
+      <p:sp>
+        <p:nvSpPr>
+          <p:cNvPr id="7" name="Rectangle 6"/>
+          <p:cNvSpPr/>
+          <p:nvPr/>
+        </p:nvSpPr>
+        <p:spPr bwMode="auto">
+          <a:xfrm>
+            <a:off x="6029278" y="1785388"/>
+            <a:ext cx="97813" cy="3853352"/>
+          </a:xfrm>
+          <a:prstGeom prst="rect">
+            <a:avLst/>
+          </a:prstGeom>
+          <a:solidFill>
+            <a:schemeClr val="tx1">
+              <a:lumMod val="65000"/>
+              <a:lumOff val="35000"/>
+            </a:schemeClr>
+          </a:solidFill>
+          <a:ln w="9525" cap="flat" cmpd="sng" algn="ctr">
+            <a:solidFill>
+              <a:schemeClr val="tx1"/>
+            </a:solidFill>
+            <a:prstDash val="solid"/>
+            <a:round/>
+            <a:headEnd type="none" w="med" len="med"/>
+            <a:tailEnd type="none" w="med" len="med"/>
+          </a:ln>
+          <a:effectLst/>
+        </p:spPr>
+        <p:txBody>
+          <a:bodyPr vert="horz" wrap="square" lIns="91440" tIns="45720" rIns="91440" bIns="45720" numCol="1" rtlCol="0" anchor="t" anchorCtr="0" compatLnSpc="1">
+            <a:prstTxWarp prst="textNoShape">
+              <a:avLst/>
+            </a:prstTxWarp>
+          </a:bodyPr>
+          <a:lstStyle/>
+          <a:p>
+            <a:pPr marL="0" marR="0" indent="0" algn="r" defTabSz="914400" rtl="0" eaLnBrk="0" fontAlgn="base" latinLnBrk="0" hangingPunct="0">
+              <a:lnSpc>
+                <a:spcPct val="100000"/>
+              </a:lnSpc>
+              <a:spcBef>
+                <a:spcPct val="0"/>
+              </a:spcBef>
+              <a:spcAft>
+                <a:spcPct val="0"/>
+              </a:spcAft>
+              <a:buClrTx/>
+              <a:buSzTx/>
+              <a:buFontTx/>
+              <a:buNone/>
+              <a:tabLst/>
+            </a:pPr>
+            <a:endParaRPr kumimoji="0" lang="de-DE" sz="2000" b="0" i="0" u="none" strike="noStrike" cap="none" normalizeH="0" baseline="0" smtClean="0">
+              <a:ln>
+                <a:noFill/>
+              </a:ln>
+              <a:solidFill>
+                <a:schemeClr val="tx1"/>
+              </a:solidFill>
+              <a:effectLst/>
+              <a:latin typeface="Arial" pitchFamily="34" charset="0"/>
+            </a:endParaRPr>
+          </a:p>
+        </p:txBody>
+      </p:sp>
+      <p:pic>
+        <p:nvPicPr>
+          <p:cNvPr id="11" name="Picture 4" descr="https://gasketstogo.files.wordpress.com/2009/12/spring-drawing1.jpg"/>
+          <p:cNvPicPr>
+            <a:picLocks noChangeAspect="1" noChangeArrowheads="1"/>
+          </p:cNvPicPr>
+          <p:nvPr/>
+        </p:nvPicPr>
+        <p:blipFill>
+          <a:blip r:embed="rId3" cstate="email">
+            <a:extLst>
+              <a:ext uri="{BEBA8EAE-BF5A-486C-A8C5-ECC9F3942E4B}">
+                <a14:imgProps xmlns:a14="http://schemas.microsoft.com/office/drawing/2010/main">
+                  <a14:imgLayer r:embed="rId4">
+                    <a14:imgEffect>
+                      <a14:backgroundRemoval t="2949" b="95174" l="6498" r="93141"/>
+                    </a14:imgEffect>
+                  </a14:imgLayer>
+                </a14:imgProps>
+              </a:ext>
+              <a:ext uri="{28A0092B-C50C-407E-A947-70E740481C1C}">
+                <a14:useLocalDpi xmlns:a14="http://schemas.microsoft.com/office/drawing/2010/main" val="0"/>
+              </a:ext>
+            </a:extLst>
+          </a:blip>
+          <a:srcRect/>
+          <a:stretch>
+            <a:fillRect/>
+          </a:stretch>
+        </p:blipFill>
+        <p:spPr bwMode="auto">
+          <a:xfrm rot="10800000">
+            <a:off x="5854960" y="4490947"/>
+            <a:ext cx="463957" cy="1249503"/>
+          </a:xfrm>
+          <a:prstGeom prst="rect">
+            <a:avLst/>
+          </a:prstGeom>
+          <a:noFill/>
+          <a:extLst>
+            <a:ext uri="{909E8E84-426E-40DD-AFC4-6F175D3DCCD1}">
+              <a14:hiddenFill xmlns:a14="http://schemas.microsoft.com/office/drawing/2010/main">
+                <a:solidFill>
+                  <a:srgbClr val="FFFFFF"/>
+                </a:solidFill>
+              </a14:hiddenFill>
+            </a:ext>
+          </a:extLst>
+        </p:spPr>
+      </p:pic>
+      <p:pic>
+        <p:nvPicPr>
+          <p:cNvPr id="5124" name="Picture 4" descr="https://gasketstogo.files.wordpress.com/2009/12/spring-drawing1.jpg"/>
+          <p:cNvPicPr>
+            <a:picLocks noChangeAspect="1" noChangeArrowheads="1"/>
+          </p:cNvPicPr>
+          <p:nvPr/>
+        </p:nvPicPr>
+        <p:blipFill>
+          <a:blip r:embed="rId5" cstate="email">
+            <a:extLst>
+              <a:ext uri="{BEBA8EAE-BF5A-486C-A8C5-ECC9F3942E4B}">
+                <a14:imgProps xmlns:a14="http://schemas.microsoft.com/office/drawing/2010/main">
+                  <a14:imgLayer r:embed="rId6">
+                    <a14:imgEffect>
+                      <a14:backgroundRemoval t="2949" b="95174" l="6498" r="93141"/>
+                    </a14:imgEffect>
+                  </a14:imgLayer>
+                </a14:imgProps>
+              </a:ext>
+              <a:ext uri="{28A0092B-C50C-407E-A947-70E740481C1C}">
+                <a14:useLocalDpi xmlns:a14="http://schemas.microsoft.com/office/drawing/2010/main" val="0"/>
+              </a:ext>
+            </a:extLst>
+          </a:blip>
+          <a:srcRect/>
+          <a:stretch>
+            <a:fillRect/>
+          </a:stretch>
+        </p:blipFill>
+        <p:spPr bwMode="auto">
+          <a:xfrm>
+            <a:off x="5846205" y="1632721"/>
+            <a:ext cx="463957" cy="1336458"/>
+          </a:xfrm>
+          <a:prstGeom prst="rect">
+            <a:avLst/>
+          </a:prstGeom>
+          <a:noFill/>
+          <a:extLst>
+            <a:ext uri="{909E8E84-426E-40DD-AFC4-6F175D3DCCD1}">
+              <a14:hiddenFill xmlns:a14="http://schemas.microsoft.com/office/drawing/2010/main">
+                <a:solidFill>
+                  <a:srgbClr val="FFFFFF"/>
+                </a:solidFill>
+              </a14:hiddenFill>
+            </a:ext>
+          </a:extLst>
+        </p:spPr>
+      </p:pic>
+      <p:sp>
+        <p:nvSpPr>
+          <p:cNvPr id="3" name="Rectangle 2"/>
+          <p:cNvSpPr/>
+          <p:nvPr/>
+        </p:nvSpPr>
+        <p:spPr bwMode="auto">
+          <a:xfrm>
+            <a:off x="5680539" y="2829264"/>
+            <a:ext cx="812800" cy="1882991"/>
+          </a:xfrm>
+          <a:prstGeom prst="rect">
+            <a:avLst/>
+          </a:prstGeom>
+          <a:solidFill>
+            <a:schemeClr val="bg1">
+              <a:lumMod val="75000"/>
+            </a:schemeClr>
+          </a:solidFill>
+          <a:ln w="9525" cap="flat" cmpd="sng" algn="ctr">
+            <a:solidFill>
+              <a:schemeClr val="tx1"/>
+            </a:solidFill>
+            <a:prstDash val="solid"/>
+            <a:round/>
+            <a:headEnd type="none" w="med" len="med"/>
+            <a:tailEnd type="none" w="med" len="med"/>
+          </a:ln>
+          <a:effectLst/>
+        </p:spPr>
+        <p:txBody>
+          <a:bodyPr vert="vert270" wrap="square" lIns="91440" tIns="45720" rIns="91440" bIns="45720" numCol="1" rtlCol="0" anchor="t" anchorCtr="0" compatLnSpc="1">
+            <a:prstTxWarp prst="textNoShape">
+              <a:avLst/>
+            </a:prstTxWarp>
+          </a:bodyPr>
+          <a:lstStyle/>
+          <a:p>
+            <a:pPr marL="0" marR="0" indent="0" algn="ctr" defTabSz="914400" rtl="0" eaLnBrk="0" fontAlgn="base" latinLnBrk="0" hangingPunct="0">
+              <a:lnSpc>
+                <a:spcPct val="100000"/>
+              </a:lnSpc>
+              <a:spcBef>
+                <a:spcPct val="0"/>
+              </a:spcBef>
+              <a:spcAft>
+                <a:spcPct val="0"/>
+              </a:spcAft>
+              <a:buClrTx/>
+              <a:buSzTx/>
+              <a:buFontTx/>
+              <a:buNone/>
+              <a:tabLst/>
+            </a:pPr>
+            <a:r>
+              <a:rPr kumimoji="0" lang="de-DE" sz="2000" b="0" i="0" u="none" strike="noStrike" cap="none" normalizeH="0" baseline="0" dirty="0" smtClean="0">
+                <a:ln>
+                  <a:noFill/>
+                </a:ln>
+                <a:solidFill>
+                  <a:schemeClr val="tx1"/>
+                </a:solidFill>
+                <a:effectLst/>
+                <a:latin typeface="Arial" pitchFamily="34" charset="0"/>
+              </a:rPr>
+              <a:t>Voice Coil</a:t>
+            </a:r>
+            <a:r>
+              <a:rPr kumimoji="0" lang="de-DE" sz="2000" b="0" i="0" u="none" strike="noStrike" cap="none" normalizeH="0" dirty="0" smtClean="0">
+                <a:ln>
+                  <a:noFill/>
+                </a:ln>
+                <a:solidFill>
+                  <a:schemeClr val="tx1"/>
+                </a:solidFill>
+                <a:effectLst/>
+                <a:latin typeface="Arial" pitchFamily="34" charset="0"/>
+              </a:rPr>
+              <a:t> Actuator</a:t>
+            </a:r>
+            <a:endParaRPr kumimoji="0" lang="de-DE" sz="2000" b="0" i="0" u="none" strike="noStrike" cap="none" normalizeH="0" baseline="0" dirty="0" smtClean="0">
+              <a:ln>
+                <a:noFill/>
+              </a:ln>
+              <a:solidFill>
+                <a:schemeClr val="tx1"/>
+              </a:solidFill>
+              <a:effectLst/>
+              <a:latin typeface="Arial" pitchFamily="34" charset="0"/>
+            </a:endParaRPr>
+          </a:p>
+        </p:txBody>
+      </p:sp>
+      <p:cxnSp>
+        <p:nvCxnSpPr>
+          <p:cNvPr id="15" name="Straight Arrow Connector 14"/>
+          <p:cNvCxnSpPr/>
+          <p:nvPr/>
+        </p:nvCxnSpPr>
+        <p:spPr bwMode="auto">
+          <a:xfrm>
+            <a:off x="7305236" y="2839618"/>
+            <a:ext cx="0" cy="2083016"/>
+          </a:xfrm>
+          <a:prstGeom prst="straightConnector1">
+            <a:avLst/>
+          </a:prstGeom>
+          <a:solidFill>
+            <a:schemeClr val="accent1"/>
+          </a:solidFill>
+          <a:ln w="76200" cap="flat" cmpd="sng" algn="ctr">
+            <a:solidFill>
+              <a:srgbClr val="FF0000"/>
+            </a:solidFill>
+            <a:prstDash val="solid"/>
+            <a:round/>
+            <a:headEnd type="arrow"/>
+            <a:tailEnd type="arrow"/>
+          </a:ln>
+          <a:effectLst/>
+        </p:spPr>
+      </p:cxnSp>
+      <p:sp>
+        <p:nvSpPr>
+          <p:cNvPr id="17" name="TextBox 16"/>
+          <p:cNvSpPr txBox="1"/>
+          <p:nvPr/>
+        </p:nvSpPr>
+        <p:spPr>
+          <a:xfrm rot="16200000">
+            <a:off x="6826322" y="3640662"/>
+            <a:ext cx="1743075" cy="400110"/>
+          </a:xfrm>
+          <a:prstGeom prst="rect">
+            <a:avLst/>
+          </a:prstGeom>
+          <a:noFill/>
+        </p:spPr>
+        <p:txBody>
+          <a:bodyPr wrap="square" rtlCol="0">
+            <a:spAutoFit/>
+          </a:bodyPr>
+          <a:lstStyle/>
+          <a:p>
+            <a:pPr algn="ctr"/>
+            <a:r>
+              <a:rPr lang="de-DE" dirty="0" smtClean="0"/>
+              <a:t>Translation</a:t>
+            </a:r>
+            <a:endParaRPr lang="de-DE" dirty="0"/>
+          </a:p>
+        </p:txBody>
+      </p:sp>
+      <p:cxnSp>
+        <p:nvCxnSpPr>
+          <p:cNvPr id="25" name="Straight Connector 24"/>
+          <p:cNvCxnSpPr/>
+          <p:nvPr/>
+        </p:nvCxnSpPr>
+        <p:spPr bwMode="auto">
+          <a:xfrm flipH="1" flipV="1">
+            <a:off x="5294937" y="1706255"/>
+            <a:ext cx="116601" cy="158266"/>
+          </a:xfrm>
+          <a:prstGeom prst="line">
+            <a:avLst/>
+          </a:prstGeom>
+          <a:solidFill>
+            <a:schemeClr val="accent1"/>
+          </a:solidFill>
+          <a:ln w="19050" cap="flat" cmpd="sng" algn="ctr">
+            <a:solidFill>
+              <a:schemeClr val="tx1"/>
+            </a:solidFill>
+            <a:prstDash val="solid"/>
+            <a:round/>
+            <a:headEnd type="none" w="med" len="med"/>
+            <a:tailEnd type="none" w="med" len="med"/>
+          </a:ln>
+          <a:effectLst/>
+        </p:spPr>
+      </p:cxnSp>
+      <p:cxnSp>
+        <p:nvCxnSpPr>
+          <p:cNvPr id="30" name="Straight Connector 29"/>
+          <p:cNvCxnSpPr/>
+          <p:nvPr/>
+        </p:nvCxnSpPr>
+        <p:spPr bwMode="auto">
+          <a:xfrm flipH="1" flipV="1">
+            <a:off x="6673014" y="5557788"/>
+            <a:ext cx="116602" cy="158266"/>
+          </a:xfrm>
+          <a:prstGeom prst="line">
+            <a:avLst/>
+          </a:prstGeom>
+          <a:solidFill>
+            <a:schemeClr val="accent1"/>
+          </a:solidFill>
+          <a:ln w="19050" cap="flat" cmpd="sng" algn="ctr">
+            <a:solidFill>
+              <a:schemeClr val="tx1"/>
+            </a:solidFill>
+            <a:prstDash val="solid"/>
+            <a:round/>
+            <a:headEnd type="none" w="med" len="med"/>
+            <a:tailEnd type="none" w="med" len="med"/>
+          </a:ln>
+          <a:effectLst/>
+        </p:spPr>
+      </p:cxnSp>
+      <p:cxnSp>
+        <p:nvCxnSpPr>
+          <p:cNvPr id="32" name="Straight Connector 31"/>
+          <p:cNvCxnSpPr/>
+          <p:nvPr/>
+        </p:nvCxnSpPr>
+        <p:spPr bwMode="auto">
+          <a:xfrm flipV="1">
+            <a:off x="5294937" y="5537031"/>
+            <a:ext cx="116601" cy="203419"/>
+          </a:xfrm>
+          <a:prstGeom prst="line">
+            <a:avLst/>
+          </a:prstGeom>
+          <a:solidFill>
+            <a:schemeClr val="accent1"/>
+          </a:solidFill>
+          <a:ln w="19050" cap="flat" cmpd="sng" algn="ctr">
+            <a:solidFill>
+              <a:schemeClr val="tx1"/>
+            </a:solidFill>
+            <a:prstDash val="solid"/>
+            <a:round/>
+            <a:headEnd type="none" w="med" len="med"/>
+            <a:tailEnd type="none" w="med" len="med"/>
+          </a:ln>
+          <a:effectLst/>
+        </p:spPr>
+      </p:cxnSp>
+      <p:cxnSp>
+        <p:nvCxnSpPr>
+          <p:cNvPr id="34" name="Straight Connector 33"/>
+          <p:cNvCxnSpPr/>
+          <p:nvPr/>
+        </p:nvCxnSpPr>
+        <p:spPr bwMode="auto">
+          <a:xfrm flipV="1">
+            <a:off x="6689636" y="1706255"/>
+            <a:ext cx="116601" cy="158266"/>
+          </a:xfrm>
+          <a:prstGeom prst="line">
+            <a:avLst/>
+          </a:prstGeom>
+          <a:solidFill>
+            <a:schemeClr val="accent1"/>
+          </a:solidFill>
+          <a:ln w="19050" cap="flat" cmpd="sng" algn="ctr">
+            <a:solidFill>
+              <a:schemeClr val="tx1"/>
+            </a:solidFill>
+            <a:prstDash val="solid"/>
+            <a:round/>
+            <a:headEnd type="none" w="med" len="med"/>
+            <a:tailEnd type="none" w="med" len="med"/>
+          </a:ln>
+          <a:effectLst/>
+        </p:spPr>
+      </p:cxnSp>
+    </p:spTree>
+    <p:extLst>
+      <p:ext uri="{BB962C8B-B14F-4D97-AF65-F5344CB8AC3E}">
+        <p14:creationId xmlns:p14="http://schemas.microsoft.com/office/powerpoint/2010/main" val="4228569513"/>
+      </p:ext>
+    </p:extLst>
+  </p:cSld>
+  <p:clrMapOvr>
+    <a:masterClrMapping/>
+  </p:clrMapOvr>
+  <mc:AlternateContent xmlns:mc="http://schemas.openxmlformats.org/markup-compatibility/2006">
+    <mc:Choice xmlns:p14="http://schemas.microsoft.com/office/powerpoint/2010/main" Requires="p14">
+      <p:transition spd="slow" p14:dur="2000" advTm="7865"/>
+    </mc:Choice>
+    <mc:Fallback>
+      <p:transition spd="slow" advTm="7865"/>
+    </mc:Fallback>
+  </mc:AlternateContent>
+  <p:timing>
+    <p:tnLst>
+      <p:par>
+        <p:cTn id="1" dur="indefinite" restart="never" nodeType="tmRoot"/>
+      </p:par>
+    </p:tnLst>
+  </p:timing>
+</p:sld>
+</file>
+
+<file path=ppt/slides/slide7.xml><?xml version="1.0" encoding="utf-8"?>
+<p:sld xmlns:a="http://schemas.openxmlformats.org/drawingml/2006/main" xmlns:r="http://schemas.openxmlformats.org/officeDocument/2006/relationships" xmlns:p="http://schemas.openxmlformats.org/presentationml/2006/main">
+  <p:cSld>
+    <p:spTree>
+      <p:nvGrpSpPr>
+        <p:cNvPr id="1" name=""/>
+        <p:cNvGrpSpPr/>
+        <p:nvPr/>
+      </p:nvGrpSpPr>
+      <p:grpSpPr>
+        <a:xfrm>
+          <a:off x="0" y="0"/>
+          <a:ext cx="0" cy="0"/>
+          <a:chOff x="0" y="0"/>
+          <a:chExt cx="0" cy="0"/>
+        </a:xfrm>
+      </p:grpSpPr>
+      <p:sp>
+        <p:nvSpPr>
+          <p:cNvPr id="2" name="Title 1"/>
+          <p:cNvSpPr>
+            <a:spLocks noGrp="1"/>
+          </p:cNvSpPr>
+          <p:nvPr>
+            <p:ph type="title"/>
+          </p:nvPr>
+        </p:nvSpPr>
+        <p:spPr/>
+        <p:txBody>
+          <a:bodyPr/>
+          <a:lstStyle/>
+          <a:p>
+            <a:r>
+              <a:rPr lang="de-DE" dirty="0" smtClean="0"/>
+              <a:t>Voice Coil Actuator</a:t>
+            </a:r>
+            <a:endParaRPr lang="de-DE" dirty="0"/>
+          </a:p>
+        </p:txBody>
+      </p:sp>
+      <p:sp>
+        <p:nvSpPr>
+          <p:cNvPr id="3" name="Content Placeholder 2"/>
+          <p:cNvSpPr>
+            <a:spLocks noGrp="1"/>
+          </p:cNvSpPr>
+          <p:nvPr>
+            <p:ph idx="1"/>
+          </p:nvPr>
+        </p:nvSpPr>
+        <p:spPr/>
+        <p:txBody>
+          <a:bodyPr/>
+          <a:lstStyle/>
+          <a:p>
+            <a:r>
+              <a:rPr lang="de-DE" dirty="0" smtClean="0"/>
+              <a:t>Dynamics of intervening linkages, joints, and cables distort the output of the motors </a:t>
+            </a:r>
+            <a:r>
+              <a:rPr lang="de-DE" dirty="0" smtClean="0">
+                <a:sym typeface="Wingdings" panose="05000000000000000000" pitchFamily="2" charset="2"/>
+              </a:rPr>
+              <a:t> interferes especially with the display of high freqency vibrations </a:t>
+            </a:r>
+            <a:r>
+              <a:rPr lang="de-DE" dirty="0" smtClean="0">
+                <a:sym typeface="Wingdings" panose="05000000000000000000" pitchFamily="2" charset="2"/>
+              </a:rPr>
+              <a:t>*</a:t>
+            </a:r>
+          </a:p>
+          <a:p>
+            <a:endParaRPr lang="de-DE" dirty="0" smtClean="0">
+              <a:sym typeface="Wingdings" panose="05000000000000000000" pitchFamily="2" charset="2"/>
+            </a:endParaRPr>
+          </a:p>
+          <a:p>
+            <a:r>
+              <a:rPr lang="de-DE" dirty="0" smtClean="0">
+                <a:sym typeface="Wingdings" panose="05000000000000000000" pitchFamily="2" charset="2"/>
+              </a:rPr>
+              <a:t>Generates </a:t>
+            </a:r>
+            <a:r>
+              <a:rPr lang="de-DE" dirty="0" smtClean="0">
+                <a:sym typeface="Wingdings" panose="05000000000000000000" pitchFamily="2" charset="2"/>
+              </a:rPr>
+              <a:t>vibrotactile </a:t>
+            </a:r>
+            <a:r>
+              <a:rPr lang="de-DE" dirty="0" smtClean="0">
+                <a:sym typeface="Wingdings" panose="05000000000000000000" pitchFamily="2" charset="2"/>
+              </a:rPr>
+              <a:t>frequencies (</a:t>
+            </a:r>
+            <a:r>
+              <a:rPr lang="de-DE" dirty="0" smtClean="0">
+                <a:sym typeface="Wingdings" panose="05000000000000000000" pitchFamily="2" charset="2"/>
+              </a:rPr>
+              <a:t>20-1000 Hz) in real </a:t>
+            </a:r>
+            <a:r>
+              <a:rPr lang="de-DE" dirty="0" smtClean="0">
+                <a:sym typeface="Wingdings" panose="05000000000000000000" pitchFamily="2" charset="2"/>
+              </a:rPr>
+              <a:t>time</a:t>
+            </a:r>
+          </a:p>
+          <a:p>
+            <a:endParaRPr lang="de-DE" dirty="0" smtClean="0">
+              <a:sym typeface="Wingdings" panose="05000000000000000000" pitchFamily="2" charset="2"/>
+            </a:endParaRPr>
+          </a:p>
+          <a:p>
+            <a:r>
+              <a:rPr lang="de-DE" dirty="0" smtClean="0"/>
+              <a:t>Play acceleration file with the Bass library</a:t>
+            </a:r>
+          </a:p>
+        </p:txBody>
+      </p:sp>
+      <p:sp>
+        <p:nvSpPr>
+          <p:cNvPr id="4" name="Date Placeholder 3"/>
+          <p:cNvSpPr>
+            <a:spLocks noGrp="1"/>
+          </p:cNvSpPr>
+          <p:nvPr>
+            <p:ph type="dt" sz="half" idx="10"/>
+          </p:nvPr>
+        </p:nvSpPr>
+        <p:spPr/>
+        <p:txBody>
+          <a:bodyPr/>
+          <a:lstStyle/>
+          <a:p>
+            <a:fld id="{FECD2DDB-206B-45E9-808A-D2127E2D09BF}" type="datetime1">
+              <a:rPr lang="de-DE" noProof="0" smtClean="0"/>
+              <a:t>06.08.2015</a:t>
+            </a:fld>
+            <a:endParaRPr lang="en-US" noProof="0"/>
+          </a:p>
+        </p:txBody>
+      </p:sp>
+      <p:sp>
+        <p:nvSpPr>
+          <p:cNvPr id="5" name="Footer Placeholder 4"/>
+          <p:cNvSpPr>
+            <a:spLocks noGrp="1"/>
+          </p:cNvSpPr>
+          <p:nvPr>
+            <p:ph type="ftr" sz="quarter" idx="11"/>
+          </p:nvPr>
+        </p:nvSpPr>
+        <p:spPr/>
+        <p:txBody>
+          <a:bodyPr/>
+          <a:lstStyle/>
+          <a:p>
+            <a:r>
+              <a:rPr lang="en-US" noProof="0" smtClean="0"/>
+              <a:t>Computational Haptics Laboratory -  Final Presentation</a:t>
+            </a:r>
+            <a:endParaRPr lang="en-US" noProof="0" dirty="0"/>
+          </a:p>
+        </p:txBody>
+      </p:sp>
+      <p:sp>
+        <p:nvSpPr>
+          <p:cNvPr id="6" name="Slide Number Placeholder 5"/>
+          <p:cNvSpPr>
+            <a:spLocks noGrp="1"/>
+          </p:cNvSpPr>
+          <p:nvPr>
+            <p:ph type="sldNum" sz="quarter" idx="12"/>
+          </p:nvPr>
+        </p:nvSpPr>
+        <p:spPr/>
+        <p:txBody>
+          <a:bodyPr/>
+          <a:lstStyle/>
+          <a:p>
+            <a:fld id="{17CC94CD-1FE7-0C44-80F4-2964C2C99554}" type="slidenum">
+              <a:rPr lang="en-US" noProof="0" smtClean="0"/>
+              <a:pPr/>
+              <a:t>7</a:t>
+            </a:fld>
+            <a:endParaRPr lang="en-US" noProof="0"/>
+          </a:p>
+        </p:txBody>
+      </p:sp>
+      <p:sp>
+        <p:nvSpPr>
+          <p:cNvPr id="7" name="TextBox 6"/>
+          <p:cNvSpPr txBox="1"/>
+          <p:nvPr/>
+        </p:nvSpPr>
+        <p:spPr>
+          <a:xfrm>
+            <a:off x="735138" y="6858000"/>
+            <a:ext cx="6892120" cy="461665"/>
+          </a:xfrm>
+          <a:prstGeom prst="rect">
+            <a:avLst/>
+          </a:prstGeom>
+          <a:noFill/>
+        </p:spPr>
+        <p:txBody>
+          <a:bodyPr wrap="square" rtlCol="0">
+            <a:spAutoFit/>
+          </a:bodyPr>
+          <a:lstStyle/>
+          <a:p>
+            <a:r>
+              <a:rPr lang="de-DE" sz="800" dirty="0"/>
+              <a:t>https://books.google.de/books?id=MMeaI1TMvyMC&amp;pg=PA256&amp;lpg=PA256&amp;dq=phantom+omni+voice+coil&amp;source=bl&amp;ots=xb_XcUQzxx&amp;sig=kQPPNpT3BscUGyFQ3oj-Q3hHIPo&amp;hl=de&amp;sa=X&amp;ved=0CCUQ6AEwAGoVChMIn7qNgeCNxwIVxAiSCh1a-AJU#v=onepage&amp;q=phantom%20omni%20voice%20coil&amp;f=false</a:t>
+            </a:r>
+          </a:p>
+        </p:txBody>
+      </p:sp>
+      <p:sp>
+        <p:nvSpPr>
+          <p:cNvPr id="8" name="TextBox 7"/>
+          <p:cNvSpPr txBox="1"/>
+          <p:nvPr/>
+        </p:nvSpPr>
+        <p:spPr>
+          <a:xfrm>
+            <a:off x="4667536" y="5923970"/>
+            <a:ext cx="3684896" cy="246221"/>
+          </a:xfrm>
+          <a:prstGeom prst="rect">
+            <a:avLst/>
+          </a:prstGeom>
+          <a:noFill/>
+        </p:spPr>
+        <p:txBody>
+          <a:bodyPr wrap="square" rtlCol="0">
+            <a:spAutoFit/>
+          </a:bodyPr>
+          <a:lstStyle/>
+          <a:p>
+            <a:pPr algn="l"/>
+            <a:r>
+              <a:rPr lang="en-US" sz="1000" dirty="0" smtClean="0"/>
+              <a:t>* Robotics Research, The </a:t>
+            </a:r>
+            <a:r>
+              <a:rPr lang="en-US" sz="1000" dirty="0"/>
+              <a:t>14th International Symposium ISRR</a:t>
+            </a:r>
+            <a:endParaRPr lang="de-DE" sz="1000" dirty="0"/>
+          </a:p>
+        </p:txBody>
+      </p:sp>
+    </p:spTree>
+    <p:extLst>
+      <p:ext uri="{BB962C8B-B14F-4D97-AF65-F5344CB8AC3E}">
+        <p14:creationId xmlns:p14="http://schemas.microsoft.com/office/powerpoint/2010/main" val="271175688"/>
+      </p:ext>
+    </p:extLst>
+  </p:cSld>
+  <p:clrMapOvr>
+    <a:masterClrMapping/>
+  </p:clrMapOvr>
+  <mc:AlternateContent xmlns:mc="http://schemas.openxmlformats.org/markup-compatibility/2006">
+    <mc:Choice xmlns:p14="http://schemas.microsoft.com/office/powerpoint/2010/main" Requires="p14">
+      <p:transition spd="slow" p14:dur="2000" advTm="55966"/>
+    </mc:Choice>
+    <mc:Fallback>
+      <p:transition spd="slow" advTm="55966"/>
+    </mc:Fallback>
+  </mc:AlternateContent>
+  <p:timing>
+    <p:tnLst>
+      <p:par>
+        <p:cTn id="1" dur="indefinite" restart="never" nodeType="tmRoot"/>
+      </p:par>
+    </p:tnLst>
+  </p:timing>
+</p:sld>
+</file>
+
+<file path=ppt/slides/slide8.xml><?xml version="1.0" encoding="utf-8"?>
+<p:sld xmlns:a="http://schemas.openxmlformats.org/drawingml/2006/main" xmlns:r="http://schemas.openxmlformats.org/officeDocument/2006/relationships" xmlns:p="http://schemas.openxmlformats.org/presentationml/2006/main">
+  <p:cSld>
+    <p:spTree>
+      <p:nvGrpSpPr>
+        <p:cNvPr id="1" name=""/>
+        <p:cNvGrpSpPr/>
+        <p:nvPr/>
+      </p:nvGrpSpPr>
+      <p:grpSpPr>
+        <a:xfrm>
+          <a:off x="0" y="0"/>
+          <a:ext cx="0" cy="0"/>
+          <a:chOff x="0" y="0"/>
+          <a:chExt cx="0" cy="0"/>
+        </a:xfrm>
+      </p:grpSpPr>
+      <p:sp>
+        <p:nvSpPr>
+          <p:cNvPr id="2" name="Title 1"/>
+          <p:cNvSpPr>
+            <a:spLocks noGrp="1"/>
+          </p:cNvSpPr>
+          <p:nvPr>
+            <p:ph type="title"/>
+          </p:nvPr>
+        </p:nvSpPr>
+        <p:spPr/>
+        <p:txBody>
+          <a:bodyPr/>
+          <a:lstStyle/>
+          <a:p>
+            <a:r>
+              <a:rPr lang="de-DE" dirty="0" smtClean="0"/>
+              <a:t>Force and Velocity measurements</a:t>
+            </a:r>
+            <a:endParaRPr lang="de-DE" dirty="0"/>
+          </a:p>
+        </p:txBody>
+      </p:sp>
+      <p:sp>
+        <p:nvSpPr>
+          <p:cNvPr id="4" name="Date Placeholder 3"/>
+          <p:cNvSpPr>
+            <a:spLocks noGrp="1"/>
+          </p:cNvSpPr>
+          <p:nvPr>
+            <p:ph type="dt" sz="half" idx="10"/>
+          </p:nvPr>
+        </p:nvSpPr>
+        <p:spPr/>
+        <p:txBody>
+          <a:bodyPr/>
+          <a:lstStyle/>
+          <a:p>
+            <a:fld id="{074B4897-EF2E-4EA8-A119-5E6F50DB72BC}" type="datetime1">
+              <a:rPr lang="de-DE" noProof="0" smtClean="0"/>
+              <a:t>06.08.2015</a:t>
+            </a:fld>
+            <a:endParaRPr lang="en-US" noProof="0"/>
+          </a:p>
+        </p:txBody>
+      </p:sp>
+      <p:sp>
+        <p:nvSpPr>
+          <p:cNvPr id="5" name="Footer Placeholder 4"/>
+          <p:cNvSpPr>
+            <a:spLocks noGrp="1"/>
+          </p:cNvSpPr>
+          <p:nvPr>
+            <p:ph type="ftr" sz="quarter" idx="11"/>
+          </p:nvPr>
+        </p:nvSpPr>
+        <p:spPr/>
+        <p:txBody>
+          <a:bodyPr/>
+          <a:lstStyle/>
+          <a:p>
+            <a:r>
+              <a:rPr lang="en-US" noProof="0" dirty="0" smtClean="0"/>
+              <a:t>Computational Haptics Laboratory -  Final Presentation</a:t>
+            </a:r>
+            <a:endParaRPr lang="en-US" noProof="0" dirty="0"/>
+          </a:p>
+        </p:txBody>
+      </p:sp>
+      <p:sp>
+        <p:nvSpPr>
+          <p:cNvPr id="6" name="Slide Number Placeholder 5"/>
+          <p:cNvSpPr>
+            <a:spLocks noGrp="1"/>
+          </p:cNvSpPr>
+          <p:nvPr>
+            <p:ph type="sldNum" sz="quarter" idx="12"/>
+          </p:nvPr>
+        </p:nvSpPr>
+        <p:spPr/>
+        <p:txBody>
+          <a:bodyPr/>
+          <a:lstStyle/>
+          <a:p>
+            <a:fld id="{17CC94CD-1FE7-0C44-80F4-2964C2C99554}" type="slidenum">
+              <a:rPr lang="en-US" noProof="0" smtClean="0"/>
+              <a:pPr/>
+              <a:t>8</a:t>
             </a:fld>
             <a:endParaRPr lang="en-US" noProof="0"/>
           </a:p>
@@ -15867,7 +20093,7 @@
 </p:sld>
 </file>
 
-<file path=ppt/slides/slide7.xml><?xml version="1.0" encoding="utf-8"?>
+<file path=ppt/slides/slide9.xml><?xml version="1.0" encoding="utf-8"?>
 <p:sld xmlns:a="http://schemas.openxmlformats.org/drawingml/2006/main" xmlns:r="http://schemas.openxmlformats.org/officeDocument/2006/relationships" xmlns:p="http://schemas.openxmlformats.org/presentationml/2006/main">
   <p:cSld>
     <p:spTree>
@@ -15922,9 +20148,9 @@
           <a:bodyPr/>
           <a:lstStyle/>
           <a:p>
-            <a:fld id="{C8AFF1F9-9510-4B10-82CE-48AF128FE261}" type="datetime1">
+            <a:fld id="{51D7D1E6-57ED-420E-82A3-F7D101CAD99A}" type="datetime1">
               <a:rPr lang="de-DE" noProof="0" smtClean="0"/>
-              <a:t>05.08.2015</a:t>
+              <a:t>06.08.2015</a:t>
             </a:fld>
             <a:endParaRPr lang="en-US" noProof="0"/>
           </a:p>
@@ -15971,7 +20197,7 @@
             <a:fld id="{17CC94CD-1FE7-0C44-80F4-2964C2C99554}" type="slidenum">
               <a:rPr lang="en-US" noProof="0" smtClean="0"/>
               <a:pPr/>
-              <a:t>7</a:t>
+              <a:t>9</a:t>
             </a:fld>
             <a:endParaRPr lang="en-US" noProof="0"/>
           </a:p>
@@ -17057,2271 +21283,6 @@
     </mc:Choice>
     <mc:Fallback>
       <p:transition spd="slow" advTm="28734"/>
-    </mc:Fallback>
-  </mc:AlternateContent>
-  <p:timing>
-    <p:tnLst>
-      <p:par>
-        <p:cTn id="1" dur="indefinite" restart="never" nodeType="tmRoot"/>
-      </p:par>
-    </p:tnLst>
-  </p:timing>
-</p:sld>
-</file>
-
-<file path=ppt/slides/slide8.xml><?xml version="1.0" encoding="utf-8"?>
-<p:sld xmlns:a="http://schemas.openxmlformats.org/drawingml/2006/main" xmlns:r="http://schemas.openxmlformats.org/officeDocument/2006/relationships" xmlns:p="http://schemas.openxmlformats.org/presentationml/2006/main">
-  <p:cSld>
-    <p:spTree>
-      <p:nvGrpSpPr>
-        <p:cNvPr id="1" name=""/>
-        <p:cNvGrpSpPr/>
-        <p:nvPr/>
-      </p:nvGrpSpPr>
-      <p:grpSpPr>
-        <a:xfrm>
-          <a:off x="0" y="0"/>
-          <a:ext cx="0" cy="0"/>
-          <a:chOff x="0" y="0"/>
-          <a:chExt cx="0" cy="0"/>
-        </a:xfrm>
-      </p:grpSpPr>
-      <p:sp>
-        <p:nvSpPr>
-          <p:cNvPr id="2" name="Title 1"/>
-          <p:cNvSpPr>
-            <a:spLocks noGrp="1"/>
-          </p:cNvSpPr>
-          <p:nvPr>
-            <p:ph type="title"/>
-          </p:nvPr>
-        </p:nvSpPr>
-        <p:spPr/>
-        <p:txBody>
-          <a:bodyPr/>
-          <a:lstStyle/>
-          <a:p>
-            <a:r>
-              <a:rPr lang="de-DE" dirty="0" smtClean="0"/>
-              <a:t>Force and Velocity: Approach 1</a:t>
-            </a:r>
-            <a:endParaRPr lang="de-DE" dirty="0"/>
-          </a:p>
-        </p:txBody>
-      </p:sp>
-      <p:sp>
-        <p:nvSpPr>
-          <p:cNvPr id="4" name="Date Placeholder 3"/>
-          <p:cNvSpPr>
-            <a:spLocks noGrp="1"/>
-          </p:cNvSpPr>
-          <p:nvPr>
-            <p:ph type="dt" sz="half" idx="10"/>
-          </p:nvPr>
-        </p:nvSpPr>
-        <p:spPr/>
-        <p:txBody>
-          <a:bodyPr/>
-          <a:lstStyle/>
-          <a:p>
-            <a:fld id="{C8AFF1F9-9510-4B10-82CE-48AF128FE261}" type="datetime1">
-              <a:rPr lang="de-DE" noProof="0" smtClean="0"/>
-              <a:t>05.08.2015</a:t>
-            </a:fld>
-            <a:endParaRPr lang="en-US" noProof="0"/>
-          </a:p>
-        </p:txBody>
-      </p:sp>
-      <p:sp>
-        <p:nvSpPr>
-          <p:cNvPr id="5" name="Footer Placeholder 4"/>
-          <p:cNvSpPr>
-            <a:spLocks noGrp="1"/>
-          </p:cNvSpPr>
-          <p:nvPr>
-            <p:ph type="ftr" sz="quarter" idx="11"/>
-          </p:nvPr>
-        </p:nvSpPr>
-        <p:spPr/>
-        <p:txBody>
-          <a:bodyPr/>
-          <a:lstStyle/>
-          <a:p>
-            <a:r>
-              <a:rPr lang="en-US" noProof="0" smtClean="0"/>
-              <a:t>Computational Haptics Laboratory -  Final Presentation</a:t>
-            </a:r>
-            <a:endParaRPr lang="en-US" noProof="0" dirty="0"/>
-          </a:p>
-        </p:txBody>
-      </p:sp>
-      <p:sp>
-        <p:nvSpPr>
-          <p:cNvPr id="6" name="Slide Number Placeholder 5"/>
-          <p:cNvSpPr>
-            <a:spLocks noGrp="1"/>
-          </p:cNvSpPr>
-          <p:nvPr>
-            <p:ph type="sldNum" sz="quarter" idx="12"/>
-          </p:nvPr>
-        </p:nvSpPr>
-        <p:spPr/>
-        <p:txBody>
-          <a:bodyPr/>
-          <a:lstStyle/>
-          <a:p>
-            <a:fld id="{17CC94CD-1FE7-0C44-80F4-2964C2C99554}" type="slidenum">
-              <a:rPr lang="en-US" noProof="0" smtClean="0"/>
-              <a:pPr/>
-              <a:t>8</a:t>
-            </a:fld>
-            <a:endParaRPr lang="en-US" noProof="0"/>
-          </a:p>
-        </p:txBody>
-      </p:sp>
-      <p:grpSp>
-        <p:nvGrpSpPr>
-          <p:cNvPr id="14" name="Group 13"/>
-          <p:cNvGrpSpPr/>
-          <p:nvPr/>
-        </p:nvGrpSpPr>
-        <p:grpSpPr>
-          <a:xfrm>
-            <a:off x="894211" y="3114675"/>
-            <a:ext cx="5430389" cy="2699728"/>
-            <a:chOff x="1599062" y="1719618"/>
-            <a:chExt cx="6166513" cy="3769056"/>
-          </a:xfrm>
-        </p:grpSpPr>
-        <p:cxnSp>
-          <p:nvCxnSpPr>
-            <p:cNvPr id="8" name="Straight Arrow Connector 7"/>
-            <p:cNvCxnSpPr/>
-            <p:nvPr/>
-          </p:nvCxnSpPr>
-          <p:spPr bwMode="auto">
-            <a:xfrm>
-              <a:off x="1599062" y="5488674"/>
-              <a:ext cx="6166513" cy="0"/>
-            </a:xfrm>
-            <a:prstGeom prst="straightConnector1">
-              <a:avLst/>
-            </a:prstGeom>
-            <a:solidFill>
-              <a:schemeClr val="accent1"/>
-            </a:solidFill>
-            <a:ln w="57150" cap="flat" cmpd="sng" algn="ctr">
-              <a:solidFill>
-                <a:schemeClr val="tx1"/>
-              </a:solidFill>
-              <a:prstDash val="solid"/>
-              <a:round/>
-              <a:headEnd type="none" w="med" len="med"/>
-              <a:tailEnd type="arrow"/>
-            </a:ln>
-            <a:effectLst/>
-          </p:spPr>
-        </p:cxnSp>
-        <p:cxnSp>
-          <p:nvCxnSpPr>
-            <p:cNvPr id="10" name="Straight Arrow Connector 9"/>
-            <p:cNvCxnSpPr/>
-            <p:nvPr/>
-          </p:nvCxnSpPr>
-          <p:spPr bwMode="auto">
-            <a:xfrm flipV="1">
-              <a:off x="1599062" y="1719618"/>
-              <a:ext cx="0" cy="3769056"/>
-            </a:xfrm>
-            <a:prstGeom prst="straightConnector1">
-              <a:avLst/>
-            </a:prstGeom>
-            <a:solidFill>
-              <a:schemeClr val="accent1"/>
-            </a:solidFill>
-            <a:ln w="57150" cap="flat" cmpd="sng" algn="ctr">
-              <a:solidFill>
-                <a:schemeClr val="tx1"/>
-              </a:solidFill>
-              <a:prstDash val="solid"/>
-              <a:round/>
-              <a:headEnd type="none" w="med" len="med"/>
-              <a:tailEnd type="arrow"/>
-            </a:ln>
-            <a:effectLst/>
-          </p:spPr>
-        </p:cxnSp>
-      </p:grpSp>
-      <p:sp>
-        <p:nvSpPr>
-          <p:cNvPr id="15" name="TextBox 14"/>
-          <p:cNvSpPr txBox="1"/>
-          <p:nvPr/>
-        </p:nvSpPr>
-        <p:spPr>
-          <a:xfrm>
-            <a:off x="163116" y="2714565"/>
-            <a:ext cx="1228299" cy="400110"/>
-          </a:xfrm>
-          <a:prstGeom prst="rect">
-            <a:avLst/>
-          </a:prstGeom>
-          <a:noFill/>
-        </p:spPr>
-        <p:txBody>
-          <a:bodyPr wrap="square" rtlCol="0">
-            <a:spAutoFit/>
-          </a:bodyPr>
-          <a:lstStyle/>
-          <a:p>
-            <a:pPr algn="l"/>
-            <a:r>
-              <a:rPr lang="de-DE" dirty="0" smtClean="0"/>
-              <a:t>Velocity</a:t>
-            </a:r>
-            <a:endParaRPr lang="de-DE" dirty="0"/>
-          </a:p>
-        </p:txBody>
-      </p:sp>
-      <p:sp>
-        <p:nvSpPr>
-          <p:cNvPr id="16" name="TextBox 15"/>
-          <p:cNvSpPr txBox="1"/>
-          <p:nvPr/>
-        </p:nvSpPr>
-        <p:spPr>
-          <a:xfrm>
-            <a:off x="6129778" y="5940626"/>
-            <a:ext cx="1228299" cy="400110"/>
-          </a:xfrm>
-          <a:prstGeom prst="rect">
-            <a:avLst/>
-          </a:prstGeom>
-          <a:noFill/>
-        </p:spPr>
-        <p:txBody>
-          <a:bodyPr wrap="square" rtlCol="0">
-            <a:spAutoFit/>
-          </a:bodyPr>
-          <a:lstStyle/>
-          <a:p>
-            <a:pPr algn="l"/>
-            <a:r>
-              <a:rPr lang="de-DE" dirty="0" smtClean="0"/>
-              <a:t>Force</a:t>
-            </a:r>
-            <a:endParaRPr lang="de-DE" dirty="0"/>
-          </a:p>
-        </p:txBody>
-      </p:sp>
-      <p:grpSp>
-        <p:nvGrpSpPr>
-          <p:cNvPr id="24" name="Group 23"/>
-          <p:cNvGrpSpPr/>
-          <p:nvPr/>
-        </p:nvGrpSpPr>
-        <p:grpSpPr>
-          <a:xfrm>
-            <a:off x="916436" y="3586160"/>
-            <a:ext cx="4694583" cy="2188495"/>
-            <a:chOff x="1632399" y="482643"/>
-            <a:chExt cx="5827596" cy="4406856"/>
-          </a:xfrm>
-        </p:grpSpPr>
-        <p:sp>
-          <p:nvSpPr>
-            <p:cNvPr id="17" name="Rectangle 16"/>
-            <p:cNvSpPr/>
-            <p:nvPr/>
-          </p:nvSpPr>
-          <p:spPr bwMode="auto">
-            <a:xfrm>
-              <a:off x="1632399" y="482643"/>
-              <a:ext cx="5827596" cy="881371"/>
-            </a:xfrm>
-            <a:prstGeom prst="rect">
-              <a:avLst/>
-            </a:prstGeom>
-            <a:solidFill>
-              <a:schemeClr val="tx1">
-                <a:lumMod val="75000"/>
-                <a:lumOff val="25000"/>
-              </a:schemeClr>
-            </a:solidFill>
-            <a:ln w="9525" cap="flat" cmpd="sng" algn="ctr">
-              <a:solidFill>
-                <a:schemeClr val="tx1">
-                  <a:lumMod val="65000"/>
-                  <a:lumOff val="35000"/>
-                </a:schemeClr>
-              </a:solidFill>
-              <a:prstDash val="solid"/>
-              <a:round/>
-              <a:headEnd type="none" w="med" len="med"/>
-              <a:tailEnd type="none" w="med" len="med"/>
-            </a:ln>
-            <a:effectLst/>
-          </p:spPr>
-          <p:txBody>
-            <a:bodyPr vert="horz" wrap="square" lIns="91440" tIns="45720" rIns="91440" bIns="45720" numCol="1" rtlCol="0" anchor="t" anchorCtr="0" compatLnSpc="1">
-              <a:prstTxWarp prst="textNoShape">
-                <a:avLst/>
-              </a:prstTxWarp>
-            </a:bodyPr>
-            <a:lstStyle/>
-            <a:p>
-              <a:pPr marL="0" marR="0" indent="0" algn="r" defTabSz="914400" rtl="0" eaLnBrk="0" fontAlgn="base" latinLnBrk="0" hangingPunct="0">
-                <a:lnSpc>
-                  <a:spcPct val="100000"/>
-                </a:lnSpc>
-                <a:spcBef>
-                  <a:spcPct val="0"/>
-                </a:spcBef>
-                <a:spcAft>
-                  <a:spcPct val="0"/>
-                </a:spcAft>
-                <a:buClrTx/>
-                <a:buSzTx/>
-                <a:buFontTx/>
-                <a:buNone/>
-                <a:tabLst/>
-              </a:pPr>
-              <a:endParaRPr kumimoji="0" lang="de-DE" sz="2000" b="0" i="0" u="none" strike="noStrike" cap="none" normalizeH="0" baseline="0" smtClean="0">
-                <a:ln>
-                  <a:noFill/>
-                </a:ln>
-                <a:solidFill>
-                  <a:schemeClr val="tx1"/>
-                </a:solidFill>
-                <a:effectLst/>
-                <a:latin typeface="Arial" pitchFamily="34" charset="0"/>
-              </a:endParaRPr>
-            </a:p>
-          </p:txBody>
-        </p:sp>
-        <p:sp>
-          <p:nvSpPr>
-            <p:cNvPr id="20" name="Rectangle 19"/>
-            <p:cNvSpPr/>
-            <p:nvPr/>
-          </p:nvSpPr>
-          <p:spPr bwMode="auto">
-            <a:xfrm>
-              <a:off x="1632399" y="4008128"/>
-              <a:ext cx="5827596" cy="881371"/>
-            </a:xfrm>
-            <a:prstGeom prst="rect">
-              <a:avLst/>
-            </a:prstGeom>
-            <a:solidFill>
-              <a:schemeClr val="bg1">
-                <a:lumMod val="95000"/>
-              </a:schemeClr>
-            </a:solidFill>
-            <a:ln w="9525" cap="flat" cmpd="sng" algn="ctr">
-              <a:solidFill>
-                <a:schemeClr val="bg1">
-                  <a:lumMod val="95000"/>
-                </a:schemeClr>
-              </a:solidFill>
-              <a:prstDash val="solid"/>
-              <a:round/>
-              <a:headEnd type="none" w="med" len="med"/>
-              <a:tailEnd type="none" w="med" len="med"/>
-            </a:ln>
-            <a:effectLst/>
-          </p:spPr>
-          <p:txBody>
-            <a:bodyPr vert="horz" wrap="square" lIns="91440" tIns="45720" rIns="91440" bIns="45720" numCol="1" rtlCol="0" anchor="t" anchorCtr="0" compatLnSpc="1">
-              <a:prstTxWarp prst="textNoShape">
-                <a:avLst/>
-              </a:prstTxWarp>
-            </a:bodyPr>
-            <a:lstStyle/>
-            <a:p>
-              <a:pPr marL="0" marR="0" indent="0" algn="r" defTabSz="914400" rtl="0" eaLnBrk="0" fontAlgn="base" latinLnBrk="0" hangingPunct="0">
-                <a:lnSpc>
-                  <a:spcPct val="100000"/>
-                </a:lnSpc>
-                <a:spcBef>
-                  <a:spcPct val="0"/>
-                </a:spcBef>
-                <a:spcAft>
-                  <a:spcPct val="0"/>
-                </a:spcAft>
-                <a:buClrTx/>
-                <a:buSzTx/>
-                <a:buFontTx/>
-                <a:buNone/>
-                <a:tabLst/>
-              </a:pPr>
-              <a:endParaRPr kumimoji="0" lang="de-DE" sz="2000" b="0" i="0" u="none" strike="noStrike" cap="none" normalizeH="0" baseline="0" smtClean="0">
-                <a:ln>
-                  <a:noFill/>
-                </a:ln>
-                <a:solidFill>
-                  <a:schemeClr val="tx1"/>
-                </a:solidFill>
-                <a:effectLst/>
-                <a:latin typeface="Arial" pitchFamily="34" charset="0"/>
-              </a:endParaRPr>
-            </a:p>
-          </p:txBody>
-        </p:sp>
-        <p:sp>
-          <p:nvSpPr>
-            <p:cNvPr id="21" name="Rectangle 20"/>
-            <p:cNvSpPr/>
-            <p:nvPr/>
-          </p:nvSpPr>
-          <p:spPr bwMode="auto">
-            <a:xfrm>
-              <a:off x="1632399" y="3126757"/>
-              <a:ext cx="5827596" cy="881371"/>
-            </a:xfrm>
-            <a:prstGeom prst="rect">
-              <a:avLst/>
-            </a:prstGeom>
-            <a:solidFill>
-              <a:schemeClr val="bg1">
-                <a:lumMod val="85000"/>
-              </a:schemeClr>
-            </a:solidFill>
-            <a:ln w="9525" cap="flat" cmpd="sng" algn="ctr">
-              <a:solidFill>
-                <a:schemeClr val="bg1">
-                  <a:lumMod val="85000"/>
-                </a:schemeClr>
-              </a:solidFill>
-              <a:prstDash val="solid"/>
-              <a:round/>
-              <a:headEnd type="none" w="med" len="med"/>
-              <a:tailEnd type="none" w="med" len="med"/>
-            </a:ln>
-            <a:effectLst/>
-          </p:spPr>
-          <p:txBody>
-            <a:bodyPr vert="horz" wrap="square" lIns="91440" tIns="45720" rIns="91440" bIns="45720" numCol="1" rtlCol="0" anchor="t" anchorCtr="0" compatLnSpc="1">
-              <a:prstTxWarp prst="textNoShape">
-                <a:avLst/>
-              </a:prstTxWarp>
-            </a:bodyPr>
-            <a:lstStyle/>
-            <a:p>
-              <a:pPr marL="0" marR="0" indent="0" algn="r" defTabSz="914400" rtl="0" eaLnBrk="0" fontAlgn="base" latinLnBrk="0" hangingPunct="0">
-                <a:lnSpc>
-                  <a:spcPct val="100000"/>
-                </a:lnSpc>
-                <a:spcBef>
-                  <a:spcPct val="0"/>
-                </a:spcBef>
-                <a:spcAft>
-                  <a:spcPct val="0"/>
-                </a:spcAft>
-                <a:buClrTx/>
-                <a:buSzTx/>
-                <a:buFontTx/>
-                <a:buNone/>
-                <a:tabLst/>
-              </a:pPr>
-              <a:endParaRPr kumimoji="0" lang="de-DE" sz="2000" b="0" i="0" u="none" strike="noStrike" cap="none" normalizeH="0" baseline="0" smtClean="0">
-                <a:ln>
-                  <a:noFill/>
-                </a:ln>
-                <a:solidFill>
-                  <a:schemeClr val="tx1"/>
-                </a:solidFill>
-                <a:effectLst/>
-                <a:latin typeface="Arial" pitchFamily="34" charset="0"/>
-              </a:endParaRPr>
-            </a:p>
-          </p:txBody>
-        </p:sp>
-        <p:sp>
-          <p:nvSpPr>
-            <p:cNvPr id="22" name="Rectangle 21"/>
-            <p:cNvSpPr/>
-            <p:nvPr/>
-          </p:nvSpPr>
-          <p:spPr bwMode="auto">
-            <a:xfrm>
-              <a:off x="1632399" y="2245385"/>
-              <a:ext cx="5827596" cy="881371"/>
-            </a:xfrm>
-            <a:prstGeom prst="rect">
-              <a:avLst/>
-            </a:prstGeom>
-            <a:solidFill>
-              <a:schemeClr val="bg1">
-                <a:lumMod val="65000"/>
-              </a:schemeClr>
-            </a:solidFill>
-            <a:ln w="9525" cap="flat" cmpd="sng" algn="ctr">
-              <a:solidFill>
-                <a:schemeClr val="bg1">
-                  <a:lumMod val="65000"/>
-                </a:schemeClr>
-              </a:solidFill>
-              <a:prstDash val="solid"/>
-              <a:round/>
-              <a:headEnd type="none" w="med" len="med"/>
-              <a:tailEnd type="none" w="med" len="med"/>
-            </a:ln>
-            <a:effectLst/>
-          </p:spPr>
-          <p:txBody>
-            <a:bodyPr vert="horz" wrap="square" lIns="91440" tIns="45720" rIns="91440" bIns="45720" numCol="1" rtlCol="0" anchor="t" anchorCtr="0" compatLnSpc="1">
-              <a:prstTxWarp prst="textNoShape">
-                <a:avLst/>
-              </a:prstTxWarp>
-            </a:bodyPr>
-            <a:lstStyle/>
-            <a:p>
-              <a:pPr marL="0" marR="0" indent="0" algn="r" defTabSz="914400" rtl="0" eaLnBrk="0" fontAlgn="base" latinLnBrk="0" hangingPunct="0">
-                <a:lnSpc>
-                  <a:spcPct val="100000"/>
-                </a:lnSpc>
-                <a:spcBef>
-                  <a:spcPct val="0"/>
-                </a:spcBef>
-                <a:spcAft>
-                  <a:spcPct val="0"/>
-                </a:spcAft>
-                <a:buClrTx/>
-                <a:buSzTx/>
-                <a:buFontTx/>
-                <a:buNone/>
-                <a:tabLst/>
-              </a:pPr>
-              <a:endParaRPr kumimoji="0" lang="de-DE" sz="2000" b="0" i="0" u="none" strike="noStrike" cap="none" normalizeH="0" baseline="0" smtClean="0">
-                <a:ln>
-                  <a:noFill/>
-                </a:ln>
-                <a:solidFill>
-                  <a:schemeClr val="tx1"/>
-                </a:solidFill>
-                <a:effectLst/>
-                <a:latin typeface="Arial" pitchFamily="34" charset="0"/>
-              </a:endParaRPr>
-            </a:p>
-          </p:txBody>
-        </p:sp>
-        <p:sp>
-          <p:nvSpPr>
-            <p:cNvPr id="23" name="Rectangle 22"/>
-            <p:cNvSpPr/>
-            <p:nvPr/>
-          </p:nvSpPr>
-          <p:spPr bwMode="auto">
-            <a:xfrm>
-              <a:off x="1632399" y="1364014"/>
-              <a:ext cx="5827596" cy="881371"/>
-            </a:xfrm>
-            <a:prstGeom prst="rect">
-              <a:avLst/>
-            </a:prstGeom>
-            <a:solidFill>
-              <a:schemeClr val="tx1">
-                <a:lumMod val="50000"/>
-                <a:lumOff val="50000"/>
-              </a:schemeClr>
-            </a:solidFill>
-            <a:ln w="9525" cap="flat" cmpd="sng" algn="ctr">
-              <a:solidFill>
-                <a:schemeClr val="tx1">
-                  <a:lumMod val="50000"/>
-                  <a:lumOff val="50000"/>
-                </a:schemeClr>
-              </a:solidFill>
-              <a:prstDash val="solid"/>
-              <a:round/>
-              <a:headEnd type="none" w="med" len="med"/>
-              <a:tailEnd type="none" w="med" len="med"/>
-            </a:ln>
-            <a:effectLst/>
-          </p:spPr>
-          <p:txBody>
-            <a:bodyPr vert="horz" wrap="square" lIns="91440" tIns="45720" rIns="91440" bIns="45720" numCol="1" rtlCol="0" anchor="t" anchorCtr="0" compatLnSpc="1">
-              <a:prstTxWarp prst="textNoShape">
-                <a:avLst/>
-              </a:prstTxWarp>
-            </a:bodyPr>
-            <a:lstStyle/>
-            <a:p>
-              <a:pPr marL="0" marR="0" indent="0" algn="r" defTabSz="914400" rtl="0" eaLnBrk="0" fontAlgn="base" latinLnBrk="0" hangingPunct="0">
-                <a:lnSpc>
-                  <a:spcPct val="100000"/>
-                </a:lnSpc>
-                <a:spcBef>
-                  <a:spcPct val="0"/>
-                </a:spcBef>
-                <a:spcAft>
-                  <a:spcPct val="0"/>
-                </a:spcAft>
-                <a:buClrTx/>
-                <a:buSzTx/>
-                <a:buFontTx/>
-                <a:buNone/>
-                <a:tabLst/>
-              </a:pPr>
-              <a:endParaRPr kumimoji="0" lang="de-DE" sz="2000" b="0" i="0" u="none" strike="noStrike" cap="none" normalizeH="0" baseline="0" smtClean="0">
-                <a:ln>
-                  <a:noFill/>
-                </a:ln>
-                <a:solidFill>
-                  <a:schemeClr val="tx1"/>
-                </a:solidFill>
-                <a:effectLst/>
-                <a:latin typeface="Arial" pitchFamily="34" charset="0"/>
-              </a:endParaRPr>
-            </a:p>
-          </p:txBody>
-        </p:sp>
-      </p:grpSp>
-      <p:sp>
-        <p:nvSpPr>
-          <p:cNvPr id="25" name="TextBox 24"/>
-          <p:cNvSpPr txBox="1"/>
-          <p:nvPr/>
-        </p:nvSpPr>
-        <p:spPr>
-          <a:xfrm rot="16200000">
-            <a:off x="-613280" y="4374114"/>
-            <a:ext cx="2491475" cy="400110"/>
-          </a:xfrm>
-          <a:prstGeom prst="rect">
-            <a:avLst/>
-          </a:prstGeom>
-          <a:noFill/>
-        </p:spPr>
-        <p:txBody>
-          <a:bodyPr wrap="square" rtlCol="0">
-            <a:spAutoFit/>
-          </a:bodyPr>
-          <a:lstStyle/>
-          <a:p>
-            <a:pPr algn="ctr"/>
-            <a:r>
-              <a:rPr lang="de-DE" dirty="0" smtClean="0"/>
-              <a:t>Five discrete values</a:t>
-            </a:r>
-            <a:endParaRPr lang="de-DE" dirty="0"/>
-          </a:p>
-        </p:txBody>
-      </p:sp>
-      <p:sp>
-        <p:nvSpPr>
-          <p:cNvPr id="27" name="TextBox 26"/>
-          <p:cNvSpPr txBox="1"/>
-          <p:nvPr/>
-        </p:nvSpPr>
-        <p:spPr>
-          <a:xfrm>
-            <a:off x="1593102" y="5947803"/>
-            <a:ext cx="2491475" cy="400110"/>
-          </a:xfrm>
-          <a:prstGeom prst="rect">
-            <a:avLst/>
-          </a:prstGeom>
-          <a:noFill/>
-        </p:spPr>
-        <p:txBody>
-          <a:bodyPr wrap="square" rtlCol="0">
-            <a:spAutoFit/>
-          </a:bodyPr>
-          <a:lstStyle/>
-          <a:p>
-            <a:pPr algn="ctr"/>
-            <a:r>
-              <a:rPr lang="de-DE" dirty="0" smtClean="0"/>
-              <a:t>Constant  </a:t>
-            </a:r>
-            <a:endParaRPr lang="de-DE" dirty="0"/>
-          </a:p>
-        </p:txBody>
-      </p:sp>
-      <p:sp>
-        <p:nvSpPr>
-          <p:cNvPr id="19" name="TextBox 18"/>
-          <p:cNvSpPr txBox="1"/>
-          <p:nvPr/>
-        </p:nvSpPr>
-        <p:spPr>
-          <a:xfrm>
-            <a:off x="4179264" y="1972653"/>
-            <a:ext cx="4290671" cy="1323439"/>
-          </a:xfrm>
-          <a:prstGeom prst="rect">
-            <a:avLst/>
-          </a:prstGeom>
-          <a:noFill/>
-        </p:spPr>
-        <p:txBody>
-          <a:bodyPr wrap="square" rtlCol="0">
-            <a:spAutoFit/>
-          </a:bodyPr>
-          <a:lstStyle/>
-          <a:p>
-            <a:pPr marL="342900" indent="-342900" algn="l">
-              <a:buFont typeface="Arial" panose="020B0604020202020204" pitchFamily="34" charset="0"/>
-              <a:buChar char="•"/>
-            </a:pPr>
-            <a:r>
-              <a:rPr lang="de-DE" dirty="0" smtClean="0"/>
-              <a:t>Five soundfiles for different velocities</a:t>
-            </a:r>
-          </a:p>
-          <a:p>
-            <a:pPr marL="342900" indent="-342900" algn="l">
-              <a:buFont typeface="Arial" panose="020B0604020202020204" pitchFamily="34" charset="0"/>
-              <a:buChar char="•"/>
-            </a:pPr>
-            <a:r>
-              <a:rPr lang="de-DE" dirty="0" smtClean="0"/>
-              <a:t>Aplitude constant (independet of penetration depth /force)</a:t>
-            </a:r>
-            <a:endParaRPr lang="de-DE" dirty="0"/>
-          </a:p>
-        </p:txBody>
-      </p:sp>
-      <p:grpSp>
-        <p:nvGrpSpPr>
-          <p:cNvPr id="33" name="Group 32"/>
-          <p:cNvGrpSpPr/>
-          <p:nvPr/>
-        </p:nvGrpSpPr>
-        <p:grpSpPr>
-          <a:xfrm>
-            <a:off x="894211" y="3114675"/>
-            <a:ext cx="5430389" cy="2699727"/>
-            <a:chOff x="1599061" y="2033517"/>
-            <a:chExt cx="6166513" cy="3769056"/>
-          </a:xfrm>
-        </p:grpSpPr>
-        <p:sp>
-          <p:nvSpPr>
-            <p:cNvPr id="34" name="Rectangle 33"/>
-            <p:cNvSpPr/>
-            <p:nvPr/>
-          </p:nvSpPr>
-          <p:spPr bwMode="auto">
-            <a:xfrm>
-              <a:off x="4241800" y="2287897"/>
-              <a:ext cx="88900" cy="3505578"/>
-            </a:xfrm>
-            <a:prstGeom prst="rect">
-              <a:avLst/>
-            </a:prstGeom>
-            <a:solidFill>
-              <a:srgbClr val="7030A0"/>
-            </a:solidFill>
-            <a:ln>
-              <a:headEnd type="none" w="med" len="med"/>
-              <a:tailEnd type="none" w="med" len="med"/>
-            </a:ln>
-          </p:spPr>
-          <p:style>
-            <a:lnRef idx="1">
-              <a:schemeClr val="dk1"/>
-            </a:lnRef>
-            <a:fillRef idx="2">
-              <a:schemeClr val="dk1"/>
-            </a:fillRef>
-            <a:effectRef idx="1">
-              <a:schemeClr val="dk1"/>
-            </a:effectRef>
-            <a:fontRef idx="minor">
-              <a:schemeClr val="dk1"/>
-            </a:fontRef>
-          </p:style>
-          <p:txBody>
-            <a:bodyPr vert="horz" wrap="square" lIns="91440" tIns="45720" rIns="91440" bIns="45720" numCol="1" rtlCol="0" anchor="t" anchorCtr="0" compatLnSpc="1">
-              <a:prstTxWarp prst="textNoShape">
-                <a:avLst/>
-              </a:prstTxWarp>
-            </a:bodyPr>
-            <a:lstStyle/>
-            <a:p>
-              <a:pPr marL="0" marR="0" indent="0" algn="r" defTabSz="914400" rtl="0" eaLnBrk="0" fontAlgn="base" latinLnBrk="0" hangingPunct="0">
-                <a:lnSpc>
-                  <a:spcPct val="100000"/>
-                </a:lnSpc>
-                <a:spcBef>
-                  <a:spcPct val="0"/>
-                </a:spcBef>
-                <a:spcAft>
-                  <a:spcPct val="0"/>
-                </a:spcAft>
-                <a:buClrTx/>
-                <a:buSzTx/>
-                <a:buFontTx/>
-                <a:buNone/>
-                <a:tabLst/>
-              </a:pPr>
-              <a:endParaRPr kumimoji="0" lang="de-DE" sz="2000" b="0" i="0" u="none" strike="noStrike" cap="none" normalizeH="0" baseline="0" smtClean="0">
-                <a:ln>
-                  <a:noFill/>
-                </a:ln>
-                <a:solidFill>
-                  <a:schemeClr val="tx1"/>
-                </a:solidFill>
-                <a:effectLst/>
-                <a:latin typeface="Arial" pitchFamily="34" charset="0"/>
-              </a:endParaRPr>
-            </a:p>
-          </p:txBody>
-        </p:sp>
-        <p:grpSp>
-          <p:nvGrpSpPr>
-            <p:cNvPr id="35" name="Group 34"/>
-            <p:cNvGrpSpPr/>
-            <p:nvPr/>
-          </p:nvGrpSpPr>
-          <p:grpSpPr>
-            <a:xfrm>
-              <a:off x="1599061" y="2033517"/>
-              <a:ext cx="6166513" cy="3769056"/>
-              <a:chOff x="1599062" y="1719618"/>
-              <a:chExt cx="6166513" cy="3769056"/>
-            </a:xfrm>
-          </p:grpSpPr>
-          <p:cxnSp>
-            <p:nvCxnSpPr>
-              <p:cNvPr id="36" name="Straight Arrow Connector 35"/>
-              <p:cNvCxnSpPr/>
-              <p:nvPr/>
-            </p:nvCxnSpPr>
-            <p:spPr bwMode="auto">
-              <a:xfrm>
-                <a:off x="1599062" y="5488674"/>
-                <a:ext cx="6166513" cy="0"/>
-              </a:xfrm>
-              <a:prstGeom prst="straightConnector1">
-                <a:avLst/>
-              </a:prstGeom>
-              <a:solidFill>
-                <a:schemeClr val="accent1"/>
-              </a:solidFill>
-              <a:ln w="57150" cap="flat" cmpd="sng" algn="ctr">
-                <a:solidFill>
-                  <a:schemeClr val="tx1"/>
-                </a:solidFill>
-                <a:prstDash val="solid"/>
-                <a:round/>
-                <a:headEnd type="none" w="med" len="med"/>
-                <a:tailEnd type="arrow"/>
-              </a:ln>
-              <a:effectLst/>
-            </p:spPr>
-          </p:cxnSp>
-          <p:cxnSp>
-            <p:nvCxnSpPr>
-              <p:cNvPr id="37" name="Straight Arrow Connector 36"/>
-              <p:cNvCxnSpPr/>
-              <p:nvPr/>
-            </p:nvCxnSpPr>
-            <p:spPr bwMode="auto">
-              <a:xfrm flipV="1">
-                <a:off x="1599062" y="1719618"/>
-                <a:ext cx="0" cy="3769056"/>
-              </a:xfrm>
-              <a:prstGeom prst="straightConnector1">
-                <a:avLst/>
-              </a:prstGeom>
-              <a:solidFill>
-                <a:schemeClr val="accent1"/>
-              </a:solidFill>
-              <a:ln w="57150" cap="flat" cmpd="sng" algn="ctr">
-                <a:solidFill>
-                  <a:schemeClr val="tx1"/>
-                </a:solidFill>
-                <a:prstDash val="solid"/>
-                <a:round/>
-                <a:headEnd type="none" w="med" len="med"/>
-                <a:tailEnd type="arrow"/>
-              </a:ln>
-              <a:effectLst/>
-            </p:spPr>
-          </p:cxnSp>
-        </p:grpSp>
-      </p:grpSp>
-      <p:grpSp>
-        <p:nvGrpSpPr>
-          <p:cNvPr id="3" name="Group 2"/>
-          <p:cNvGrpSpPr/>
-          <p:nvPr/>
-        </p:nvGrpSpPr>
-        <p:grpSpPr>
-          <a:xfrm>
-            <a:off x="3063769" y="3586160"/>
-            <a:ext cx="396808" cy="2182596"/>
-            <a:chOff x="3063769" y="3586160"/>
-            <a:chExt cx="396808" cy="2182596"/>
-          </a:xfrm>
-        </p:grpSpPr>
-        <p:sp>
-          <p:nvSpPr>
-            <p:cNvPr id="38" name="Multiply 37"/>
-            <p:cNvSpPr/>
-            <p:nvPr/>
-          </p:nvSpPr>
-          <p:spPr bwMode="auto">
-            <a:xfrm>
-              <a:off x="3063769" y="3586160"/>
-              <a:ext cx="393700" cy="431800"/>
-            </a:xfrm>
-            <a:prstGeom prst="mathMultiply">
-              <a:avLst/>
-            </a:prstGeom>
-            <a:solidFill>
-              <a:srgbClr val="00B050"/>
-            </a:solidFill>
-            <a:ln>
-              <a:headEnd type="none" w="med" len="med"/>
-              <a:tailEnd type="none" w="med" len="med"/>
-            </a:ln>
-          </p:spPr>
-          <p:style>
-            <a:lnRef idx="1">
-              <a:schemeClr val="dk1"/>
-            </a:lnRef>
-            <a:fillRef idx="2">
-              <a:schemeClr val="dk1"/>
-            </a:fillRef>
-            <a:effectRef idx="1">
-              <a:schemeClr val="dk1"/>
-            </a:effectRef>
-            <a:fontRef idx="minor">
-              <a:schemeClr val="dk1"/>
-            </a:fontRef>
-          </p:style>
-          <p:txBody>
-            <a:bodyPr vert="horz" wrap="square" lIns="91440" tIns="45720" rIns="91440" bIns="45720" numCol="1" rtlCol="0" anchor="t" anchorCtr="0" compatLnSpc="1">
-              <a:prstTxWarp prst="textNoShape">
-                <a:avLst/>
-              </a:prstTxWarp>
-            </a:bodyPr>
-            <a:lstStyle/>
-            <a:p>
-              <a:pPr marL="0" marR="0" indent="0" algn="r" defTabSz="914400" rtl="0" eaLnBrk="0" fontAlgn="base" latinLnBrk="0" hangingPunct="0">
-                <a:lnSpc>
-                  <a:spcPct val="100000"/>
-                </a:lnSpc>
-                <a:spcBef>
-                  <a:spcPct val="0"/>
-                </a:spcBef>
-                <a:spcAft>
-                  <a:spcPct val="0"/>
-                </a:spcAft>
-                <a:buClrTx/>
-                <a:buSzTx/>
-                <a:buFontTx/>
-                <a:buNone/>
-                <a:tabLst/>
-              </a:pPr>
-              <a:endParaRPr kumimoji="0" lang="de-DE" sz="2000" b="0" i="0" u="none" strike="noStrike" cap="none" normalizeH="0" baseline="0" smtClean="0">
-                <a:ln>
-                  <a:noFill/>
-                </a:ln>
-                <a:solidFill>
-                  <a:schemeClr val="tx1"/>
-                </a:solidFill>
-                <a:effectLst/>
-                <a:latin typeface="Arial" pitchFamily="34" charset="0"/>
-              </a:endParaRPr>
-            </a:p>
-          </p:txBody>
-        </p:sp>
-        <p:sp>
-          <p:nvSpPr>
-            <p:cNvPr id="39" name="Multiply 38"/>
-            <p:cNvSpPr/>
-            <p:nvPr/>
-          </p:nvSpPr>
-          <p:spPr bwMode="auto">
-            <a:xfrm>
-              <a:off x="3063769" y="4023859"/>
-              <a:ext cx="393700" cy="431800"/>
-            </a:xfrm>
-            <a:prstGeom prst="mathMultiply">
-              <a:avLst/>
-            </a:prstGeom>
-            <a:solidFill>
-              <a:srgbClr val="00B050"/>
-            </a:solidFill>
-            <a:ln>
-              <a:headEnd type="none" w="med" len="med"/>
-              <a:tailEnd type="none" w="med" len="med"/>
-            </a:ln>
-          </p:spPr>
-          <p:style>
-            <a:lnRef idx="1">
-              <a:schemeClr val="dk1"/>
-            </a:lnRef>
-            <a:fillRef idx="2">
-              <a:schemeClr val="dk1"/>
-            </a:fillRef>
-            <a:effectRef idx="1">
-              <a:schemeClr val="dk1"/>
-            </a:effectRef>
-            <a:fontRef idx="minor">
-              <a:schemeClr val="dk1"/>
-            </a:fontRef>
-          </p:style>
-          <p:txBody>
-            <a:bodyPr vert="horz" wrap="square" lIns="91440" tIns="45720" rIns="91440" bIns="45720" numCol="1" rtlCol="0" anchor="t" anchorCtr="0" compatLnSpc="1">
-              <a:prstTxWarp prst="textNoShape">
-                <a:avLst/>
-              </a:prstTxWarp>
-            </a:bodyPr>
-            <a:lstStyle/>
-            <a:p>
-              <a:pPr marL="0" marR="0" indent="0" algn="r" defTabSz="914400" rtl="0" eaLnBrk="0" fontAlgn="base" latinLnBrk="0" hangingPunct="0">
-                <a:lnSpc>
-                  <a:spcPct val="100000"/>
-                </a:lnSpc>
-                <a:spcBef>
-                  <a:spcPct val="0"/>
-                </a:spcBef>
-                <a:spcAft>
-                  <a:spcPct val="0"/>
-                </a:spcAft>
-                <a:buClrTx/>
-                <a:buSzTx/>
-                <a:buFontTx/>
-                <a:buNone/>
-                <a:tabLst/>
-              </a:pPr>
-              <a:endParaRPr kumimoji="0" lang="de-DE" sz="2000" b="0" i="0" u="none" strike="noStrike" cap="none" normalizeH="0" baseline="0" smtClean="0">
-                <a:ln>
-                  <a:noFill/>
-                </a:ln>
-                <a:solidFill>
-                  <a:schemeClr val="tx1"/>
-                </a:solidFill>
-                <a:effectLst/>
-                <a:latin typeface="Arial" pitchFamily="34" charset="0"/>
-              </a:endParaRPr>
-            </a:p>
-          </p:txBody>
-        </p:sp>
-        <p:sp>
-          <p:nvSpPr>
-            <p:cNvPr id="40" name="Multiply 39"/>
-            <p:cNvSpPr/>
-            <p:nvPr/>
-          </p:nvSpPr>
-          <p:spPr bwMode="auto">
-            <a:xfrm>
-              <a:off x="3066877" y="4449536"/>
-              <a:ext cx="393700" cy="431800"/>
-            </a:xfrm>
-            <a:prstGeom prst="mathMultiply">
-              <a:avLst/>
-            </a:prstGeom>
-            <a:solidFill>
-              <a:srgbClr val="00B050"/>
-            </a:solidFill>
-            <a:ln>
-              <a:headEnd type="none" w="med" len="med"/>
-              <a:tailEnd type="none" w="med" len="med"/>
-            </a:ln>
-          </p:spPr>
-          <p:style>
-            <a:lnRef idx="1">
-              <a:schemeClr val="dk1"/>
-            </a:lnRef>
-            <a:fillRef idx="2">
-              <a:schemeClr val="dk1"/>
-            </a:fillRef>
-            <a:effectRef idx="1">
-              <a:schemeClr val="dk1"/>
-            </a:effectRef>
-            <a:fontRef idx="minor">
-              <a:schemeClr val="dk1"/>
-            </a:fontRef>
-          </p:style>
-          <p:txBody>
-            <a:bodyPr vert="horz" wrap="square" lIns="91440" tIns="45720" rIns="91440" bIns="45720" numCol="1" rtlCol="0" anchor="t" anchorCtr="0" compatLnSpc="1">
-              <a:prstTxWarp prst="textNoShape">
-                <a:avLst/>
-              </a:prstTxWarp>
-            </a:bodyPr>
-            <a:lstStyle/>
-            <a:p>
-              <a:pPr marL="0" marR="0" indent="0" algn="r" defTabSz="914400" rtl="0" eaLnBrk="0" fontAlgn="base" latinLnBrk="0" hangingPunct="0">
-                <a:lnSpc>
-                  <a:spcPct val="100000"/>
-                </a:lnSpc>
-                <a:spcBef>
-                  <a:spcPct val="0"/>
-                </a:spcBef>
-                <a:spcAft>
-                  <a:spcPct val="0"/>
-                </a:spcAft>
-                <a:buClrTx/>
-                <a:buSzTx/>
-                <a:buFontTx/>
-                <a:buNone/>
-                <a:tabLst/>
-              </a:pPr>
-              <a:endParaRPr kumimoji="0" lang="de-DE" sz="2000" b="0" i="0" u="none" strike="noStrike" cap="none" normalizeH="0" baseline="0" smtClean="0">
-                <a:ln>
-                  <a:noFill/>
-                </a:ln>
-                <a:solidFill>
-                  <a:schemeClr val="tx1"/>
-                </a:solidFill>
-                <a:effectLst/>
-                <a:latin typeface="Arial" pitchFamily="34" charset="0"/>
-              </a:endParaRPr>
-            </a:p>
-          </p:txBody>
-        </p:sp>
-        <p:sp>
-          <p:nvSpPr>
-            <p:cNvPr id="41" name="Multiply 40"/>
-            <p:cNvSpPr/>
-            <p:nvPr/>
-          </p:nvSpPr>
-          <p:spPr bwMode="auto">
-            <a:xfrm>
-              <a:off x="3063769" y="5336956"/>
-              <a:ext cx="393700" cy="431800"/>
-            </a:xfrm>
-            <a:prstGeom prst="mathMultiply">
-              <a:avLst/>
-            </a:prstGeom>
-            <a:solidFill>
-              <a:srgbClr val="00B050"/>
-            </a:solidFill>
-            <a:ln>
-              <a:headEnd type="none" w="med" len="med"/>
-              <a:tailEnd type="none" w="med" len="med"/>
-            </a:ln>
-          </p:spPr>
-          <p:style>
-            <a:lnRef idx="1">
-              <a:schemeClr val="dk1"/>
-            </a:lnRef>
-            <a:fillRef idx="2">
-              <a:schemeClr val="dk1"/>
-            </a:fillRef>
-            <a:effectRef idx="1">
-              <a:schemeClr val="dk1"/>
-            </a:effectRef>
-            <a:fontRef idx="minor">
-              <a:schemeClr val="dk1"/>
-            </a:fontRef>
-          </p:style>
-          <p:txBody>
-            <a:bodyPr vert="horz" wrap="square" lIns="91440" tIns="45720" rIns="91440" bIns="45720" numCol="1" rtlCol="0" anchor="t" anchorCtr="0" compatLnSpc="1">
-              <a:prstTxWarp prst="textNoShape">
-                <a:avLst/>
-              </a:prstTxWarp>
-            </a:bodyPr>
-            <a:lstStyle/>
-            <a:p>
-              <a:pPr marL="0" marR="0" indent="0" algn="r" defTabSz="914400" rtl="0" eaLnBrk="0" fontAlgn="base" latinLnBrk="0" hangingPunct="0">
-                <a:lnSpc>
-                  <a:spcPct val="100000"/>
-                </a:lnSpc>
-                <a:spcBef>
-                  <a:spcPct val="0"/>
-                </a:spcBef>
-                <a:spcAft>
-                  <a:spcPct val="0"/>
-                </a:spcAft>
-                <a:buClrTx/>
-                <a:buSzTx/>
-                <a:buFontTx/>
-                <a:buNone/>
-                <a:tabLst/>
-              </a:pPr>
-              <a:endParaRPr kumimoji="0" lang="de-DE" sz="2000" b="0" i="0" u="none" strike="noStrike" cap="none" normalizeH="0" baseline="0" smtClean="0">
-                <a:ln>
-                  <a:noFill/>
-                </a:ln>
-                <a:solidFill>
-                  <a:schemeClr val="tx1"/>
-                </a:solidFill>
-                <a:effectLst/>
-                <a:latin typeface="Arial" pitchFamily="34" charset="0"/>
-              </a:endParaRPr>
-            </a:p>
-          </p:txBody>
-        </p:sp>
-        <p:sp>
-          <p:nvSpPr>
-            <p:cNvPr id="42" name="Multiply 41"/>
-            <p:cNvSpPr/>
-            <p:nvPr/>
-          </p:nvSpPr>
-          <p:spPr bwMode="auto">
-            <a:xfrm>
-              <a:off x="3063769" y="4905156"/>
-              <a:ext cx="393700" cy="431800"/>
-            </a:xfrm>
-            <a:prstGeom prst="mathMultiply">
-              <a:avLst/>
-            </a:prstGeom>
-            <a:solidFill>
-              <a:srgbClr val="00B050"/>
-            </a:solidFill>
-            <a:ln>
-              <a:headEnd type="none" w="med" len="med"/>
-              <a:tailEnd type="none" w="med" len="med"/>
-            </a:ln>
-          </p:spPr>
-          <p:style>
-            <a:lnRef idx="1">
-              <a:schemeClr val="dk1"/>
-            </a:lnRef>
-            <a:fillRef idx="2">
-              <a:schemeClr val="dk1"/>
-            </a:fillRef>
-            <a:effectRef idx="1">
-              <a:schemeClr val="dk1"/>
-            </a:effectRef>
-            <a:fontRef idx="minor">
-              <a:schemeClr val="dk1"/>
-            </a:fontRef>
-          </p:style>
-          <p:txBody>
-            <a:bodyPr vert="horz" wrap="square" lIns="91440" tIns="45720" rIns="91440" bIns="45720" numCol="1" rtlCol="0" anchor="t" anchorCtr="0" compatLnSpc="1">
-              <a:prstTxWarp prst="textNoShape">
-                <a:avLst/>
-              </a:prstTxWarp>
-            </a:bodyPr>
-            <a:lstStyle/>
-            <a:p>
-              <a:pPr marL="0" marR="0" indent="0" algn="r" defTabSz="914400" rtl="0" eaLnBrk="0" fontAlgn="base" latinLnBrk="0" hangingPunct="0">
-                <a:lnSpc>
-                  <a:spcPct val="100000"/>
-                </a:lnSpc>
-                <a:spcBef>
-                  <a:spcPct val="0"/>
-                </a:spcBef>
-                <a:spcAft>
-                  <a:spcPct val="0"/>
-                </a:spcAft>
-                <a:buClrTx/>
-                <a:buSzTx/>
-                <a:buFontTx/>
-                <a:buNone/>
-                <a:tabLst/>
-              </a:pPr>
-              <a:endParaRPr kumimoji="0" lang="de-DE" sz="2000" b="0" i="0" u="none" strike="noStrike" cap="none" normalizeH="0" baseline="0" smtClean="0">
-                <a:ln>
-                  <a:noFill/>
-                </a:ln>
-                <a:solidFill>
-                  <a:schemeClr val="tx1"/>
-                </a:solidFill>
-                <a:effectLst/>
-                <a:latin typeface="Arial" pitchFamily="34" charset="0"/>
-              </a:endParaRPr>
-            </a:p>
-          </p:txBody>
-        </p:sp>
-      </p:grpSp>
-    </p:spTree>
-    <p:custDataLst>
-      <p:tags r:id="rId1"/>
-    </p:custDataLst>
-    <p:extLst>
-      <p:ext uri="{BB962C8B-B14F-4D97-AF65-F5344CB8AC3E}">
-        <p14:creationId xmlns:p14="http://schemas.microsoft.com/office/powerpoint/2010/main" val="3725999079"/>
-      </p:ext>
-    </p:extLst>
-  </p:cSld>
-  <p:clrMapOvr>
-    <a:masterClrMapping/>
-  </p:clrMapOvr>
-  <mc:AlternateContent xmlns:mc="http://schemas.openxmlformats.org/markup-compatibility/2006">
-    <mc:Choice xmlns:p14="http://schemas.microsoft.com/office/powerpoint/2010/main" Requires="p14">
-      <p:transition spd="slow" p14:dur="2000" advTm="56287"/>
-    </mc:Choice>
-    <mc:Fallback>
-      <p:transition spd="slow" advTm="56287"/>
-    </mc:Fallback>
-  </mc:AlternateContent>
-  <p:timing>
-    <p:tnLst>
-      <p:par>
-        <p:cTn id="1" dur="indefinite" restart="never" nodeType="tmRoot">
-          <p:childTnLst>
-            <p:seq concurrent="1" nextAc="seek">
-              <p:cTn id="2" dur="indefinite" nodeType="mainSeq">
-                <p:childTnLst>
-                  <p:par>
-                    <p:cTn id="3" fill="hold">
-                      <p:stCondLst>
-                        <p:cond delay="indefinite"/>
-                      </p:stCondLst>
-                      <p:childTnLst>
-                        <p:par>
-                          <p:cTn id="4" fill="hold">
-                            <p:stCondLst>
-                              <p:cond delay="0"/>
-                            </p:stCondLst>
-                            <p:childTnLst>
-                              <p:par>
-                                <p:cTn id="5" presetID="1" presetClass="entr" presetSubtype="0" fill="hold" nodeType="clickEffect">
-                                  <p:stCondLst>
-                                    <p:cond delay="0"/>
-                                  </p:stCondLst>
-                                  <p:childTnLst>
-                                    <p:set>
-                                      <p:cBhvr>
-                                        <p:cTn id="6" dur="1" fill="hold">
-                                          <p:stCondLst>
-                                            <p:cond delay="0"/>
-                                          </p:stCondLst>
-                                        </p:cTn>
-                                        <p:tgtEl>
-                                          <p:spTgt spid="24"/>
-                                        </p:tgtEl>
-                                        <p:attrNameLst>
-                                          <p:attrName>style.visibility</p:attrName>
-                                        </p:attrNameLst>
-                                      </p:cBhvr>
-                                      <p:to>
-                                        <p:strVal val="visible"/>
-                                      </p:to>
-                                    </p:set>
-                                  </p:childTnLst>
-                                </p:cTn>
-                              </p:par>
-                              <p:par>
-                                <p:cTn id="7" presetID="1" presetClass="entr" presetSubtype="0" fill="hold" grpId="0" nodeType="withEffect">
-                                  <p:stCondLst>
-                                    <p:cond delay="0"/>
-                                  </p:stCondLst>
-                                  <p:childTnLst>
-                                    <p:set>
-                                      <p:cBhvr>
-                                        <p:cTn id="8" dur="1" fill="hold">
-                                          <p:stCondLst>
-                                            <p:cond delay="0"/>
-                                          </p:stCondLst>
-                                        </p:cTn>
-                                        <p:tgtEl>
-                                          <p:spTgt spid="19"/>
-                                        </p:tgtEl>
-                                        <p:attrNameLst>
-                                          <p:attrName>style.visibility</p:attrName>
-                                        </p:attrNameLst>
-                                      </p:cBhvr>
-                                      <p:to>
-                                        <p:strVal val="visible"/>
-                                      </p:to>
-                                    </p:set>
-                                  </p:childTnLst>
-                                </p:cTn>
-                              </p:par>
-                            </p:childTnLst>
-                          </p:cTn>
-                        </p:par>
-                      </p:childTnLst>
-                    </p:cTn>
-                  </p:par>
-                </p:childTnLst>
-              </p:cTn>
-              <p:prevCondLst>
-                <p:cond evt="onPrev" delay="0">
-                  <p:tgtEl>
-                    <p:sldTgt/>
-                  </p:tgtEl>
-                </p:cond>
-              </p:prevCondLst>
-              <p:nextCondLst>
-                <p:cond evt="onNext" delay="0">
-                  <p:tgtEl>
-                    <p:sldTgt/>
-                  </p:tgtEl>
-                </p:cond>
-              </p:nextCondLst>
-            </p:seq>
-          </p:childTnLst>
-        </p:cTn>
-      </p:par>
-    </p:tnLst>
-    <p:bldLst>
-      <p:bldP spid="19" grpId="0"/>
-    </p:bldLst>
-  </p:timing>
-</p:sld>
-</file>
-
-<file path=ppt/slides/slide9.xml><?xml version="1.0" encoding="utf-8"?>
-<p:sld xmlns:a="http://schemas.openxmlformats.org/drawingml/2006/main" xmlns:r="http://schemas.openxmlformats.org/officeDocument/2006/relationships" xmlns:p="http://schemas.openxmlformats.org/presentationml/2006/main">
-  <p:cSld>
-    <p:spTree>
-      <p:nvGrpSpPr>
-        <p:cNvPr id="1" name=""/>
-        <p:cNvGrpSpPr/>
-        <p:nvPr/>
-      </p:nvGrpSpPr>
-      <p:grpSpPr>
-        <a:xfrm>
-          <a:off x="0" y="0"/>
-          <a:ext cx="0" cy="0"/>
-          <a:chOff x="0" y="0"/>
-          <a:chExt cx="0" cy="0"/>
-        </a:xfrm>
-      </p:grpSpPr>
-      <p:sp>
-        <p:nvSpPr>
-          <p:cNvPr id="2" name="Title 1"/>
-          <p:cNvSpPr>
-            <a:spLocks noGrp="1"/>
-          </p:cNvSpPr>
-          <p:nvPr>
-            <p:ph type="title"/>
-          </p:nvPr>
-        </p:nvSpPr>
-        <p:spPr/>
-        <p:txBody>
-          <a:bodyPr/>
-          <a:lstStyle/>
-          <a:p>
-            <a:r>
-              <a:rPr lang="de-DE" dirty="0" smtClean="0"/>
-              <a:t>Force and Velocity: Approach 2</a:t>
-            </a:r>
-            <a:endParaRPr lang="de-DE" dirty="0"/>
-          </a:p>
-        </p:txBody>
-      </p:sp>
-      <p:sp>
-        <p:nvSpPr>
-          <p:cNvPr id="4" name="Date Placeholder 3"/>
-          <p:cNvSpPr>
-            <a:spLocks noGrp="1"/>
-          </p:cNvSpPr>
-          <p:nvPr>
-            <p:ph type="dt" sz="half" idx="10"/>
-          </p:nvPr>
-        </p:nvSpPr>
-        <p:spPr/>
-        <p:txBody>
-          <a:bodyPr/>
-          <a:lstStyle/>
-          <a:p>
-            <a:fld id="{C8AFF1F9-9510-4B10-82CE-48AF128FE261}" type="datetime1">
-              <a:rPr lang="de-DE" noProof="0" smtClean="0"/>
-              <a:t>05.08.2015</a:t>
-            </a:fld>
-            <a:endParaRPr lang="en-US" noProof="0"/>
-          </a:p>
-        </p:txBody>
-      </p:sp>
-      <p:sp>
-        <p:nvSpPr>
-          <p:cNvPr id="5" name="Footer Placeholder 4"/>
-          <p:cNvSpPr>
-            <a:spLocks noGrp="1"/>
-          </p:cNvSpPr>
-          <p:nvPr>
-            <p:ph type="ftr" sz="quarter" idx="11"/>
-          </p:nvPr>
-        </p:nvSpPr>
-        <p:spPr/>
-        <p:txBody>
-          <a:bodyPr/>
-          <a:lstStyle/>
-          <a:p>
-            <a:r>
-              <a:rPr lang="en-US" noProof="0" smtClean="0"/>
-              <a:t>Computational Haptics Laboratory -  Final Presentation</a:t>
-            </a:r>
-            <a:endParaRPr lang="en-US" noProof="0" dirty="0"/>
-          </a:p>
-        </p:txBody>
-      </p:sp>
-      <p:sp>
-        <p:nvSpPr>
-          <p:cNvPr id="6" name="Slide Number Placeholder 5"/>
-          <p:cNvSpPr>
-            <a:spLocks noGrp="1"/>
-          </p:cNvSpPr>
-          <p:nvPr>
-            <p:ph type="sldNum" sz="quarter" idx="12"/>
-          </p:nvPr>
-        </p:nvSpPr>
-        <p:spPr/>
-        <p:txBody>
-          <a:bodyPr/>
-          <a:lstStyle/>
-          <a:p>
-            <a:fld id="{17CC94CD-1FE7-0C44-80F4-2964C2C99554}" type="slidenum">
-              <a:rPr lang="en-US" noProof="0" smtClean="0"/>
-              <a:pPr/>
-              <a:t>9</a:t>
-            </a:fld>
-            <a:endParaRPr lang="en-US" noProof="0"/>
-          </a:p>
-        </p:txBody>
-      </p:sp>
-      <p:sp>
-        <p:nvSpPr>
-          <p:cNvPr id="15" name="TextBox 14"/>
-          <p:cNvSpPr txBox="1"/>
-          <p:nvPr/>
-        </p:nvSpPr>
-        <p:spPr>
-          <a:xfrm>
-            <a:off x="218363" y="5538868"/>
-            <a:ext cx="1228299" cy="400110"/>
-          </a:xfrm>
-          <a:prstGeom prst="rect">
-            <a:avLst/>
-          </a:prstGeom>
-          <a:noFill/>
-        </p:spPr>
-        <p:txBody>
-          <a:bodyPr wrap="square" rtlCol="0">
-            <a:spAutoFit/>
-          </a:bodyPr>
-          <a:lstStyle/>
-          <a:p>
-            <a:r>
-              <a:rPr lang="de-DE" dirty="0" smtClean="0"/>
-              <a:t>Velocity</a:t>
-            </a:r>
-            <a:endParaRPr lang="de-DE" dirty="0"/>
-          </a:p>
-        </p:txBody>
-      </p:sp>
-      <p:sp>
-        <p:nvSpPr>
-          <p:cNvPr id="16" name="TextBox 15"/>
-          <p:cNvSpPr txBox="1"/>
-          <p:nvPr/>
-        </p:nvSpPr>
-        <p:spPr>
-          <a:xfrm>
-            <a:off x="5877181" y="4516652"/>
-            <a:ext cx="1228299" cy="400110"/>
-          </a:xfrm>
-          <a:prstGeom prst="rect">
-            <a:avLst/>
-          </a:prstGeom>
-          <a:noFill/>
-        </p:spPr>
-        <p:txBody>
-          <a:bodyPr wrap="square" rtlCol="0">
-            <a:spAutoFit/>
-          </a:bodyPr>
-          <a:lstStyle/>
-          <a:p>
-            <a:r>
-              <a:rPr lang="de-DE" dirty="0" smtClean="0"/>
-              <a:t>Force</a:t>
-            </a:r>
-            <a:endParaRPr lang="de-DE" dirty="0"/>
-          </a:p>
-        </p:txBody>
-      </p:sp>
-      <p:grpSp>
-        <p:nvGrpSpPr>
-          <p:cNvPr id="12" name="Group 11"/>
-          <p:cNvGrpSpPr/>
-          <p:nvPr/>
-        </p:nvGrpSpPr>
-        <p:grpSpPr>
-          <a:xfrm>
-            <a:off x="1228219" y="1674094"/>
-            <a:ext cx="5500241" cy="4519491"/>
-            <a:chOff x="750326" y="1600122"/>
-            <a:chExt cx="6034376" cy="5342321"/>
-          </a:xfrm>
-        </p:grpSpPr>
-        <p:grpSp>
-          <p:nvGrpSpPr>
-            <p:cNvPr id="14" name="Group 13"/>
-            <p:cNvGrpSpPr/>
-            <p:nvPr/>
-          </p:nvGrpSpPr>
-          <p:grpSpPr>
-            <a:xfrm>
-              <a:off x="2838355" y="1600122"/>
-              <a:ext cx="3946347" cy="3149523"/>
-              <a:chOff x="1599062" y="1719618"/>
-              <a:chExt cx="4944826" cy="3769056"/>
-            </a:xfrm>
-          </p:grpSpPr>
-          <p:cxnSp>
-            <p:nvCxnSpPr>
-              <p:cNvPr id="8" name="Straight Arrow Connector 7"/>
-              <p:cNvCxnSpPr/>
-              <p:nvPr/>
-            </p:nvCxnSpPr>
-            <p:spPr bwMode="auto">
-              <a:xfrm>
-                <a:off x="1599062" y="5488674"/>
-                <a:ext cx="4944826" cy="0"/>
-              </a:xfrm>
-              <a:prstGeom prst="straightConnector1">
-                <a:avLst/>
-              </a:prstGeom>
-              <a:solidFill>
-                <a:schemeClr val="accent1"/>
-              </a:solidFill>
-              <a:ln w="57150" cap="flat" cmpd="sng" algn="ctr">
-                <a:solidFill>
-                  <a:schemeClr val="tx1"/>
-                </a:solidFill>
-                <a:prstDash val="solid"/>
-                <a:round/>
-                <a:headEnd type="none" w="med" len="med"/>
-                <a:tailEnd type="arrow"/>
-              </a:ln>
-              <a:effectLst/>
-            </p:spPr>
-          </p:cxnSp>
-          <p:cxnSp>
-            <p:nvCxnSpPr>
-              <p:cNvPr id="10" name="Straight Arrow Connector 9"/>
-              <p:cNvCxnSpPr/>
-              <p:nvPr/>
-            </p:nvCxnSpPr>
-            <p:spPr bwMode="auto">
-              <a:xfrm flipV="1">
-                <a:off x="1599062" y="1719618"/>
-                <a:ext cx="0" cy="3769056"/>
-              </a:xfrm>
-              <a:prstGeom prst="straightConnector1">
-                <a:avLst/>
-              </a:prstGeom>
-              <a:solidFill>
-                <a:schemeClr val="accent1"/>
-              </a:solidFill>
-              <a:ln w="57150" cap="flat" cmpd="sng" algn="ctr">
-                <a:solidFill>
-                  <a:schemeClr val="tx1"/>
-                </a:solidFill>
-                <a:prstDash val="solid"/>
-                <a:round/>
-                <a:headEnd type="none" w="med" len="med"/>
-                <a:tailEnd type="arrow"/>
-              </a:ln>
-              <a:effectLst/>
-            </p:spPr>
-          </p:cxnSp>
-        </p:grpSp>
-        <p:cxnSp>
-          <p:nvCxnSpPr>
-            <p:cNvPr id="26" name="Straight Arrow Connector 25"/>
-            <p:cNvCxnSpPr/>
-            <p:nvPr/>
-          </p:nvCxnSpPr>
-          <p:spPr bwMode="auto">
-            <a:xfrm flipH="1">
-              <a:off x="750326" y="4711508"/>
-              <a:ext cx="2106418" cy="2230935"/>
-            </a:xfrm>
-            <a:prstGeom prst="straightConnector1">
-              <a:avLst/>
-            </a:prstGeom>
-            <a:solidFill>
-              <a:schemeClr val="accent1"/>
-            </a:solidFill>
-            <a:ln w="57150" cap="flat" cmpd="sng" algn="ctr">
-              <a:solidFill>
-                <a:schemeClr val="tx1"/>
-              </a:solidFill>
-              <a:prstDash val="solid"/>
-              <a:round/>
-              <a:headEnd type="none" w="med" len="med"/>
-              <a:tailEnd type="arrow"/>
-            </a:ln>
-            <a:effectLst/>
-          </p:spPr>
-        </p:cxnSp>
-      </p:grpSp>
-      <p:grpSp>
-        <p:nvGrpSpPr>
-          <p:cNvPr id="19" name="Group 18"/>
-          <p:cNvGrpSpPr/>
-          <p:nvPr/>
-        </p:nvGrpSpPr>
-        <p:grpSpPr>
-          <a:xfrm>
-            <a:off x="1334314" y="4032724"/>
-            <a:ext cx="4922646" cy="1654785"/>
-            <a:chOff x="1334314" y="4032724"/>
-            <a:chExt cx="4922646" cy="1654785"/>
-          </a:xfrm>
-        </p:grpSpPr>
-        <p:sp>
-          <p:nvSpPr>
-            <p:cNvPr id="18" name="Parallelogram 17"/>
-            <p:cNvSpPr/>
-            <p:nvPr/>
-          </p:nvSpPr>
-          <p:spPr bwMode="auto">
-            <a:xfrm rot="20852591">
-              <a:off x="2743031" y="4032724"/>
-              <a:ext cx="3513929" cy="270618"/>
-            </a:xfrm>
-            <a:prstGeom prst="parallelogram">
-              <a:avLst>
-                <a:gd name="adj" fmla="val 160111"/>
-              </a:avLst>
-            </a:prstGeom>
-            <a:solidFill>
-              <a:schemeClr val="tx1">
-                <a:lumMod val="65000"/>
-                <a:lumOff val="35000"/>
-              </a:schemeClr>
-            </a:solidFill>
-            <a:ln w="9525" cap="flat" cmpd="sng" algn="ctr">
-              <a:solidFill>
-                <a:schemeClr val="tx1">
-                  <a:lumMod val="65000"/>
-                  <a:lumOff val="35000"/>
-                </a:schemeClr>
-              </a:solidFill>
-              <a:prstDash val="solid"/>
-              <a:round/>
-              <a:headEnd type="none" w="med" len="med"/>
-              <a:tailEnd type="none" w="med" len="med"/>
-            </a:ln>
-            <a:effectLst/>
-          </p:spPr>
-          <p:txBody>
-            <a:bodyPr vert="horz" wrap="square" lIns="91440" tIns="45720" rIns="91440" bIns="45720" numCol="1" rtlCol="0" anchor="t" anchorCtr="0" compatLnSpc="1">
-              <a:prstTxWarp prst="textNoShape">
-                <a:avLst/>
-              </a:prstTxWarp>
-            </a:bodyPr>
-            <a:lstStyle/>
-            <a:p>
-              <a:pPr marL="0" marR="0" indent="0" algn="r" defTabSz="914400" rtl="0" eaLnBrk="0" fontAlgn="base" latinLnBrk="0" hangingPunct="0">
-                <a:lnSpc>
-                  <a:spcPct val="100000"/>
-                </a:lnSpc>
-                <a:spcBef>
-                  <a:spcPct val="0"/>
-                </a:spcBef>
-                <a:spcAft>
-                  <a:spcPct val="0"/>
-                </a:spcAft>
-                <a:buClrTx/>
-                <a:buSzTx/>
-                <a:buFontTx/>
-                <a:buNone/>
-                <a:tabLst/>
-              </a:pPr>
-              <a:endParaRPr kumimoji="0" lang="de-DE" sz="2000" b="0" i="0" u="none" strike="noStrike" cap="none" normalizeH="0" baseline="0" smtClean="0">
-                <a:ln>
-                  <a:noFill/>
-                </a:ln>
-                <a:solidFill>
-                  <a:schemeClr val="tx1"/>
-                </a:solidFill>
-                <a:effectLst/>
-                <a:latin typeface="Arial" pitchFamily="34" charset="0"/>
-              </a:endParaRPr>
-            </a:p>
-          </p:txBody>
-        </p:sp>
-        <p:sp>
-          <p:nvSpPr>
-            <p:cNvPr id="30" name="Parallelogram 29"/>
-            <p:cNvSpPr/>
-            <p:nvPr/>
-          </p:nvSpPr>
-          <p:spPr bwMode="auto">
-            <a:xfrm rot="20852591">
-              <a:off x="2375426" y="4394676"/>
-              <a:ext cx="3513929" cy="270618"/>
-            </a:xfrm>
-            <a:prstGeom prst="parallelogram">
-              <a:avLst>
-                <a:gd name="adj" fmla="val 160111"/>
-              </a:avLst>
-            </a:prstGeom>
-            <a:solidFill>
-              <a:schemeClr val="tx1">
-                <a:lumMod val="50000"/>
-                <a:lumOff val="50000"/>
-              </a:schemeClr>
-            </a:solidFill>
-            <a:ln w="9525" cap="flat" cmpd="sng" algn="ctr">
-              <a:solidFill>
-                <a:schemeClr val="tx1">
-                  <a:lumMod val="50000"/>
-                  <a:lumOff val="50000"/>
-                </a:schemeClr>
-              </a:solidFill>
-              <a:prstDash val="solid"/>
-              <a:round/>
-              <a:headEnd type="none" w="med" len="med"/>
-              <a:tailEnd type="none" w="med" len="med"/>
-            </a:ln>
-            <a:effectLst/>
-          </p:spPr>
-          <p:txBody>
-            <a:bodyPr vert="horz" wrap="square" lIns="91440" tIns="45720" rIns="91440" bIns="45720" numCol="1" rtlCol="0" anchor="t" anchorCtr="0" compatLnSpc="1">
-              <a:prstTxWarp prst="textNoShape">
-                <a:avLst/>
-              </a:prstTxWarp>
-            </a:bodyPr>
-            <a:lstStyle/>
-            <a:p>
-              <a:pPr marL="0" marR="0" indent="0" algn="r" defTabSz="914400" rtl="0" eaLnBrk="0" fontAlgn="base" latinLnBrk="0" hangingPunct="0">
-                <a:lnSpc>
-                  <a:spcPct val="100000"/>
-                </a:lnSpc>
-                <a:spcBef>
-                  <a:spcPct val="0"/>
-                </a:spcBef>
-                <a:spcAft>
-                  <a:spcPct val="0"/>
-                </a:spcAft>
-                <a:buClrTx/>
-                <a:buSzTx/>
-                <a:buFontTx/>
-                <a:buNone/>
-                <a:tabLst/>
-              </a:pPr>
-              <a:endParaRPr kumimoji="0" lang="de-DE" sz="2000" b="0" i="0" u="none" strike="noStrike" cap="none" normalizeH="0" baseline="0" smtClean="0">
-                <a:ln>
-                  <a:noFill/>
-                </a:ln>
-                <a:solidFill>
-                  <a:schemeClr val="tx1"/>
-                </a:solidFill>
-                <a:effectLst/>
-                <a:latin typeface="Arial" pitchFamily="34" charset="0"/>
-              </a:endParaRPr>
-            </a:p>
-          </p:txBody>
-        </p:sp>
-        <p:sp>
-          <p:nvSpPr>
-            <p:cNvPr id="31" name="Parallelogram 30"/>
-            <p:cNvSpPr/>
-            <p:nvPr/>
-          </p:nvSpPr>
-          <p:spPr bwMode="auto">
-            <a:xfrm rot="20852591">
-              <a:off x="2019033" y="4743926"/>
-              <a:ext cx="3513929" cy="270618"/>
-            </a:xfrm>
-            <a:prstGeom prst="parallelogram">
-              <a:avLst>
-                <a:gd name="adj" fmla="val 160111"/>
-              </a:avLst>
-            </a:prstGeom>
-            <a:solidFill>
-              <a:schemeClr val="bg1">
-                <a:lumMod val="65000"/>
-              </a:schemeClr>
-            </a:solidFill>
-            <a:ln w="9525" cap="flat" cmpd="sng" algn="ctr">
-              <a:solidFill>
-                <a:schemeClr val="bg1">
-                  <a:lumMod val="65000"/>
-                </a:schemeClr>
-              </a:solidFill>
-              <a:prstDash val="solid"/>
-              <a:round/>
-              <a:headEnd type="none" w="med" len="med"/>
-              <a:tailEnd type="none" w="med" len="med"/>
-            </a:ln>
-            <a:effectLst/>
-          </p:spPr>
-          <p:txBody>
-            <a:bodyPr vert="horz" wrap="square" lIns="91440" tIns="45720" rIns="91440" bIns="45720" numCol="1" rtlCol="0" anchor="t" anchorCtr="0" compatLnSpc="1">
-              <a:prstTxWarp prst="textNoShape">
-                <a:avLst/>
-              </a:prstTxWarp>
-            </a:bodyPr>
-            <a:lstStyle/>
-            <a:p>
-              <a:pPr marL="0" marR="0" indent="0" algn="r" defTabSz="914400" rtl="0" eaLnBrk="0" fontAlgn="base" latinLnBrk="0" hangingPunct="0">
-                <a:lnSpc>
-                  <a:spcPct val="100000"/>
-                </a:lnSpc>
-                <a:spcBef>
-                  <a:spcPct val="0"/>
-                </a:spcBef>
-                <a:spcAft>
-                  <a:spcPct val="0"/>
-                </a:spcAft>
-                <a:buClrTx/>
-                <a:buSzTx/>
-                <a:buFontTx/>
-                <a:buNone/>
-                <a:tabLst/>
-              </a:pPr>
-              <a:endParaRPr kumimoji="0" lang="de-DE" sz="2000" b="0" i="0" u="none" strike="noStrike" cap="none" normalizeH="0" baseline="0" smtClean="0">
-                <a:ln>
-                  <a:noFill/>
-                </a:ln>
-                <a:solidFill>
-                  <a:schemeClr val="tx1"/>
-                </a:solidFill>
-                <a:effectLst/>
-                <a:latin typeface="Arial" pitchFamily="34" charset="0"/>
-              </a:endParaRPr>
-            </a:p>
-          </p:txBody>
-        </p:sp>
-        <p:sp>
-          <p:nvSpPr>
-            <p:cNvPr id="32" name="Parallelogram 31"/>
-            <p:cNvSpPr/>
-            <p:nvPr/>
-          </p:nvSpPr>
-          <p:spPr bwMode="auto">
-            <a:xfrm rot="20852591">
-              <a:off x="1664514" y="5092506"/>
-              <a:ext cx="3513929" cy="270618"/>
-            </a:xfrm>
-            <a:prstGeom prst="parallelogram">
-              <a:avLst>
-                <a:gd name="adj" fmla="val 160111"/>
-              </a:avLst>
-            </a:prstGeom>
-            <a:solidFill>
-              <a:schemeClr val="bg1">
-                <a:lumMod val="75000"/>
-              </a:schemeClr>
-            </a:solidFill>
-            <a:ln w="9525" cap="flat" cmpd="sng" algn="ctr">
-              <a:solidFill>
-                <a:schemeClr val="bg1">
-                  <a:lumMod val="75000"/>
-                </a:schemeClr>
-              </a:solidFill>
-              <a:prstDash val="solid"/>
-              <a:round/>
-              <a:headEnd type="none" w="med" len="med"/>
-              <a:tailEnd type="none" w="med" len="med"/>
-            </a:ln>
-            <a:effectLst/>
-          </p:spPr>
-          <p:txBody>
-            <a:bodyPr vert="horz" wrap="square" lIns="91440" tIns="45720" rIns="91440" bIns="45720" numCol="1" rtlCol="0" anchor="t" anchorCtr="0" compatLnSpc="1">
-              <a:prstTxWarp prst="textNoShape">
-                <a:avLst/>
-              </a:prstTxWarp>
-            </a:bodyPr>
-            <a:lstStyle/>
-            <a:p>
-              <a:pPr marL="0" marR="0" indent="0" algn="r" defTabSz="914400" rtl="0" eaLnBrk="0" fontAlgn="base" latinLnBrk="0" hangingPunct="0">
-                <a:lnSpc>
-                  <a:spcPct val="100000"/>
-                </a:lnSpc>
-                <a:spcBef>
-                  <a:spcPct val="0"/>
-                </a:spcBef>
-                <a:spcAft>
-                  <a:spcPct val="0"/>
-                </a:spcAft>
-                <a:buClrTx/>
-                <a:buSzTx/>
-                <a:buFontTx/>
-                <a:buNone/>
-                <a:tabLst/>
-              </a:pPr>
-              <a:endParaRPr kumimoji="0" lang="de-DE" sz="2000" b="0" i="0" u="none" strike="noStrike" cap="none" normalizeH="0" baseline="0" smtClean="0">
-                <a:ln>
-                  <a:noFill/>
-                </a:ln>
-                <a:solidFill>
-                  <a:schemeClr val="tx1"/>
-                </a:solidFill>
-                <a:effectLst/>
-                <a:latin typeface="Arial" pitchFamily="34" charset="0"/>
-              </a:endParaRPr>
-            </a:p>
-          </p:txBody>
-        </p:sp>
-        <p:sp>
-          <p:nvSpPr>
-            <p:cNvPr id="33" name="Parallelogram 32"/>
-            <p:cNvSpPr/>
-            <p:nvPr/>
-          </p:nvSpPr>
-          <p:spPr bwMode="auto">
-            <a:xfrm rot="20852591">
-              <a:off x="1334314" y="5416891"/>
-              <a:ext cx="3513929" cy="270618"/>
-            </a:xfrm>
-            <a:prstGeom prst="parallelogram">
-              <a:avLst>
-                <a:gd name="adj" fmla="val 160111"/>
-              </a:avLst>
-            </a:prstGeom>
-            <a:solidFill>
-              <a:schemeClr val="bg1">
-                <a:lumMod val="85000"/>
-              </a:schemeClr>
-            </a:solidFill>
-            <a:ln w="9525" cap="flat" cmpd="sng" algn="ctr">
-              <a:solidFill>
-                <a:schemeClr val="bg1">
-                  <a:lumMod val="85000"/>
-                </a:schemeClr>
-              </a:solidFill>
-              <a:prstDash val="solid"/>
-              <a:round/>
-              <a:headEnd type="none" w="med" len="med"/>
-              <a:tailEnd type="none" w="med" len="med"/>
-            </a:ln>
-            <a:effectLst/>
-          </p:spPr>
-          <p:txBody>
-            <a:bodyPr vert="horz" wrap="square" lIns="91440" tIns="45720" rIns="91440" bIns="45720" numCol="1" rtlCol="0" anchor="t" anchorCtr="0" compatLnSpc="1">
-              <a:prstTxWarp prst="textNoShape">
-                <a:avLst/>
-              </a:prstTxWarp>
-            </a:bodyPr>
-            <a:lstStyle/>
-            <a:p>
-              <a:pPr marL="0" marR="0" indent="0" algn="r" defTabSz="914400" rtl="0" eaLnBrk="0" fontAlgn="base" latinLnBrk="0" hangingPunct="0">
-                <a:lnSpc>
-                  <a:spcPct val="100000"/>
-                </a:lnSpc>
-                <a:spcBef>
-                  <a:spcPct val="0"/>
-                </a:spcBef>
-                <a:spcAft>
-                  <a:spcPct val="0"/>
-                </a:spcAft>
-                <a:buClrTx/>
-                <a:buSzTx/>
-                <a:buFontTx/>
-                <a:buNone/>
-                <a:tabLst/>
-              </a:pPr>
-              <a:endParaRPr kumimoji="0" lang="de-DE" sz="2000" b="0" i="0" u="none" strike="noStrike" cap="none" normalizeH="0" baseline="0" smtClean="0">
-                <a:ln>
-                  <a:noFill/>
-                </a:ln>
-                <a:solidFill>
-                  <a:schemeClr val="tx1"/>
-                </a:solidFill>
-                <a:effectLst/>
-                <a:latin typeface="Arial" pitchFamily="34" charset="0"/>
-              </a:endParaRPr>
-            </a:p>
-          </p:txBody>
-        </p:sp>
-      </p:grpSp>
-      <p:cxnSp>
-        <p:nvCxnSpPr>
-          <p:cNvPr id="36" name="Straight Connector 35"/>
-          <p:cNvCxnSpPr/>
-          <p:nvPr/>
-        </p:nvCxnSpPr>
-        <p:spPr bwMode="auto">
-          <a:xfrm>
-            <a:off x="1399798" y="6063308"/>
-            <a:ext cx="2939762" cy="0"/>
-          </a:xfrm>
-          <a:prstGeom prst="line">
-            <a:avLst/>
-          </a:prstGeom>
-          <a:solidFill>
-            <a:schemeClr val="accent1"/>
-          </a:solidFill>
-          <a:ln w="57150" cap="flat" cmpd="sng" algn="ctr">
-            <a:solidFill>
-              <a:schemeClr val="tx2"/>
-            </a:solidFill>
-            <a:prstDash val="sysDot"/>
-            <a:round/>
-            <a:headEnd type="none" w="med" len="med"/>
-            <a:tailEnd type="none" w="med" len="med"/>
-          </a:ln>
-          <a:effectLst/>
-        </p:spPr>
-      </p:cxnSp>
-      <p:cxnSp>
-        <p:nvCxnSpPr>
-          <p:cNvPr id="37" name="Straight Connector 36"/>
-          <p:cNvCxnSpPr/>
-          <p:nvPr/>
-        </p:nvCxnSpPr>
-        <p:spPr bwMode="auto">
-          <a:xfrm flipV="1">
-            <a:off x="4427795" y="5390344"/>
-            <a:ext cx="0" cy="693750"/>
-          </a:xfrm>
-          <a:prstGeom prst="line">
-            <a:avLst/>
-          </a:prstGeom>
-          <a:solidFill>
-            <a:schemeClr val="accent1"/>
-          </a:solidFill>
-          <a:ln w="57150" cap="flat" cmpd="sng" algn="ctr">
-            <a:solidFill>
-              <a:schemeClr val="tx2"/>
-            </a:solidFill>
-            <a:prstDash val="sysDot"/>
-            <a:round/>
-            <a:headEnd type="none" w="med" len="med"/>
-            <a:tailEnd type="none" w="med" len="med"/>
-          </a:ln>
-          <a:effectLst/>
-        </p:spPr>
-      </p:cxnSp>
-      <p:sp>
-        <p:nvSpPr>
-          <p:cNvPr id="41" name="TextBox 40"/>
-          <p:cNvSpPr txBox="1"/>
-          <p:nvPr/>
-        </p:nvSpPr>
-        <p:spPr>
-          <a:xfrm>
-            <a:off x="3271696" y="1941560"/>
-            <a:ext cx="1395554" cy="400110"/>
-          </a:xfrm>
-          <a:prstGeom prst="rect">
-            <a:avLst/>
-          </a:prstGeom>
-          <a:noFill/>
-        </p:spPr>
-        <p:txBody>
-          <a:bodyPr wrap="square" rtlCol="0">
-            <a:spAutoFit/>
-          </a:bodyPr>
-          <a:lstStyle/>
-          <a:p>
-            <a:pPr algn="l"/>
-            <a:r>
-              <a:rPr lang="de-DE" dirty="0" smtClean="0"/>
-              <a:t>Amplitude</a:t>
-            </a:r>
-            <a:endParaRPr lang="de-DE" dirty="0"/>
-          </a:p>
-        </p:txBody>
-      </p:sp>
-      <p:sp>
-        <p:nvSpPr>
-          <p:cNvPr id="43" name="TextBox 42"/>
-          <p:cNvSpPr txBox="1"/>
-          <p:nvPr/>
-        </p:nvSpPr>
-        <p:spPr>
-          <a:xfrm>
-            <a:off x="4897351" y="1941560"/>
-            <a:ext cx="3775908" cy="1323439"/>
-          </a:xfrm>
-          <a:prstGeom prst="rect">
-            <a:avLst/>
-          </a:prstGeom>
-          <a:noFill/>
-        </p:spPr>
-        <p:txBody>
-          <a:bodyPr wrap="square" rtlCol="0">
-            <a:spAutoFit/>
-          </a:bodyPr>
-          <a:lstStyle/>
-          <a:p>
-            <a:pPr marL="342900" indent="-342900" algn="l">
-              <a:buFont typeface="Arial" panose="020B0604020202020204" pitchFamily="34" charset="0"/>
-              <a:buChar char="•"/>
-            </a:pPr>
-            <a:r>
-              <a:rPr lang="de-DE" dirty="0" smtClean="0"/>
-              <a:t>Five soundfiles for different velocities</a:t>
-            </a:r>
-          </a:p>
-          <a:p>
-            <a:pPr marL="342900" indent="-342900" algn="l">
-              <a:buFont typeface="Arial" panose="020B0604020202020204" pitchFamily="34" charset="0"/>
-              <a:buChar char="•"/>
-            </a:pPr>
-            <a:r>
-              <a:rPr lang="de-DE" dirty="0" smtClean="0"/>
-              <a:t>Aplitude linear to penetration depth</a:t>
-            </a:r>
-            <a:endParaRPr lang="de-DE" dirty="0"/>
-          </a:p>
-        </p:txBody>
-      </p:sp>
-      <p:cxnSp>
-        <p:nvCxnSpPr>
-          <p:cNvPr id="23" name="Straight Connector 22"/>
-          <p:cNvCxnSpPr/>
-          <p:nvPr/>
-        </p:nvCxnSpPr>
-        <p:spPr bwMode="auto">
-          <a:xfrm flipV="1">
-            <a:off x="4499995" y="4368128"/>
-            <a:ext cx="1671540" cy="1695180"/>
-          </a:xfrm>
-          <a:prstGeom prst="line">
-            <a:avLst/>
-          </a:prstGeom>
-          <a:solidFill>
-            <a:schemeClr val="accent1"/>
-          </a:solidFill>
-          <a:ln w="57150" cap="flat" cmpd="sng" algn="ctr">
-            <a:solidFill>
-              <a:schemeClr val="tx2"/>
-            </a:solidFill>
-            <a:prstDash val="sysDot"/>
-            <a:round/>
-            <a:headEnd type="none" w="med" len="med"/>
-            <a:tailEnd type="none" w="med" len="med"/>
-          </a:ln>
-          <a:effectLst/>
-        </p:spPr>
-      </p:cxnSp>
-      <p:cxnSp>
-        <p:nvCxnSpPr>
-          <p:cNvPr id="25" name="Straight Connector 24"/>
-          <p:cNvCxnSpPr/>
-          <p:nvPr/>
-        </p:nvCxnSpPr>
-        <p:spPr bwMode="auto">
-          <a:xfrm flipV="1">
-            <a:off x="6171535" y="3674377"/>
-            <a:ext cx="0" cy="693750"/>
-          </a:xfrm>
-          <a:prstGeom prst="line">
-            <a:avLst/>
-          </a:prstGeom>
-          <a:solidFill>
-            <a:schemeClr val="accent1"/>
-          </a:solidFill>
-          <a:ln w="57150" cap="flat" cmpd="sng" algn="ctr">
-            <a:solidFill>
-              <a:schemeClr val="tx2"/>
-            </a:solidFill>
-            <a:prstDash val="sysDot"/>
-            <a:round/>
-            <a:headEnd type="none" w="med" len="med"/>
-            <a:tailEnd type="none" w="med" len="med"/>
-          </a:ln>
-          <a:effectLst/>
-        </p:spPr>
-      </p:cxnSp>
-    </p:spTree>
-    <p:extLst>
-      <p:ext uri="{BB962C8B-B14F-4D97-AF65-F5344CB8AC3E}">
-        <p14:creationId xmlns:p14="http://schemas.microsoft.com/office/powerpoint/2010/main" val="1269798419"/>
-      </p:ext>
-    </p:extLst>
-  </p:cSld>
-  <p:clrMapOvr>
-    <a:masterClrMapping/>
-  </p:clrMapOvr>
-  <mc:AlternateContent xmlns:mc="http://schemas.openxmlformats.org/markup-compatibility/2006">
-    <mc:Choice xmlns:p14="http://schemas.microsoft.com/office/powerpoint/2010/main" Requires="p14">
-      <p:transition spd="slow" p14:dur="2000" advTm="73275"/>
-    </mc:Choice>
-    <mc:Fallback>
-      <p:transition spd="slow" advTm="73275"/>
     </mc:Fallback>
   </mc:AlternateContent>
   <p:timing>

--- a/Haptics_Presentation.pptx
+++ b/Haptics_Presentation.pptx
@@ -5,16 +5,16 @@
     <p:sldMasterId id="2147483648" r:id="rId1"/>
   </p:sldMasterIdLst>
   <p:notesMasterIdLst>
-    <p:notesMasterId r:id="rId22"/>
+    <p:notesMasterId r:id="rId23"/>
   </p:notesMasterIdLst>
   <p:handoutMasterIdLst>
-    <p:handoutMasterId r:id="rId23"/>
+    <p:handoutMasterId r:id="rId24"/>
   </p:handoutMasterIdLst>
   <p:sldIdLst>
     <p:sldId id="256" r:id="rId2"/>
     <p:sldId id="257" r:id="rId3"/>
     <p:sldId id="276" r:id="rId4"/>
-    <p:sldId id="274" r:id="rId5"/>
+    <p:sldId id="277" r:id="rId5"/>
     <p:sldId id="268" r:id="rId6"/>
     <p:sldId id="263" r:id="rId7"/>
     <p:sldId id="262" r:id="rId8"/>
@@ -23,14 +23,15 @@
     <p:sldId id="269" r:id="rId11"/>
     <p:sldId id="266" r:id="rId12"/>
     <p:sldId id="270" r:id="rId13"/>
-    <p:sldId id="271" r:id="rId14"/>
+    <p:sldId id="278" r:id="rId14"/>
     <p:sldId id="272" r:id="rId15"/>
     <p:sldId id="273" r:id="rId16"/>
-    <p:sldId id="267" r:id="rId17"/>
-    <p:sldId id="259" r:id="rId18"/>
-    <p:sldId id="261" r:id="rId19"/>
-    <p:sldId id="260" r:id="rId20"/>
-    <p:sldId id="258" r:id="rId21"/>
+    <p:sldId id="271" r:id="rId17"/>
+    <p:sldId id="267" r:id="rId18"/>
+    <p:sldId id="259" r:id="rId19"/>
+    <p:sldId id="261" r:id="rId20"/>
+    <p:sldId id="260" r:id="rId21"/>
+    <p:sldId id="258" r:id="rId22"/>
   </p:sldIdLst>
   <p:sldSz cx="9144000" cy="6858000" type="screen4x3"/>
   <p:notesSz cx="6858000" cy="9144000"/>
@@ -161,7 +162,7 @@
   </p:defaultTextStyle>
   <p:extLst>
     <p:ext uri="{EFAFB233-063F-42B5-8137-9DF3F51BA10A}">
-      <p15:sldGuideLst xmlns="" xmlns:p15="http://schemas.microsoft.com/office/powerpoint/2012/main">
+      <p15:sldGuideLst xmlns:p15="http://schemas.microsoft.com/office/powerpoint/2012/main" xmlns="">
         <p15:guide id="1" orient="horz" pos="1066">
           <p15:clr>
             <a:srgbClr val="A4A3A4"/>
@@ -175,7 +176,7 @@
       </p15:sldGuideLst>
     </p:ext>
     <p:ext uri="{2D200454-40CA-4A62-9FC3-DE9A4176ACB9}">
-      <p15:notesGuideLst xmlns="" xmlns:p15="http://schemas.microsoft.com/office/powerpoint/2012/main"/>
+      <p15:notesGuideLst xmlns:p15="http://schemas.microsoft.com/office/powerpoint/2012/main" xmlns=""/>
     </p:ext>
   </p:extLst>
 </p:presentation>
@@ -1088,7 +1089,7 @@
     </p:spTree>
     <p:extLst>
       <p:ext uri="{BB962C8B-B14F-4D97-AF65-F5344CB8AC3E}">
-        <p14:creationId xmlns:p14="http://schemas.microsoft.com/office/powerpoint/2010/main" val="3416692730"/>
+        <p14:creationId xmlns:p14="http://schemas.microsoft.com/office/powerpoint/2010/main" val="3895945384"/>
       </p:ext>
     </p:extLst>
   </p:cSld>
@@ -1571,7 +1572,7 @@
           <a:p>
             <a:fld id="{8F5CB5E2-7C9C-4C5B-9DA5-0EA99E650B91}" type="datetime1">
               <a:rPr lang="de-DE" noProof="0" smtClean="0"/>
-              <a:t>06.08.2015</a:t>
+              <a:t>07.08.2015</a:t>
             </a:fld>
             <a:endParaRPr lang="en-US" noProof="0"/>
           </a:p>
@@ -2037,7 +2038,7 @@
           <a:p>
             <a:fld id="{B9DDE0D6-F2D4-4DAF-806D-E2C13DCE8831}" type="datetime1">
               <a:rPr lang="de-DE" noProof="0" smtClean="0"/>
-              <a:t>06.08.2015</a:t>
+              <a:t>07.08.2015</a:t>
             </a:fld>
             <a:endParaRPr lang="en-US" noProof="0"/>
           </a:p>
@@ -2389,7 +2390,7 @@
           <a:p>
             <a:fld id="{B328BD0B-144B-4771-A6F1-C96D674AB00F}" type="datetime1">
               <a:rPr lang="de-DE" smtClean="0"/>
-              <a:t>06.08.2015</a:t>
+              <a:t>07.08.2015</a:t>
             </a:fld>
             <a:endParaRPr lang="en-US" dirty="0"/>
           </a:p>
@@ -3527,21 +3528,8 @@
                 <a:ea typeface="ＭＳ Ｐゴシック" charset="0"/>
                 <a:cs typeface="ＭＳ Ｐゴシック" charset="0"/>
               </a:rPr>
-              <a:t>Haptic </a:t>
-            </a:r>
-            <a:r>
-              <a:rPr lang="en-US" dirty="0" smtClean="0">
-                <a:latin typeface="Arial" charset="0"/>
-                <a:ea typeface="ＭＳ Ｐゴシック" charset="0"/>
-                <a:cs typeface="ＭＳ Ｐゴシック" charset="0"/>
-              </a:rPr>
-              <a:t>Memory</a:t>
-            </a:r>
-            <a:endParaRPr lang="en-US" dirty="0" smtClean="0">
-              <a:latin typeface="Arial" charset="0"/>
-              <a:ea typeface="ＭＳ Ｐゴシック" charset="0"/>
-              <a:cs typeface="ＭＳ Ｐゴシック" charset="0"/>
-            </a:endParaRPr>
+              <a:t>Haptic Memory</a:t>
+            </a:r>
           </a:p>
         </p:txBody>
       </p:sp>
@@ -3844,11 +3832,11 @@
   <p:clrMapOvr>
     <a:masterClrMapping/>
   </p:clrMapOvr>
-  <mc:AlternateContent xmlns:mc="http://schemas.openxmlformats.org/markup-compatibility/2006">
-    <mc:Choice xmlns:p14="http://schemas.microsoft.com/office/powerpoint/2010/main" Requires="p14">
+  <mc:AlternateContent xmlns:mc="http://schemas.openxmlformats.org/markup-compatibility/2006" xmlns:p14="http://schemas.microsoft.com/office/powerpoint/2010/main">
+    <mc:Choice Requires="p14">
       <p:transition spd="slow" p14:dur="2000" advTm="4519"/>
     </mc:Choice>
-    <mc:Fallback>
+    <mc:Fallback xmlns="">
       <p:transition spd="slow" advTm="4519"/>
     </mc:Fallback>
   </mc:AlternateContent>
@@ -3919,7 +3907,7 @@
           <a:p>
             <a:fld id="{42685C72-62E2-47FE-949C-9E3317A801B3}" type="datetime1">
               <a:rPr lang="de-DE" noProof="0" smtClean="0"/>
-              <a:t>06.08.2015</a:t>
+              <a:t>07.08.2015</a:t>
             </a:fld>
             <a:endParaRPr lang="en-US" noProof="0"/>
           </a:p>
@@ -4570,14 +4558,34 @@
               <a:buChar char="•"/>
             </a:pPr>
             <a:r>
-              <a:rPr lang="de-DE" dirty="0" smtClean="0"/>
-              <a:t>Amplitude </a:t>
-            </a:r>
-            <a:r>
-              <a:rPr lang="de-DE" dirty="0" smtClean="0"/>
-              <a:t>constant (independet of penetration depth /force)</a:t>
-            </a:r>
-            <a:endParaRPr lang="de-DE" dirty="0"/>
+              <a:rPr lang="de-DE" dirty="0" smtClean="0">
+                <a:solidFill>
+                  <a:srgbClr val="FF0000"/>
+                </a:solidFill>
+              </a:rPr>
+              <a:t>Amplitude constant (independet of penetration </a:t>
+            </a:r>
+            <a:r>
+              <a:rPr lang="de-DE" dirty="0" smtClean="0">
+                <a:solidFill>
+                  <a:srgbClr val="FF0000"/>
+                </a:solidFill>
+              </a:rPr>
+              <a:t>depth/force</a:t>
+            </a:r>
+            <a:r>
+              <a:rPr lang="de-DE" dirty="0" smtClean="0">
+                <a:solidFill>
+                  <a:srgbClr val="FF0000"/>
+                </a:solidFill>
+              </a:rPr>
+              <a:t>)</a:t>
+            </a:r>
+            <a:endParaRPr lang="de-DE" dirty="0">
+              <a:solidFill>
+                <a:srgbClr val="FF0000"/>
+              </a:solidFill>
+            </a:endParaRPr>
           </a:p>
         </p:txBody>
       </p:sp>
@@ -5135,11 +5143,11 @@
   <p:clrMapOvr>
     <a:masterClrMapping/>
   </p:clrMapOvr>
-  <mc:AlternateContent xmlns:mc="http://schemas.openxmlformats.org/markup-compatibility/2006">
-    <mc:Choice xmlns:p14="http://schemas.microsoft.com/office/powerpoint/2010/main" Requires="p14">
+  <mc:AlternateContent xmlns:mc="http://schemas.openxmlformats.org/markup-compatibility/2006" xmlns:p14="http://schemas.microsoft.com/office/powerpoint/2010/main">
+    <mc:Choice Requires="p14">
       <p:transition spd="slow" p14:dur="2000" advTm="56287"/>
     </mc:Choice>
-    <mc:Fallback>
+    <mc:Fallback xmlns="">
       <p:transition spd="slow" advTm="56287"/>
     </mc:Fallback>
   </mc:AlternateContent>
@@ -5308,7 +5316,7 @@
           <a:p>
             <a:fld id="{7B606F6F-8BBA-47EE-8CE1-A9CB789DF332}" type="datetime1">
               <a:rPr lang="de-DE" noProof="0" smtClean="0"/>
-              <a:t>06.08.2015</a:t>
+              <a:t>07.08.2015</a:t>
             </a:fld>
             <a:endParaRPr lang="en-US" noProof="0"/>
           </a:p>
@@ -6038,14 +6046,26 @@
               <a:buChar char="•"/>
             </a:pPr>
             <a:r>
-              <a:rPr lang="de-DE" dirty="0" smtClean="0"/>
-              <a:t>Amplitude </a:t>
-            </a:r>
-            <a:r>
-              <a:rPr lang="de-DE" dirty="0" smtClean="0"/>
-              <a:t>linear to penetration depth</a:t>
-            </a:r>
-            <a:endParaRPr lang="de-DE" dirty="0"/>
+              <a:rPr lang="de-DE" dirty="0" smtClean="0">
+                <a:solidFill>
+                  <a:srgbClr val="FF0000"/>
+                </a:solidFill>
+              </a:rPr>
+              <a:t>Amplitude linear to penetration </a:t>
+            </a:r>
+            <a:r>
+              <a:rPr lang="de-DE" dirty="0" smtClean="0">
+                <a:solidFill>
+                  <a:srgbClr val="FF0000"/>
+                </a:solidFill>
+              </a:rPr>
+              <a:t>depth/force</a:t>
+            </a:r>
+            <a:endParaRPr lang="de-DE" dirty="0">
+              <a:solidFill>
+                <a:srgbClr val="FF0000"/>
+              </a:solidFill>
+            </a:endParaRPr>
           </a:p>
         </p:txBody>
       </p:sp>
@@ -6117,11 +6137,11 @@
   <p:clrMapOvr>
     <a:masterClrMapping/>
   </p:clrMapOvr>
-  <mc:AlternateContent xmlns:mc="http://schemas.openxmlformats.org/markup-compatibility/2006">
-    <mc:Choice xmlns:p14="http://schemas.microsoft.com/office/powerpoint/2010/main" Requires="p14">
+  <mc:AlternateContent xmlns:mc="http://schemas.openxmlformats.org/markup-compatibility/2006" xmlns:p14="http://schemas.microsoft.com/office/powerpoint/2010/main">
+    <mc:Choice Requires="p14">
       <p:transition spd="slow" p14:dur="2000" advTm="73275"/>
     </mc:Choice>
-    <mc:Fallback>
+    <mc:Fallback xmlns="">
       <p:transition spd="slow" advTm="73275"/>
     </mc:Fallback>
   </mc:AlternateContent>
@@ -6192,7 +6212,7 @@
           <a:p>
             <a:fld id="{5B7B2BA2-087B-489E-9F75-3C72911A1C8A}" type="datetime1">
               <a:rPr lang="de-DE" noProof="0" smtClean="0"/>
-              <a:t>06.08.2015</a:t>
+              <a:t>07.08.2015</a:t>
             </a:fld>
             <a:endParaRPr lang="en-US" noProof="0"/>
           </a:p>
@@ -7210,11 +7230,7 @@
             <a:pPr algn="l"/>
             <a:r>
               <a:rPr lang="en-US" sz="1000" b="1" dirty="0" smtClean="0"/>
-              <a:t>Automatic Filte</a:t>
-            </a:r>
-            <a:r>
-              <a:rPr lang="en-US" sz="1000" b="1" dirty="0" smtClean="0"/>
-              <a:t>r Design for Synthesis of Haptic </a:t>
+              <a:t>Automatic Filter Design for Synthesis of Haptic </a:t>
             </a:r>
           </a:p>
           <a:p>
@@ -7280,11 +7296,11 @@
   <p:clrMapOvr>
     <a:masterClrMapping/>
   </p:clrMapOvr>
-  <mc:AlternateContent xmlns:mc="http://schemas.openxmlformats.org/markup-compatibility/2006">
-    <mc:Choice xmlns:p14="http://schemas.microsoft.com/office/powerpoint/2010/main" Requires="p14">
+  <mc:AlternateContent xmlns:mc="http://schemas.openxmlformats.org/markup-compatibility/2006" xmlns:p14="http://schemas.microsoft.com/office/powerpoint/2010/main">
+    <mc:Choice Requires="p14">
       <p:transition spd="slow" p14:dur="2000" advTm="60883"/>
     </mc:Choice>
-    <mc:Fallback>
+    <mc:Fallback xmlns="">
       <p:transition spd="slow" advTm="60883"/>
     </mc:Fallback>
   </mc:AlternateContent>
@@ -7353,9 +7369,9 @@
           <a:bodyPr/>
           <a:lstStyle/>
           <a:p>
-            <a:fld id="{0C452F02-315D-4CFC-A0A7-CABAD71953AD}" type="datetime1">
+            <a:fld id="{5B7B2BA2-087B-489E-9F75-3C72911A1C8A}" type="datetime1">
               <a:rPr lang="de-DE" noProof="0" smtClean="0"/>
-              <a:t>06.08.2015</a:t>
+              <a:t>07.08.2015</a:t>
             </a:fld>
             <a:endParaRPr lang="en-US" noProof="0"/>
           </a:p>
@@ -7403,6 +7419,1944 @@
               <a:rPr lang="en-US" noProof="0" smtClean="0"/>
               <a:pPr/>
               <a:t>13</a:t>
+            </a:fld>
+            <a:endParaRPr lang="en-US" noProof="0"/>
+          </a:p>
+        </p:txBody>
+      </p:sp>
+      <p:grpSp>
+        <p:nvGrpSpPr>
+          <p:cNvPr id="11" name="Group 10"/>
+          <p:cNvGrpSpPr/>
+          <p:nvPr/>
+        </p:nvGrpSpPr>
+        <p:grpSpPr>
+          <a:xfrm>
+            <a:off x="584201" y="1628745"/>
+            <a:ext cx="1643062" cy="1619310"/>
+            <a:chOff x="889001" y="1828800"/>
+            <a:chExt cx="1643062" cy="1619310"/>
+          </a:xfrm>
+        </p:grpSpPr>
+        <p:grpSp>
+          <p:nvGrpSpPr>
+            <p:cNvPr id="9" name="Group 8"/>
+            <p:cNvGrpSpPr/>
+            <p:nvPr/>
+          </p:nvGrpSpPr>
+          <p:grpSpPr>
+            <a:xfrm>
+              <a:off x="889001" y="1828800"/>
+              <a:ext cx="1574800" cy="1619310"/>
+              <a:chOff x="889001" y="1828800"/>
+              <a:chExt cx="1574800" cy="1619310"/>
+            </a:xfrm>
+          </p:grpSpPr>
+          <p:pic>
+            <p:nvPicPr>
+              <p:cNvPr id="3074" name="Picture 2" descr="http://www.pngimage.com/wp-content/uploads/2014/10/Cloughmore_Stone.png"/>
+              <p:cNvPicPr>
+                <a:picLocks noChangeAspect="1" noChangeArrowheads="1"/>
+              </p:cNvPicPr>
+              <p:nvPr/>
+            </p:nvPicPr>
+            <p:blipFill>
+              <a:blip r:embed="rId2" cstate="email">
+                <a:extLst>
+                  <a:ext uri="{28A0092B-C50C-407E-A947-70E740481C1C}">
+                    <a14:useLocalDpi xmlns:a14="http://schemas.microsoft.com/office/drawing/2010/main" val="0"/>
+                  </a:ext>
+                </a:extLst>
+              </a:blip>
+              <a:srcRect/>
+              <a:stretch>
+                <a:fillRect/>
+              </a:stretch>
+            </p:blipFill>
+            <p:spPr bwMode="auto">
+              <a:xfrm>
+                <a:off x="889001" y="1828800"/>
+                <a:ext cx="1498600" cy="1123950"/>
+              </a:xfrm>
+              <a:prstGeom prst="rect">
+                <a:avLst/>
+              </a:prstGeom>
+              <a:noFill/>
+              <a:extLst>
+                <a:ext uri="{909E8E84-426E-40DD-AFC4-6F175D3DCCD1}">
+                  <a14:hiddenFill xmlns:a14="http://schemas.microsoft.com/office/drawing/2010/main">
+                    <a:solidFill>
+                      <a:srgbClr val="FFFFFF"/>
+                    </a:solidFill>
+                  </a14:hiddenFill>
+                </a:ext>
+              </a:extLst>
+            </p:spPr>
+          </p:pic>
+          <p:sp>
+            <p:nvSpPr>
+              <p:cNvPr id="8" name="Rectangle 7"/>
+              <p:cNvSpPr/>
+              <p:nvPr/>
+            </p:nvSpPr>
+            <p:spPr bwMode="auto">
+              <a:xfrm>
+                <a:off x="965201" y="2009775"/>
+                <a:ext cx="1498600" cy="1438335"/>
+              </a:xfrm>
+              <a:prstGeom prst="rect">
+                <a:avLst/>
+              </a:prstGeom>
+              <a:solidFill>
+                <a:srgbClr val="9A9A9A">
+                  <a:alpha val="0"/>
+                </a:srgbClr>
+              </a:solidFill>
+              <a:ln>
+                <a:headEnd type="none" w="med" len="med"/>
+                <a:tailEnd type="none" w="med" len="med"/>
+              </a:ln>
+            </p:spPr>
+            <p:style>
+              <a:lnRef idx="2">
+                <a:schemeClr val="dk1"/>
+              </a:lnRef>
+              <a:fillRef idx="1">
+                <a:schemeClr val="lt1"/>
+              </a:fillRef>
+              <a:effectRef idx="0">
+                <a:schemeClr val="dk1"/>
+              </a:effectRef>
+              <a:fontRef idx="minor">
+                <a:schemeClr val="dk1"/>
+              </a:fontRef>
+            </p:style>
+            <p:txBody>
+              <a:bodyPr vert="horz" wrap="square" lIns="91440" tIns="45720" rIns="91440" bIns="45720" numCol="1" rtlCol="0" anchor="t" anchorCtr="0" compatLnSpc="1">
+                <a:prstTxWarp prst="textNoShape">
+                  <a:avLst/>
+                </a:prstTxWarp>
+              </a:bodyPr>
+              <a:lstStyle/>
+              <a:p>
+                <a:pPr marL="0" marR="0" indent="0" algn="r" defTabSz="914400" rtl="0" eaLnBrk="0" fontAlgn="base" latinLnBrk="0" hangingPunct="0">
+                  <a:lnSpc>
+                    <a:spcPct val="100000"/>
+                  </a:lnSpc>
+                  <a:spcBef>
+                    <a:spcPct val="0"/>
+                  </a:spcBef>
+                  <a:spcAft>
+                    <a:spcPct val="0"/>
+                  </a:spcAft>
+                  <a:buClrTx/>
+                  <a:buSzTx/>
+                  <a:buFontTx/>
+                  <a:buNone/>
+                  <a:tabLst/>
+                </a:pPr>
+                <a:endParaRPr kumimoji="0" lang="de-DE" sz="2000" b="0" i="0" u="none" strike="noStrike" cap="none" normalizeH="0" baseline="0" smtClean="0">
+                  <a:ln>
+                    <a:noFill/>
+                  </a:ln>
+                  <a:solidFill>
+                    <a:schemeClr val="tx1"/>
+                  </a:solidFill>
+                  <a:effectLst/>
+                  <a:latin typeface="Arial" pitchFamily="34" charset="0"/>
+                </a:endParaRPr>
+              </a:p>
+            </p:txBody>
+          </p:sp>
+        </p:grpSp>
+        <p:sp>
+          <p:nvSpPr>
+            <p:cNvPr id="10" name="TextBox 9"/>
+            <p:cNvSpPr txBox="1"/>
+            <p:nvPr/>
+          </p:nvSpPr>
+          <p:spPr>
+            <a:xfrm>
+              <a:off x="965201" y="3048000"/>
+              <a:ext cx="1566862" cy="400110"/>
+            </a:xfrm>
+            <a:prstGeom prst="rect">
+              <a:avLst/>
+            </a:prstGeom>
+            <a:noFill/>
+          </p:spPr>
+          <p:txBody>
+            <a:bodyPr wrap="square" rtlCol="0">
+              <a:spAutoFit/>
+            </a:bodyPr>
+            <a:lstStyle/>
+            <a:p>
+              <a:pPr algn="l"/>
+              <a:r>
+                <a:rPr lang="de-DE" dirty="0" smtClean="0"/>
+                <a:t>Real Object</a:t>
+              </a:r>
+              <a:endParaRPr lang="de-DE" dirty="0"/>
+            </a:p>
+          </p:txBody>
+        </p:sp>
+      </p:grpSp>
+      <p:grpSp>
+        <p:nvGrpSpPr>
+          <p:cNvPr id="12" name="Group 11"/>
+          <p:cNvGrpSpPr/>
+          <p:nvPr/>
+        </p:nvGrpSpPr>
+        <p:grpSpPr>
+          <a:xfrm>
+            <a:off x="330958" y="3932638"/>
+            <a:ext cx="8348078" cy="2331879"/>
+            <a:chOff x="3100678" y="1917353"/>
+            <a:chExt cx="8348078" cy="2313499"/>
+          </a:xfrm>
+        </p:grpSpPr>
+        <p:pic>
+          <p:nvPicPr>
+            <p:cNvPr id="3076" name="Picture 4"/>
+            <p:cNvPicPr>
+              <a:picLocks noChangeAspect="1" noChangeArrowheads="1"/>
+            </p:cNvPicPr>
+            <p:nvPr/>
+          </p:nvPicPr>
+          <p:blipFill>
+            <a:blip r:embed="rId3" cstate="email">
+              <a:extLst>
+                <a:ext uri="{28A0092B-C50C-407E-A947-70E740481C1C}">
+                  <a14:useLocalDpi xmlns:a14="http://schemas.microsoft.com/office/drawing/2010/main" val="0"/>
+                </a:ext>
+              </a:extLst>
+            </a:blip>
+            <a:srcRect/>
+            <a:stretch>
+              <a:fillRect/>
+            </a:stretch>
+          </p:blipFill>
+          <p:spPr bwMode="auto">
+            <a:xfrm>
+              <a:off x="5429699" y="1991946"/>
+              <a:ext cx="2518701" cy="2238905"/>
+            </a:xfrm>
+            <a:prstGeom prst="rect">
+              <a:avLst/>
+            </a:prstGeom>
+            <a:noFill/>
+            <a:ln>
+              <a:noFill/>
+            </a:ln>
+            <a:extLst>
+              <a:ext uri="{909E8E84-426E-40DD-AFC4-6F175D3DCCD1}">
+                <a14:hiddenFill xmlns:a14="http://schemas.microsoft.com/office/drawing/2010/main">
+                  <a:solidFill>
+                    <a:schemeClr val="accent1"/>
+                  </a:solidFill>
+                </a14:hiddenFill>
+              </a:ext>
+              <a:ext uri="{91240B29-F687-4F45-9708-019B960494DF}">
+                <a14:hiddenLine xmlns:a14="http://schemas.microsoft.com/office/drawing/2010/main" w="9525">
+                  <a:solidFill>
+                    <a:schemeClr val="tx1"/>
+                  </a:solidFill>
+                  <a:miter lim="800000"/>
+                  <a:headEnd/>
+                  <a:tailEnd/>
+                </a14:hiddenLine>
+              </a:ext>
+            </a:extLst>
+          </p:spPr>
+        </p:pic>
+        <p:sp>
+          <p:nvSpPr>
+            <p:cNvPr id="16" name="Rectangle 15"/>
+            <p:cNvSpPr/>
+            <p:nvPr/>
+          </p:nvSpPr>
+          <p:spPr bwMode="auto">
+            <a:xfrm>
+              <a:off x="3100678" y="1917353"/>
+              <a:ext cx="8348078" cy="2313499"/>
+            </a:xfrm>
+            <a:prstGeom prst="rect">
+              <a:avLst/>
+            </a:prstGeom>
+            <a:solidFill>
+              <a:srgbClr val="9A9A9A">
+                <a:alpha val="0"/>
+              </a:srgbClr>
+            </a:solidFill>
+            <a:ln>
+              <a:headEnd type="none" w="med" len="med"/>
+              <a:tailEnd type="none" w="med" len="med"/>
+            </a:ln>
+          </p:spPr>
+          <p:style>
+            <a:lnRef idx="2">
+              <a:schemeClr val="dk1"/>
+            </a:lnRef>
+            <a:fillRef idx="1">
+              <a:schemeClr val="lt1"/>
+            </a:fillRef>
+            <a:effectRef idx="0">
+              <a:schemeClr val="dk1"/>
+            </a:effectRef>
+            <a:fontRef idx="minor">
+              <a:schemeClr val="dk1"/>
+            </a:fontRef>
+          </p:style>
+          <p:txBody>
+            <a:bodyPr vert="horz" wrap="square" lIns="91440" tIns="45720" rIns="91440" bIns="45720" numCol="1" rtlCol="0" anchor="t" anchorCtr="0" compatLnSpc="1">
+              <a:prstTxWarp prst="textNoShape">
+                <a:avLst/>
+              </a:prstTxWarp>
+            </a:bodyPr>
+            <a:lstStyle/>
+            <a:p>
+              <a:pPr marL="0" marR="0" indent="0" algn="r" defTabSz="914400" rtl="0" eaLnBrk="0" fontAlgn="base" latinLnBrk="0" hangingPunct="0">
+                <a:lnSpc>
+                  <a:spcPct val="100000"/>
+                </a:lnSpc>
+                <a:spcBef>
+                  <a:spcPct val="0"/>
+                </a:spcBef>
+                <a:spcAft>
+                  <a:spcPct val="0"/>
+                </a:spcAft>
+                <a:buClrTx/>
+                <a:buSzTx/>
+                <a:buFontTx/>
+                <a:buNone/>
+                <a:tabLst/>
+              </a:pPr>
+              <a:endParaRPr kumimoji="0" lang="de-DE" sz="2000" b="0" i="0" u="none" strike="noStrike" cap="none" normalizeH="0" baseline="0" smtClean="0">
+                <a:ln>
+                  <a:noFill/>
+                </a:ln>
+                <a:solidFill>
+                  <a:schemeClr val="tx1"/>
+                </a:solidFill>
+                <a:effectLst/>
+                <a:latin typeface="Arial" pitchFamily="34" charset="0"/>
+              </a:endParaRPr>
+            </a:p>
+          </p:txBody>
+        </p:sp>
+        <p:pic>
+          <p:nvPicPr>
+            <p:cNvPr id="3075" name="Picture 3"/>
+            <p:cNvPicPr>
+              <a:picLocks noChangeAspect="1" noChangeArrowheads="1"/>
+            </p:cNvPicPr>
+            <p:nvPr/>
+          </p:nvPicPr>
+          <p:blipFill>
+            <a:blip r:embed="rId4" cstate="email">
+              <a:extLst>
+                <a:ext uri="{28A0092B-C50C-407E-A947-70E740481C1C}">
+                  <a14:useLocalDpi xmlns:a14="http://schemas.microsoft.com/office/drawing/2010/main" val="0"/>
+                </a:ext>
+              </a:extLst>
+            </a:blip>
+            <a:srcRect/>
+            <a:stretch>
+              <a:fillRect/>
+            </a:stretch>
+          </p:blipFill>
+          <p:spPr bwMode="auto">
+            <a:xfrm>
+              <a:off x="3326984" y="1991946"/>
+              <a:ext cx="2023403" cy="1383507"/>
+            </a:xfrm>
+            <a:prstGeom prst="rect">
+              <a:avLst/>
+            </a:prstGeom>
+            <a:noFill/>
+            <a:ln>
+              <a:noFill/>
+            </a:ln>
+            <a:extLst>
+              <a:ext uri="{909E8E84-426E-40DD-AFC4-6F175D3DCCD1}">
+                <a14:hiddenFill xmlns:a14="http://schemas.microsoft.com/office/drawing/2010/main">
+                  <a:solidFill>
+                    <a:schemeClr val="accent1"/>
+                  </a:solidFill>
+                </a14:hiddenFill>
+              </a:ext>
+              <a:ext uri="{91240B29-F687-4F45-9708-019B960494DF}">
+                <a14:hiddenLine xmlns:a14="http://schemas.microsoft.com/office/drawing/2010/main" w="9525">
+                  <a:solidFill>
+                    <a:schemeClr val="tx1"/>
+                  </a:solidFill>
+                  <a:miter lim="800000"/>
+                  <a:headEnd/>
+                  <a:tailEnd/>
+                </a14:hiddenLine>
+              </a:ext>
+            </a:extLst>
+          </p:spPr>
+        </p:pic>
+        <p:sp>
+          <p:nvSpPr>
+            <p:cNvPr id="15" name="TextBox 14"/>
+            <p:cNvSpPr txBox="1"/>
+            <p:nvPr/>
+          </p:nvSpPr>
+          <p:spPr>
+            <a:xfrm>
+              <a:off x="7948400" y="2086080"/>
+              <a:ext cx="3321467" cy="396956"/>
+            </a:xfrm>
+            <a:prstGeom prst="rect">
+              <a:avLst/>
+            </a:prstGeom>
+            <a:noFill/>
+          </p:spPr>
+          <p:txBody>
+            <a:bodyPr wrap="square" rtlCol="0">
+              <a:spAutoFit/>
+            </a:bodyPr>
+            <a:lstStyle/>
+            <a:p>
+              <a:pPr algn="l"/>
+              <a:r>
+                <a:rPr lang="de-DE" dirty="0" smtClean="0"/>
+                <a:t>Record object properties</a:t>
+              </a:r>
+              <a:endParaRPr lang="de-DE" dirty="0"/>
+            </a:p>
+          </p:txBody>
+        </p:sp>
+      </p:grpSp>
+      <p:sp>
+        <p:nvSpPr>
+          <p:cNvPr id="13" name="Right Arrow 12"/>
+          <p:cNvSpPr/>
+          <p:nvPr/>
+        </p:nvSpPr>
+        <p:spPr bwMode="auto">
+          <a:xfrm rot="5400000">
+            <a:off x="1076735" y="3381099"/>
+            <a:ext cx="600281" cy="440111"/>
+          </a:xfrm>
+          <a:prstGeom prst="rightArrow">
+            <a:avLst/>
+          </a:prstGeom>
+          <a:solidFill>
+            <a:schemeClr val="accent1"/>
+          </a:solidFill>
+          <a:ln w="9525" cap="flat" cmpd="sng" algn="ctr">
+            <a:solidFill>
+              <a:schemeClr val="tx1"/>
+            </a:solidFill>
+            <a:prstDash val="solid"/>
+            <a:round/>
+            <a:headEnd type="none" w="med" len="med"/>
+            <a:tailEnd type="none" w="med" len="med"/>
+          </a:ln>
+          <a:effectLst/>
+        </p:spPr>
+        <p:txBody>
+          <a:bodyPr vert="horz" wrap="square" lIns="91440" tIns="45720" rIns="91440" bIns="45720" numCol="1" rtlCol="0" anchor="t" anchorCtr="0" compatLnSpc="1">
+            <a:prstTxWarp prst="textNoShape">
+              <a:avLst/>
+            </a:prstTxWarp>
+          </a:bodyPr>
+          <a:lstStyle/>
+          <a:p>
+            <a:pPr marL="0" marR="0" indent="0" algn="r" defTabSz="914400" rtl="0" eaLnBrk="0" fontAlgn="base" latinLnBrk="0" hangingPunct="0">
+              <a:lnSpc>
+                <a:spcPct val="100000"/>
+              </a:lnSpc>
+              <a:spcBef>
+                <a:spcPct val="0"/>
+              </a:spcBef>
+              <a:spcAft>
+                <a:spcPct val="0"/>
+              </a:spcAft>
+              <a:buClrTx/>
+              <a:buSzTx/>
+              <a:buFontTx/>
+              <a:buNone/>
+              <a:tabLst/>
+            </a:pPr>
+            <a:endParaRPr kumimoji="0" lang="de-DE" sz="2000" b="0" i="0" u="none" strike="noStrike" cap="none" normalizeH="0" baseline="0" smtClean="0">
+              <a:ln>
+                <a:noFill/>
+              </a:ln>
+              <a:solidFill>
+                <a:schemeClr val="tx1"/>
+              </a:solidFill>
+              <a:effectLst/>
+              <a:latin typeface="Arial" pitchFamily="34" charset="0"/>
+            </a:endParaRPr>
+          </a:p>
+        </p:txBody>
+      </p:sp>
+      <p:sp>
+        <p:nvSpPr>
+          <p:cNvPr id="14" name="Down Arrow 13"/>
+          <p:cNvSpPr/>
+          <p:nvPr/>
+        </p:nvSpPr>
+        <p:spPr bwMode="auto">
+          <a:xfrm rot="10800000">
+            <a:off x="4621151" y="3580822"/>
+            <a:ext cx="620502" cy="320471"/>
+          </a:xfrm>
+          <a:prstGeom prst="downArrow">
+            <a:avLst/>
+          </a:prstGeom>
+          <a:solidFill>
+            <a:schemeClr val="accent1"/>
+          </a:solidFill>
+          <a:ln w="9525" cap="flat" cmpd="sng" algn="ctr">
+            <a:solidFill>
+              <a:schemeClr val="tx1"/>
+            </a:solidFill>
+            <a:prstDash val="solid"/>
+            <a:round/>
+            <a:headEnd type="none" w="med" len="med"/>
+            <a:tailEnd type="none" w="med" len="med"/>
+          </a:ln>
+          <a:effectLst/>
+        </p:spPr>
+        <p:txBody>
+          <a:bodyPr vert="horz" wrap="square" lIns="91440" tIns="45720" rIns="91440" bIns="45720" numCol="1" rtlCol="0" anchor="t" anchorCtr="0" compatLnSpc="1">
+            <a:prstTxWarp prst="textNoShape">
+              <a:avLst/>
+            </a:prstTxWarp>
+          </a:bodyPr>
+          <a:lstStyle/>
+          <a:p>
+            <a:pPr marL="0" marR="0" indent="0" algn="r" defTabSz="914400" rtl="0" eaLnBrk="0" fontAlgn="base" latinLnBrk="0" hangingPunct="0">
+              <a:lnSpc>
+                <a:spcPct val="100000"/>
+              </a:lnSpc>
+              <a:spcBef>
+                <a:spcPct val="0"/>
+              </a:spcBef>
+              <a:spcAft>
+                <a:spcPct val="0"/>
+              </a:spcAft>
+              <a:buClrTx/>
+              <a:buSzTx/>
+              <a:buFontTx/>
+              <a:buNone/>
+              <a:tabLst/>
+            </a:pPr>
+            <a:endParaRPr kumimoji="0" lang="de-DE" sz="2000" b="0" i="0" u="none" strike="noStrike" cap="none" normalizeH="0" baseline="0" smtClean="0">
+              <a:ln>
+                <a:noFill/>
+              </a:ln>
+              <a:solidFill>
+                <a:schemeClr val="tx1"/>
+              </a:solidFill>
+              <a:effectLst/>
+              <a:latin typeface="Arial" pitchFamily="34" charset="0"/>
+            </a:endParaRPr>
+          </a:p>
+        </p:txBody>
+      </p:sp>
+      <p:grpSp>
+        <p:nvGrpSpPr>
+          <p:cNvPr id="26" name="Group 25"/>
+          <p:cNvGrpSpPr/>
+          <p:nvPr/>
+        </p:nvGrpSpPr>
+        <p:grpSpPr>
+          <a:xfrm>
+            <a:off x="3593514" y="1382025"/>
+            <a:ext cx="5192005" cy="2195605"/>
+            <a:chOff x="3002532" y="4205225"/>
+            <a:chExt cx="5192005" cy="2195605"/>
+          </a:xfrm>
+        </p:grpSpPr>
+        <p:sp>
+          <p:nvSpPr>
+            <p:cNvPr id="25" name="Rectangle 24"/>
+            <p:cNvSpPr/>
+            <p:nvPr/>
+          </p:nvSpPr>
+          <p:spPr bwMode="auto">
+            <a:xfrm>
+              <a:off x="3002532" y="4205225"/>
+              <a:ext cx="2982116" cy="2195605"/>
+            </a:xfrm>
+            <a:prstGeom prst="rect">
+              <a:avLst/>
+            </a:prstGeom>
+            <a:solidFill>
+              <a:srgbClr val="9A9A9A">
+                <a:alpha val="0"/>
+              </a:srgbClr>
+            </a:solidFill>
+            <a:ln>
+              <a:headEnd type="none" w="med" len="med"/>
+              <a:tailEnd type="none" w="med" len="med"/>
+            </a:ln>
+          </p:spPr>
+          <p:style>
+            <a:lnRef idx="2">
+              <a:schemeClr val="dk1"/>
+            </a:lnRef>
+            <a:fillRef idx="1">
+              <a:schemeClr val="lt1"/>
+            </a:fillRef>
+            <a:effectRef idx="0">
+              <a:schemeClr val="dk1"/>
+            </a:effectRef>
+            <a:fontRef idx="minor">
+              <a:schemeClr val="dk1"/>
+            </a:fontRef>
+          </p:style>
+          <p:txBody>
+            <a:bodyPr vert="horz" wrap="square" lIns="91440" tIns="45720" rIns="91440" bIns="45720" numCol="1" rtlCol="0" anchor="t" anchorCtr="0" compatLnSpc="1">
+              <a:prstTxWarp prst="textNoShape">
+                <a:avLst/>
+              </a:prstTxWarp>
+            </a:bodyPr>
+            <a:lstStyle/>
+            <a:p>
+              <a:pPr marL="0" marR="0" indent="0" algn="r" defTabSz="914400" rtl="0" eaLnBrk="0" fontAlgn="base" latinLnBrk="0" hangingPunct="0">
+                <a:lnSpc>
+                  <a:spcPct val="100000"/>
+                </a:lnSpc>
+                <a:spcBef>
+                  <a:spcPct val="0"/>
+                </a:spcBef>
+                <a:spcAft>
+                  <a:spcPct val="0"/>
+                </a:spcAft>
+                <a:buClrTx/>
+                <a:buSzTx/>
+                <a:buFontTx/>
+                <a:buNone/>
+                <a:tabLst/>
+              </a:pPr>
+              <a:endParaRPr kumimoji="0" lang="de-DE" sz="2000" b="0" i="0" u="none" strike="noStrike" cap="none" normalizeH="0" baseline="0" smtClean="0">
+                <a:ln>
+                  <a:noFill/>
+                </a:ln>
+                <a:solidFill>
+                  <a:schemeClr val="tx1"/>
+                </a:solidFill>
+                <a:effectLst/>
+                <a:latin typeface="Arial" pitchFamily="34" charset="0"/>
+              </a:endParaRPr>
+            </a:p>
+          </p:txBody>
+        </p:sp>
+        <p:grpSp>
+          <p:nvGrpSpPr>
+            <p:cNvPr id="17" name="Group 16"/>
+            <p:cNvGrpSpPr/>
+            <p:nvPr/>
+          </p:nvGrpSpPr>
+          <p:grpSpPr>
+            <a:xfrm>
+              <a:off x="6421032" y="4651134"/>
+              <a:ext cx="1773505" cy="1524060"/>
+              <a:chOff x="6297497" y="1984164"/>
+              <a:chExt cx="1566862" cy="1524060"/>
+            </a:xfrm>
+          </p:grpSpPr>
+          <p:grpSp>
+            <p:nvGrpSpPr>
+              <p:cNvPr id="18" name="Group 17"/>
+              <p:cNvGrpSpPr/>
+              <p:nvPr/>
+            </p:nvGrpSpPr>
+            <p:grpSpPr>
+              <a:xfrm>
+                <a:off x="6365759" y="1984164"/>
+                <a:ext cx="1498600" cy="1524060"/>
+                <a:chOff x="6365759" y="1984164"/>
+                <a:chExt cx="1498600" cy="1524060"/>
+              </a:xfrm>
+            </p:grpSpPr>
+            <p:pic>
+              <p:nvPicPr>
+                <p:cNvPr id="20" name="Picture 2" descr="http://www.pngimage.com/wp-content/uploads/2014/10/Cloughmore_Stone.png"/>
+                <p:cNvPicPr>
+                  <a:picLocks noChangeAspect="1" noChangeArrowheads="1"/>
+                </p:cNvPicPr>
+                <p:nvPr/>
+              </p:nvPicPr>
+              <p:blipFill>
+                <a:blip r:embed="rId5" cstate="email">
+                  <a:extLst>
+                    <a:ext uri="{28A0092B-C50C-407E-A947-70E740481C1C}">
+                      <a14:useLocalDpi xmlns:a14="http://schemas.microsoft.com/office/drawing/2010/main" val="0"/>
+                    </a:ext>
+                  </a:extLst>
+                </a:blip>
+                <a:srcRect/>
+                <a:stretch>
+                  <a:fillRect/>
+                </a:stretch>
+              </p:blipFill>
+              <p:spPr bwMode="auto">
+                <a:xfrm>
+                  <a:off x="6365759" y="1984164"/>
+                  <a:ext cx="1498600" cy="1123950"/>
+                </a:xfrm>
+                <a:prstGeom prst="rect">
+                  <a:avLst/>
+                </a:prstGeom>
+                <a:noFill/>
+                <a:extLst>
+                  <a:ext uri="{909E8E84-426E-40DD-AFC4-6F175D3DCCD1}">
+                    <a14:hiddenFill xmlns:a14="http://schemas.microsoft.com/office/drawing/2010/main">
+                      <a:solidFill>
+                        <a:srgbClr val="FFFFFF"/>
+                      </a:solidFill>
+                    </a14:hiddenFill>
+                  </a:ext>
+                </a:extLst>
+              </p:spPr>
+            </p:pic>
+            <p:sp>
+              <p:nvSpPr>
+                <p:cNvPr id="21" name="Rectangle 20"/>
+                <p:cNvSpPr/>
+                <p:nvPr/>
+              </p:nvSpPr>
+              <p:spPr bwMode="auto">
+                <a:xfrm>
+                  <a:off x="6365759" y="2069889"/>
+                  <a:ext cx="1498600" cy="1438335"/>
+                </a:xfrm>
+                <a:prstGeom prst="rect">
+                  <a:avLst/>
+                </a:prstGeom>
+                <a:solidFill>
+                  <a:srgbClr val="9A9A9A">
+                    <a:alpha val="0"/>
+                  </a:srgbClr>
+                </a:solidFill>
+                <a:ln>
+                  <a:headEnd type="none" w="med" len="med"/>
+                  <a:tailEnd type="none" w="med" len="med"/>
+                </a:ln>
+              </p:spPr>
+              <p:style>
+                <a:lnRef idx="2">
+                  <a:schemeClr val="dk1"/>
+                </a:lnRef>
+                <a:fillRef idx="1">
+                  <a:schemeClr val="lt1"/>
+                </a:fillRef>
+                <a:effectRef idx="0">
+                  <a:schemeClr val="dk1"/>
+                </a:effectRef>
+                <a:fontRef idx="minor">
+                  <a:schemeClr val="dk1"/>
+                </a:fontRef>
+              </p:style>
+              <p:txBody>
+                <a:bodyPr vert="horz" wrap="square" lIns="91440" tIns="45720" rIns="91440" bIns="45720" numCol="1" rtlCol="0" anchor="t" anchorCtr="0" compatLnSpc="1">
+                  <a:prstTxWarp prst="textNoShape">
+                    <a:avLst/>
+                  </a:prstTxWarp>
+                </a:bodyPr>
+                <a:lstStyle/>
+                <a:p>
+                  <a:pPr marL="0" marR="0" indent="0" algn="r" defTabSz="914400" rtl="0" eaLnBrk="0" fontAlgn="base" latinLnBrk="0" hangingPunct="0">
+                    <a:lnSpc>
+                      <a:spcPct val="100000"/>
+                    </a:lnSpc>
+                    <a:spcBef>
+                      <a:spcPct val="0"/>
+                    </a:spcBef>
+                    <a:spcAft>
+                      <a:spcPct val="0"/>
+                    </a:spcAft>
+                    <a:buClrTx/>
+                    <a:buSzTx/>
+                    <a:buFontTx/>
+                    <a:buNone/>
+                    <a:tabLst/>
+                  </a:pPr>
+                  <a:endParaRPr kumimoji="0" lang="de-DE" sz="2000" b="0" i="0" u="none" strike="noStrike" cap="none" normalizeH="0" baseline="0" smtClean="0">
+                    <a:ln>
+                      <a:noFill/>
+                    </a:ln>
+                    <a:solidFill>
+                      <a:schemeClr val="tx1"/>
+                    </a:solidFill>
+                    <a:effectLst/>
+                    <a:latin typeface="Arial" pitchFamily="34" charset="0"/>
+                  </a:endParaRPr>
+                </a:p>
+              </p:txBody>
+            </p:sp>
+          </p:grpSp>
+          <p:sp>
+            <p:nvSpPr>
+              <p:cNvPr id="19" name="TextBox 18"/>
+              <p:cNvSpPr txBox="1"/>
+              <p:nvPr/>
+            </p:nvSpPr>
+            <p:spPr>
+              <a:xfrm>
+                <a:off x="6297497" y="3048000"/>
+                <a:ext cx="1566862" cy="400110"/>
+              </a:xfrm>
+              <a:prstGeom prst="rect">
+                <a:avLst/>
+              </a:prstGeom>
+              <a:noFill/>
+            </p:spPr>
+            <p:txBody>
+              <a:bodyPr wrap="square" rtlCol="0">
+                <a:spAutoFit/>
+              </a:bodyPr>
+              <a:lstStyle/>
+              <a:p>
+                <a:pPr algn="l"/>
+                <a:r>
+                  <a:rPr lang="de-DE" dirty="0" smtClean="0"/>
+                  <a:t>Virtual Object</a:t>
+                </a:r>
+                <a:endParaRPr lang="de-DE" dirty="0"/>
+              </a:p>
+            </p:txBody>
+          </p:sp>
+        </p:grpSp>
+        <p:pic>
+          <p:nvPicPr>
+            <p:cNvPr id="3077" name="Picture 5" descr="C:\Users\ga68yid\Desktop\imgs\20150805_191645.jpg"/>
+            <p:cNvPicPr>
+              <a:picLocks noChangeAspect="1" noChangeArrowheads="1"/>
+            </p:cNvPicPr>
+            <p:nvPr/>
+          </p:nvPicPr>
+          <p:blipFill>
+            <a:blip r:embed="rId6" cstate="email">
+              <a:extLst>
+                <a:ext uri="{28A0092B-C50C-407E-A947-70E740481C1C}">
+                  <a14:useLocalDpi xmlns:a14="http://schemas.microsoft.com/office/drawing/2010/main" val="0"/>
+                </a:ext>
+              </a:extLst>
+            </a:blip>
+            <a:srcRect/>
+            <a:stretch>
+              <a:fillRect/>
+            </a:stretch>
+          </p:blipFill>
+          <p:spPr bwMode="auto">
+            <a:xfrm>
+              <a:off x="3495498" y="4298709"/>
+              <a:ext cx="2184400" cy="1638300"/>
+            </a:xfrm>
+            <a:prstGeom prst="rect">
+              <a:avLst/>
+            </a:prstGeom>
+            <a:noFill/>
+            <a:extLst>
+              <a:ext uri="{909E8E84-426E-40DD-AFC4-6F175D3DCCD1}">
+                <a14:hiddenFill xmlns:a14="http://schemas.microsoft.com/office/drawing/2010/main">
+                  <a:solidFill>
+                    <a:srgbClr val="FFFFFF"/>
+                  </a:solidFill>
+                </a14:hiddenFill>
+              </a:ext>
+            </a:extLst>
+          </p:spPr>
+        </p:pic>
+        <p:sp>
+          <p:nvSpPr>
+            <p:cNvPr id="24" name="TextBox 23"/>
+            <p:cNvSpPr txBox="1"/>
+            <p:nvPr/>
+          </p:nvSpPr>
+          <p:spPr>
+            <a:xfrm>
+              <a:off x="3028714" y="6000720"/>
+              <a:ext cx="3382682" cy="400110"/>
+            </a:xfrm>
+            <a:prstGeom prst="rect">
+              <a:avLst/>
+            </a:prstGeom>
+            <a:noFill/>
+          </p:spPr>
+          <p:txBody>
+            <a:bodyPr wrap="square" rtlCol="0">
+              <a:spAutoFit/>
+            </a:bodyPr>
+            <a:lstStyle/>
+            <a:p>
+              <a:pPr algn="l"/>
+              <a:r>
+                <a:rPr lang="de-DE" dirty="0" smtClean="0"/>
+                <a:t>Model object properties</a:t>
+              </a:r>
+              <a:endParaRPr lang="de-DE" dirty="0"/>
+            </a:p>
+          </p:txBody>
+        </p:sp>
+        <p:sp>
+          <p:nvSpPr>
+            <p:cNvPr id="22" name="Left Arrow 21"/>
+            <p:cNvSpPr/>
+            <p:nvPr/>
+          </p:nvSpPr>
+          <p:spPr bwMode="auto">
+            <a:xfrm flipH="1">
+              <a:off x="6014534" y="5219286"/>
+              <a:ext cx="467794" cy="473479"/>
+            </a:xfrm>
+            <a:prstGeom prst="leftArrow">
+              <a:avLst/>
+            </a:prstGeom>
+            <a:solidFill>
+              <a:schemeClr val="accent1"/>
+            </a:solidFill>
+            <a:ln w="9525" cap="flat" cmpd="sng" algn="ctr">
+              <a:solidFill>
+                <a:schemeClr val="tx1"/>
+              </a:solidFill>
+              <a:prstDash val="solid"/>
+              <a:round/>
+              <a:headEnd type="none" w="med" len="med"/>
+              <a:tailEnd type="none" w="med" len="med"/>
+            </a:ln>
+            <a:effectLst/>
+          </p:spPr>
+          <p:txBody>
+            <a:bodyPr vert="horz" wrap="square" lIns="91440" tIns="45720" rIns="91440" bIns="45720" numCol="1" rtlCol="0" anchor="t" anchorCtr="0" compatLnSpc="1">
+              <a:prstTxWarp prst="textNoShape">
+                <a:avLst/>
+              </a:prstTxWarp>
+            </a:bodyPr>
+            <a:lstStyle/>
+            <a:p>
+              <a:pPr marL="0" marR="0" indent="0" algn="r" defTabSz="914400" rtl="0" eaLnBrk="0" fontAlgn="base" latinLnBrk="0" hangingPunct="0">
+                <a:lnSpc>
+                  <a:spcPct val="100000"/>
+                </a:lnSpc>
+                <a:spcBef>
+                  <a:spcPct val="0"/>
+                </a:spcBef>
+                <a:spcAft>
+                  <a:spcPct val="0"/>
+                </a:spcAft>
+                <a:buClrTx/>
+                <a:buSzTx/>
+                <a:buFontTx/>
+                <a:buNone/>
+                <a:tabLst/>
+              </a:pPr>
+              <a:endParaRPr kumimoji="0" lang="de-DE" sz="2000" b="0" i="0" u="none" strike="noStrike" cap="none" normalizeH="0" baseline="0" smtClean="0">
+                <a:ln>
+                  <a:noFill/>
+                </a:ln>
+                <a:solidFill>
+                  <a:schemeClr val="tx1"/>
+                </a:solidFill>
+                <a:effectLst/>
+                <a:latin typeface="Arial" pitchFamily="34" charset="0"/>
+              </a:endParaRPr>
+            </a:p>
+          </p:txBody>
+        </p:sp>
+      </p:grpSp>
+      <p:sp>
+        <p:nvSpPr>
+          <p:cNvPr id="30" name="TextBox 29"/>
+          <p:cNvSpPr txBox="1"/>
+          <p:nvPr/>
+        </p:nvSpPr>
+        <p:spPr>
+          <a:xfrm>
+            <a:off x="5201160" y="5594716"/>
+            <a:ext cx="3477876" cy="553998"/>
+          </a:xfrm>
+          <a:prstGeom prst="rect">
+            <a:avLst/>
+          </a:prstGeom>
+          <a:noFill/>
+        </p:spPr>
+        <p:txBody>
+          <a:bodyPr wrap="square" rtlCol="0">
+            <a:spAutoFit/>
+          </a:bodyPr>
+          <a:lstStyle/>
+          <a:p>
+            <a:pPr algn="l"/>
+            <a:r>
+              <a:rPr lang="en-US" sz="1000" b="1" dirty="0" smtClean="0"/>
+              <a:t>Automatic Filter Design for Synthesis of Haptic </a:t>
+            </a:r>
+          </a:p>
+          <a:p>
+            <a:pPr algn="l"/>
+            <a:r>
+              <a:rPr lang="en-US" sz="1000" b="1" dirty="0" smtClean="0"/>
+              <a:t>Textures from Recorded Acceleration Data. </a:t>
+            </a:r>
+            <a:r>
+              <a:rPr lang="en-US" sz="1000" dirty="0" smtClean="0"/>
+              <a:t>Kuchenbecker et al.</a:t>
+            </a:r>
+            <a:endParaRPr lang="de-DE" sz="1000" dirty="0"/>
+          </a:p>
+        </p:txBody>
+      </p:sp>
+      <p:sp>
+        <p:nvSpPr>
+          <p:cNvPr id="31" name="TextBox 30"/>
+          <p:cNvSpPr txBox="1"/>
+          <p:nvPr/>
+        </p:nvSpPr>
+        <p:spPr>
+          <a:xfrm>
+            <a:off x="509835" y="5508991"/>
+            <a:ext cx="2424237" cy="553998"/>
+          </a:xfrm>
+          <a:prstGeom prst="rect">
+            <a:avLst/>
+          </a:prstGeom>
+          <a:noFill/>
+        </p:spPr>
+        <p:txBody>
+          <a:bodyPr wrap="square" rtlCol="0">
+            <a:spAutoFit/>
+          </a:bodyPr>
+          <a:lstStyle/>
+          <a:p>
+            <a:pPr algn="l"/>
+            <a:r>
+              <a:rPr lang="en-US" sz="1000" b="1" dirty="0" smtClean="0"/>
+              <a:t>A Haptic Texture Database for Tool-mediated Texture Recognition and Classification, </a:t>
+            </a:r>
+            <a:r>
+              <a:rPr lang="en-US" sz="1000" dirty="0" err="1" smtClean="0"/>
+              <a:t>Strese</a:t>
+            </a:r>
+            <a:r>
+              <a:rPr lang="en-US" sz="1000" dirty="0" smtClean="0"/>
+              <a:t> et al. </a:t>
+            </a:r>
+            <a:endParaRPr lang="de-DE" sz="1000" dirty="0"/>
+          </a:p>
+        </p:txBody>
+      </p:sp>
+      <p:sp>
+        <p:nvSpPr>
+          <p:cNvPr id="32" name="TextBox 31"/>
+          <p:cNvSpPr txBox="1"/>
+          <p:nvPr/>
+        </p:nvSpPr>
+        <p:spPr>
+          <a:xfrm>
+            <a:off x="614434" y="1487941"/>
+            <a:ext cx="1315628" cy="2092881"/>
+          </a:xfrm>
+          <a:prstGeom prst="rect">
+            <a:avLst/>
+          </a:prstGeom>
+          <a:noFill/>
+        </p:spPr>
+        <p:txBody>
+          <a:bodyPr wrap="square" rtlCol="0">
+            <a:spAutoFit/>
+          </a:bodyPr>
+          <a:lstStyle/>
+          <a:p>
+            <a:r>
+              <a:rPr lang="de-DE" sz="13000" dirty="0" smtClean="0">
+                <a:solidFill>
+                  <a:srgbClr val="FF0000"/>
+                </a:solidFill>
+              </a:rPr>
+              <a:t>?</a:t>
+            </a:r>
+            <a:endParaRPr lang="de-DE" sz="13000" dirty="0">
+              <a:solidFill>
+                <a:srgbClr val="FF0000"/>
+              </a:solidFill>
+            </a:endParaRPr>
+          </a:p>
+        </p:txBody>
+      </p:sp>
+      <p:sp>
+        <p:nvSpPr>
+          <p:cNvPr id="33" name="TextBox 32"/>
+          <p:cNvSpPr txBox="1"/>
+          <p:nvPr/>
+        </p:nvSpPr>
+        <p:spPr>
+          <a:xfrm>
+            <a:off x="5228049" y="4502815"/>
+            <a:ext cx="3378069" cy="400110"/>
+          </a:xfrm>
+          <a:prstGeom prst="rect">
+            <a:avLst/>
+          </a:prstGeom>
+          <a:solidFill>
+            <a:srgbClr val="C00000"/>
+          </a:solidFill>
+        </p:spPr>
+        <p:txBody>
+          <a:bodyPr wrap="square" rtlCol="0">
+            <a:spAutoFit/>
+          </a:bodyPr>
+          <a:lstStyle/>
+          <a:p>
+            <a:pPr algn="l"/>
+            <a:r>
+              <a:rPr lang="de-DE" dirty="0" smtClean="0"/>
+              <a:t>Data only time </a:t>
+            </a:r>
+            <a:r>
+              <a:rPr lang="de-DE" dirty="0" smtClean="0"/>
+              <a:t>dependent</a:t>
+            </a:r>
+            <a:endParaRPr lang="de-DE" dirty="0"/>
+          </a:p>
+        </p:txBody>
+      </p:sp>
+      <p:sp>
+        <p:nvSpPr>
+          <p:cNvPr id="34" name="TextBox 33"/>
+          <p:cNvSpPr txBox="1"/>
+          <p:nvPr/>
+        </p:nvSpPr>
+        <p:spPr>
+          <a:xfrm>
+            <a:off x="5228049" y="4886830"/>
+            <a:ext cx="2464292" cy="707886"/>
+          </a:xfrm>
+          <a:prstGeom prst="rect">
+            <a:avLst/>
+          </a:prstGeom>
+          <a:solidFill>
+            <a:srgbClr val="C00000"/>
+          </a:solidFill>
+        </p:spPr>
+        <p:txBody>
+          <a:bodyPr wrap="square" rtlCol="0">
+            <a:spAutoFit/>
+          </a:bodyPr>
+          <a:lstStyle/>
+          <a:p>
+            <a:pPr algn="l"/>
+            <a:r>
+              <a:rPr lang="de-DE" dirty="0" smtClean="0"/>
+              <a:t>Values from various literature sources</a:t>
+            </a:r>
+            <a:endParaRPr lang="de-DE" dirty="0"/>
+          </a:p>
+        </p:txBody>
+      </p:sp>
+      <p:sp>
+        <p:nvSpPr>
+          <p:cNvPr id="35" name="Rectangle 34"/>
+          <p:cNvSpPr/>
+          <p:nvPr/>
+        </p:nvSpPr>
+        <p:spPr bwMode="auto">
+          <a:xfrm>
+            <a:off x="3213183" y="4757777"/>
+            <a:ext cx="1529146" cy="197853"/>
+          </a:xfrm>
+          <a:prstGeom prst="rect">
+            <a:avLst/>
+          </a:prstGeom>
+          <a:solidFill>
+            <a:srgbClr val="F2FF35">
+              <a:alpha val="45882"/>
+            </a:srgbClr>
+          </a:solidFill>
+          <a:ln w="9525" cap="flat" cmpd="sng" algn="ctr">
+            <a:solidFill>
+              <a:schemeClr val="tx1"/>
+            </a:solidFill>
+            <a:prstDash val="solid"/>
+            <a:round/>
+            <a:headEnd type="none" w="med" len="med"/>
+            <a:tailEnd type="none" w="med" len="med"/>
+          </a:ln>
+          <a:effectLst/>
+        </p:spPr>
+        <p:txBody>
+          <a:bodyPr vert="horz" wrap="square" lIns="91440" tIns="45720" rIns="91440" bIns="45720" numCol="1" rtlCol="0" anchor="t" anchorCtr="0" compatLnSpc="1">
+            <a:prstTxWarp prst="textNoShape">
+              <a:avLst/>
+            </a:prstTxWarp>
+          </a:bodyPr>
+          <a:lstStyle/>
+          <a:p>
+            <a:pPr marL="0" marR="0" indent="0" algn="r" defTabSz="914400" rtl="0" eaLnBrk="0" fontAlgn="base" latinLnBrk="0" hangingPunct="0">
+              <a:lnSpc>
+                <a:spcPct val="100000"/>
+              </a:lnSpc>
+              <a:spcBef>
+                <a:spcPct val="0"/>
+              </a:spcBef>
+              <a:spcAft>
+                <a:spcPct val="0"/>
+              </a:spcAft>
+              <a:buClrTx/>
+              <a:buSzTx/>
+              <a:buFontTx/>
+              <a:buNone/>
+              <a:tabLst/>
+            </a:pPr>
+            <a:endParaRPr kumimoji="0" lang="de-DE" sz="2000" b="0" i="0" u="none" strike="noStrike" cap="none" normalizeH="0" baseline="0" smtClean="0">
+              <a:ln>
+                <a:noFill/>
+              </a:ln>
+              <a:solidFill>
+                <a:schemeClr val="tx1"/>
+              </a:solidFill>
+              <a:effectLst/>
+              <a:latin typeface="Arial" pitchFamily="34" charset="0"/>
+            </a:endParaRPr>
+          </a:p>
+        </p:txBody>
+      </p:sp>
+    </p:spTree>
+    <p:extLst>
+      <p:ext uri="{BB962C8B-B14F-4D97-AF65-F5344CB8AC3E}">
+        <p14:creationId xmlns:p14="http://schemas.microsoft.com/office/powerpoint/2010/main" val="3384590312"/>
+      </p:ext>
+    </p:extLst>
+  </p:cSld>
+  <p:clrMapOvr>
+    <a:masterClrMapping/>
+  </p:clrMapOvr>
+  <mc:AlternateContent xmlns:mc="http://schemas.openxmlformats.org/markup-compatibility/2006" xmlns:p14="http://schemas.microsoft.com/office/powerpoint/2010/main">
+    <mc:Choice Requires="p14">
+      <p:transition spd="slow" p14:dur="2000" advTm="60883"/>
+    </mc:Choice>
+    <mc:Fallback xmlns="">
+      <p:transition spd="slow" advTm="60883"/>
+    </mc:Fallback>
+  </mc:AlternateContent>
+  <p:timing>
+    <p:tnLst>
+      <p:par>
+        <p:cTn id="1" dur="indefinite" restart="never" nodeType="tmRoot">
+          <p:childTnLst>
+            <p:seq concurrent="1" nextAc="seek">
+              <p:cTn id="2" dur="indefinite" nodeType="mainSeq">
+                <p:childTnLst>
+                  <p:par>
+                    <p:cTn id="3" fill="hold">
+                      <p:stCondLst>
+                        <p:cond delay="indefinite"/>
+                      </p:stCondLst>
+                      <p:childTnLst>
+                        <p:par>
+                          <p:cTn id="4" fill="hold">
+                            <p:stCondLst>
+                              <p:cond delay="0"/>
+                            </p:stCondLst>
+                            <p:childTnLst>
+                              <p:par>
+                                <p:cTn id="5" presetID="1" presetClass="entr" presetSubtype="0" fill="hold" grpId="0" nodeType="clickEffect">
+                                  <p:stCondLst>
+                                    <p:cond delay="0"/>
+                                  </p:stCondLst>
+                                  <p:childTnLst>
+                                    <p:set>
+                                      <p:cBhvr>
+                                        <p:cTn id="6" dur="1" fill="hold">
+                                          <p:stCondLst>
+                                            <p:cond delay="0"/>
+                                          </p:stCondLst>
+                                        </p:cTn>
+                                        <p:tgtEl>
+                                          <p:spTgt spid="32"/>
+                                        </p:tgtEl>
+                                        <p:attrNameLst>
+                                          <p:attrName>style.visibility</p:attrName>
+                                        </p:attrNameLst>
+                                      </p:cBhvr>
+                                      <p:to>
+                                        <p:strVal val="visible"/>
+                                      </p:to>
+                                    </p:set>
+                                  </p:childTnLst>
+                                </p:cTn>
+                              </p:par>
+                            </p:childTnLst>
+                          </p:cTn>
+                        </p:par>
+                      </p:childTnLst>
+                    </p:cTn>
+                  </p:par>
+                  <p:par>
+                    <p:cTn id="7" fill="hold">
+                      <p:stCondLst>
+                        <p:cond delay="indefinite"/>
+                      </p:stCondLst>
+                      <p:childTnLst>
+                        <p:par>
+                          <p:cTn id="8" fill="hold">
+                            <p:stCondLst>
+                              <p:cond delay="0"/>
+                            </p:stCondLst>
+                            <p:childTnLst>
+                              <p:par>
+                                <p:cTn id="9" presetID="1" presetClass="entr" presetSubtype="0" fill="hold" grpId="0" nodeType="clickEffect">
+                                  <p:stCondLst>
+                                    <p:cond delay="0"/>
+                                  </p:stCondLst>
+                                  <p:childTnLst>
+                                    <p:set>
+                                      <p:cBhvr>
+                                        <p:cTn id="10" dur="1" fill="hold">
+                                          <p:stCondLst>
+                                            <p:cond delay="0"/>
+                                          </p:stCondLst>
+                                        </p:cTn>
+                                        <p:tgtEl>
+                                          <p:spTgt spid="35"/>
+                                        </p:tgtEl>
+                                        <p:attrNameLst>
+                                          <p:attrName>style.visibility</p:attrName>
+                                        </p:attrNameLst>
+                                      </p:cBhvr>
+                                      <p:to>
+                                        <p:strVal val="visible"/>
+                                      </p:to>
+                                    </p:set>
+                                  </p:childTnLst>
+                                </p:cTn>
+                              </p:par>
+                              <p:par>
+                                <p:cTn id="11" presetID="1" presetClass="entr" presetSubtype="0" fill="hold" grpId="0" nodeType="withEffect">
+                                  <p:stCondLst>
+                                    <p:cond delay="0"/>
+                                  </p:stCondLst>
+                                  <p:childTnLst>
+                                    <p:set>
+                                      <p:cBhvr>
+                                        <p:cTn id="12" dur="1" fill="hold">
+                                          <p:stCondLst>
+                                            <p:cond delay="0"/>
+                                          </p:stCondLst>
+                                        </p:cTn>
+                                        <p:tgtEl>
+                                          <p:spTgt spid="33"/>
+                                        </p:tgtEl>
+                                        <p:attrNameLst>
+                                          <p:attrName>style.visibility</p:attrName>
+                                        </p:attrNameLst>
+                                      </p:cBhvr>
+                                      <p:to>
+                                        <p:strVal val="visible"/>
+                                      </p:to>
+                                    </p:set>
+                                  </p:childTnLst>
+                                </p:cTn>
+                              </p:par>
+                            </p:childTnLst>
+                          </p:cTn>
+                        </p:par>
+                      </p:childTnLst>
+                    </p:cTn>
+                  </p:par>
+                  <p:par>
+                    <p:cTn id="13" fill="hold">
+                      <p:stCondLst>
+                        <p:cond delay="indefinite"/>
+                      </p:stCondLst>
+                      <p:childTnLst>
+                        <p:par>
+                          <p:cTn id="14" fill="hold">
+                            <p:stCondLst>
+                              <p:cond delay="0"/>
+                            </p:stCondLst>
+                            <p:childTnLst>
+                              <p:par>
+                                <p:cTn id="15" presetID="1" presetClass="entr" presetSubtype="0" fill="hold" grpId="0" nodeType="clickEffect">
+                                  <p:stCondLst>
+                                    <p:cond delay="0"/>
+                                  </p:stCondLst>
+                                  <p:childTnLst>
+                                    <p:set>
+                                      <p:cBhvr>
+                                        <p:cTn id="16" dur="1" fill="hold">
+                                          <p:stCondLst>
+                                            <p:cond delay="0"/>
+                                          </p:stCondLst>
+                                        </p:cTn>
+                                        <p:tgtEl>
+                                          <p:spTgt spid="34"/>
+                                        </p:tgtEl>
+                                        <p:attrNameLst>
+                                          <p:attrName>style.visibility</p:attrName>
+                                        </p:attrNameLst>
+                                      </p:cBhvr>
+                                      <p:to>
+                                        <p:strVal val="visible"/>
+                                      </p:to>
+                                    </p:set>
+                                  </p:childTnLst>
+                                </p:cTn>
+                              </p:par>
+                            </p:childTnLst>
+                          </p:cTn>
+                        </p:par>
+                      </p:childTnLst>
+                    </p:cTn>
+                  </p:par>
+                </p:childTnLst>
+              </p:cTn>
+              <p:prevCondLst>
+                <p:cond evt="onPrev" delay="0">
+                  <p:tgtEl>
+                    <p:sldTgt/>
+                  </p:tgtEl>
+                </p:cond>
+              </p:prevCondLst>
+              <p:nextCondLst>
+                <p:cond evt="onNext" delay="0">
+                  <p:tgtEl>
+                    <p:sldTgt/>
+                  </p:tgtEl>
+                </p:cond>
+              </p:nextCondLst>
+            </p:seq>
+          </p:childTnLst>
+        </p:cTn>
+      </p:par>
+    </p:tnLst>
+    <p:bldLst>
+      <p:bldP spid="32" grpId="0"/>
+      <p:bldP spid="33" grpId="0" animBg="1"/>
+      <p:bldP spid="34" grpId="0" animBg="1"/>
+      <p:bldP spid="35" grpId="0" animBg="1"/>
+    </p:bldLst>
+  </p:timing>
+</p:sld>
+</file>
+
+<file path=ppt/slides/slide14.xml><?xml version="1.0" encoding="utf-8"?>
+<p:sld xmlns:a="http://schemas.openxmlformats.org/drawingml/2006/main" xmlns:r="http://schemas.openxmlformats.org/officeDocument/2006/relationships" xmlns:p="http://schemas.openxmlformats.org/presentationml/2006/main">
+  <p:cSld>
+    <p:spTree>
+      <p:nvGrpSpPr>
+        <p:cNvPr id="1" name=""/>
+        <p:cNvGrpSpPr/>
+        <p:nvPr/>
+      </p:nvGrpSpPr>
+      <p:grpSpPr>
+        <a:xfrm>
+          <a:off x="0" y="0"/>
+          <a:ext cx="0" cy="0"/>
+          <a:chOff x="0" y="0"/>
+          <a:chExt cx="0" cy="0"/>
+        </a:xfrm>
+      </p:grpSpPr>
+      <p:sp>
+        <p:nvSpPr>
+          <p:cNvPr id="2" name="Title 1"/>
+          <p:cNvSpPr>
+            <a:spLocks noGrp="1"/>
+          </p:cNvSpPr>
+          <p:nvPr>
+            <p:ph type="title"/>
+          </p:nvPr>
+        </p:nvSpPr>
+        <p:spPr/>
+        <p:txBody>
+          <a:bodyPr/>
+          <a:lstStyle/>
+          <a:p>
+            <a:r>
+              <a:rPr lang="de-DE" dirty="0" smtClean="0"/>
+              <a:t>Problems</a:t>
+            </a:r>
+            <a:endParaRPr lang="de-DE" dirty="0"/>
+          </a:p>
+        </p:txBody>
+      </p:sp>
+      <p:sp>
+        <p:nvSpPr>
+          <p:cNvPr id="3" name="Content Placeholder 2"/>
+          <p:cNvSpPr>
+            <a:spLocks noGrp="1"/>
+          </p:cNvSpPr>
+          <p:nvPr>
+            <p:ph idx="1"/>
+          </p:nvPr>
+        </p:nvSpPr>
+        <p:spPr/>
+        <p:txBody>
+          <a:bodyPr/>
+          <a:lstStyle/>
+          <a:p>
+            <a:r>
+              <a:rPr lang="de-DE" dirty="0" smtClean="0"/>
+              <a:t>Voice coil actuator</a:t>
+            </a:r>
+          </a:p>
+          <a:p>
+            <a:pPr lvl="1"/>
+            <a:r>
+              <a:rPr lang="de-DE" dirty="0" smtClean="0"/>
+              <a:t>Not always available</a:t>
+            </a:r>
+          </a:p>
+          <a:p>
+            <a:pPr lvl="1"/>
+            <a:r>
+              <a:rPr lang="de-DE" dirty="0" smtClean="0"/>
+              <a:t>Not properly working (spring missing)</a:t>
+            </a:r>
+          </a:p>
+          <a:p>
+            <a:r>
+              <a:rPr lang="de-DE" dirty="0" smtClean="0"/>
+              <a:t>Acceleration files</a:t>
+            </a:r>
+          </a:p>
+          <a:p>
+            <a:pPr lvl="1"/>
+            <a:r>
+              <a:rPr lang="de-DE" dirty="0" smtClean="0"/>
+              <a:t>Unknown force and velocity</a:t>
+            </a:r>
+          </a:p>
+          <a:p>
+            <a:pPr lvl="1"/>
+            <a:r>
+              <a:rPr lang="de-DE" dirty="0" smtClean="0"/>
+              <a:t>Not location based</a:t>
+            </a:r>
+          </a:p>
+          <a:p>
+            <a:pPr lvl="1"/>
+            <a:r>
+              <a:rPr lang="de-DE" dirty="0" smtClean="0"/>
+              <a:t>Irregular velocity / force</a:t>
+            </a:r>
+            <a:endParaRPr lang="de-DE" dirty="0"/>
+          </a:p>
+          <a:p>
+            <a:r>
+              <a:rPr lang="de-DE" dirty="0" smtClean="0"/>
+              <a:t>Computational Constraints</a:t>
+            </a:r>
+          </a:p>
+          <a:p>
+            <a:pPr lvl="1"/>
+            <a:r>
+              <a:rPr lang="de-DE" dirty="0" smtClean="0"/>
+              <a:t>Problems with the haptics loop (play sound files)</a:t>
+            </a:r>
+          </a:p>
+          <a:p>
+            <a:pPr lvl="1"/>
+            <a:r>
+              <a:rPr lang="de-DE" dirty="0" smtClean="0"/>
+              <a:t>Simple 3D Objects (&lt; 5,000 vertices)</a:t>
+            </a:r>
+          </a:p>
+        </p:txBody>
+      </p:sp>
+      <p:sp>
+        <p:nvSpPr>
+          <p:cNvPr id="4" name="Date Placeholder 3"/>
+          <p:cNvSpPr>
+            <a:spLocks noGrp="1"/>
+          </p:cNvSpPr>
+          <p:nvPr>
+            <p:ph type="dt" sz="half" idx="10"/>
+          </p:nvPr>
+        </p:nvSpPr>
+        <p:spPr/>
+        <p:txBody>
+          <a:bodyPr/>
+          <a:lstStyle/>
+          <a:p>
+            <a:fld id="{32ABA488-3585-4181-9737-2E3BC8E184B6}" type="datetime1">
+              <a:rPr lang="de-DE" noProof="0" smtClean="0"/>
+              <a:t>07.08.2015</a:t>
+            </a:fld>
+            <a:endParaRPr lang="en-US" noProof="0" dirty="0"/>
+          </a:p>
+        </p:txBody>
+      </p:sp>
+      <p:sp>
+        <p:nvSpPr>
+          <p:cNvPr id="5" name="Footer Placeholder 4"/>
+          <p:cNvSpPr>
+            <a:spLocks noGrp="1"/>
+          </p:cNvSpPr>
+          <p:nvPr>
+            <p:ph type="ftr" sz="quarter" idx="11"/>
+          </p:nvPr>
+        </p:nvSpPr>
+        <p:spPr/>
+        <p:txBody>
+          <a:bodyPr/>
+          <a:lstStyle/>
+          <a:p>
+            <a:r>
+              <a:rPr lang="en-US" noProof="0" smtClean="0"/>
+              <a:t>Computational Haptics Laboratory -  Final Presentation</a:t>
+            </a:r>
+            <a:endParaRPr lang="en-US" noProof="0" dirty="0"/>
+          </a:p>
+        </p:txBody>
+      </p:sp>
+      <p:sp>
+        <p:nvSpPr>
+          <p:cNvPr id="6" name="Slide Number Placeholder 5"/>
+          <p:cNvSpPr>
+            <a:spLocks noGrp="1"/>
+          </p:cNvSpPr>
+          <p:nvPr>
+            <p:ph type="sldNum" sz="quarter" idx="12"/>
+          </p:nvPr>
+        </p:nvSpPr>
+        <p:spPr/>
+        <p:txBody>
+          <a:bodyPr/>
+          <a:lstStyle/>
+          <a:p>
+            <a:fld id="{17CC94CD-1FE7-0C44-80F4-2964C2C99554}" type="slidenum">
+              <a:rPr lang="en-US" noProof="0" smtClean="0"/>
+              <a:pPr/>
+              <a:t>14</a:t>
+            </a:fld>
+            <a:endParaRPr lang="en-US" noProof="0"/>
+          </a:p>
+        </p:txBody>
+      </p:sp>
+    </p:spTree>
+    <p:extLst>
+      <p:ext uri="{BB962C8B-B14F-4D97-AF65-F5344CB8AC3E}">
+        <p14:creationId xmlns:p14="http://schemas.microsoft.com/office/powerpoint/2010/main" val="3827798047"/>
+      </p:ext>
+    </p:extLst>
+  </p:cSld>
+  <p:clrMapOvr>
+    <a:masterClrMapping/>
+  </p:clrMapOvr>
+  <mc:AlternateContent xmlns:mc="http://schemas.openxmlformats.org/markup-compatibility/2006" xmlns:p14="http://schemas.microsoft.com/office/powerpoint/2010/main">
+    <mc:Choice Requires="p14">
+      <p:transition spd="slow" p14:dur="2000" advTm="134900"/>
+    </mc:Choice>
+    <mc:Fallback xmlns="">
+      <p:transition spd="slow" advTm="134900"/>
+    </mc:Fallback>
+  </mc:AlternateContent>
+  <p:timing>
+    <p:tnLst>
+      <p:par>
+        <p:cTn id="1" dur="indefinite" restart="never" nodeType="tmRoot"/>
+      </p:par>
+    </p:tnLst>
+  </p:timing>
+</p:sld>
+</file>
+
+<file path=ppt/slides/slide15.xml><?xml version="1.0" encoding="utf-8"?>
+<p:sld xmlns:a="http://schemas.openxmlformats.org/drawingml/2006/main" xmlns:r="http://schemas.openxmlformats.org/officeDocument/2006/relationships" xmlns:p="http://schemas.openxmlformats.org/presentationml/2006/main">
+  <p:cSld>
+    <p:spTree>
+      <p:nvGrpSpPr>
+        <p:cNvPr id="1" name=""/>
+        <p:cNvGrpSpPr/>
+        <p:nvPr/>
+      </p:nvGrpSpPr>
+      <p:grpSpPr>
+        <a:xfrm>
+          <a:off x="0" y="0"/>
+          <a:ext cx="0" cy="0"/>
+          <a:chOff x="0" y="0"/>
+          <a:chExt cx="0" cy="0"/>
+        </a:xfrm>
+      </p:grpSpPr>
+      <p:sp>
+        <p:nvSpPr>
+          <p:cNvPr id="2" name="Title 1"/>
+          <p:cNvSpPr>
+            <a:spLocks noGrp="1"/>
+          </p:cNvSpPr>
+          <p:nvPr>
+            <p:ph type="title"/>
+          </p:nvPr>
+        </p:nvSpPr>
+        <p:spPr/>
+        <p:txBody>
+          <a:bodyPr/>
+          <a:lstStyle/>
+          <a:p>
+            <a:r>
+              <a:rPr lang="de-DE" dirty="0" smtClean="0"/>
+              <a:t>Result</a:t>
+            </a:r>
+            <a:endParaRPr lang="de-DE" dirty="0"/>
+          </a:p>
+        </p:txBody>
+      </p:sp>
+      <p:sp>
+        <p:nvSpPr>
+          <p:cNvPr id="3" name="Content Placeholder 2"/>
+          <p:cNvSpPr>
+            <a:spLocks noGrp="1"/>
+          </p:cNvSpPr>
+          <p:nvPr>
+            <p:ph idx="1"/>
+          </p:nvPr>
+        </p:nvSpPr>
+        <p:spPr/>
+        <p:txBody>
+          <a:bodyPr/>
+          <a:lstStyle/>
+          <a:p>
+            <a:r>
+              <a:rPr lang="de-DE" dirty="0" smtClean="0"/>
+              <a:t>Simple game logic</a:t>
+            </a:r>
+          </a:p>
+          <a:p>
+            <a:r>
+              <a:rPr lang="de-DE" dirty="0" smtClean="0"/>
+              <a:t>12 blender objects with soundfile, stiffness, and friction</a:t>
+            </a:r>
+          </a:p>
+          <a:p>
+            <a:r>
+              <a:rPr lang="de-DE" smtClean="0"/>
+              <a:t>Different modifications possible</a:t>
+            </a:r>
+            <a:endParaRPr lang="de-DE" dirty="0" smtClean="0"/>
+          </a:p>
+          <a:p>
+            <a:pPr lvl="1"/>
+            <a:r>
+              <a:rPr lang="de-DE" dirty="0" smtClean="0"/>
+              <a:t>2 </a:t>
+            </a:r>
+            <a:r>
+              <a:rPr lang="de-DE" dirty="0"/>
+              <a:t>modes for handling the penetration depth</a:t>
+            </a:r>
+          </a:p>
+          <a:p>
+            <a:pPr lvl="1"/>
+            <a:r>
+              <a:rPr lang="de-DE" dirty="0" smtClean="0"/>
+              <a:t>Display movement of the handle</a:t>
+            </a:r>
+            <a:endParaRPr lang="de-DE" dirty="0" smtClean="0"/>
+          </a:p>
+          <a:p>
+            <a:r>
+              <a:rPr lang="de-DE" dirty="0" smtClean="0"/>
+              <a:t>Created a framework for displaying acceleration files over the sound port of the computer with a voice coil actuator</a:t>
+            </a:r>
+            <a:endParaRPr lang="de-DE" dirty="0"/>
+          </a:p>
+        </p:txBody>
+      </p:sp>
+      <p:sp>
+        <p:nvSpPr>
+          <p:cNvPr id="4" name="Date Placeholder 3"/>
+          <p:cNvSpPr>
+            <a:spLocks noGrp="1"/>
+          </p:cNvSpPr>
+          <p:nvPr>
+            <p:ph type="dt" sz="half" idx="10"/>
+          </p:nvPr>
+        </p:nvSpPr>
+        <p:spPr/>
+        <p:txBody>
+          <a:bodyPr/>
+          <a:lstStyle/>
+          <a:p>
+            <a:fld id="{CE70FF04-F7D5-46B4-9528-2DD1D6C7FBFB}" type="datetime1">
+              <a:rPr lang="de-DE" noProof="0" smtClean="0"/>
+              <a:t>07.08.2015</a:t>
+            </a:fld>
+            <a:endParaRPr lang="en-US" noProof="0"/>
+          </a:p>
+        </p:txBody>
+      </p:sp>
+      <p:sp>
+        <p:nvSpPr>
+          <p:cNvPr id="5" name="Footer Placeholder 4"/>
+          <p:cNvSpPr>
+            <a:spLocks noGrp="1"/>
+          </p:cNvSpPr>
+          <p:nvPr>
+            <p:ph type="ftr" sz="quarter" idx="11"/>
+          </p:nvPr>
+        </p:nvSpPr>
+        <p:spPr/>
+        <p:txBody>
+          <a:bodyPr/>
+          <a:lstStyle/>
+          <a:p>
+            <a:r>
+              <a:rPr lang="en-US" noProof="0" smtClean="0"/>
+              <a:t>Computational Haptics Laboratory -  Final Presentation</a:t>
+            </a:r>
+            <a:endParaRPr lang="en-US" noProof="0" dirty="0"/>
+          </a:p>
+        </p:txBody>
+      </p:sp>
+      <p:sp>
+        <p:nvSpPr>
+          <p:cNvPr id="6" name="Slide Number Placeholder 5"/>
+          <p:cNvSpPr>
+            <a:spLocks noGrp="1"/>
+          </p:cNvSpPr>
+          <p:nvPr>
+            <p:ph type="sldNum" sz="quarter" idx="12"/>
+          </p:nvPr>
+        </p:nvSpPr>
+        <p:spPr/>
+        <p:txBody>
+          <a:bodyPr/>
+          <a:lstStyle/>
+          <a:p>
+            <a:fld id="{17CC94CD-1FE7-0C44-80F4-2964C2C99554}" type="slidenum">
+              <a:rPr lang="en-US" noProof="0" smtClean="0"/>
+              <a:pPr/>
+              <a:t>15</a:t>
+            </a:fld>
+            <a:endParaRPr lang="en-US" noProof="0"/>
+          </a:p>
+        </p:txBody>
+      </p:sp>
+    </p:spTree>
+    <p:extLst>
+      <p:ext uri="{BB962C8B-B14F-4D97-AF65-F5344CB8AC3E}">
+        <p14:creationId xmlns:p14="http://schemas.microsoft.com/office/powerpoint/2010/main" val="2932683311"/>
+      </p:ext>
+    </p:extLst>
+  </p:cSld>
+  <p:clrMapOvr>
+    <a:masterClrMapping/>
+  </p:clrMapOvr>
+  <p:timing>
+    <p:tnLst>
+      <p:par>
+        <p:cTn id="1" dur="indefinite" restart="never" nodeType="tmRoot"/>
+      </p:par>
+    </p:tnLst>
+  </p:timing>
+</p:sld>
+</file>
+
+<file path=ppt/slides/slide16.xml><?xml version="1.0" encoding="utf-8"?>
+<p:sld xmlns:a="http://schemas.openxmlformats.org/drawingml/2006/main" xmlns:r="http://schemas.openxmlformats.org/officeDocument/2006/relationships" xmlns:p="http://schemas.openxmlformats.org/presentationml/2006/main" show="0">
+  <p:cSld>
+    <p:spTree>
+      <p:nvGrpSpPr>
+        <p:cNvPr id="1" name=""/>
+        <p:cNvGrpSpPr/>
+        <p:nvPr/>
+      </p:nvGrpSpPr>
+      <p:grpSpPr>
+        <a:xfrm>
+          <a:off x="0" y="0"/>
+          <a:ext cx="0" cy="0"/>
+          <a:chOff x="0" y="0"/>
+          <a:chExt cx="0" cy="0"/>
+        </a:xfrm>
+      </p:grpSpPr>
+      <p:sp>
+        <p:nvSpPr>
+          <p:cNvPr id="2" name="Title 1"/>
+          <p:cNvSpPr>
+            <a:spLocks noGrp="1"/>
+          </p:cNvSpPr>
+          <p:nvPr>
+            <p:ph type="title"/>
+          </p:nvPr>
+        </p:nvSpPr>
+        <p:spPr/>
+        <p:txBody>
+          <a:bodyPr/>
+          <a:lstStyle/>
+          <a:p>
+            <a:r>
+              <a:rPr lang="de-DE" dirty="0" smtClean="0"/>
+              <a:t>Optimal Design Process</a:t>
+            </a:r>
+            <a:endParaRPr lang="de-DE" dirty="0"/>
+          </a:p>
+        </p:txBody>
+      </p:sp>
+      <p:sp>
+        <p:nvSpPr>
+          <p:cNvPr id="4" name="Date Placeholder 3"/>
+          <p:cNvSpPr>
+            <a:spLocks noGrp="1"/>
+          </p:cNvSpPr>
+          <p:nvPr>
+            <p:ph type="dt" sz="half" idx="10"/>
+          </p:nvPr>
+        </p:nvSpPr>
+        <p:spPr/>
+        <p:txBody>
+          <a:bodyPr/>
+          <a:lstStyle/>
+          <a:p>
+            <a:fld id="{0C452F02-315D-4CFC-A0A7-CABAD71953AD}" type="datetime1">
+              <a:rPr lang="de-DE" noProof="0" smtClean="0"/>
+              <a:t>07.08.2015</a:t>
+            </a:fld>
+            <a:endParaRPr lang="en-US" noProof="0"/>
+          </a:p>
+        </p:txBody>
+      </p:sp>
+      <p:sp>
+        <p:nvSpPr>
+          <p:cNvPr id="5" name="Footer Placeholder 4"/>
+          <p:cNvSpPr>
+            <a:spLocks noGrp="1"/>
+          </p:cNvSpPr>
+          <p:nvPr>
+            <p:ph type="ftr" sz="quarter" idx="11"/>
+          </p:nvPr>
+        </p:nvSpPr>
+        <p:spPr/>
+        <p:txBody>
+          <a:bodyPr/>
+          <a:lstStyle/>
+          <a:p>
+            <a:r>
+              <a:rPr lang="en-US" noProof="0" smtClean="0"/>
+              <a:t>Computational Haptics Laboratory -  Final Presentation</a:t>
+            </a:r>
+            <a:endParaRPr lang="en-US" noProof="0" dirty="0"/>
+          </a:p>
+        </p:txBody>
+      </p:sp>
+      <p:sp>
+        <p:nvSpPr>
+          <p:cNvPr id="6" name="Slide Number Placeholder 5"/>
+          <p:cNvSpPr>
+            <a:spLocks noGrp="1"/>
+          </p:cNvSpPr>
+          <p:nvPr>
+            <p:ph type="sldNum" sz="quarter" idx="12"/>
+          </p:nvPr>
+        </p:nvSpPr>
+        <p:spPr/>
+        <p:txBody>
+          <a:bodyPr/>
+          <a:lstStyle/>
+          <a:p>
+            <a:fld id="{17CC94CD-1FE7-0C44-80F4-2964C2C99554}" type="slidenum">
+              <a:rPr lang="en-US" noProof="0" smtClean="0"/>
+              <a:pPr/>
+              <a:t>16</a:t>
             </a:fld>
             <a:endParaRPr lang="en-US" noProof="0"/>
           </a:p>
@@ -8881,400 +10835,7 @@
 </p:sld>
 </file>
 
-<file path=ppt/slides/slide14.xml><?xml version="1.0" encoding="utf-8"?>
-<p:sld xmlns:a="http://schemas.openxmlformats.org/drawingml/2006/main" xmlns:r="http://schemas.openxmlformats.org/officeDocument/2006/relationships" xmlns:p="http://schemas.openxmlformats.org/presentationml/2006/main">
-  <p:cSld>
-    <p:spTree>
-      <p:nvGrpSpPr>
-        <p:cNvPr id="1" name=""/>
-        <p:cNvGrpSpPr/>
-        <p:nvPr/>
-      </p:nvGrpSpPr>
-      <p:grpSpPr>
-        <a:xfrm>
-          <a:off x="0" y="0"/>
-          <a:ext cx="0" cy="0"/>
-          <a:chOff x="0" y="0"/>
-          <a:chExt cx="0" cy="0"/>
-        </a:xfrm>
-      </p:grpSpPr>
-      <p:sp>
-        <p:nvSpPr>
-          <p:cNvPr id="2" name="Title 1"/>
-          <p:cNvSpPr>
-            <a:spLocks noGrp="1"/>
-          </p:cNvSpPr>
-          <p:nvPr>
-            <p:ph type="title"/>
-          </p:nvPr>
-        </p:nvSpPr>
-        <p:spPr/>
-        <p:txBody>
-          <a:bodyPr/>
-          <a:lstStyle/>
-          <a:p>
-            <a:r>
-              <a:rPr lang="de-DE" dirty="0" smtClean="0"/>
-              <a:t>Problems</a:t>
-            </a:r>
-            <a:endParaRPr lang="de-DE" dirty="0"/>
-          </a:p>
-        </p:txBody>
-      </p:sp>
-      <p:sp>
-        <p:nvSpPr>
-          <p:cNvPr id="3" name="Content Placeholder 2"/>
-          <p:cNvSpPr>
-            <a:spLocks noGrp="1"/>
-          </p:cNvSpPr>
-          <p:nvPr>
-            <p:ph idx="1"/>
-          </p:nvPr>
-        </p:nvSpPr>
-        <p:spPr/>
-        <p:txBody>
-          <a:bodyPr/>
-          <a:lstStyle/>
-          <a:p>
-            <a:r>
-              <a:rPr lang="de-DE" dirty="0" smtClean="0"/>
-              <a:t>Voice coil actuator</a:t>
-            </a:r>
-          </a:p>
-          <a:p>
-            <a:pPr lvl="1"/>
-            <a:r>
-              <a:rPr lang="de-DE" dirty="0" smtClean="0"/>
-              <a:t>Not always available</a:t>
-            </a:r>
-          </a:p>
-          <a:p>
-            <a:pPr lvl="1"/>
-            <a:r>
-              <a:rPr lang="de-DE" dirty="0" smtClean="0"/>
-              <a:t>Not properly working (spring missing)</a:t>
-            </a:r>
-          </a:p>
-          <a:p>
-            <a:r>
-              <a:rPr lang="de-DE" dirty="0" smtClean="0"/>
-              <a:t>Acceleration files</a:t>
-            </a:r>
-          </a:p>
-          <a:p>
-            <a:pPr lvl="1"/>
-            <a:r>
-              <a:rPr lang="de-DE" dirty="0" smtClean="0"/>
-              <a:t>Unknown force and velocity</a:t>
-            </a:r>
-          </a:p>
-          <a:p>
-            <a:pPr lvl="1"/>
-            <a:r>
-              <a:rPr lang="de-DE" dirty="0" smtClean="0"/>
-              <a:t>Not location based</a:t>
-            </a:r>
-          </a:p>
-          <a:p>
-            <a:pPr lvl="1"/>
-            <a:r>
-              <a:rPr lang="de-DE" dirty="0" smtClean="0"/>
-              <a:t>Irregular velocity / force</a:t>
-            </a:r>
-            <a:endParaRPr lang="de-DE" dirty="0"/>
-          </a:p>
-          <a:p>
-            <a:r>
-              <a:rPr lang="de-DE" dirty="0" smtClean="0"/>
-              <a:t>Computational Constraints</a:t>
-            </a:r>
-          </a:p>
-          <a:p>
-            <a:pPr lvl="1"/>
-            <a:r>
-              <a:rPr lang="de-DE" dirty="0" smtClean="0"/>
-              <a:t>Problems with the haptics loop (play sound files)</a:t>
-            </a:r>
-          </a:p>
-          <a:p>
-            <a:pPr lvl="1"/>
-            <a:r>
-              <a:rPr lang="de-DE" dirty="0" smtClean="0"/>
-              <a:t>Simple 3D Objects (&lt; 5,000 vertices)</a:t>
-            </a:r>
-          </a:p>
-        </p:txBody>
-      </p:sp>
-      <p:sp>
-        <p:nvSpPr>
-          <p:cNvPr id="4" name="Date Placeholder 3"/>
-          <p:cNvSpPr>
-            <a:spLocks noGrp="1"/>
-          </p:cNvSpPr>
-          <p:nvPr>
-            <p:ph type="dt" sz="half" idx="10"/>
-          </p:nvPr>
-        </p:nvSpPr>
-        <p:spPr/>
-        <p:txBody>
-          <a:bodyPr/>
-          <a:lstStyle/>
-          <a:p>
-            <a:fld id="{32ABA488-3585-4181-9737-2E3BC8E184B6}" type="datetime1">
-              <a:rPr lang="de-DE" noProof="0" smtClean="0"/>
-              <a:t>06.08.2015</a:t>
-            </a:fld>
-            <a:endParaRPr lang="en-US" noProof="0" dirty="0"/>
-          </a:p>
-        </p:txBody>
-      </p:sp>
-      <p:sp>
-        <p:nvSpPr>
-          <p:cNvPr id="5" name="Footer Placeholder 4"/>
-          <p:cNvSpPr>
-            <a:spLocks noGrp="1"/>
-          </p:cNvSpPr>
-          <p:nvPr>
-            <p:ph type="ftr" sz="quarter" idx="11"/>
-          </p:nvPr>
-        </p:nvSpPr>
-        <p:spPr/>
-        <p:txBody>
-          <a:bodyPr/>
-          <a:lstStyle/>
-          <a:p>
-            <a:r>
-              <a:rPr lang="en-US" noProof="0" smtClean="0"/>
-              <a:t>Computational Haptics Laboratory -  Final Presentation</a:t>
-            </a:r>
-            <a:endParaRPr lang="en-US" noProof="0" dirty="0"/>
-          </a:p>
-        </p:txBody>
-      </p:sp>
-      <p:sp>
-        <p:nvSpPr>
-          <p:cNvPr id="6" name="Slide Number Placeholder 5"/>
-          <p:cNvSpPr>
-            <a:spLocks noGrp="1"/>
-          </p:cNvSpPr>
-          <p:nvPr>
-            <p:ph type="sldNum" sz="quarter" idx="12"/>
-          </p:nvPr>
-        </p:nvSpPr>
-        <p:spPr/>
-        <p:txBody>
-          <a:bodyPr/>
-          <a:lstStyle/>
-          <a:p>
-            <a:fld id="{17CC94CD-1FE7-0C44-80F4-2964C2C99554}" type="slidenum">
-              <a:rPr lang="en-US" noProof="0" smtClean="0"/>
-              <a:pPr/>
-              <a:t>14</a:t>
-            </a:fld>
-            <a:endParaRPr lang="en-US" noProof="0"/>
-          </a:p>
-        </p:txBody>
-      </p:sp>
-    </p:spTree>
-    <p:extLst>
-      <p:ext uri="{BB962C8B-B14F-4D97-AF65-F5344CB8AC3E}">
-        <p14:creationId xmlns:p14="http://schemas.microsoft.com/office/powerpoint/2010/main" val="3827798047"/>
-      </p:ext>
-    </p:extLst>
-  </p:cSld>
-  <p:clrMapOvr>
-    <a:masterClrMapping/>
-  </p:clrMapOvr>
-  <mc:AlternateContent xmlns:mc="http://schemas.openxmlformats.org/markup-compatibility/2006">
-    <mc:Choice xmlns:p14="http://schemas.microsoft.com/office/powerpoint/2010/main" Requires="p14">
-      <p:transition spd="slow" p14:dur="2000" advTm="134900"/>
-    </mc:Choice>
-    <mc:Fallback>
-      <p:transition spd="slow" advTm="134900"/>
-    </mc:Fallback>
-  </mc:AlternateContent>
-  <p:timing>
-    <p:tnLst>
-      <p:par>
-        <p:cTn id="1" dur="indefinite" restart="never" nodeType="tmRoot"/>
-      </p:par>
-    </p:tnLst>
-  </p:timing>
-</p:sld>
-</file>
-
-<file path=ppt/slides/slide15.xml><?xml version="1.0" encoding="utf-8"?>
-<p:sld xmlns:a="http://schemas.openxmlformats.org/drawingml/2006/main" xmlns:r="http://schemas.openxmlformats.org/officeDocument/2006/relationships" xmlns:p="http://schemas.openxmlformats.org/presentationml/2006/main">
-  <p:cSld>
-    <p:spTree>
-      <p:nvGrpSpPr>
-        <p:cNvPr id="1" name=""/>
-        <p:cNvGrpSpPr/>
-        <p:nvPr/>
-      </p:nvGrpSpPr>
-      <p:grpSpPr>
-        <a:xfrm>
-          <a:off x="0" y="0"/>
-          <a:ext cx="0" cy="0"/>
-          <a:chOff x="0" y="0"/>
-          <a:chExt cx="0" cy="0"/>
-        </a:xfrm>
-      </p:grpSpPr>
-      <p:sp>
-        <p:nvSpPr>
-          <p:cNvPr id="2" name="Title 1"/>
-          <p:cNvSpPr>
-            <a:spLocks noGrp="1"/>
-          </p:cNvSpPr>
-          <p:nvPr>
-            <p:ph type="title"/>
-          </p:nvPr>
-        </p:nvSpPr>
-        <p:spPr/>
-        <p:txBody>
-          <a:bodyPr/>
-          <a:lstStyle/>
-          <a:p>
-            <a:r>
-              <a:rPr lang="de-DE" dirty="0" smtClean="0"/>
-              <a:t>Result</a:t>
-            </a:r>
-            <a:endParaRPr lang="de-DE" dirty="0"/>
-          </a:p>
-        </p:txBody>
-      </p:sp>
-      <p:sp>
-        <p:nvSpPr>
-          <p:cNvPr id="3" name="Content Placeholder 2"/>
-          <p:cNvSpPr>
-            <a:spLocks noGrp="1"/>
-          </p:cNvSpPr>
-          <p:nvPr>
-            <p:ph idx="1"/>
-          </p:nvPr>
-        </p:nvSpPr>
-        <p:spPr/>
-        <p:txBody>
-          <a:bodyPr/>
-          <a:lstStyle/>
-          <a:p>
-            <a:r>
-              <a:rPr lang="de-DE" dirty="0" smtClean="0"/>
-              <a:t>Simple game logic</a:t>
-            </a:r>
-          </a:p>
-          <a:p>
-            <a:r>
-              <a:rPr lang="de-DE" dirty="0" smtClean="0"/>
-              <a:t>12 blender objects with soundfile, stiffness, and friction</a:t>
-            </a:r>
-          </a:p>
-          <a:p>
-            <a:r>
-              <a:rPr lang="de-DE" dirty="0" smtClean="0"/>
-              <a:t>2 modes for handling the penetration depth</a:t>
-            </a:r>
-          </a:p>
-          <a:p>
-            <a:r>
-              <a:rPr lang="de-DE" dirty="0" smtClean="0"/>
-              <a:t>Created a framework for displaying acceleration files over the sound port of the computer with a voice coil actuator</a:t>
-            </a:r>
-            <a:endParaRPr lang="de-DE" dirty="0"/>
-          </a:p>
-        </p:txBody>
-      </p:sp>
-      <p:sp>
-        <p:nvSpPr>
-          <p:cNvPr id="4" name="Date Placeholder 3"/>
-          <p:cNvSpPr>
-            <a:spLocks noGrp="1"/>
-          </p:cNvSpPr>
-          <p:nvPr>
-            <p:ph type="dt" sz="half" idx="10"/>
-          </p:nvPr>
-        </p:nvSpPr>
-        <p:spPr/>
-        <p:txBody>
-          <a:bodyPr/>
-          <a:lstStyle/>
-          <a:p>
-            <a:fld id="{CE70FF04-F7D5-46B4-9528-2DD1D6C7FBFB}" type="datetime1">
-              <a:rPr lang="de-DE" noProof="0" smtClean="0"/>
-              <a:t>06.08.2015</a:t>
-            </a:fld>
-            <a:endParaRPr lang="en-US" noProof="0"/>
-          </a:p>
-        </p:txBody>
-      </p:sp>
-      <p:sp>
-        <p:nvSpPr>
-          <p:cNvPr id="5" name="Footer Placeholder 4"/>
-          <p:cNvSpPr>
-            <a:spLocks noGrp="1"/>
-          </p:cNvSpPr>
-          <p:nvPr>
-            <p:ph type="ftr" sz="quarter" idx="11"/>
-          </p:nvPr>
-        </p:nvSpPr>
-        <p:spPr/>
-        <p:txBody>
-          <a:bodyPr/>
-          <a:lstStyle/>
-          <a:p>
-            <a:r>
-              <a:rPr lang="en-US" noProof="0" smtClean="0"/>
-              <a:t>Computational Haptics Laboratory -  Final Presentation</a:t>
-            </a:r>
-            <a:endParaRPr lang="en-US" noProof="0" dirty="0"/>
-          </a:p>
-        </p:txBody>
-      </p:sp>
-      <p:sp>
-        <p:nvSpPr>
-          <p:cNvPr id="6" name="Slide Number Placeholder 5"/>
-          <p:cNvSpPr>
-            <a:spLocks noGrp="1"/>
-          </p:cNvSpPr>
-          <p:nvPr>
-            <p:ph type="sldNum" sz="quarter" idx="12"/>
-          </p:nvPr>
-        </p:nvSpPr>
-        <p:spPr/>
-        <p:txBody>
-          <a:bodyPr/>
-          <a:lstStyle/>
-          <a:p>
-            <a:fld id="{17CC94CD-1FE7-0C44-80F4-2964C2C99554}" type="slidenum">
-              <a:rPr lang="en-US" noProof="0" smtClean="0"/>
-              <a:pPr/>
-              <a:t>15</a:t>
-            </a:fld>
-            <a:endParaRPr lang="en-US" noProof="0"/>
-          </a:p>
-        </p:txBody>
-      </p:sp>
-    </p:spTree>
-    <p:extLst>
-      <p:ext uri="{BB962C8B-B14F-4D97-AF65-F5344CB8AC3E}">
-        <p14:creationId xmlns:p14="http://schemas.microsoft.com/office/powerpoint/2010/main" val="2932683311"/>
-      </p:ext>
-    </p:extLst>
-  </p:cSld>
-  <p:clrMapOvr>
-    <a:masterClrMapping/>
-  </p:clrMapOvr>
-  <p:timing>
-    <p:tnLst>
-      <p:par>
-        <p:cTn id="1" dur="indefinite" restart="never" nodeType="tmRoot"/>
-      </p:par>
-    </p:tnLst>
-  </p:timing>
-</p:sld>
-</file>
-
-<file path=ppt/slides/slide16.xml><?xml version="1.0" encoding="utf-8"?>
+<file path=ppt/slides/slide17.xml><?xml version="1.0" encoding="utf-8"?>
 <p:sld xmlns:a="http://schemas.openxmlformats.org/drawingml/2006/main" xmlns:r="http://schemas.openxmlformats.org/officeDocument/2006/relationships" xmlns:p="http://schemas.openxmlformats.org/presentationml/2006/main" show="0">
   <p:cSld>
     <p:spTree>
@@ -9331,7 +10892,7 @@
           <a:p>
             <a:fld id="{27A2F257-F03E-44C4-AE0D-DA47908C001C}" type="datetime1">
               <a:rPr lang="de-DE" noProof="0" smtClean="0"/>
-              <a:t>06.08.2015</a:t>
+              <a:t>07.08.2015</a:t>
             </a:fld>
             <a:endParaRPr lang="en-US" noProof="0"/>
           </a:p>
@@ -9378,7 +10939,7 @@
             <a:fld id="{17CC94CD-1FE7-0C44-80F4-2964C2C99554}" type="slidenum">
               <a:rPr lang="en-US" noProof="0" smtClean="0"/>
               <a:pPr/>
-              <a:t>16</a:t>
+              <a:t>17</a:t>
             </a:fld>
             <a:endParaRPr lang="en-US" noProof="0"/>
           </a:p>
@@ -14462,11 +16023,11 @@
   <p:clrMapOvr>
     <a:masterClrMapping/>
   </p:clrMapOvr>
-  <mc:AlternateContent xmlns:mc="http://schemas.openxmlformats.org/markup-compatibility/2006">
-    <mc:Choice xmlns:p14="http://schemas.microsoft.com/office/powerpoint/2010/main" Requires="p14">
+  <mc:AlternateContent xmlns:mc="http://schemas.openxmlformats.org/markup-compatibility/2006" xmlns:p14="http://schemas.microsoft.com/office/powerpoint/2010/main">
+    <mc:Choice Requires="p14">
       <p:transition spd="slow" p14:dur="2000"/>
     </mc:Choice>
-    <mc:Fallback>
+    <mc:Fallback xmlns="">
       <p:transition spd="slow"/>
     </mc:Fallback>
   </mc:AlternateContent>
@@ -14480,7 +16041,7 @@
 </p:sld>
 </file>
 
-<file path=ppt/slides/slide17.xml><?xml version="1.0" encoding="utf-8"?>
+<file path=ppt/slides/slide18.xml><?xml version="1.0" encoding="utf-8"?>
 <p:sld xmlns:a="http://schemas.openxmlformats.org/drawingml/2006/main" xmlns:r="http://schemas.openxmlformats.org/officeDocument/2006/relationships" xmlns:p="http://schemas.openxmlformats.org/presentationml/2006/main" show="0">
   <p:cSld>
     <p:spTree>
@@ -14537,7 +16098,7 @@
           <a:p>
             <a:fld id="{201BE900-35B0-4D29-9D2F-E41B813C58B4}" type="datetime1">
               <a:rPr lang="de-DE" noProof="0" smtClean="0"/>
-              <a:t>06.08.2015</a:t>
+              <a:t>07.08.2015</a:t>
             </a:fld>
             <a:endParaRPr lang="en-US" noProof="0"/>
           </a:p>
@@ -14584,7 +16145,7 @@
             <a:fld id="{17CC94CD-1FE7-0C44-80F4-2964C2C99554}" type="slidenum">
               <a:rPr lang="en-US" noProof="0" smtClean="0"/>
               <a:pPr/>
-              <a:t>17</a:t>
+              <a:t>18</a:t>
             </a:fld>
             <a:endParaRPr lang="en-US" noProof="0"/>
           </a:p>
@@ -14641,11 +16202,11 @@
   <p:clrMapOvr>
     <a:masterClrMapping/>
   </p:clrMapOvr>
-  <mc:AlternateContent xmlns:mc="http://schemas.openxmlformats.org/markup-compatibility/2006">
-    <mc:Choice xmlns:p14="http://schemas.microsoft.com/office/powerpoint/2010/main" Requires="p14">
+  <mc:AlternateContent xmlns:mc="http://schemas.openxmlformats.org/markup-compatibility/2006" xmlns:p14="http://schemas.microsoft.com/office/powerpoint/2010/main">
+    <mc:Choice Requires="p14">
       <p:transition spd="slow" p14:dur="2000"/>
     </mc:Choice>
-    <mc:Fallback>
+    <mc:Fallback xmlns="">
       <p:transition spd="slow"/>
     </mc:Fallback>
   </mc:AlternateContent>
@@ -14659,7 +16220,7 @@
 </p:sld>
 </file>
 
-<file path=ppt/slides/slide18.xml><?xml version="1.0" encoding="utf-8"?>
+<file path=ppt/slides/slide19.xml><?xml version="1.0" encoding="utf-8"?>
 <p:sld xmlns:a="http://schemas.openxmlformats.org/drawingml/2006/main" xmlns:r="http://schemas.openxmlformats.org/officeDocument/2006/relationships" xmlns:p="http://schemas.openxmlformats.org/presentationml/2006/main" show="0">
   <p:cSld>
     <p:spTree>
@@ -14716,7 +16277,7 @@
           <a:p>
             <a:fld id="{435A9ABA-68F0-491C-807C-92146E3C2B77}" type="datetime1">
               <a:rPr lang="de-DE" noProof="0" smtClean="0"/>
-              <a:t>06.08.2015</a:t>
+              <a:t>07.08.2015</a:t>
             </a:fld>
             <a:endParaRPr lang="en-US" noProof="0"/>
           </a:p>
@@ -14763,7 +16324,7 @@
             <a:fld id="{17CC94CD-1FE7-0C44-80F4-2964C2C99554}" type="slidenum">
               <a:rPr lang="en-US" noProof="0" smtClean="0"/>
               <a:pPr/>
-              <a:t>18</a:t>
+              <a:t>19</a:t>
             </a:fld>
             <a:endParaRPr lang="en-US" noProof="0"/>
           </a:p>
@@ -15849,197 +17410,12 @@
   <p:clrMapOvr>
     <a:masterClrMapping/>
   </p:clrMapOvr>
-  <mc:AlternateContent xmlns:mc="http://schemas.openxmlformats.org/markup-compatibility/2006">
-    <mc:Choice xmlns:p14="http://schemas.microsoft.com/office/powerpoint/2010/main" Requires="p14">
+  <mc:AlternateContent xmlns:mc="http://schemas.openxmlformats.org/markup-compatibility/2006" xmlns:p14="http://schemas.microsoft.com/office/powerpoint/2010/main">
+    <mc:Choice Requires="p14">
       <p:transition spd="slow" p14:dur="2000" advTm="28191"/>
     </mc:Choice>
-    <mc:Fallback>
+    <mc:Fallback xmlns="">
       <p:transition spd="slow" advTm="28191"/>
-    </mc:Fallback>
-  </mc:AlternateContent>
-  <p:timing>
-    <p:tnLst>
-      <p:par>
-        <p:cTn id="1" dur="indefinite" restart="never" nodeType="tmRoot"/>
-      </p:par>
-    </p:tnLst>
-  </p:timing>
-</p:sld>
-</file>
-
-<file path=ppt/slides/slide19.xml><?xml version="1.0" encoding="utf-8"?>
-<p:sld xmlns:a="http://schemas.openxmlformats.org/drawingml/2006/main" xmlns:r="http://schemas.openxmlformats.org/officeDocument/2006/relationships" xmlns:p="http://schemas.openxmlformats.org/presentationml/2006/main" show="0">
-  <p:cSld>
-    <p:spTree>
-      <p:nvGrpSpPr>
-        <p:cNvPr id="1" name=""/>
-        <p:cNvGrpSpPr/>
-        <p:nvPr/>
-      </p:nvGrpSpPr>
-      <p:grpSpPr>
-        <a:xfrm>
-          <a:off x="0" y="0"/>
-          <a:ext cx="0" cy="0"/>
-          <a:chOff x="0" y="0"/>
-          <a:chExt cx="0" cy="0"/>
-        </a:xfrm>
-      </p:grpSpPr>
-      <p:sp>
-        <p:nvSpPr>
-          <p:cNvPr id="2" name="Title 1"/>
-          <p:cNvSpPr>
-            <a:spLocks noGrp="1"/>
-          </p:cNvSpPr>
-          <p:nvPr>
-            <p:ph type="title"/>
-          </p:nvPr>
-        </p:nvSpPr>
-        <p:spPr/>
-        <p:txBody>
-          <a:bodyPr/>
-          <a:lstStyle/>
-          <a:p>
-            <a:r>
-              <a:rPr lang="de-DE" dirty="0" smtClean="0"/>
-              <a:t>3D Objects</a:t>
-            </a:r>
-            <a:endParaRPr lang="de-DE" dirty="0"/>
-          </a:p>
-        </p:txBody>
-      </p:sp>
-      <p:sp>
-        <p:nvSpPr>
-          <p:cNvPr id="3" name="Content Placeholder 2"/>
-          <p:cNvSpPr>
-            <a:spLocks noGrp="1"/>
-          </p:cNvSpPr>
-          <p:nvPr>
-            <p:ph idx="1"/>
-          </p:nvPr>
-        </p:nvSpPr>
-        <p:spPr/>
-        <p:txBody>
-          <a:bodyPr/>
-          <a:lstStyle/>
-          <a:p>
-            <a:r>
-              <a:rPr lang="de-DE" dirty="0" smtClean="0"/>
-              <a:t>Design objects according to the soundfiles we got</a:t>
-            </a:r>
-          </a:p>
-          <a:p>
-            <a:r>
-              <a:rPr lang="de-DE" dirty="0" smtClean="0"/>
-              <a:t>Similar in shape in order to make it not </a:t>
-            </a:r>
-            <a:r>
-              <a:rPr lang="de-DE" dirty="0" smtClean="0"/>
-              <a:t>too</a:t>
-            </a:r>
-            <a:r>
-              <a:rPr lang="de-DE" dirty="0" smtClean="0"/>
-              <a:t> </a:t>
-            </a:r>
-            <a:r>
-              <a:rPr lang="de-DE" dirty="0" smtClean="0"/>
-              <a:t>easy</a:t>
-            </a:r>
-          </a:p>
-          <a:p>
-            <a:r>
-              <a:rPr lang="de-DE" dirty="0" smtClean="0"/>
-              <a:t>Different in texture</a:t>
-            </a:r>
-            <a:endParaRPr lang="de-DE" dirty="0"/>
-          </a:p>
-        </p:txBody>
-      </p:sp>
-      <p:sp>
-        <p:nvSpPr>
-          <p:cNvPr id="4" name="Date Placeholder 3"/>
-          <p:cNvSpPr>
-            <a:spLocks noGrp="1"/>
-          </p:cNvSpPr>
-          <p:nvPr>
-            <p:ph type="dt" sz="half" idx="10"/>
-          </p:nvPr>
-        </p:nvSpPr>
-        <p:spPr/>
-        <p:txBody>
-          <a:bodyPr/>
-          <a:lstStyle/>
-          <a:p>
-            <a:fld id="{7D948072-47AA-4D60-8E7B-174BC3D8568C}" type="datetime1">
-              <a:rPr lang="de-DE" noProof="0" smtClean="0"/>
-              <a:t>06.08.2015</a:t>
-            </a:fld>
-            <a:endParaRPr lang="en-US" noProof="0"/>
-          </a:p>
-        </p:txBody>
-      </p:sp>
-      <p:sp>
-        <p:nvSpPr>
-          <p:cNvPr id="5" name="Footer Placeholder 4"/>
-          <p:cNvSpPr>
-            <a:spLocks noGrp="1"/>
-          </p:cNvSpPr>
-          <p:nvPr>
-            <p:ph type="ftr" sz="quarter" idx="11"/>
-          </p:nvPr>
-        </p:nvSpPr>
-        <p:spPr/>
-        <p:txBody>
-          <a:bodyPr/>
-          <a:lstStyle/>
-          <a:p>
-            <a:r>
-              <a:rPr lang="en-US" noProof="0" smtClean="0"/>
-              <a:t>Computational Haptics Laboratory -  Final Presentation</a:t>
-            </a:r>
-            <a:endParaRPr lang="en-US" noProof="0" dirty="0"/>
-          </a:p>
-        </p:txBody>
-      </p:sp>
-      <p:sp>
-        <p:nvSpPr>
-          <p:cNvPr id="6" name="Slide Number Placeholder 5"/>
-          <p:cNvSpPr>
-            <a:spLocks noGrp="1"/>
-          </p:cNvSpPr>
-          <p:nvPr>
-            <p:ph type="sldNum" sz="quarter" idx="12"/>
-          </p:nvPr>
-        </p:nvSpPr>
-        <p:spPr/>
-        <p:txBody>
-          <a:bodyPr/>
-          <a:lstStyle/>
-          <a:p>
-            <a:fld id="{17CC94CD-1FE7-0C44-80F4-2964C2C99554}" type="slidenum">
-              <a:rPr lang="en-US" noProof="0" smtClean="0"/>
-              <a:pPr/>
-              <a:t>19</a:t>
-            </a:fld>
-            <a:endParaRPr lang="en-US" noProof="0"/>
-          </a:p>
-        </p:txBody>
-      </p:sp>
-    </p:spTree>
-    <p:extLst>
-      <p:ext uri="{BB962C8B-B14F-4D97-AF65-F5344CB8AC3E}">
-        <p14:creationId xmlns:p14="http://schemas.microsoft.com/office/powerpoint/2010/main" val="2884388466"/>
-      </p:ext>
-    </p:extLst>
-  </p:cSld>
-  <p:clrMapOvr>
-    <a:masterClrMapping/>
-  </p:clrMapOvr>
-  <mc:AlternateContent xmlns:mc="http://schemas.openxmlformats.org/markup-compatibility/2006">
-    <mc:Choice xmlns:p14="http://schemas.microsoft.com/office/powerpoint/2010/main" Requires="p14">
-      <p:transition spd="slow" p14:dur="2000" advTm="32287"/>
-    </mc:Choice>
-    <mc:Fallback>
-      <p:transition spd="slow" advTm="32287"/>
     </mc:Fallback>
   </mc:AlternateContent>
   <p:timing>
@@ -16091,15 +17467,7 @@
                 <a:ea typeface="ＭＳ Ｐゴシック" charset="0"/>
                 <a:cs typeface="ＭＳ Ｐゴシック" charset="0"/>
               </a:rPr>
-              <a:t>Concept </a:t>
-            </a:r>
-            <a:r>
-              <a:rPr lang="en-US" dirty="0" smtClean="0">
-                <a:latin typeface="Arial" charset="0"/>
-                <a:ea typeface="ＭＳ Ｐゴシック" charset="0"/>
-                <a:cs typeface="ＭＳ Ｐゴシック" charset="0"/>
-              </a:rPr>
-              <a:t>- </a:t>
+              <a:t>Concept - </a:t>
             </a:r>
             <a:r>
               <a:rPr lang="en-US" dirty="0" err="1" smtClean="0">
@@ -16248,14 +17616,41 @@
             </a:r>
           </a:p>
           <a:p>
+            <a:pPr lvl="1" eaLnBrk="1" hangingPunct="1"/>
+            <a:endParaRPr lang="en-US" dirty="0" smtClean="0">
+              <a:latin typeface="Arial" charset="0"/>
+              <a:ea typeface="ＭＳ Ｐゴシック" charset="0"/>
+              <a:cs typeface="ＭＳ Ｐゴシック" charset="0"/>
+            </a:endParaRPr>
+          </a:p>
+          <a:p>
             <a:pPr eaLnBrk="1" hangingPunct="1"/>
+            <a:r>
+              <a:rPr lang="en-US" dirty="0" smtClean="0">
+                <a:latin typeface="Arial" charset="0"/>
+                <a:ea typeface="ＭＳ Ｐゴシック" charset="0"/>
+                <a:cs typeface="ＭＳ Ｐゴシック" charset="0"/>
+              </a:rPr>
+              <a:t>Features:</a:t>
+            </a:r>
+          </a:p>
+          <a:p>
+            <a:pPr lvl="1" eaLnBrk="1" hangingPunct="1"/>
+            <a:r>
+              <a:rPr lang="en-US" dirty="0" smtClean="0">
+                <a:latin typeface="Arial" charset="0"/>
+                <a:ea typeface="ＭＳ Ｐゴシック" charset="0"/>
+                <a:cs typeface="ＭＳ Ｐゴシック" charset="0"/>
+              </a:rPr>
+              <a:t>Choose </a:t>
+            </a:r>
             <a:r>
               <a:rPr lang="en-US" dirty="0">
                 <a:latin typeface="Arial" charset="0"/>
                 <a:ea typeface="ＭＳ Ｐゴシック" charset="0"/>
                 <a:cs typeface="ＭＳ Ｐゴシック" charset="0"/>
               </a:rPr>
-              <a:t>Choose number of rounds to </a:t>
+              <a:t>number of rounds to </a:t>
             </a:r>
             <a:r>
               <a:rPr lang="en-US" dirty="0" smtClean="0">
@@ -16265,27 +17660,44 @@
               </a:rPr>
               <a:t>play</a:t>
             </a:r>
-            <a:endParaRPr lang="en-US" dirty="0" smtClean="0">
-              <a:latin typeface="Arial" charset="0"/>
-              <a:ea typeface="ＭＳ Ｐゴシック" charset="0"/>
-              <a:cs typeface="ＭＳ Ｐゴシック" charset="0"/>
-            </a:endParaRPr>
-          </a:p>
-          <a:p>
-            <a:pPr eaLnBrk="1" hangingPunct="1"/>
+          </a:p>
+          <a:p>
+            <a:pPr lvl="1" eaLnBrk="1" hangingPunct="1"/>
             <a:r>
               <a:rPr lang="en-US" dirty="0" smtClean="0">
                 <a:latin typeface="Arial" charset="0"/>
                 <a:ea typeface="ＭＳ Ｐゴシック" charset="0"/>
                 <a:cs typeface="ＭＳ Ｐゴシック" charset="0"/>
               </a:rPr>
-              <a:t>Display the performance</a:t>
-            </a:r>
-            <a:endParaRPr lang="en-US" dirty="0" smtClean="0">
+              <a:t>Display the user performance</a:t>
+            </a:r>
+          </a:p>
+          <a:p>
+            <a:pPr lvl="1" eaLnBrk="1" hangingPunct="1"/>
+            <a:r>
+              <a:rPr lang="en-US" dirty="0" smtClean="0">
+                <a:latin typeface="Arial" charset="0"/>
+                <a:ea typeface="ＭＳ Ｐゴシック" charset="0"/>
+                <a:cs typeface="ＭＳ Ｐゴシック" charset="0"/>
+              </a:rPr>
+              <a:t>Time for exploring the object</a:t>
+            </a:r>
+            <a:endParaRPr lang="en-US" dirty="0">
               <a:latin typeface="Arial" charset="0"/>
               <a:ea typeface="ＭＳ Ｐゴシック" charset="0"/>
               <a:cs typeface="ＭＳ Ｐゴシック" charset="0"/>
             </a:endParaRPr>
+          </a:p>
+          <a:p>
+            <a:pPr lvl="1" eaLnBrk="1" hangingPunct="1"/>
+            <a:r>
+              <a:rPr lang="en-US" dirty="0" smtClean="0">
+                <a:latin typeface="Arial" charset="0"/>
+                <a:ea typeface="ＭＳ Ｐゴシック" charset="0"/>
+                <a:cs typeface="ＭＳ Ｐゴシック" charset="0"/>
+              </a:rPr>
+              <a:t>Hide handle</a:t>
+            </a:r>
           </a:p>
         </p:txBody>
       </p:sp>
@@ -16330,7 +17742,7 @@
           <a:p>
             <a:fld id="{9EFA8BEB-0BA7-4080-BC34-0CDBDD7CD24C}" type="datetime1">
               <a:rPr lang="de-DE" noProof="0" smtClean="0"/>
-              <a:t>06.08.2015</a:t>
+              <a:t>07.08.2015</a:t>
             </a:fld>
             <a:endParaRPr lang="en-US" noProof="0" dirty="0"/>
           </a:p>
@@ -16364,11 +17776,11 @@
   <p:clrMapOvr>
     <a:masterClrMapping/>
   </p:clrMapOvr>
-  <mc:AlternateContent xmlns:mc="http://schemas.openxmlformats.org/markup-compatibility/2006">
-    <mc:Choice xmlns:p14="http://schemas.microsoft.com/office/powerpoint/2010/main" Requires="p14">
+  <mc:AlternateContent xmlns:mc="http://schemas.openxmlformats.org/markup-compatibility/2006" xmlns:p14="http://schemas.microsoft.com/office/powerpoint/2010/main">
+    <mc:Choice Requires="p14">
       <p:transition spd="slow" p14:dur="2000" advTm="83419"/>
     </mc:Choice>
-    <mc:Fallback>
+    <mc:Fallback xmlns="">
       <p:transition spd="slow" advTm="83419"/>
     </mc:Fallback>
   </mc:AlternateContent>
@@ -16416,7 +17828,7 @@
           <a:p>
             <a:r>
               <a:rPr lang="de-DE" dirty="0" smtClean="0"/>
-              <a:t>Our Work</a:t>
+              <a:t>3D Objects</a:t>
             </a:r>
             <a:endParaRPr lang="de-DE" dirty="0"/>
           </a:p>
@@ -16439,28 +17851,20 @@
           <a:p>
             <a:r>
               <a:rPr lang="de-DE" dirty="0" smtClean="0"/>
-              <a:t>Implement game logic</a:t>
+              <a:t>Design objects according to the soundfiles we got</a:t>
             </a:r>
           </a:p>
           <a:p>
             <a:r>
               <a:rPr lang="de-DE" dirty="0" smtClean="0"/>
-              <a:t>Create 3D objects</a:t>
+              <a:t>Similar in shape in order to make it not too easy</a:t>
             </a:r>
           </a:p>
           <a:p>
             <a:r>
               <a:rPr lang="de-DE" dirty="0" smtClean="0"/>
-              <a:t>Handle user unputs</a:t>
-            </a:r>
-          </a:p>
-          <a:p>
-            <a:r>
-              <a:rPr lang="de-DE" dirty="0" smtClean="0"/>
-              <a:t>Connect voice coil actuator with CHAI 3D</a:t>
-            </a:r>
-          </a:p>
-          <a:p>
+              <a:t>Different in texture</a:t>
+            </a:r>
             <a:endParaRPr lang="de-DE" dirty="0"/>
           </a:p>
         </p:txBody>
@@ -16480,9 +17884,9 @@
           <a:bodyPr/>
           <a:lstStyle/>
           <a:p>
-            <a:fld id="{97B15E55-DB7C-4CF5-962D-AD56A99ED710}" type="datetime1">
+            <a:fld id="{7D948072-47AA-4D60-8E7B-174BC3D8568C}" type="datetime1">
               <a:rPr lang="de-DE" noProof="0" smtClean="0"/>
-              <a:t>06.08.2015</a:t>
+              <a:t>07.08.2015</a:t>
             </a:fld>
             <a:endParaRPr lang="en-US" noProof="0"/>
           </a:p>
@@ -16538,6 +17942,187 @@
     </p:spTree>
     <p:extLst>
       <p:ext uri="{BB962C8B-B14F-4D97-AF65-F5344CB8AC3E}">
+        <p14:creationId xmlns:p14="http://schemas.microsoft.com/office/powerpoint/2010/main" val="2884388466"/>
+      </p:ext>
+    </p:extLst>
+  </p:cSld>
+  <p:clrMapOvr>
+    <a:masterClrMapping/>
+  </p:clrMapOvr>
+  <mc:AlternateContent xmlns:mc="http://schemas.openxmlformats.org/markup-compatibility/2006" xmlns:p14="http://schemas.microsoft.com/office/powerpoint/2010/main">
+    <mc:Choice Requires="p14">
+      <p:transition spd="slow" p14:dur="2000" advTm="32287"/>
+    </mc:Choice>
+    <mc:Fallback xmlns="">
+      <p:transition spd="slow" advTm="32287"/>
+    </mc:Fallback>
+  </mc:AlternateContent>
+  <p:timing>
+    <p:tnLst>
+      <p:par>
+        <p:cTn id="1" dur="indefinite" restart="never" nodeType="tmRoot"/>
+      </p:par>
+    </p:tnLst>
+  </p:timing>
+</p:sld>
+</file>
+
+<file path=ppt/slides/slide21.xml><?xml version="1.0" encoding="utf-8"?>
+<p:sld xmlns:a="http://schemas.openxmlformats.org/drawingml/2006/main" xmlns:r="http://schemas.openxmlformats.org/officeDocument/2006/relationships" xmlns:p="http://schemas.openxmlformats.org/presentationml/2006/main" show="0">
+  <p:cSld>
+    <p:spTree>
+      <p:nvGrpSpPr>
+        <p:cNvPr id="1" name=""/>
+        <p:cNvGrpSpPr/>
+        <p:nvPr/>
+      </p:nvGrpSpPr>
+      <p:grpSpPr>
+        <a:xfrm>
+          <a:off x="0" y="0"/>
+          <a:ext cx="0" cy="0"/>
+          <a:chOff x="0" y="0"/>
+          <a:chExt cx="0" cy="0"/>
+        </a:xfrm>
+      </p:grpSpPr>
+      <p:sp>
+        <p:nvSpPr>
+          <p:cNvPr id="2" name="Title 1"/>
+          <p:cNvSpPr>
+            <a:spLocks noGrp="1"/>
+          </p:cNvSpPr>
+          <p:nvPr>
+            <p:ph type="title"/>
+          </p:nvPr>
+        </p:nvSpPr>
+        <p:spPr/>
+        <p:txBody>
+          <a:bodyPr/>
+          <a:lstStyle/>
+          <a:p>
+            <a:r>
+              <a:rPr lang="de-DE" dirty="0" smtClean="0"/>
+              <a:t>Our Work</a:t>
+            </a:r>
+            <a:endParaRPr lang="de-DE" dirty="0"/>
+          </a:p>
+        </p:txBody>
+      </p:sp>
+      <p:sp>
+        <p:nvSpPr>
+          <p:cNvPr id="3" name="Content Placeholder 2"/>
+          <p:cNvSpPr>
+            <a:spLocks noGrp="1"/>
+          </p:cNvSpPr>
+          <p:nvPr>
+            <p:ph idx="1"/>
+          </p:nvPr>
+        </p:nvSpPr>
+        <p:spPr/>
+        <p:txBody>
+          <a:bodyPr/>
+          <a:lstStyle/>
+          <a:p>
+            <a:r>
+              <a:rPr lang="de-DE" dirty="0" smtClean="0"/>
+              <a:t>Implement game logic</a:t>
+            </a:r>
+          </a:p>
+          <a:p>
+            <a:r>
+              <a:rPr lang="de-DE" dirty="0" smtClean="0"/>
+              <a:t>Create 3D objects</a:t>
+            </a:r>
+          </a:p>
+          <a:p>
+            <a:r>
+              <a:rPr lang="de-DE" dirty="0" smtClean="0"/>
+              <a:t>Handle user unputs</a:t>
+            </a:r>
+          </a:p>
+          <a:p>
+            <a:r>
+              <a:rPr lang="de-DE" dirty="0" smtClean="0"/>
+              <a:t>Connect voice coil actuator with CHAI 3D</a:t>
+            </a:r>
+          </a:p>
+          <a:p>
+            <a:endParaRPr lang="de-DE" dirty="0"/>
+          </a:p>
+        </p:txBody>
+      </p:sp>
+      <p:sp>
+        <p:nvSpPr>
+          <p:cNvPr id="4" name="Date Placeholder 3"/>
+          <p:cNvSpPr>
+            <a:spLocks noGrp="1"/>
+          </p:cNvSpPr>
+          <p:nvPr>
+            <p:ph type="dt" sz="half" idx="10"/>
+          </p:nvPr>
+        </p:nvSpPr>
+        <p:spPr/>
+        <p:txBody>
+          <a:bodyPr/>
+          <a:lstStyle/>
+          <a:p>
+            <a:fld id="{97B15E55-DB7C-4CF5-962D-AD56A99ED710}" type="datetime1">
+              <a:rPr lang="de-DE" noProof="0" smtClean="0"/>
+              <a:t>07.08.2015</a:t>
+            </a:fld>
+            <a:endParaRPr lang="en-US" noProof="0"/>
+          </a:p>
+        </p:txBody>
+      </p:sp>
+      <p:sp>
+        <p:nvSpPr>
+          <p:cNvPr id="5" name="Footer Placeholder 4"/>
+          <p:cNvSpPr>
+            <a:spLocks noGrp="1"/>
+          </p:cNvSpPr>
+          <p:nvPr>
+            <p:ph type="ftr" sz="quarter" idx="11"/>
+          </p:nvPr>
+        </p:nvSpPr>
+        <p:spPr/>
+        <p:txBody>
+          <a:bodyPr/>
+          <a:lstStyle/>
+          <a:p>
+            <a:r>
+              <a:rPr lang="en-US" noProof="0" smtClean="0"/>
+              <a:t>Computational Haptics Laboratory -  Final Presentation</a:t>
+            </a:r>
+            <a:endParaRPr lang="en-US" noProof="0" dirty="0"/>
+          </a:p>
+        </p:txBody>
+      </p:sp>
+      <p:sp>
+        <p:nvSpPr>
+          <p:cNvPr id="6" name="Slide Number Placeholder 5"/>
+          <p:cNvSpPr>
+            <a:spLocks noGrp="1"/>
+          </p:cNvSpPr>
+          <p:nvPr>
+            <p:ph type="sldNum" sz="quarter" idx="12"/>
+          </p:nvPr>
+        </p:nvSpPr>
+        <p:spPr/>
+        <p:txBody>
+          <a:bodyPr/>
+          <a:lstStyle/>
+          <a:p>
+            <a:fld id="{17CC94CD-1FE7-0C44-80F4-2964C2C99554}" type="slidenum">
+              <a:rPr lang="en-US" noProof="0" smtClean="0"/>
+              <a:pPr/>
+              <a:t>21</a:t>
+            </a:fld>
+            <a:endParaRPr lang="en-US" noProof="0"/>
+          </a:p>
+        </p:txBody>
+      </p:sp>
+    </p:spTree>
+    <p:extLst>
+      <p:ext uri="{BB962C8B-B14F-4D97-AF65-F5344CB8AC3E}">
         <p14:creationId xmlns:p14="http://schemas.microsoft.com/office/powerpoint/2010/main" val="3558693333"/>
       </p:ext>
     </p:extLst>
@@ -16545,11 +18130,11 @@
   <p:clrMapOvr>
     <a:masterClrMapping/>
   </p:clrMapOvr>
-  <mc:AlternateContent xmlns:mc="http://schemas.openxmlformats.org/markup-compatibility/2006">
-    <mc:Choice xmlns:p14="http://schemas.microsoft.com/office/powerpoint/2010/main" Requires="p14">
+  <mc:AlternateContent xmlns:mc="http://schemas.openxmlformats.org/markup-compatibility/2006" xmlns:p14="http://schemas.microsoft.com/office/powerpoint/2010/main">
+    <mc:Choice Requires="p14">
       <p:transition spd="slow" p14:dur="2000" advTm="16770"/>
     </mc:Choice>
-    <mc:Fallback>
+    <mc:Fallback xmlns="">
       <p:transition spd="slow" advTm="16770"/>
     </mc:Fallback>
   </mc:AlternateContent>
@@ -16747,7 +18332,7 @@
           <a:p>
             <a:fld id="{1B0152A9-527E-4508-883E-5D4BED04EBB4}" type="datetime1">
               <a:rPr lang="de-DE" noProof="0" smtClean="0"/>
-              <a:t>06.08.2015</a:t>
+              <a:t>07.08.2015</a:t>
             </a:fld>
             <a:endParaRPr lang="en-US" noProof="0"/>
           </a:p>
@@ -16854,36 +18439,29 @@
       </p:pic>
       <p:pic>
         <p:nvPicPr>
-          <p:cNvPr id="10" name="Picture 2"/>
+          <p:cNvPr id="1026" name="Picture 2"/>
           <p:cNvPicPr>
             <a:picLocks noChangeAspect="1" noChangeArrowheads="1"/>
           </p:cNvPicPr>
           <p:nvPr/>
         </p:nvPicPr>
-        <p:blipFill rotWithShape="1">
+        <p:blipFill>
           <a:blip r:embed="rId4" cstate="email">
             <a:extLst>
-              <a:ext uri="{BEBA8EAE-BF5A-486C-A8C5-ECC9F3942E4B}">
-                <a14:imgProps xmlns:a14="http://schemas.microsoft.com/office/drawing/2010/main">
-                  <a14:imgLayer r:embed="rId5">
-                    <a14:imgEffect>
-                      <a14:backgroundRemoval t="8667" b="26857" l="48571" r="52798"/>
-                    </a14:imgEffect>
-                  </a14:imgLayer>
-                </a14:imgProps>
-              </a:ext>
               <a:ext uri="{28A0092B-C50C-407E-A947-70E740481C1C}">
                 <a14:useLocalDpi xmlns:a14="http://schemas.microsoft.com/office/drawing/2010/main" val="0"/>
               </a:ext>
             </a:extLst>
           </a:blip>
-          <a:srcRect l="47230" t="7134" r="45033" b="71976"/>
-          <a:stretch/>
+          <a:srcRect/>
+          <a:stretch>
+            <a:fillRect/>
+          </a:stretch>
         </p:blipFill>
         <p:spPr bwMode="auto">
-          <a:xfrm>
-            <a:off x="3998260" y="1469621"/>
-            <a:ext cx="899161" cy="1517418"/>
+          <a:xfrm flipH="1">
+            <a:off x="5293076" y="3011124"/>
+            <a:ext cx="1850651" cy="1964101"/>
           </a:xfrm>
           <a:prstGeom prst="rect">
             <a:avLst/>
@@ -16921,10 +18499,10 @@
         </p:nvGrpSpPr>
         <p:grpSpPr>
           <a:xfrm>
-            <a:off x="5598315" y="3242984"/>
-            <a:ext cx="1368658" cy="1442898"/>
-            <a:chOff x="5598315" y="3242984"/>
-            <a:chExt cx="1368658" cy="1442898"/>
+            <a:off x="5591162" y="3273592"/>
+            <a:ext cx="1374412" cy="1412290"/>
+            <a:chOff x="5592561" y="3273592"/>
+            <a:chExt cx="1374412" cy="1412290"/>
           </a:xfrm>
         </p:grpSpPr>
         <p:grpSp>
@@ -16935,10 +18513,10 @@
           </p:nvGrpSpPr>
           <p:grpSpPr>
             <a:xfrm>
-              <a:off x="5598319" y="3242984"/>
-              <a:ext cx="1367257" cy="45898"/>
-              <a:chOff x="5598319" y="3242984"/>
-              <a:chExt cx="1367257" cy="45898"/>
+              <a:off x="5592561" y="3273592"/>
+              <a:ext cx="1367257" cy="49261"/>
+              <a:chOff x="5592561" y="3273592"/>
+              <a:chExt cx="1367257" cy="49261"/>
             </a:xfrm>
           </p:grpSpPr>
           <p:cxnSp>
@@ -16949,7 +18527,7 @@
             </p:nvCxnSpPr>
             <p:spPr bwMode="auto">
               <a:xfrm>
-                <a:off x="5692588" y="3242984"/>
+                <a:off x="5686830" y="3273592"/>
                 <a:ext cx="1272988" cy="0"/>
               </a:xfrm>
               <a:prstGeom prst="line">
@@ -16981,7 +18559,7 @@
             </p:nvCxnSpPr>
             <p:spPr bwMode="auto">
               <a:xfrm>
-                <a:off x="5598319" y="3288882"/>
+                <a:off x="5592561" y="3322853"/>
                 <a:ext cx="1194406" cy="0"/>
               </a:xfrm>
               <a:prstGeom prst="line">
@@ -17013,7 +18591,7 @@
             </p:nvCxnSpPr>
             <p:spPr bwMode="auto">
               <a:xfrm flipV="1">
-                <a:off x="5598319" y="3242984"/>
+                <a:off x="5600396" y="3274316"/>
                 <a:ext cx="94269" cy="45898"/>
               </a:xfrm>
               <a:prstGeom prst="line">
@@ -17045,7 +18623,7 @@
             </p:nvCxnSpPr>
             <p:spPr bwMode="auto">
               <a:xfrm flipV="1">
-                <a:off x="6792725" y="3242984"/>
+                <a:off x="6786967" y="3276955"/>
                 <a:ext cx="172851" cy="45898"/>
               </a:xfrm>
               <a:prstGeom prst="line">
@@ -17221,10 +18799,10 @@
           </p:nvGrpSpPr>
           <p:grpSpPr>
             <a:xfrm>
-              <a:off x="5598315" y="3242984"/>
-              <a:ext cx="1368658" cy="1442898"/>
-              <a:chOff x="5598315" y="3242984"/>
-              <a:chExt cx="1368658" cy="1442898"/>
+              <a:off x="5592561" y="3273592"/>
+              <a:ext cx="1374412" cy="1412290"/>
+              <a:chOff x="5592561" y="3273592"/>
+              <a:chExt cx="1374412" cy="1412290"/>
             </a:xfrm>
           </p:grpSpPr>
           <p:cxnSp>
@@ -17235,8 +18813,8 @@
             </p:nvCxnSpPr>
             <p:spPr bwMode="auto">
               <a:xfrm>
-                <a:off x="5692587" y="3242984"/>
-                <a:ext cx="0" cy="1442898"/>
+                <a:off x="5692587" y="3273592"/>
+                <a:ext cx="0" cy="1412290"/>
               </a:xfrm>
               <a:prstGeom prst="line">
                 <a:avLst/>
@@ -17267,8 +18845,8 @@
             </p:nvCxnSpPr>
             <p:spPr bwMode="auto">
               <a:xfrm>
-                <a:off x="5598315" y="3288882"/>
-                <a:ext cx="4" cy="1333124"/>
+                <a:off x="5592561" y="3322853"/>
+                <a:ext cx="5758" cy="1299153"/>
               </a:xfrm>
               <a:prstGeom prst="line">
                 <a:avLst/>
@@ -17299,8 +18877,8 @@
             </p:nvCxnSpPr>
             <p:spPr bwMode="auto">
               <a:xfrm>
-                <a:off x="6792718" y="3297871"/>
-                <a:ext cx="0" cy="133510"/>
+                <a:off x="6786961" y="3322853"/>
+                <a:ext cx="0" cy="258547"/>
               </a:xfrm>
               <a:prstGeom prst="line">
                 <a:avLst/>
@@ -17331,8 +18909,8 @@
             </p:nvCxnSpPr>
             <p:spPr bwMode="auto">
               <a:xfrm>
-                <a:off x="6966969" y="3242984"/>
-                <a:ext cx="4" cy="1442898"/>
+                <a:off x="6966973" y="3276955"/>
+                <a:ext cx="0" cy="1408927"/>
               </a:xfrm>
               <a:prstGeom prst="line">
                 <a:avLst/>
@@ -17363,8 +18941,8 @@
             </p:nvCxnSpPr>
             <p:spPr bwMode="auto">
               <a:xfrm>
-                <a:off x="6786967" y="4471988"/>
-                <a:ext cx="0" cy="168174"/>
+                <a:off x="6786967" y="4343400"/>
+                <a:ext cx="0" cy="296762"/>
               </a:xfrm>
               <a:prstGeom prst="line">
                 <a:avLst/>
@@ -17389,6 +18967,122 @@
           </p:cxnSp>
         </p:grpSp>
       </p:grpSp>
+      <p:pic>
+        <p:nvPicPr>
+          <p:cNvPr id="1027" name="Picture 3"/>
+          <p:cNvPicPr>
+            <a:picLocks noChangeAspect="1" noChangeArrowheads="1"/>
+          </p:cNvPicPr>
+          <p:nvPr/>
+        </p:nvPicPr>
+        <p:blipFill>
+          <a:blip r:embed="rId5" cstate="email">
+            <a:extLst>
+              <a:ext uri="{28A0092B-C50C-407E-A947-70E740481C1C}">
+                <a14:useLocalDpi xmlns:a14="http://schemas.microsoft.com/office/drawing/2010/main" val="0"/>
+              </a:ext>
+            </a:extLst>
+          </a:blip>
+          <a:srcRect/>
+          <a:stretch>
+            <a:fillRect/>
+          </a:stretch>
+        </p:blipFill>
+        <p:spPr bwMode="auto">
+          <a:xfrm>
+            <a:off x="565897" y="3096324"/>
+            <a:ext cx="4906988" cy="1963355"/>
+          </a:xfrm>
+          <a:prstGeom prst="rect">
+            <a:avLst/>
+          </a:prstGeom>
+          <a:noFill/>
+          <a:ln>
+            <a:noFill/>
+          </a:ln>
+          <a:extLst>
+            <a:ext uri="{909E8E84-426E-40DD-AFC4-6F175D3DCCD1}">
+              <a14:hiddenFill xmlns:a14="http://schemas.microsoft.com/office/drawing/2010/main">
+                <a:solidFill>
+                  <a:schemeClr val="accent1"/>
+                </a:solidFill>
+              </a14:hiddenFill>
+            </a:ext>
+            <a:ext uri="{91240B29-F687-4F45-9708-019B960494DF}">
+              <a14:hiddenLine xmlns:a14="http://schemas.microsoft.com/office/drawing/2010/main" w="9525">
+                <a:solidFill>
+                  <a:schemeClr val="tx1"/>
+                </a:solidFill>
+                <a:miter lim="800000"/>
+                <a:headEnd/>
+                <a:tailEnd/>
+              </a14:hiddenLine>
+            </a:ext>
+          </a:extLst>
+        </p:spPr>
+      </p:pic>
+      <p:pic>
+        <p:nvPicPr>
+          <p:cNvPr id="10" name="Picture 2"/>
+          <p:cNvPicPr>
+            <a:picLocks noChangeAspect="1" noChangeArrowheads="1"/>
+          </p:cNvPicPr>
+          <p:nvPr/>
+        </p:nvPicPr>
+        <p:blipFill rotWithShape="1">
+          <a:blip r:embed="rId6" cstate="email">
+            <a:grayscl/>
+            <a:extLst>
+              <a:ext uri="{BEBA8EAE-BF5A-486C-A8C5-ECC9F3942E4B}">
+                <a14:imgProps xmlns:a14="http://schemas.microsoft.com/office/drawing/2010/main">
+                  <a14:imgLayer r:embed="rId7">
+                    <a14:imgEffect>
+                      <a14:backgroundRemoval t="8667" b="26857" l="48571" r="52798"/>
+                    </a14:imgEffect>
+                  </a14:imgLayer>
+                </a14:imgProps>
+              </a:ext>
+              <a:ext uri="{28A0092B-C50C-407E-A947-70E740481C1C}">
+                <a14:useLocalDpi xmlns:a14="http://schemas.microsoft.com/office/drawing/2010/main" val="0"/>
+              </a:ext>
+            </a:extLst>
+          </a:blip>
+          <a:srcRect l="47230" t="7134" r="45033" b="71976"/>
+          <a:stretch/>
+        </p:blipFill>
+        <p:spPr bwMode="auto">
+          <a:xfrm>
+            <a:off x="3998260" y="1469621"/>
+            <a:ext cx="899161" cy="1517418"/>
+          </a:xfrm>
+          <a:prstGeom prst="rect">
+            <a:avLst/>
+          </a:prstGeom>
+          <a:noFill/>
+          <a:ln>
+            <a:noFill/>
+          </a:ln>
+          <a:extLst>
+            <a:ext uri="{909E8E84-426E-40DD-AFC4-6F175D3DCCD1}">
+              <a14:hiddenFill xmlns:a14="http://schemas.microsoft.com/office/drawing/2010/main">
+                <a:solidFill>
+                  <a:schemeClr val="accent1"/>
+                </a:solidFill>
+              </a14:hiddenFill>
+            </a:ext>
+            <a:ext uri="{91240B29-F687-4F45-9708-019B960494DF}">
+              <a14:hiddenLine xmlns:a14="http://schemas.microsoft.com/office/drawing/2010/main" w="9525">
+                <a:solidFill>
+                  <a:schemeClr val="tx1"/>
+                </a:solidFill>
+                <a:miter lim="800000"/>
+                <a:headEnd/>
+                <a:tailEnd/>
+              </a14:hiddenLine>
+            </a:ext>
+          </a:extLst>
+        </p:spPr>
+      </p:pic>
     </p:spTree>
     <p:extLst>
       <p:ext uri="{BB962C8B-B14F-4D97-AF65-F5344CB8AC3E}">
@@ -17547,15 +19241,7 @@
                 <a:ea typeface="ＭＳ Ｐゴシック" charset="0"/>
                 <a:cs typeface="ＭＳ Ｐゴシック" charset="0"/>
               </a:rPr>
-              <a:t>Concept </a:t>
-            </a:r>
-            <a:r>
-              <a:rPr lang="en-US" dirty="0" smtClean="0">
-                <a:latin typeface="Arial" charset="0"/>
-                <a:ea typeface="ＭＳ Ｐゴシック" charset="0"/>
-                <a:cs typeface="ＭＳ Ｐゴシック" charset="0"/>
-              </a:rPr>
-              <a:t>- </a:t>
+              <a:t>Concept - </a:t>
             </a:r>
             <a:r>
               <a:rPr lang="en-US" dirty="0" err="1" smtClean="0">
@@ -17704,14 +19390,41 @@
             </a:r>
           </a:p>
           <a:p>
+            <a:pPr lvl="1" eaLnBrk="1" hangingPunct="1"/>
+            <a:endParaRPr lang="en-US" dirty="0" smtClean="0">
+              <a:latin typeface="Arial" charset="0"/>
+              <a:ea typeface="ＭＳ Ｐゴシック" charset="0"/>
+              <a:cs typeface="ＭＳ Ｐゴシック" charset="0"/>
+            </a:endParaRPr>
+          </a:p>
+          <a:p>
             <a:pPr eaLnBrk="1" hangingPunct="1"/>
+            <a:r>
+              <a:rPr lang="en-US" dirty="0" smtClean="0">
+                <a:latin typeface="Arial" charset="0"/>
+                <a:ea typeface="ＭＳ Ｐゴシック" charset="0"/>
+                <a:cs typeface="ＭＳ Ｐゴシック" charset="0"/>
+              </a:rPr>
+              <a:t>Features:</a:t>
+            </a:r>
+          </a:p>
+          <a:p>
+            <a:pPr lvl="1" eaLnBrk="1" hangingPunct="1"/>
+            <a:r>
+              <a:rPr lang="en-US" dirty="0" smtClean="0">
+                <a:latin typeface="Arial" charset="0"/>
+                <a:ea typeface="ＭＳ Ｐゴシック" charset="0"/>
+                <a:cs typeface="ＭＳ Ｐゴシック" charset="0"/>
+              </a:rPr>
+              <a:t>Choose </a:t>
+            </a:r>
             <a:r>
               <a:rPr lang="en-US" dirty="0">
                 <a:latin typeface="Arial" charset="0"/>
                 <a:ea typeface="ＭＳ Ｐゴシック" charset="0"/>
                 <a:cs typeface="ＭＳ Ｐゴシック" charset="0"/>
               </a:rPr>
-              <a:t>Choose number of rounds to </a:t>
+              <a:t>number of rounds to </a:t>
             </a:r>
             <a:r>
               <a:rPr lang="en-US" dirty="0" smtClean="0">
@@ -17721,29 +19434,43 @@
               </a:rPr>
               <a:t>play</a:t>
             </a:r>
-            <a:endParaRPr lang="en-US" dirty="0" smtClean="0">
-              <a:latin typeface="Arial" charset="0"/>
-              <a:ea typeface="ＭＳ Ｐゴシック" charset="0"/>
-              <a:cs typeface="ＭＳ Ｐゴシック" charset="0"/>
-            </a:endParaRPr>
-          </a:p>
-          <a:p>
-            <a:pPr eaLnBrk="1" hangingPunct="1"/>
+          </a:p>
+          <a:p>
+            <a:pPr lvl="1" eaLnBrk="1" hangingPunct="1"/>
             <a:r>
               <a:rPr lang="en-US" dirty="0" smtClean="0">
                 <a:latin typeface="Arial" charset="0"/>
                 <a:ea typeface="ＭＳ Ｐゴシック" charset="0"/>
                 <a:cs typeface="ＭＳ Ｐゴシック" charset="0"/>
               </a:rPr>
-              <a:t>Show </a:t>
-            </a:r>
+              <a:t>Display the user performance</a:t>
+            </a:r>
+          </a:p>
+          <a:p>
+            <a:pPr lvl="1" eaLnBrk="1" hangingPunct="1"/>
             <a:r>
               <a:rPr lang="en-US" dirty="0" smtClean="0">
                 <a:latin typeface="Arial" charset="0"/>
                 <a:ea typeface="ＭＳ Ｐゴシック" charset="0"/>
                 <a:cs typeface="ＭＳ Ｐゴシック" charset="0"/>
               </a:rPr>
-              <a:t>the user his performance</a:t>
+              <a:t>Time for exploring the object</a:t>
+            </a:r>
+            <a:endParaRPr lang="en-US" dirty="0">
+              <a:latin typeface="Arial" charset="0"/>
+              <a:ea typeface="ＭＳ Ｐゴシック" charset="0"/>
+              <a:cs typeface="ＭＳ Ｐゴシック" charset="0"/>
+            </a:endParaRPr>
+          </a:p>
+          <a:p>
+            <a:pPr lvl="1" eaLnBrk="1" hangingPunct="1"/>
+            <a:r>
+              <a:rPr lang="en-US" dirty="0" smtClean="0">
+                <a:latin typeface="Arial" charset="0"/>
+                <a:ea typeface="ＭＳ Ｐゴシック" charset="0"/>
+                <a:cs typeface="ＭＳ Ｐゴシック" charset="0"/>
+              </a:rPr>
+              <a:t>Hide handle</a:t>
             </a:r>
           </a:p>
         </p:txBody>
@@ -17787,11 +19514,11 @@
           <a:bodyPr/>
           <a:lstStyle/>
           <a:p>
-            <a:fld id="{D0C850D2-9762-47E2-BC97-D45A5F466E92}" type="datetime1">
+            <a:fld id="{9EFA8BEB-0BA7-4080-BC34-0CDBDD7CD24C}" type="datetime1">
               <a:rPr lang="de-DE" noProof="0" smtClean="0"/>
-              <a:t>06.08.2015</a:t>
+              <a:t>07.08.2015</a:t>
             </a:fld>
-            <a:endParaRPr lang="en-US" noProof="0"/>
+            <a:endParaRPr lang="en-US" noProof="0" dirty="0"/>
           </a:p>
         </p:txBody>
       </p:sp>
@@ -17821,18 +19548,18 @@
     </p:spTree>
     <p:extLst>
       <p:ext uri="{BB962C8B-B14F-4D97-AF65-F5344CB8AC3E}">
-        <p14:creationId xmlns:p14="http://schemas.microsoft.com/office/powerpoint/2010/main" val="4119808693"/>
+        <p14:creationId xmlns:p14="http://schemas.microsoft.com/office/powerpoint/2010/main" val="2746507785"/>
       </p:ext>
     </p:extLst>
   </p:cSld>
   <p:clrMapOvr>
     <a:masterClrMapping/>
   </p:clrMapOvr>
-  <mc:AlternateContent xmlns:mc="http://schemas.openxmlformats.org/markup-compatibility/2006">
-    <mc:Choice xmlns:p14="http://schemas.microsoft.com/office/powerpoint/2010/main" Requires="p14">
+  <mc:AlternateContent xmlns:mc="http://schemas.openxmlformats.org/markup-compatibility/2006" xmlns:p14="http://schemas.microsoft.com/office/powerpoint/2010/main">
+    <mc:Choice Requires="p14">
       <p:transition spd="slow" p14:dur="2000" advTm="83419"/>
     </mc:Choice>
-    <mc:Fallback>
+    <mc:Fallback xmlns="">
       <p:transition spd="slow" advTm="83419"/>
     </mc:Fallback>
   </mc:AlternateContent>
@@ -17903,7 +19630,7 @@
           <a:p>
             <a:fld id="{BE8E1FA6-E146-4D4E-80D0-113685DF083A}" type="datetime1">
               <a:rPr lang="de-DE" noProof="0" smtClean="0"/>
-              <a:t>06.08.2015</a:t>
+              <a:t>07.08.2015</a:t>
             </a:fld>
             <a:endParaRPr lang="en-US" noProof="0"/>
           </a:p>
@@ -18005,11 +19732,11 @@
   <p:clrMapOvr>
     <a:masterClrMapping/>
   </p:clrMapOvr>
-  <mc:AlternateContent xmlns:mc="http://schemas.openxmlformats.org/markup-compatibility/2006">
-    <mc:Choice xmlns:p14="http://schemas.microsoft.com/office/powerpoint/2010/main" Requires="p14">
+  <mc:AlternateContent xmlns:mc="http://schemas.openxmlformats.org/markup-compatibility/2006" xmlns:p14="http://schemas.microsoft.com/office/powerpoint/2010/main">
+    <mc:Choice Requires="p14">
       <p:transition spd="slow" p14:dur="2000" advTm="3543"/>
     </mc:Choice>
-    <mc:Fallback>
+    <mc:Fallback xmlns="">
       <p:transition spd="slow" advTm="3543"/>
     </mc:Fallback>
   </mc:AlternateContent>
@@ -18080,7 +19807,7 @@
           <a:p>
             <a:fld id="{09F1B0F0-E597-42DE-B5EC-F1930CB43C3D}" type="datetime1">
               <a:rPr lang="de-DE" noProof="0" smtClean="0"/>
-              <a:t>06.08.2015</a:t>
+              <a:t>07.08.2015</a:t>
             </a:fld>
             <a:endParaRPr lang="en-US" noProof="0"/>
           </a:p>
@@ -18824,11 +20551,11 @@
   <p:clrMapOvr>
     <a:masterClrMapping/>
   </p:clrMapOvr>
-  <mc:AlternateContent xmlns:mc="http://schemas.openxmlformats.org/markup-compatibility/2006">
-    <mc:Choice xmlns:p14="http://schemas.microsoft.com/office/powerpoint/2010/main" Requires="p14">
+  <mc:AlternateContent xmlns:mc="http://schemas.openxmlformats.org/markup-compatibility/2006" xmlns:p14="http://schemas.microsoft.com/office/powerpoint/2010/main">
+    <mc:Choice Requires="p14">
       <p:transition spd="slow" p14:dur="2000" advTm="7865"/>
     </mc:Choice>
-    <mc:Fallback>
+    <mc:Fallback xmlns="">
       <p:transition spd="slow" advTm="7865"/>
     </mc:Fallback>
   </mc:AlternateContent>
@@ -18905,50 +20632,20 @@
               <a:rPr lang="de-DE" dirty="0" smtClean="0">
                 <a:sym typeface="Wingdings" panose="05000000000000000000" pitchFamily="2" charset="2"/>
               </a:rPr>
-              <a:t> interferes especially with the display of high freqency vibrations </a:t>
-            </a:r>
+              <a:t> interferes especially with the display of high freqency vibrations *</a:t>
+            </a:r>
+          </a:p>
+          <a:p>
+            <a:endParaRPr lang="de-DE" dirty="0" smtClean="0">
+              <a:sym typeface="Wingdings" panose="05000000000000000000" pitchFamily="2" charset="2"/>
+            </a:endParaRPr>
+          </a:p>
+          <a:p>
             <a:r>
               <a:rPr lang="de-DE" dirty="0" smtClean="0">
                 <a:sym typeface="Wingdings" panose="05000000000000000000" pitchFamily="2" charset="2"/>
               </a:rPr>
-              <a:t>*</a:t>
-            </a:r>
-          </a:p>
-          <a:p>
-            <a:endParaRPr lang="de-DE" dirty="0" smtClean="0">
-              <a:sym typeface="Wingdings" panose="05000000000000000000" pitchFamily="2" charset="2"/>
-            </a:endParaRPr>
-          </a:p>
-          <a:p>
-            <a:r>
-              <a:rPr lang="de-DE" dirty="0" smtClean="0">
-                <a:sym typeface="Wingdings" panose="05000000000000000000" pitchFamily="2" charset="2"/>
-              </a:rPr>
-              <a:t>Generates </a:t>
-            </a:r>
-            <a:r>
-              <a:rPr lang="de-DE" dirty="0" smtClean="0">
-                <a:sym typeface="Wingdings" panose="05000000000000000000" pitchFamily="2" charset="2"/>
-              </a:rPr>
-              <a:t>vibrotactile </a:t>
-            </a:r>
-            <a:r>
-              <a:rPr lang="de-DE" dirty="0" smtClean="0">
-                <a:sym typeface="Wingdings" panose="05000000000000000000" pitchFamily="2" charset="2"/>
-              </a:rPr>
-              <a:t>frequencies (</a:t>
-            </a:r>
-            <a:r>
-              <a:rPr lang="de-DE" dirty="0" smtClean="0">
-                <a:sym typeface="Wingdings" panose="05000000000000000000" pitchFamily="2" charset="2"/>
-              </a:rPr>
-              <a:t>20-1000 Hz) in real </a:t>
-            </a:r>
-            <a:r>
-              <a:rPr lang="de-DE" dirty="0" smtClean="0">
-                <a:sym typeface="Wingdings" panose="05000000000000000000" pitchFamily="2" charset="2"/>
-              </a:rPr>
-              <a:t>time</a:t>
+              <a:t>Generates vibrotactile frequencies (20-1000 Hz) in real time</a:t>
             </a:r>
           </a:p>
           <a:p>
@@ -18981,7 +20678,7 @@
           <a:p>
             <a:fld id="{FECD2DDB-206B-45E9-808A-D2127E2D09BF}" type="datetime1">
               <a:rPr lang="de-DE" noProof="0" smtClean="0"/>
-              <a:t>06.08.2015</a:t>
+              <a:t>07.08.2015</a:t>
             </a:fld>
             <a:endParaRPr lang="en-US" noProof="0"/>
           </a:p>
@@ -19108,11 +20805,11 @@
   <p:clrMapOvr>
     <a:masterClrMapping/>
   </p:clrMapOvr>
-  <mc:AlternateContent xmlns:mc="http://schemas.openxmlformats.org/markup-compatibility/2006">
-    <mc:Choice xmlns:p14="http://schemas.microsoft.com/office/powerpoint/2010/main" Requires="p14">
+  <mc:AlternateContent xmlns:mc="http://schemas.openxmlformats.org/markup-compatibility/2006" xmlns:p14="http://schemas.microsoft.com/office/powerpoint/2010/main">
+    <mc:Choice Requires="p14">
       <p:transition spd="slow" p14:dur="2000" advTm="55966"/>
     </mc:Choice>
-    <mc:Fallback>
+    <mc:Fallback xmlns="">
       <p:transition spd="slow" advTm="55966"/>
     </mc:Fallback>
   </mc:AlternateContent>
@@ -19183,7 +20880,7 @@
           <a:p>
             <a:fld id="{074B4897-EF2E-4EA8-A119-5E6F50DB72BC}" type="datetime1">
               <a:rPr lang="de-DE" noProof="0" smtClean="0"/>
-              <a:t>06.08.2015</a:t>
+              <a:t>07.08.2015</a:t>
             </a:fld>
             <a:endParaRPr lang="en-US" noProof="0"/>
           </a:p>
@@ -19398,13 +21095,13 @@
           </a:ln>
         </p:spPr>
         <p:style>
-          <a:lnRef idx="1">
+          <a:lnRef idx="2">
             <a:schemeClr val="dk1"/>
           </a:lnRef>
-          <a:fillRef idx="2">
-            <a:schemeClr val="dk1"/>
+          <a:fillRef idx="1">
+            <a:schemeClr val="lt1"/>
           </a:fillRef>
-          <a:effectRef idx="1">
+          <a:effectRef idx="0">
             <a:schemeClr val="dk1"/>
           </a:effectRef>
           <a:fontRef idx="minor">
@@ -19719,13 +21416,13 @@
             </a:ln>
           </p:spPr>
           <p:style>
-            <a:lnRef idx="1">
+            <a:lnRef idx="2">
               <a:schemeClr val="dk1"/>
             </a:lnRef>
-            <a:fillRef idx="2">
-              <a:schemeClr val="dk1"/>
+            <a:fillRef idx="1">
+              <a:schemeClr val="lt1"/>
             </a:fillRef>
-            <a:effectRef idx="1">
+            <a:effectRef idx="0">
               <a:schemeClr val="dk1"/>
             </a:effectRef>
             <a:fontRef idx="minor">
@@ -19851,7 +21548,7 @@
         </p:nvSpPr>
         <p:spPr bwMode="auto">
           <a:xfrm>
-            <a:off x="4002491" y="1977694"/>
+            <a:off x="4002491" y="1936803"/>
             <a:ext cx="567517" cy="4125983"/>
           </a:xfrm>
           <a:prstGeom prst="ellipse">
@@ -19976,11 +21673,11 @@
   <p:clrMapOvr>
     <a:masterClrMapping/>
   </p:clrMapOvr>
-  <mc:AlternateContent xmlns:mc="http://schemas.openxmlformats.org/markup-compatibility/2006">
-    <mc:Choice xmlns:p14="http://schemas.microsoft.com/office/powerpoint/2010/main" Requires="p14">
+  <mc:AlternateContent xmlns:mc="http://schemas.openxmlformats.org/markup-compatibility/2006" xmlns:p14="http://schemas.microsoft.com/office/powerpoint/2010/main">
+    <mc:Choice Requires="p14">
       <p:transition spd="slow" p14:dur="2000" advTm="91982"/>
     </mc:Choice>
-    <mc:Fallback>
+    <mc:Fallback xmlns="">
       <p:transition spd="slow" advTm="91982"/>
     </mc:Fallback>
   </mc:AlternateContent>
@@ -20150,7 +21847,7 @@
           <a:p>
             <a:fld id="{51D7D1E6-57ED-420E-82A3-F7D101CAD99A}" type="datetime1">
               <a:rPr lang="de-DE" noProof="0" smtClean="0"/>
-              <a:t>06.08.2015</a:t>
+              <a:t>07.08.2015</a:t>
             </a:fld>
             <a:endParaRPr lang="en-US" noProof="0"/>
           </a:p>
@@ -21053,8 +22750,8 @@
         </p:nvSpPr>
         <p:spPr>
           <a:xfrm>
-            <a:off x="7625603" y="3332133"/>
-            <a:ext cx="1425882" cy="400110"/>
+            <a:off x="4282856" y="1220729"/>
+            <a:ext cx="4816910" cy="400110"/>
           </a:xfrm>
           <a:prstGeom prst="rect">
             <a:avLst/>
@@ -21070,7 +22767,31 @@
             <a:pPr algn="l"/>
             <a:r>
               <a:rPr lang="de-DE" dirty="0" smtClean="0"/>
-              <a:t>F = const.</a:t>
+              <a:t>F = </a:t>
+            </a:r>
+            <a:r>
+              <a:rPr lang="de-DE" dirty="0" err="1" smtClean="0"/>
+              <a:t>const</a:t>
+            </a:r>
+            <a:r>
+              <a:rPr lang="de-DE" dirty="0" smtClean="0"/>
+              <a:t>. / V </a:t>
+            </a:r>
+            <a:r>
+              <a:rPr lang="de-DE" dirty="0" err="1" smtClean="0"/>
+              <a:t>increases</a:t>
+            </a:r>
+            <a:r>
+              <a:rPr lang="de-DE" dirty="0" smtClean="0"/>
+              <a:t> </a:t>
+            </a:r>
+            <a:r>
+              <a:rPr lang="de-DE" dirty="0" err="1" smtClean="0"/>
+              <a:t>over</a:t>
+            </a:r>
+            <a:r>
+              <a:rPr lang="de-DE" dirty="0" smtClean="0"/>
+              <a:t> time</a:t>
             </a:r>
           </a:p>
         </p:txBody>
@@ -21232,7 +22953,6 @@
               <a:rPr lang="de-DE" dirty="0" smtClean="0"/>
               <a:t>Acceleration [m/s]</a:t>
             </a:r>
-            <a:endParaRPr lang="de-DE" dirty="0" smtClean="0"/>
           </a:p>
         </p:txBody>
       </p:sp>
@@ -21263,7 +22983,6 @@
               <a:rPr lang="de-DE" dirty="0" smtClean="0"/>
               <a:t>Time [s]</a:t>
             </a:r>
-            <a:endParaRPr lang="de-DE" dirty="0" smtClean="0"/>
           </a:p>
         </p:txBody>
       </p:sp>
@@ -21277,11 +22996,11 @@
   <p:clrMapOvr>
     <a:masterClrMapping/>
   </p:clrMapOvr>
-  <mc:AlternateContent xmlns:mc="http://schemas.openxmlformats.org/markup-compatibility/2006">
-    <mc:Choice xmlns:p14="http://schemas.microsoft.com/office/powerpoint/2010/main" Requires="p14">
+  <mc:AlternateContent xmlns:mc="http://schemas.openxmlformats.org/markup-compatibility/2006" xmlns:p14="http://schemas.microsoft.com/office/powerpoint/2010/main">
+    <mc:Choice Requires="p14">
       <p:transition spd="slow" p14:dur="2000" advTm="28734"/>
     </mc:Choice>
-    <mc:Fallback>
+    <mc:Fallback xmlns="">
       <p:transition spd="slow" advTm="28734"/>
     </mc:Fallback>
   </mc:AlternateContent>
